--- a/Week13/07 Pet Park - Create Contributor Operation.pptx
+++ b/Week13/07 Pet Park - Create Contributor Operation.pptx
@@ -129,6 +129,125 @@
 </p:presentation>
 </file>
 
+<file path=ppt/changesInfos/changesInfo1.xml><?xml version="1.0" encoding="utf-8"?>
+<pc:chgInfo xmlns:a="http://schemas.openxmlformats.org/drawingml/2006/main" xmlns:r="http://schemas.openxmlformats.org/officeDocument/2006/relationships" xmlns:ac="http://schemas.microsoft.com/office/drawing/2013/main/command" xmlns:pc="http://schemas.microsoft.com/office/powerpoint/2013/main/command">
+  <pc:docChgLst>
+    <pc:chgData name="Chuck Kiefriter" userId="a996b49251c4dfd2" providerId="LiveId" clId="{F9144FC0-C561-41C3-9A89-9E3B66CB211B}"/>
+    <pc:docChg chg="custSel modSld">
+      <pc:chgData name="Chuck Kiefriter" userId="a996b49251c4dfd2" providerId="LiveId" clId="{F9144FC0-C561-41C3-9A89-9E3B66CB211B}" dt="2024-05-01T23:55:25.758" v="7" actId="27636"/>
+      <pc:docMkLst>
+        <pc:docMk/>
+      </pc:docMkLst>
+      <pc:sldChg chg="modSp mod">
+        <pc:chgData name="Chuck Kiefriter" userId="a996b49251c4dfd2" providerId="LiveId" clId="{F9144FC0-C561-41C3-9A89-9E3B66CB211B}" dt="2024-05-01T23:52:45.939" v="0" actId="14100"/>
+        <pc:sldMkLst>
+          <pc:docMk/>
+          <pc:sldMk cId="504848700" sldId="257"/>
+        </pc:sldMkLst>
+        <pc:spChg chg="mod">
+          <ac:chgData name="Chuck Kiefriter" userId="a996b49251c4dfd2" providerId="LiveId" clId="{F9144FC0-C561-41C3-9A89-9E3B66CB211B}" dt="2024-05-01T23:52:45.939" v="0" actId="14100"/>
+          <ac:spMkLst>
+            <pc:docMk/>
+            <pc:sldMk cId="504848700" sldId="257"/>
+            <ac:spMk id="3" creationId="{6BED9E62-9009-3181-868A-E31E64760A1D}"/>
+          </ac:spMkLst>
+        </pc:spChg>
+      </pc:sldChg>
+      <pc:sldChg chg="modSp mod">
+        <pc:chgData name="Chuck Kiefriter" userId="a996b49251c4dfd2" providerId="LiveId" clId="{F9144FC0-C561-41C3-9A89-9E3B66CB211B}" dt="2024-05-01T23:53:17.508" v="1" actId="14100"/>
+        <pc:sldMkLst>
+          <pc:docMk/>
+          <pc:sldMk cId="2000363218" sldId="260"/>
+        </pc:sldMkLst>
+        <pc:spChg chg="mod">
+          <ac:chgData name="Chuck Kiefriter" userId="a996b49251c4dfd2" providerId="LiveId" clId="{F9144FC0-C561-41C3-9A89-9E3B66CB211B}" dt="2024-05-01T23:53:17.508" v="1" actId="14100"/>
+          <ac:spMkLst>
+            <pc:docMk/>
+            <pc:sldMk cId="2000363218" sldId="260"/>
+            <ac:spMk id="3" creationId="{6DFD14A4-F347-D84C-1E86-A1578F269208}"/>
+          </ac:spMkLst>
+        </pc:spChg>
+      </pc:sldChg>
+      <pc:sldChg chg="modSp mod">
+        <pc:chgData name="Chuck Kiefriter" userId="a996b49251c4dfd2" providerId="LiveId" clId="{F9144FC0-C561-41C3-9A89-9E3B66CB211B}" dt="2024-05-01T23:53:25.399" v="2" actId="1076"/>
+        <pc:sldMkLst>
+          <pc:docMk/>
+          <pc:sldMk cId="2551476279" sldId="261"/>
+        </pc:sldMkLst>
+        <pc:spChg chg="mod">
+          <ac:chgData name="Chuck Kiefriter" userId="a996b49251c4dfd2" providerId="LiveId" clId="{F9144FC0-C561-41C3-9A89-9E3B66CB211B}" dt="2024-05-01T23:53:25.399" v="2" actId="1076"/>
+          <ac:spMkLst>
+            <pc:docMk/>
+            <pc:sldMk cId="2551476279" sldId="261"/>
+            <ac:spMk id="6" creationId="{43A92AC2-3681-11D3-7F94-4A7F8F391705}"/>
+          </ac:spMkLst>
+        </pc:spChg>
+      </pc:sldChg>
+      <pc:sldChg chg="modSp mod">
+        <pc:chgData name="Chuck Kiefriter" userId="a996b49251c4dfd2" providerId="LiveId" clId="{F9144FC0-C561-41C3-9A89-9E3B66CB211B}" dt="2024-05-01T23:53:33.951" v="3" actId="14100"/>
+        <pc:sldMkLst>
+          <pc:docMk/>
+          <pc:sldMk cId="35612208" sldId="262"/>
+        </pc:sldMkLst>
+        <pc:spChg chg="mod">
+          <ac:chgData name="Chuck Kiefriter" userId="a996b49251c4dfd2" providerId="LiveId" clId="{F9144FC0-C561-41C3-9A89-9E3B66CB211B}" dt="2024-05-01T23:53:33.951" v="3" actId="14100"/>
+          <ac:spMkLst>
+            <pc:docMk/>
+            <pc:sldMk cId="35612208" sldId="262"/>
+            <ac:spMk id="3" creationId="{782396CD-FB00-B049-33DB-67EBFFF23581}"/>
+          </ac:spMkLst>
+        </pc:spChg>
+      </pc:sldChg>
+      <pc:sldChg chg="modSp mod">
+        <pc:chgData name="Chuck Kiefriter" userId="a996b49251c4dfd2" providerId="LiveId" clId="{F9144FC0-C561-41C3-9A89-9E3B66CB211B}" dt="2024-05-01T23:54:34.886" v="4" actId="14100"/>
+        <pc:sldMkLst>
+          <pc:docMk/>
+          <pc:sldMk cId="2734560364" sldId="269"/>
+        </pc:sldMkLst>
+        <pc:spChg chg="mod">
+          <ac:chgData name="Chuck Kiefriter" userId="a996b49251c4dfd2" providerId="LiveId" clId="{F9144FC0-C561-41C3-9A89-9E3B66CB211B}" dt="2024-05-01T23:54:34.886" v="4" actId="14100"/>
+          <ac:spMkLst>
+            <pc:docMk/>
+            <pc:sldMk cId="2734560364" sldId="269"/>
+            <ac:spMk id="3" creationId="{67716FA3-B91F-5A9B-EB55-891C1FAC2B2C}"/>
+          </ac:spMkLst>
+        </pc:spChg>
+      </pc:sldChg>
+      <pc:sldChg chg="modSp mod">
+        <pc:chgData name="Chuck Kiefriter" userId="a996b49251c4dfd2" providerId="LiveId" clId="{F9144FC0-C561-41C3-9A89-9E3B66CB211B}" dt="2024-05-01T23:55:15.016" v="5" actId="14100"/>
+        <pc:sldMkLst>
+          <pc:docMk/>
+          <pc:sldMk cId="3933635141" sldId="271"/>
+        </pc:sldMkLst>
+        <pc:spChg chg="mod">
+          <ac:chgData name="Chuck Kiefriter" userId="a996b49251c4dfd2" providerId="LiveId" clId="{F9144FC0-C561-41C3-9A89-9E3B66CB211B}" dt="2024-05-01T23:55:15.016" v="5" actId="14100"/>
+          <ac:spMkLst>
+            <pc:docMk/>
+            <pc:sldMk cId="3933635141" sldId="271"/>
+            <ac:spMk id="3" creationId="{19FD912C-69BD-8E33-0CAD-7000A8D777D0}"/>
+          </ac:spMkLst>
+        </pc:spChg>
+      </pc:sldChg>
+      <pc:sldChg chg="modSp mod">
+        <pc:chgData name="Chuck Kiefriter" userId="a996b49251c4dfd2" providerId="LiveId" clId="{F9144FC0-C561-41C3-9A89-9E3B66CB211B}" dt="2024-05-01T23:55:25.758" v="7" actId="27636"/>
+        <pc:sldMkLst>
+          <pc:docMk/>
+          <pc:sldMk cId="129545722" sldId="273"/>
+        </pc:sldMkLst>
+        <pc:spChg chg="mod">
+          <ac:chgData name="Chuck Kiefriter" userId="a996b49251c4dfd2" providerId="LiveId" clId="{F9144FC0-C561-41C3-9A89-9E3B66CB211B}" dt="2024-05-01T23:55:25.758" v="7" actId="27636"/>
+          <ac:spMkLst>
+            <pc:docMk/>
+            <pc:sldMk cId="129545722" sldId="273"/>
+            <ac:spMk id="3" creationId="{016A1163-51DA-89A0-7EE1-547902C15A4A}"/>
+          </ac:spMkLst>
+        </pc:spChg>
+      </pc:sldChg>
+    </pc:docChg>
+  </pc:docChgLst>
+</pc:chgInfo>
+</file>
+
 <file path=ppt/slideLayouts/slideLayout1.xml><?xml version="1.0" encoding="utf-8"?>
 <p:sldLayout xmlns:a="http://schemas.openxmlformats.org/drawingml/2006/main" xmlns:r="http://schemas.openxmlformats.org/officeDocument/2006/relationships" xmlns:p="http://schemas.openxmlformats.org/presentationml/2006/main" type="title" preserve="1">
   <p:cSld name="Title Slide">
@@ -260,7 +379,7 @@
           <a:p>
             <a:fld id="{996C3E10-DA51-4FDD-A722-26676AE03511}" type="datetimeFigureOut">
               <a:rPr lang="en-US" smtClean="0"/>
-              <a:t>10/17/2022</a:t>
+              <a:t>5/1/2024</a:t>
             </a:fld>
             <a:endParaRPr lang="en-US"/>
           </a:p>
@@ -430,7 +549,7 @@
           <a:p>
             <a:fld id="{996C3E10-DA51-4FDD-A722-26676AE03511}" type="datetimeFigureOut">
               <a:rPr lang="en-US" smtClean="0"/>
-              <a:t>10/17/2022</a:t>
+              <a:t>5/1/2024</a:t>
             </a:fld>
             <a:endParaRPr lang="en-US"/>
           </a:p>
@@ -610,7 +729,7 @@
           <a:p>
             <a:fld id="{996C3E10-DA51-4FDD-A722-26676AE03511}" type="datetimeFigureOut">
               <a:rPr lang="en-US" smtClean="0"/>
-              <a:t>10/17/2022</a:t>
+              <a:t>5/1/2024</a:t>
             </a:fld>
             <a:endParaRPr lang="en-US"/>
           </a:p>
@@ -780,7 +899,7 @@
           <a:p>
             <a:fld id="{996C3E10-DA51-4FDD-A722-26676AE03511}" type="datetimeFigureOut">
               <a:rPr lang="en-US" smtClean="0"/>
-              <a:t>10/17/2022</a:t>
+              <a:t>5/1/2024</a:t>
             </a:fld>
             <a:endParaRPr lang="en-US"/>
           </a:p>
@@ -1026,7 +1145,7 @@
           <a:p>
             <a:fld id="{996C3E10-DA51-4FDD-A722-26676AE03511}" type="datetimeFigureOut">
               <a:rPr lang="en-US" smtClean="0"/>
-              <a:t>10/17/2022</a:t>
+              <a:t>5/1/2024</a:t>
             </a:fld>
             <a:endParaRPr lang="en-US"/>
           </a:p>
@@ -1258,7 +1377,7 @@
           <a:p>
             <a:fld id="{996C3E10-DA51-4FDD-A722-26676AE03511}" type="datetimeFigureOut">
               <a:rPr lang="en-US" smtClean="0"/>
-              <a:t>10/17/2022</a:t>
+              <a:t>5/1/2024</a:t>
             </a:fld>
             <a:endParaRPr lang="en-US"/>
           </a:p>
@@ -1625,7 +1744,7 @@
           <a:p>
             <a:fld id="{996C3E10-DA51-4FDD-A722-26676AE03511}" type="datetimeFigureOut">
               <a:rPr lang="en-US" smtClean="0"/>
-              <a:t>10/17/2022</a:t>
+              <a:t>5/1/2024</a:t>
             </a:fld>
             <a:endParaRPr lang="en-US"/>
           </a:p>
@@ -1743,7 +1862,7 @@
           <a:p>
             <a:fld id="{996C3E10-DA51-4FDD-A722-26676AE03511}" type="datetimeFigureOut">
               <a:rPr lang="en-US" smtClean="0"/>
-              <a:t>10/17/2022</a:t>
+              <a:t>5/1/2024</a:t>
             </a:fld>
             <a:endParaRPr lang="en-US"/>
           </a:p>
@@ -1838,7 +1957,7 @@
           <a:p>
             <a:fld id="{996C3E10-DA51-4FDD-A722-26676AE03511}" type="datetimeFigureOut">
               <a:rPr lang="en-US" smtClean="0"/>
-              <a:t>10/17/2022</a:t>
+              <a:t>5/1/2024</a:t>
             </a:fld>
             <a:endParaRPr lang="en-US"/>
           </a:p>
@@ -2115,7 +2234,7 @@
           <a:p>
             <a:fld id="{996C3E10-DA51-4FDD-A722-26676AE03511}" type="datetimeFigureOut">
               <a:rPr lang="en-US" smtClean="0"/>
-              <a:t>10/17/2022</a:t>
+              <a:t>5/1/2024</a:t>
             </a:fld>
             <a:endParaRPr lang="en-US"/>
           </a:p>
@@ -2372,7 +2491,7 @@
           <a:p>
             <a:fld id="{996C3E10-DA51-4FDD-A722-26676AE03511}" type="datetimeFigureOut">
               <a:rPr lang="en-US" smtClean="0"/>
-              <a:t>10/17/2022</a:t>
+              <a:t>5/1/2024</a:t>
             </a:fld>
             <a:endParaRPr lang="en-US"/>
           </a:p>
@@ -2585,7 +2704,7 @@
           <a:p>
             <a:fld id="{996C3E10-DA51-4FDD-A722-26676AE03511}" type="datetimeFigureOut">
               <a:rPr lang="en-US" smtClean="0"/>
-              <a:t>10/17/2022</a:t>
+              <a:t>5/1/2024</a:t>
             </a:fld>
             <a:endParaRPr lang="en-US"/>
           </a:p>
@@ -4524,7 +4643,7 @@
         <p:spPr>
           <a:xfrm>
             <a:off x="838200" y="1825625"/>
-            <a:ext cx="5644487" cy="4351338"/>
+            <a:ext cx="8314944" cy="4351338"/>
           </a:xfrm>
         </p:spPr>
         <p:txBody>
@@ -4561,15 +4680,7 @@
             </a:pPr>
             <a:r>
               <a:rPr lang="en-US" dirty="0"/>
-              <a:t>Response </a:t>
-            </a:r>
-            <a:r>
-              <a:rPr lang="en-US"/>
-              <a:t>headers may be </a:t>
-            </a:r>
-            <a:r>
-              <a:rPr lang="en-US" dirty="0"/>
-              <a:t>different than request headers, but they are still </a:t>
+              <a:t>Response headers may be different than request headers, but they are still </a:t>
             </a:r>
             <a:r>
               <a:rPr lang="en-US" dirty="0">
@@ -5619,7 +5730,7 @@
         <p:spPr>
           <a:xfrm>
             <a:off x="838200" y="1825625"/>
-            <a:ext cx="6115756" cy="4193038"/>
+            <a:ext cx="10820400" cy="4193038"/>
           </a:xfrm>
         </p:spPr>
         <p:txBody>
@@ -5662,13 +5773,8 @@
           <a:p>
             <a:r>
               <a:rPr lang="en-US" dirty="0"/>
-              <a:t>A POST request returns status 201 (Created) </a:t>
-            </a:r>
-            <a:r>
-              <a:rPr lang="en-US"/>
-              <a:t>if successful</a:t>
-            </a:r>
-            <a:endParaRPr lang="en-US" dirty="0"/>
+              <a:t>A POST request returns status 201 (Created) if successful</a:t>
+            </a:r>
           </a:p>
           <a:p>
             <a:pPr marL="0" indent="0">
@@ -5778,12 +5884,12 @@
         <p:spPr>
           <a:xfrm>
             <a:off x="838200" y="1583140"/>
-            <a:ext cx="5139519" cy="4909734"/>
+            <a:ext cx="10610088" cy="4909734"/>
           </a:xfrm>
         </p:spPr>
         <p:txBody>
           <a:bodyPr>
-            <a:normAutofit lnSpcReduction="10000"/>
+            <a:normAutofit/>
           </a:bodyPr>
           <a:lstStyle/>
           <a:p>
@@ -6039,7 +6145,7 @@
         <p:spPr>
           <a:xfrm>
             <a:off x="838200" y="1825625"/>
-            <a:ext cx="5640092" cy="4351338"/>
+            <a:ext cx="10619232" cy="4351338"/>
           </a:xfrm>
         </p:spPr>
         <p:txBody>
@@ -6986,7 +7092,7 @@
         <p:spPr>
           <a:xfrm>
             <a:off x="838200" y="1825625"/>
-            <a:ext cx="4519863" cy="4351338"/>
+            <a:ext cx="9942576" cy="4351338"/>
           </a:xfrm>
         </p:spPr>
         <p:txBody>
@@ -7685,7 +7791,7 @@
         </p:nvSpPr>
         <p:spPr>
           <a:xfrm>
-            <a:off x="838200" y="4998319"/>
+            <a:off x="879107" y="4996647"/>
             <a:ext cx="6380747" cy="1571111"/>
           </a:xfrm>
           <a:prstGeom prst="rect">
@@ -8291,7 +8397,7 @@
         <p:spPr>
           <a:xfrm>
             <a:off x="838200" y="1825625"/>
-            <a:ext cx="6053919" cy="2712508"/>
+            <a:ext cx="10655808" cy="2712508"/>
           </a:xfrm>
         </p:spPr>
         <p:txBody>

--- a/Week13/07 Pet Park - Create Contributor Operation.pptx
+++ b/Week13/07 Pet Park - Create Contributor Operation.pptx
@@ -8,21 +8,25 @@
     <p:sldId id="256" r:id="rId2"/>
     <p:sldId id="257" r:id="rId3"/>
     <p:sldId id="258" r:id="rId4"/>
-    <p:sldId id="259" r:id="rId5"/>
-    <p:sldId id="260" r:id="rId6"/>
-    <p:sldId id="261" r:id="rId7"/>
-    <p:sldId id="262" r:id="rId8"/>
-    <p:sldId id="263" r:id="rId9"/>
-    <p:sldId id="264" r:id="rId10"/>
-    <p:sldId id="265" r:id="rId11"/>
-    <p:sldId id="266" r:id="rId12"/>
-    <p:sldId id="267" r:id="rId13"/>
-    <p:sldId id="268" r:id="rId14"/>
-    <p:sldId id="269" r:id="rId15"/>
-    <p:sldId id="270" r:id="rId16"/>
-    <p:sldId id="271" r:id="rId17"/>
-    <p:sldId id="273" r:id="rId18"/>
-    <p:sldId id="272" r:id="rId19"/>
+    <p:sldId id="277" r:id="rId5"/>
+    <p:sldId id="259" r:id="rId6"/>
+    <p:sldId id="260" r:id="rId7"/>
+    <p:sldId id="276" r:id="rId8"/>
+    <p:sldId id="261" r:id="rId9"/>
+    <p:sldId id="262" r:id="rId10"/>
+    <p:sldId id="263" r:id="rId11"/>
+    <p:sldId id="264" r:id="rId12"/>
+    <p:sldId id="265" r:id="rId13"/>
+    <p:sldId id="266" r:id="rId14"/>
+    <p:sldId id="267" r:id="rId15"/>
+    <p:sldId id="268" r:id="rId16"/>
+    <p:sldId id="269" r:id="rId17"/>
+    <p:sldId id="271" r:id="rId18"/>
+    <p:sldId id="274" r:id="rId19"/>
+    <p:sldId id="270" r:id="rId20"/>
+    <p:sldId id="275" r:id="rId21"/>
+    <p:sldId id="273" r:id="rId22"/>
+    <p:sldId id="272" r:id="rId23"/>
   </p:sldIdLst>
   <p:sldSz cx="12192000" cy="6858000"/>
   <p:notesSz cx="7004050" cy="9290050"/>
@@ -129,6 +133,14 @@
 </p:presentation>
 </file>
 
+<file path=ppt/revisionInfo.xml><?xml version="1.0" encoding="utf-8"?>
+<p1510:revInfo xmlns:a="http://schemas.openxmlformats.org/drawingml/2006/main" xmlns:r="http://schemas.openxmlformats.org/officeDocument/2006/relationships" xmlns:p1510="http://schemas.microsoft.com/office/powerpoint/2015/10/main">
+  <p1510:revLst>
+    <p1510:client id="{9A7AF988-7323-42E3-9290-4F2C7BBB5E85}" v="15" dt="2025-03-11T02:14:38.709"/>
+  </p1510:revLst>
+</p1510:revInfo>
+</file>
+
 <file path=ppt/changesInfos/changesInfo1.xml><?xml version="1.0" encoding="utf-8"?>
 <pc:chgInfo xmlns:a="http://schemas.openxmlformats.org/drawingml/2006/main" xmlns:r="http://schemas.openxmlformats.org/officeDocument/2006/relationships" xmlns:ac="http://schemas.microsoft.com/office/drawing/2013/main/command" xmlns:pc="http://schemas.microsoft.com/office/powerpoint/2013/main/command">
   <pc:docChgLst>
@@ -144,14 +156,6 @@
           <pc:docMk/>
           <pc:sldMk cId="504848700" sldId="257"/>
         </pc:sldMkLst>
-        <pc:spChg chg="mod">
-          <ac:chgData name="Chuck Kiefriter" userId="a996b49251c4dfd2" providerId="LiveId" clId="{F9144FC0-C561-41C3-9A89-9E3B66CB211B}" dt="2024-05-01T23:52:45.939" v="0" actId="14100"/>
-          <ac:spMkLst>
-            <pc:docMk/>
-            <pc:sldMk cId="504848700" sldId="257"/>
-            <ac:spMk id="3" creationId="{6BED9E62-9009-3181-868A-E31E64760A1D}"/>
-          </ac:spMkLst>
-        </pc:spChg>
       </pc:sldChg>
       <pc:sldChg chg="modSp mod">
         <pc:chgData name="Chuck Kiefriter" userId="a996b49251c4dfd2" providerId="LiveId" clId="{F9144FC0-C561-41C3-9A89-9E3B66CB211B}" dt="2024-05-01T23:53:17.508" v="1" actId="14100"/>
@@ -159,14 +163,6 @@
           <pc:docMk/>
           <pc:sldMk cId="2000363218" sldId="260"/>
         </pc:sldMkLst>
-        <pc:spChg chg="mod">
-          <ac:chgData name="Chuck Kiefriter" userId="a996b49251c4dfd2" providerId="LiveId" clId="{F9144FC0-C561-41C3-9A89-9E3B66CB211B}" dt="2024-05-01T23:53:17.508" v="1" actId="14100"/>
-          <ac:spMkLst>
-            <pc:docMk/>
-            <pc:sldMk cId="2000363218" sldId="260"/>
-            <ac:spMk id="3" creationId="{6DFD14A4-F347-D84C-1E86-A1578F269208}"/>
-          </ac:spMkLst>
-        </pc:spChg>
       </pc:sldChg>
       <pc:sldChg chg="modSp mod">
         <pc:chgData name="Chuck Kiefriter" userId="a996b49251c4dfd2" providerId="LiveId" clId="{F9144FC0-C561-41C3-9A89-9E3B66CB211B}" dt="2024-05-01T23:53:25.399" v="2" actId="1076"/>
@@ -174,14 +170,6 @@
           <pc:docMk/>
           <pc:sldMk cId="2551476279" sldId="261"/>
         </pc:sldMkLst>
-        <pc:spChg chg="mod">
-          <ac:chgData name="Chuck Kiefriter" userId="a996b49251c4dfd2" providerId="LiveId" clId="{F9144FC0-C561-41C3-9A89-9E3B66CB211B}" dt="2024-05-01T23:53:25.399" v="2" actId="1076"/>
-          <ac:spMkLst>
-            <pc:docMk/>
-            <pc:sldMk cId="2551476279" sldId="261"/>
-            <ac:spMk id="6" creationId="{43A92AC2-3681-11D3-7F94-4A7F8F391705}"/>
-          </ac:spMkLst>
-        </pc:spChg>
       </pc:sldChg>
       <pc:sldChg chg="modSp mod">
         <pc:chgData name="Chuck Kiefriter" userId="a996b49251c4dfd2" providerId="LiveId" clId="{F9144FC0-C561-41C3-9A89-9E3B66CB211B}" dt="2024-05-01T23:53:33.951" v="3" actId="14100"/>
@@ -189,14 +177,6 @@
           <pc:docMk/>
           <pc:sldMk cId="35612208" sldId="262"/>
         </pc:sldMkLst>
-        <pc:spChg chg="mod">
-          <ac:chgData name="Chuck Kiefriter" userId="a996b49251c4dfd2" providerId="LiveId" clId="{F9144FC0-C561-41C3-9A89-9E3B66CB211B}" dt="2024-05-01T23:53:33.951" v="3" actId="14100"/>
-          <ac:spMkLst>
-            <pc:docMk/>
-            <pc:sldMk cId="35612208" sldId="262"/>
-            <ac:spMk id="3" creationId="{782396CD-FB00-B049-33DB-67EBFFF23581}"/>
-          </ac:spMkLst>
-        </pc:spChg>
       </pc:sldChg>
       <pc:sldChg chg="modSp mod">
         <pc:chgData name="Chuck Kiefriter" userId="a996b49251c4dfd2" providerId="LiveId" clId="{F9144FC0-C561-41C3-9A89-9E3B66CB211B}" dt="2024-05-01T23:54:34.886" v="4" actId="14100"/>
@@ -204,14 +184,6 @@
           <pc:docMk/>
           <pc:sldMk cId="2734560364" sldId="269"/>
         </pc:sldMkLst>
-        <pc:spChg chg="mod">
-          <ac:chgData name="Chuck Kiefriter" userId="a996b49251c4dfd2" providerId="LiveId" clId="{F9144FC0-C561-41C3-9A89-9E3B66CB211B}" dt="2024-05-01T23:54:34.886" v="4" actId="14100"/>
-          <ac:spMkLst>
-            <pc:docMk/>
-            <pc:sldMk cId="2734560364" sldId="269"/>
-            <ac:spMk id="3" creationId="{67716FA3-B91F-5A9B-EB55-891C1FAC2B2C}"/>
-          </ac:spMkLst>
-        </pc:spChg>
       </pc:sldChg>
       <pc:sldChg chg="modSp mod">
         <pc:chgData name="Chuck Kiefriter" userId="a996b49251c4dfd2" providerId="LiveId" clId="{F9144FC0-C561-41C3-9A89-9E3B66CB211B}" dt="2024-05-01T23:55:15.016" v="5" actId="14100"/>
@@ -219,8 +191,313 @@
           <pc:docMk/>
           <pc:sldMk cId="3933635141" sldId="271"/>
         </pc:sldMkLst>
+      </pc:sldChg>
+      <pc:sldChg chg="modSp mod">
+        <pc:chgData name="Chuck Kiefriter" userId="a996b49251c4dfd2" providerId="LiveId" clId="{F9144FC0-C561-41C3-9A89-9E3B66CB211B}" dt="2024-05-01T23:55:25.758" v="7" actId="27636"/>
+        <pc:sldMkLst>
+          <pc:docMk/>
+          <pc:sldMk cId="129545722" sldId="273"/>
+        </pc:sldMkLst>
+      </pc:sldChg>
+    </pc:docChg>
+  </pc:docChgLst>
+  <pc:docChgLst>
+    <pc:chgData name="Chuck Kiefriter" userId="a996b49251c4dfd2" providerId="LiveId" clId="{9A7AF988-7323-42E3-9290-4F2C7BBB5E85}"/>
+    <pc:docChg chg="undo custSel addSld modSld sldOrd">
+      <pc:chgData name="Chuck Kiefriter" userId="a996b49251c4dfd2" providerId="LiveId" clId="{9A7AF988-7323-42E3-9290-4F2C7BBB5E85}" dt="2025-03-12T02:03:45.397" v="691" actId="20577"/>
+      <pc:docMkLst>
+        <pc:docMk/>
+      </pc:docMkLst>
+      <pc:sldChg chg="addSp delSp modSp mod">
+        <pc:chgData name="Chuck Kiefriter" userId="a996b49251c4dfd2" providerId="LiveId" clId="{9A7AF988-7323-42E3-9290-4F2C7BBB5E85}" dt="2025-03-11T02:06:25.349" v="672" actId="20577"/>
+        <pc:sldMkLst>
+          <pc:docMk/>
+          <pc:sldMk cId="2968245344" sldId="258"/>
+        </pc:sldMkLst>
         <pc:spChg chg="mod">
-          <ac:chgData name="Chuck Kiefriter" userId="a996b49251c4dfd2" providerId="LiveId" clId="{F9144FC0-C561-41C3-9A89-9E3B66CB211B}" dt="2024-05-01T23:55:15.016" v="5" actId="14100"/>
+          <ac:chgData name="Chuck Kiefriter" userId="a996b49251c4dfd2" providerId="LiveId" clId="{9A7AF988-7323-42E3-9290-4F2C7BBB5E85}" dt="2025-03-11T01:55:26.307" v="474" actId="20577"/>
+          <ac:spMkLst>
+            <pc:docMk/>
+            <pc:sldMk cId="2968245344" sldId="258"/>
+            <ac:spMk id="2" creationId="{44494EC7-F30B-8DC7-C850-17BD8175BCBA}"/>
+          </ac:spMkLst>
+        </pc:spChg>
+        <pc:spChg chg="add del">
+          <ac:chgData name="Chuck Kiefriter" userId="a996b49251c4dfd2" providerId="LiveId" clId="{9A7AF988-7323-42E3-9290-4F2C7BBB5E85}" dt="2025-03-11T01:51:44.810" v="438" actId="478"/>
+          <ac:spMkLst>
+            <pc:docMk/>
+            <pc:sldMk cId="2968245344" sldId="258"/>
+            <ac:spMk id="3" creationId="{0959617F-F0DD-0BF8-BDF4-245C6075BADD}"/>
+          </ac:spMkLst>
+        </pc:spChg>
+        <pc:spChg chg="del mod">
+          <ac:chgData name="Chuck Kiefriter" userId="a996b49251c4dfd2" providerId="LiveId" clId="{9A7AF988-7323-42E3-9290-4F2C7BBB5E85}" dt="2025-03-11T01:50:37.992" v="436" actId="478"/>
+          <ac:spMkLst>
+            <pc:docMk/>
+            <pc:sldMk cId="2968245344" sldId="258"/>
+            <ac:spMk id="4" creationId="{491B52E6-96B2-56CE-BED1-108813277112}"/>
+          </ac:spMkLst>
+        </pc:spChg>
+        <pc:spChg chg="del mod">
+          <ac:chgData name="Chuck Kiefriter" userId="a996b49251c4dfd2" providerId="LiveId" clId="{9A7AF988-7323-42E3-9290-4F2C7BBB5E85}" dt="2025-03-11T01:50:37.992" v="436" actId="478"/>
+          <ac:spMkLst>
+            <pc:docMk/>
+            <pc:sldMk cId="2968245344" sldId="258"/>
+            <ac:spMk id="5" creationId="{DF7FCA01-0565-E101-4C13-916E59967BBD}"/>
+          </ac:spMkLst>
+        </pc:spChg>
+        <pc:spChg chg="del mod">
+          <ac:chgData name="Chuck Kiefriter" userId="a996b49251c4dfd2" providerId="LiveId" clId="{9A7AF988-7323-42E3-9290-4F2C7BBB5E85}" dt="2025-03-11T01:50:37.992" v="436" actId="478"/>
+          <ac:spMkLst>
+            <pc:docMk/>
+            <pc:sldMk cId="2968245344" sldId="258"/>
+            <ac:spMk id="6" creationId="{5FBCE052-2B10-CEB8-2232-53B65F0F5ADF}"/>
+          </ac:spMkLst>
+        </pc:spChg>
+        <pc:spChg chg="del mod">
+          <ac:chgData name="Chuck Kiefriter" userId="a996b49251c4dfd2" providerId="LiveId" clId="{9A7AF988-7323-42E3-9290-4F2C7BBB5E85}" dt="2025-03-11T01:50:37.992" v="436" actId="478"/>
+          <ac:spMkLst>
+            <pc:docMk/>
+            <pc:sldMk cId="2968245344" sldId="258"/>
+            <ac:spMk id="7" creationId="{594A189E-E31D-C7F7-EAF9-17BBE8D18B8F}"/>
+          </ac:spMkLst>
+        </pc:spChg>
+        <pc:spChg chg="del mod">
+          <ac:chgData name="Chuck Kiefriter" userId="a996b49251c4dfd2" providerId="LiveId" clId="{9A7AF988-7323-42E3-9290-4F2C7BBB5E85}" dt="2025-03-11T01:50:37.992" v="436" actId="478"/>
+          <ac:spMkLst>
+            <pc:docMk/>
+            <pc:sldMk cId="2968245344" sldId="258"/>
+            <ac:spMk id="8" creationId="{2E974126-1AAA-D612-4BE5-9E86F66CF326}"/>
+          </ac:spMkLst>
+        </pc:spChg>
+        <pc:spChg chg="add mod">
+          <ac:chgData name="Chuck Kiefriter" userId="a996b49251c4dfd2" providerId="LiveId" clId="{9A7AF988-7323-42E3-9290-4F2C7BBB5E85}" dt="2025-03-11T02:01:54.569" v="592" actId="20577"/>
+          <ac:spMkLst>
+            <pc:docMk/>
+            <pc:sldMk cId="2968245344" sldId="258"/>
+            <ac:spMk id="13" creationId="{EB7E535C-87FA-5FEC-04B2-9D6E97344EB6}"/>
+          </ac:spMkLst>
+        </pc:spChg>
+        <pc:spChg chg="add mod">
+          <ac:chgData name="Chuck Kiefriter" userId="a996b49251c4dfd2" providerId="LiveId" clId="{9A7AF988-7323-42E3-9290-4F2C7BBB5E85}" dt="2025-03-11T02:05:03.022" v="667" actId="14100"/>
+          <ac:spMkLst>
+            <pc:docMk/>
+            <pc:sldMk cId="2968245344" sldId="258"/>
+            <ac:spMk id="14" creationId="{D6B103BF-F396-43EA-D148-58C29BB2B1C6}"/>
+          </ac:spMkLst>
+        </pc:spChg>
+        <pc:spChg chg="add mod">
+          <ac:chgData name="Chuck Kiefriter" userId="a996b49251c4dfd2" providerId="LiveId" clId="{9A7AF988-7323-42E3-9290-4F2C7BBB5E85}" dt="2025-03-11T02:06:25.349" v="672" actId="20577"/>
+          <ac:spMkLst>
+            <pc:docMk/>
+            <pc:sldMk cId="2968245344" sldId="258"/>
+            <ac:spMk id="15" creationId="{1B9281F6-1359-9393-B564-A4FD94AFCA2E}"/>
+          </ac:spMkLst>
+        </pc:spChg>
+        <pc:picChg chg="add del mod">
+          <ac:chgData name="Chuck Kiefriter" userId="a996b49251c4dfd2" providerId="LiveId" clId="{9A7AF988-7323-42E3-9290-4F2C7BBB5E85}" dt="2025-03-11T01:53:54.039" v="441" actId="478"/>
+          <ac:picMkLst>
+            <pc:docMk/>
+            <pc:sldMk cId="2968245344" sldId="258"/>
+            <ac:picMk id="10" creationId="{1230F5A0-D79D-500E-E5AA-60589444703A}"/>
+          </ac:picMkLst>
+        </pc:picChg>
+        <pc:picChg chg="add mod">
+          <ac:chgData name="Chuck Kiefriter" userId="a996b49251c4dfd2" providerId="LiveId" clId="{9A7AF988-7323-42E3-9290-4F2C7BBB5E85}" dt="2025-03-11T02:03:45.410" v="624" actId="1036"/>
+          <ac:picMkLst>
+            <pc:docMk/>
+            <pc:sldMk cId="2968245344" sldId="258"/>
+            <ac:picMk id="12" creationId="{4B0AC02B-6D2B-99D4-DD4D-138B62E7DE23}"/>
+          </ac:picMkLst>
+        </pc:picChg>
+      </pc:sldChg>
+      <pc:sldChg chg="modSp mod">
+        <pc:chgData name="Chuck Kiefriter" userId="a996b49251c4dfd2" providerId="LiveId" clId="{9A7AF988-7323-42E3-9290-4F2C7BBB5E85}" dt="2025-03-11T00:18:54.407" v="36" actId="1035"/>
+        <pc:sldMkLst>
+          <pc:docMk/>
+          <pc:sldMk cId="2591710189" sldId="259"/>
+        </pc:sldMkLst>
+        <pc:spChg chg="mod">
+          <ac:chgData name="Chuck Kiefriter" userId="a996b49251c4dfd2" providerId="LiveId" clId="{9A7AF988-7323-42E3-9290-4F2C7BBB5E85}" dt="2025-03-11T00:18:54.407" v="36" actId="1035"/>
+          <ac:spMkLst>
+            <pc:docMk/>
+            <pc:sldMk cId="2591710189" sldId="259"/>
+            <ac:spMk id="3" creationId="{ABA455D0-D29D-1777-D4D5-8E89F8078A2C}"/>
+          </ac:spMkLst>
+        </pc:spChg>
+        <pc:spChg chg="mod">
+          <ac:chgData name="Chuck Kiefriter" userId="a996b49251c4dfd2" providerId="LiveId" clId="{9A7AF988-7323-42E3-9290-4F2C7BBB5E85}" dt="2025-03-11T00:18:54.407" v="36" actId="1035"/>
+          <ac:spMkLst>
+            <pc:docMk/>
+            <pc:sldMk cId="2591710189" sldId="259"/>
+            <ac:spMk id="4" creationId="{491B52E6-96B2-56CE-BED1-108813277112}"/>
+          </ac:spMkLst>
+        </pc:spChg>
+        <pc:spChg chg="mod">
+          <ac:chgData name="Chuck Kiefriter" userId="a996b49251c4dfd2" providerId="LiveId" clId="{9A7AF988-7323-42E3-9290-4F2C7BBB5E85}" dt="2025-03-11T00:18:54.407" v="36" actId="1035"/>
+          <ac:spMkLst>
+            <pc:docMk/>
+            <pc:sldMk cId="2591710189" sldId="259"/>
+            <ac:spMk id="5" creationId="{DF7FCA01-0565-E101-4C13-916E59967BBD}"/>
+          </ac:spMkLst>
+        </pc:spChg>
+        <pc:spChg chg="mod">
+          <ac:chgData name="Chuck Kiefriter" userId="a996b49251c4dfd2" providerId="LiveId" clId="{9A7AF988-7323-42E3-9290-4F2C7BBB5E85}" dt="2025-03-11T00:18:54.407" v="36" actId="1035"/>
+          <ac:spMkLst>
+            <pc:docMk/>
+            <pc:sldMk cId="2591710189" sldId="259"/>
+            <ac:spMk id="6" creationId="{5FBCE052-2B10-CEB8-2232-53B65F0F5ADF}"/>
+          </ac:spMkLst>
+        </pc:spChg>
+        <pc:spChg chg="mod">
+          <ac:chgData name="Chuck Kiefriter" userId="a996b49251c4dfd2" providerId="LiveId" clId="{9A7AF988-7323-42E3-9290-4F2C7BBB5E85}" dt="2025-03-11T00:18:54.407" v="36" actId="1035"/>
+          <ac:spMkLst>
+            <pc:docMk/>
+            <pc:sldMk cId="2591710189" sldId="259"/>
+            <ac:spMk id="9" creationId="{E61D4709-9FFE-7409-26CC-C002A693987C}"/>
+          </ac:spMkLst>
+        </pc:spChg>
+        <pc:spChg chg="mod">
+          <ac:chgData name="Chuck Kiefriter" userId="a996b49251c4dfd2" providerId="LiveId" clId="{9A7AF988-7323-42E3-9290-4F2C7BBB5E85}" dt="2025-03-11T00:18:54.407" v="36" actId="1035"/>
+          <ac:spMkLst>
+            <pc:docMk/>
+            <pc:sldMk cId="2591710189" sldId="259"/>
+            <ac:spMk id="10" creationId="{15975BF2-97EE-D965-BB86-635F943BCFAC}"/>
+          </ac:spMkLst>
+        </pc:spChg>
+        <pc:spChg chg="mod">
+          <ac:chgData name="Chuck Kiefriter" userId="a996b49251c4dfd2" providerId="LiveId" clId="{9A7AF988-7323-42E3-9290-4F2C7BBB5E85}" dt="2025-03-11T00:18:54.407" v="36" actId="1035"/>
+          <ac:spMkLst>
+            <pc:docMk/>
+            <pc:sldMk cId="2591710189" sldId="259"/>
+            <ac:spMk id="11" creationId="{3FD73245-E476-F748-3D21-4F7A7B7C3A7A}"/>
+          </ac:spMkLst>
+        </pc:spChg>
+        <pc:spChg chg="mod">
+          <ac:chgData name="Chuck Kiefriter" userId="a996b49251c4dfd2" providerId="LiveId" clId="{9A7AF988-7323-42E3-9290-4F2C7BBB5E85}" dt="2025-03-11T00:18:54.407" v="36" actId="1035"/>
+          <ac:spMkLst>
+            <pc:docMk/>
+            <pc:sldMk cId="2591710189" sldId="259"/>
+            <ac:spMk id="12" creationId="{DEA76726-355F-B74B-025A-86B8454652C5}"/>
+          </ac:spMkLst>
+        </pc:spChg>
+      </pc:sldChg>
+      <pc:sldChg chg="addSp delSp mod">
+        <pc:chgData name="Chuck Kiefriter" userId="a996b49251c4dfd2" providerId="LiveId" clId="{9A7AF988-7323-42E3-9290-4F2C7BBB5E85}" dt="2025-03-11T01:23:22.205" v="371" actId="22"/>
+        <pc:sldMkLst>
+          <pc:docMk/>
+          <pc:sldMk cId="2000363218" sldId="260"/>
+        </pc:sldMkLst>
+        <pc:spChg chg="add del">
+          <ac:chgData name="Chuck Kiefriter" userId="a996b49251c4dfd2" providerId="LiveId" clId="{9A7AF988-7323-42E3-9290-4F2C7BBB5E85}" dt="2025-03-11T01:23:22.205" v="371" actId="22"/>
+          <ac:spMkLst>
+            <pc:docMk/>
+            <pc:sldMk cId="2000363218" sldId="260"/>
+            <ac:spMk id="5" creationId="{712DB054-EBC3-AF98-7CE5-9411DFC6AA8C}"/>
+          </ac:spMkLst>
+        </pc:spChg>
+      </pc:sldChg>
+      <pc:sldChg chg="addSp delSp modSp mod">
+        <pc:chgData name="Chuck Kiefriter" userId="a996b49251c4dfd2" providerId="LiveId" clId="{9A7AF988-7323-42E3-9290-4F2C7BBB5E85}" dt="2025-03-11T01:30:17.153" v="421" actId="1076"/>
+        <pc:sldMkLst>
+          <pc:docMk/>
+          <pc:sldMk cId="2551476279" sldId="261"/>
+        </pc:sldMkLst>
+        <pc:spChg chg="del">
+          <ac:chgData name="Chuck Kiefriter" userId="a996b49251c4dfd2" providerId="LiveId" clId="{9A7AF988-7323-42E3-9290-4F2C7BBB5E85}" dt="2025-03-11T01:26:22.200" v="403" actId="21"/>
+          <ac:spMkLst>
+            <pc:docMk/>
+            <pc:sldMk cId="2551476279" sldId="261"/>
+            <ac:spMk id="4" creationId="{213EF9FE-5C12-0ED2-29C8-1C3C841DD1FC}"/>
+          </ac:spMkLst>
+        </pc:spChg>
+        <pc:spChg chg="del mod">
+          <ac:chgData name="Chuck Kiefriter" userId="a996b49251c4dfd2" providerId="LiveId" clId="{9A7AF988-7323-42E3-9290-4F2C7BBB5E85}" dt="2025-03-11T01:26:22.200" v="403" actId="21"/>
+          <ac:spMkLst>
+            <pc:docMk/>
+            <pc:sldMk cId="2551476279" sldId="261"/>
+            <ac:spMk id="5" creationId="{785F58F2-0B12-CF13-3642-3335D796C8CB}"/>
+          </ac:spMkLst>
+        </pc:spChg>
+        <pc:spChg chg="add mod">
+          <ac:chgData name="Chuck Kiefriter" userId="a996b49251c4dfd2" providerId="LiveId" clId="{9A7AF988-7323-42E3-9290-4F2C7BBB5E85}" dt="2025-03-11T01:30:17.153" v="421" actId="1076"/>
+          <ac:spMkLst>
+            <pc:docMk/>
+            <pc:sldMk cId="2551476279" sldId="261"/>
+            <ac:spMk id="8" creationId="{17A50201-CA19-0C15-E2EC-1497D83D6C40}"/>
+          </ac:spMkLst>
+        </pc:spChg>
+        <pc:spChg chg="add mod">
+          <ac:chgData name="Chuck Kiefriter" userId="a996b49251c4dfd2" providerId="LiveId" clId="{9A7AF988-7323-42E3-9290-4F2C7BBB5E85}" dt="2025-03-11T01:30:17.153" v="421" actId="1076"/>
+          <ac:spMkLst>
+            <pc:docMk/>
+            <pc:sldMk cId="2551476279" sldId="261"/>
+            <ac:spMk id="9" creationId="{B86D0513-2614-5DBE-6947-2527C6F708DB}"/>
+          </ac:spMkLst>
+        </pc:spChg>
+      </pc:sldChg>
+      <pc:sldChg chg="addSp delSp modSp mod">
+        <pc:chgData name="Chuck Kiefriter" userId="a996b49251c4dfd2" providerId="LiveId" clId="{9A7AF988-7323-42E3-9290-4F2C7BBB5E85}" dt="2025-03-11T01:36:09.411" v="428" actId="1076"/>
+        <pc:sldMkLst>
+          <pc:docMk/>
+          <pc:sldMk cId="35612208" sldId="262"/>
+        </pc:sldMkLst>
+        <pc:spChg chg="add">
+          <ac:chgData name="Chuck Kiefriter" userId="a996b49251c4dfd2" providerId="LiveId" clId="{9A7AF988-7323-42E3-9290-4F2C7BBB5E85}" dt="2025-03-11T01:35:29.944" v="424"/>
+          <ac:spMkLst>
+            <pc:docMk/>
+            <pc:sldMk cId="35612208" sldId="262"/>
+            <ac:spMk id="4" creationId="{9D867618-400C-3B79-9E69-4501ADD99761}"/>
+          </ac:spMkLst>
+        </pc:spChg>
+        <pc:picChg chg="add mod">
+          <ac:chgData name="Chuck Kiefriter" userId="a996b49251c4dfd2" providerId="LiveId" clId="{9A7AF988-7323-42E3-9290-4F2C7BBB5E85}" dt="2025-03-11T01:36:09.411" v="428" actId="1076"/>
+          <ac:picMkLst>
+            <pc:docMk/>
+            <pc:sldMk cId="35612208" sldId="262"/>
+            <ac:picMk id="6" creationId="{B76BDB38-02F8-A771-3ED2-F9AA7894E03B}"/>
+          </ac:picMkLst>
+        </pc:picChg>
+        <pc:picChg chg="add del">
+          <ac:chgData name="Chuck Kiefriter" userId="a996b49251c4dfd2" providerId="LiveId" clId="{9A7AF988-7323-42E3-9290-4F2C7BBB5E85}" dt="2025-03-11T01:35:09.889" v="423" actId="478"/>
+          <ac:picMkLst>
+            <pc:docMk/>
+            <pc:sldMk cId="35612208" sldId="262"/>
+            <ac:picMk id="1026" creationId="{A966F212-75BD-6B1A-6F2A-51FB283039D7}"/>
+          </ac:picMkLst>
+        </pc:picChg>
+      </pc:sldChg>
+      <pc:sldChg chg="addSp modSp mod">
+        <pc:chgData name="Chuck Kiefriter" userId="a996b49251c4dfd2" providerId="LiveId" clId="{9A7AF988-7323-42E3-9290-4F2C7BBB5E85}" dt="2025-03-11T02:14:51.344" v="682" actId="14100"/>
+        <pc:sldMkLst>
+          <pc:docMk/>
+          <pc:sldMk cId="1627706076" sldId="268"/>
+        </pc:sldMkLst>
+        <pc:spChg chg="add mod">
+          <ac:chgData name="Chuck Kiefriter" userId="a996b49251c4dfd2" providerId="LiveId" clId="{9A7AF988-7323-42E3-9290-4F2C7BBB5E85}" dt="2025-03-11T02:14:51.344" v="682" actId="14100"/>
+          <ac:spMkLst>
+            <pc:docMk/>
+            <pc:sldMk cId="1627706076" sldId="268"/>
+            <ac:spMk id="6" creationId="{3F7E8CDC-99D3-8005-6C9C-11B6E1B405C8}"/>
+          </ac:spMkLst>
+        </pc:spChg>
+      </pc:sldChg>
+      <pc:sldChg chg="modSp mod ord">
+        <pc:chgData name="Chuck Kiefriter" userId="a996b49251c4dfd2" providerId="LiveId" clId="{9A7AF988-7323-42E3-9290-4F2C7BBB5E85}" dt="2025-03-11T01:41:02.916" v="432" actId="313"/>
+        <pc:sldMkLst>
+          <pc:docMk/>
+          <pc:sldMk cId="3933635141" sldId="271"/>
+        </pc:sldMkLst>
+        <pc:spChg chg="mod">
+          <ac:chgData name="Chuck Kiefriter" userId="a996b49251c4dfd2" providerId="LiveId" clId="{9A7AF988-7323-42E3-9290-4F2C7BBB5E85}" dt="2025-03-11T01:16:52.505" v="341" actId="1076"/>
+          <ac:spMkLst>
+            <pc:docMk/>
+            <pc:sldMk cId="3933635141" sldId="271"/>
+            <ac:spMk id="2" creationId="{5DAFC653-B163-D47A-EDCB-F6D77BC5D3ED}"/>
+          </ac:spMkLst>
+        </pc:spChg>
+        <pc:spChg chg="mod">
+          <ac:chgData name="Chuck Kiefriter" userId="a996b49251c4dfd2" providerId="LiveId" clId="{9A7AF988-7323-42E3-9290-4F2C7BBB5E85}" dt="2025-03-11T01:41:02.916" v="432" actId="313"/>
           <ac:spMkLst>
             <pc:docMk/>
             <pc:sldMk cId="3933635141" sldId="271"/>
@@ -228,20 +505,89 @@
           </ac:spMkLst>
         </pc:spChg>
       </pc:sldChg>
-      <pc:sldChg chg="modSp mod">
-        <pc:chgData name="Chuck Kiefriter" userId="a996b49251c4dfd2" providerId="LiveId" clId="{F9144FC0-C561-41C3-9A89-9E3B66CB211B}" dt="2024-05-01T23:55:25.758" v="7" actId="27636"/>
+      <pc:sldChg chg="modSp add mod ord">
+        <pc:chgData name="Chuck Kiefriter" userId="a996b49251c4dfd2" providerId="LiveId" clId="{9A7AF988-7323-42E3-9290-4F2C7BBB5E85}" dt="2025-03-11T02:10:04.922" v="676" actId="207"/>
         <pc:sldMkLst>
           <pc:docMk/>
-          <pc:sldMk cId="129545722" sldId="273"/>
+          <pc:sldMk cId="279377804" sldId="274"/>
         </pc:sldMkLst>
         <pc:spChg chg="mod">
-          <ac:chgData name="Chuck Kiefriter" userId="a996b49251c4dfd2" providerId="LiveId" clId="{F9144FC0-C561-41C3-9A89-9E3B66CB211B}" dt="2024-05-01T23:55:25.758" v="7" actId="27636"/>
+          <ac:chgData name="Chuck Kiefriter" userId="a996b49251c4dfd2" providerId="LiveId" clId="{9A7AF988-7323-42E3-9290-4F2C7BBB5E85}" dt="2025-03-11T00:56:36.493" v="174" actId="14100"/>
           <ac:spMkLst>
             <pc:docMk/>
-            <pc:sldMk cId="129545722" sldId="273"/>
-            <ac:spMk id="3" creationId="{016A1163-51DA-89A0-7EE1-547902C15A4A}"/>
+            <pc:sldMk cId="279377804" sldId="274"/>
+            <ac:spMk id="2" creationId="{C2D7FE1A-967C-8583-10EB-159670AF00EB}"/>
           </ac:spMkLst>
         </pc:spChg>
+        <pc:spChg chg="mod">
+          <ac:chgData name="Chuck Kiefriter" userId="a996b49251c4dfd2" providerId="LiveId" clId="{9A7AF988-7323-42E3-9290-4F2C7BBB5E85}" dt="2025-03-11T02:10:04.922" v="676" actId="207"/>
+          <ac:spMkLst>
+            <pc:docMk/>
+            <pc:sldMk cId="279377804" sldId="274"/>
+            <ac:spMk id="3" creationId="{203978FD-9548-B24B-1D36-D1562DF24734}"/>
+          </ac:spMkLst>
+        </pc:spChg>
+      </pc:sldChg>
+      <pc:sldChg chg="modSp add mod">
+        <pc:chgData name="Chuck Kiefriter" userId="a996b49251c4dfd2" providerId="LiveId" clId="{9A7AF988-7323-42E3-9290-4F2C7BBB5E85}" dt="2025-03-12T02:03:45.397" v="691" actId="20577"/>
+        <pc:sldMkLst>
+          <pc:docMk/>
+          <pc:sldMk cId="2340151987" sldId="275"/>
+        </pc:sldMkLst>
+        <pc:spChg chg="mod">
+          <ac:chgData name="Chuck Kiefriter" userId="a996b49251c4dfd2" providerId="LiveId" clId="{9A7AF988-7323-42E3-9290-4F2C7BBB5E85}" dt="2025-03-12T02:03:45.397" v="691" actId="20577"/>
+          <ac:spMkLst>
+            <pc:docMk/>
+            <pc:sldMk cId="2340151987" sldId="275"/>
+            <ac:spMk id="3" creationId="{713C5257-43BC-C27E-1DCE-F9C7088CD300}"/>
+          </ac:spMkLst>
+        </pc:spChg>
+      </pc:sldChg>
+      <pc:sldChg chg="addSp modSp add mod">
+        <pc:chgData name="Chuck Kiefriter" userId="a996b49251c4dfd2" providerId="LiveId" clId="{9A7AF988-7323-42E3-9290-4F2C7BBB5E85}" dt="2025-03-11T01:29:50.392" v="419" actId="207"/>
+        <pc:sldMkLst>
+          <pc:docMk/>
+          <pc:sldMk cId="4011978701" sldId="276"/>
+        </pc:sldMkLst>
+        <pc:spChg chg="mod">
+          <ac:chgData name="Chuck Kiefriter" userId="a996b49251c4dfd2" providerId="LiveId" clId="{9A7AF988-7323-42E3-9290-4F2C7BBB5E85}" dt="2025-03-11T01:27:07.528" v="418" actId="20577"/>
+          <ac:spMkLst>
+            <pc:docMk/>
+            <pc:sldMk cId="4011978701" sldId="276"/>
+            <ac:spMk id="2" creationId="{F45D7C76-3BBC-9871-274B-C2EA49DCF81C}"/>
+          </ac:spMkLst>
+        </pc:spChg>
+        <pc:spChg chg="mod">
+          <ac:chgData name="Chuck Kiefriter" userId="a996b49251c4dfd2" providerId="LiveId" clId="{9A7AF988-7323-42E3-9290-4F2C7BBB5E85}" dt="2025-03-11T01:29:50.392" v="419" actId="207"/>
+          <ac:spMkLst>
+            <pc:docMk/>
+            <pc:sldMk cId="4011978701" sldId="276"/>
+            <ac:spMk id="3" creationId="{CCC25DE9-2F6C-ACA1-B2FA-98A7A9C14002}"/>
+          </ac:spMkLst>
+        </pc:spChg>
+        <pc:spChg chg="add mod">
+          <ac:chgData name="Chuck Kiefriter" userId="a996b49251c4dfd2" providerId="LiveId" clId="{9A7AF988-7323-42E3-9290-4F2C7BBB5E85}" dt="2025-03-11T01:26:49.749" v="408" actId="1076"/>
+          <ac:spMkLst>
+            <pc:docMk/>
+            <pc:sldMk cId="4011978701" sldId="276"/>
+            <ac:spMk id="4" creationId="{213EF9FE-5C12-0ED2-29C8-1C3C841DD1FC}"/>
+          </ac:spMkLst>
+        </pc:spChg>
+        <pc:spChg chg="add mod">
+          <ac:chgData name="Chuck Kiefriter" userId="a996b49251c4dfd2" providerId="LiveId" clId="{9A7AF988-7323-42E3-9290-4F2C7BBB5E85}" dt="2025-03-11T01:26:49.749" v="408" actId="1076"/>
+          <ac:spMkLst>
+            <pc:docMk/>
+            <pc:sldMk cId="4011978701" sldId="276"/>
+            <ac:spMk id="5" creationId="{785F58F2-0B12-CF13-3642-3335D796C8CB}"/>
+          </ac:spMkLst>
+        </pc:spChg>
+      </pc:sldChg>
+      <pc:sldChg chg="add">
+        <pc:chgData name="Chuck Kiefriter" userId="a996b49251c4dfd2" providerId="LiveId" clId="{9A7AF988-7323-42E3-9290-4F2C7BBB5E85}" dt="2025-03-11T01:50:26.010" v="433" actId="2890"/>
+        <pc:sldMkLst>
+          <pc:docMk/>
+          <pc:sldMk cId="386262031" sldId="277"/>
+        </pc:sldMkLst>
       </pc:sldChg>
     </pc:docChg>
   </pc:docChgLst>
@@ -379,7 +725,7 @@
           <a:p>
             <a:fld id="{996C3E10-DA51-4FDD-A722-26676AE03511}" type="datetimeFigureOut">
               <a:rPr lang="en-US" smtClean="0"/>
-              <a:t>5/1/2024</a:t>
+              <a:t>3/10/2025</a:t>
             </a:fld>
             <a:endParaRPr lang="en-US"/>
           </a:p>
@@ -549,7 +895,7 @@
           <a:p>
             <a:fld id="{996C3E10-DA51-4FDD-A722-26676AE03511}" type="datetimeFigureOut">
               <a:rPr lang="en-US" smtClean="0"/>
-              <a:t>5/1/2024</a:t>
+              <a:t>3/10/2025</a:t>
             </a:fld>
             <a:endParaRPr lang="en-US"/>
           </a:p>
@@ -729,7 +1075,7 @@
           <a:p>
             <a:fld id="{996C3E10-DA51-4FDD-A722-26676AE03511}" type="datetimeFigureOut">
               <a:rPr lang="en-US" smtClean="0"/>
-              <a:t>5/1/2024</a:t>
+              <a:t>3/10/2025</a:t>
             </a:fld>
             <a:endParaRPr lang="en-US"/>
           </a:p>
@@ -899,7 +1245,7 @@
           <a:p>
             <a:fld id="{996C3E10-DA51-4FDD-A722-26676AE03511}" type="datetimeFigureOut">
               <a:rPr lang="en-US" smtClean="0"/>
-              <a:t>5/1/2024</a:t>
+              <a:t>3/10/2025</a:t>
             </a:fld>
             <a:endParaRPr lang="en-US"/>
           </a:p>
@@ -1145,7 +1491,7 @@
           <a:p>
             <a:fld id="{996C3E10-DA51-4FDD-A722-26676AE03511}" type="datetimeFigureOut">
               <a:rPr lang="en-US" smtClean="0"/>
-              <a:t>5/1/2024</a:t>
+              <a:t>3/10/2025</a:t>
             </a:fld>
             <a:endParaRPr lang="en-US"/>
           </a:p>
@@ -1377,7 +1723,7 @@
           <a:p>
             <a:fld id="{996C3E10-DA51-4FDD-A722-26676AE03511}" type="datetimeFigureOut">
               <a:rPr lang="en-US" smtClean="0"/>
-              <a:t>5/1/2024</a:t>
+              <a:t>3/10/2025</a:t>
             </a:fld>
             <a:endParaRPr lang="en-US"/>
           </a:p>
@@ -1744,7 +2090,7 @@
           <a:p>
             <a:fld id="{996C3E10-DA51-4FDD-A722-26676AE03511}" type="datetimeFigureOut">
               <a:rPr lang="en-US" smtClean="0"/>
-              <a:t>5/1/2024</a:t>
+              <a:t>3/10/2025</a:t>
             </a:fld>
             <a:endParaRPr lang="en-US"/>
           </a:p>
@@ -1862,7 +2208,7 @@
           <a:p>
             <a:fld id="{996C3E10-DA51-4FDD-A722-26676AE03511}" type="datetimeFigureOut">
               <a:rPr lang="en-US" smtClean="0"/>
-              <a:t>5/1/2024</a:t>
+              <a:t>3/10/2025</a:t>
             </a:fld>
             <a:endParaRPr lang="en-US"/>
           </a:p>
@@ -1957,7 +2303,7 @@
           <a:p>
             <a:fld id="{996C3E10-DA51-4FDD-A722-26676AE03511}" type="datetimeFigureOut">
               <a:rPr lang="en-US" smtClean="0"/>
-              <a:t>5/1/2024</a:t>
+              <a:t>3/10/2025</a:t>
             </a:fld>
             <a:endParaRPr lang="en-US"/>
           </a:p>
@@ -2234,7 +2580,7 @@
           <a:p>
             <a:fld id="{996C3E10-DA51-4FDD-A722-26676AE03511}" type="datetimeFigureOut">
               <a:rPr lang="en-US" smtClean="0"/>
-              <a:t>5/1/2024</a:t>
+              <a:t>3/10/2025</a:t>
             </a:fld>
             <a:endParaRPr lang="en-US"/>
           </a:p>
@@ -2491,7 +2837,7 @@
           <a:p>
             <a:fld id="{996C3E10-DA51-4FDD-A722-26676AE03511}" type="datetimeFigureOut">
               <a:rPr lang="en-US" smtClean="0"/>
-              <a:t>5/1/2024</a:t>
+              <a:t>3/10/2025</a:t>
             </a:fld>
             <a:endParaRPr lang="en-US"/>
           </a:p>
@@ -2704,7 +3050,7 @@
           <a:p>
             <a:fld id="{996C3E10-DA51-4FDD-A722-26676AE03511}" type="datetimeFigureOut">
               <a:rPr lang="en-US" smtClean="0"/>
-              <a:t>5/1/2024</a:t>
+              <a:t>3/10/2025</a:t>
             </a:fld>
             <a:endParaRPr lang="en-US"/>
           </a:p>
@@ -3210,7 +3556,7 @@
           <p:cNvPr id="2" name="Title 1">
             <a:extLst>
               <a:ext uri="{FF2B5EF4-FFF2-40B4-BE49-F238E27FC236}">
-                <a16:creationId xmlns:a16="http://schemas.microsoft.com/office/drawing/2014/main" id="{008F697C-DB89-1525-8E6F-383090B7AD7F}"/>
+                <a16:creationId xmlns:a16="http://schemas.microsoft.com/office/drawing/2014/main" id="{08FAE4F9-E8F6-D0C8-70D1-B65E40ECE94D}"/>
               </a:ext>
             </a:extLst>
           </p:cNvPr>
@@ -3228,7 +3574,7 @@
           <a:p>
             <a:r>
               <a:rPr lang="en-US" dirty="0"/>
-              <a:t>Request Headers</a:t>
+              <a:t>HTTP Request</a:t>
             </a:r>
           </a:p>
         </p:txBody>
@@ -3238,7 +3584,7 @@
           <p:cNvPr id="3" name="Content Placeholder 2">
             <a:extLst>
               <a:ext uri="{FF2B5EF4-FFF2-40B4-BE49-F238E27FC236}">
-                <a16:creationId xmlns:a16="http://schemas.microsoft.com/office/drawing/2014/main" id="{9193E892-2DB6-E2F1-527E-8DD57CD03E57}"/>
+                <a16:creationId xmlns:a16="http://schemas.microsoft.com/office/drawing/2014/main" id="{831C6A54-FC1C-4A1D-6B64-F57E7EAC1F9A}"/>
               </a:ext>
             </a:extLst>
           </p:cNvPr>
@@ -3252,29 +3598,37 @@
         <p:spPr>
           <a:xfrm>
             <a:off x="838200" y="1825625"/>
-            <a:ext cx="5257800" cy="985814"/>
+            <a:ext cx="5548952" cy="576381"/>
           </a:xfrm>
+          <a:ln>
+            <a:solidFill>
+              <a:srgbClr val="00B0F0"/>
+            </a:solidFill>
+          </a:ln>
         </p:spPr>
         <p:txBody>
-          <a:bodyPr/>
+          <a:bodyPr anchor="ctr"/>
           <a:lstStyle/>
           <a:p>
             <a:pPr marL="0" indent="0">
               <a:buNone/>
             </a:pPr>
             <a:r>
-              <a:rPr lang="en-US" dirty="0"/>
-              <a:t>Describe the request and allowed response format(s)</a:t>
-            </a:r>
-          </a:p>
-        </p:txBody>
-      </p:sp>
-      <p:sp>
-        <p:nvSpPr>
-          <p:cNvPr id="4" name="Content Placeholder 2">
+              <a:rPr lang="en-US" dirty="0">
+                <a:latin typeface="Courier New" panose="02070309020205020404" pitchFamily="49" charset="0"/>
+                <a:cs typeface="Courier New" panose="02070309020205020404" pitchFamily="49" charset="0"/>
+              </a:rPr>
+              <a:t>Request Line</a:t>
+            </a:r>
+          </a:p>
+        </p:txBody>
+      </p:sp>
+      <p:sp>
+        <p:nvSpPr>
+          <p:cNvPr id="5" name="Content Placeholder 2">
             <a:extLst>
               <a:ext uri="{FF2B5EF4-FFF2-40B4-BE49-F238E27FC236}">
-                <a16:creationId xmlns:a16="http://schemas.microsoft.com/office/drawing/2014/main" id="{5B60677A-97DD-C1CE-526A-0875CCBF0E27}"/>
+                <a16:creationId xmlns:a16="http://schemas.microsoft.com/office/drawing/2014/main" id="{FF8B02FD-884F-6150-B6AD-8FA16C67A331}"/>
               </a:ext>
             </a:extLst>
           </p:cNvPr>
@@ -3285,15 +3639,20 @@
         </p:nvSpPr>
         <p:spPr>
           <a:xfrm>
-            <a:off x="838200" y="2946376"/>
-            <a:ext cx="5257800" cy="985814"/>
+            <a:off x="838200" y="2404134"/>
+            <a:ext cx="5548952" cy="576381"/>
           </a:xfrm>
           <a:prstGeom prst="rect">
             <a:avLst/>
           </a:prstGeom>
+          <a:ln>
+            <a:solidFill>
+              <a:srgbClr val="00B0F0"/>
+            </a:solidFill>
+          </a:ln>
         </p:spPr>
         <p:txBody>
-          <a:bodyPr vert="horz" lIns="91440" tIns="45720" rIns="91440" bIns="45720" rtlCol="0">
+          <a:bodyPr vert="horz" lIns="91440" tIns="45720" rIns="91440" bIns="45720" rtlCol="0" anchor="ctr">
             <a:normAutofit/>
           </a:bodyPr>
           <a:lstStyle>
@@ -3466,54 +3825,230 @@
               <a:buNone/>
             </a:pPr>
             <a:r>
-              <a:rPr lang="en-US" sz="2000" dirty="0">
+              <a:rPr lang="en-US" dirty="0">
                 <a:latin typeface="Courier New" panose="02070309020205020404" pitchFamily="49" charset="0"/>
                 <a:cs typeface="Courier New" panose="02070309020205020404" pitchFamily="49" charset="0"/>
               </a:rPr>
-              <a:t>Accept: application/</a:t>
-            </a:r>
-            <a:r>
-              <a:rPr lang="en-US" sz="2000" dirty="0" err="1">
+              <a:t>Request Headers</a:t>
+            </a:r>
+          </a:p>
+        </p:txBody>
+      </p:sp>
+      <p:sp>
+        <p:nvSpPr>
+          <p:cNvPr id="6" name="Content Placeholder 2">
+            <a:extLst>
+              <a:ext uri="{FF2B5EF4-FFF2-40B4-BE49-F238E27FC236}">
+                <a16:creationId xmlns:a16="http://schemas.microsoft.com/office/drawing/2014/main" id="{48F527DC-07B4-8F00-36F6-6A13B738D9D6}"/>
+              </a:ext>
+            </a:extLst>
+          </p:cNvPr>
+          <p:cNvSpPr txBox="1">
+            <a:spLocks/>
+          </p:cNvSpPr>
+          <p:nvPr/>
+        </p:nvSpPr>
+        <p:spPr>
+          <a:xfrm>
+            <a:off x="838200" y="2970220"/>
+            <a:ext cx="5548952" cy="576381"/>
+          </a:xfrm>
+          <a:prstGeom prst="rect">
+            <a:avLst/>
+          </a:prstGeom>
+          <a:ln>
+            <a:solidFill>
+              <a:srgbClr val="00B0F0"/>
+            </a:solidFill>
+          </a:ln>
+        </p:spPr>
+        <p:txBody>
+          <a:bodyPr vert="horz" lIns="91440" tIns="45720" rIns="91440" bIns="45720" rtlCol="0" anchor="ctr">
+            <a:normAutofit/>
+          </a:bodyPr>
+          <a:lstStyle>
+            <a:lvl1pPr marL="228600" indent="-228600" algn="l" defTabSz="914400" rtl="0" eaLnBrk="1" latinLnBrk="0" hangingPunct="1">
+              <a:lnSpc>
+                <a:spcPct val="90000"/>
+              </a:lnSpc>
+              <a:spcBef>
+                <a:spcPts val="1000"/>
+              </a:spcBef>
+              <a:buFont typeface="Arial" panose="020B0604020202020204" pitchFamily="34" charset="0"/>
+              <a:buChar char="•"/>
+              <a:defRPr sz="2800" kern="1200">
+                <a:solidFill>
+                  <a:schemeClr val="tx1"/>
+                </a:solidFill>
+                <a:latin typeface="+mn-lt"/>
+                <a:ea typeface="+mn-ea"/>
+                <a:cs typeface="+mn-cs"/>
+              </a:defRPr>
+            </a:lvl1pPr>
+            <a:lvl2pPr marL="685800" indent="-228600" algn="l" defTabSz="914400" rtl="0" eaLnBrk="1" latinLnBrk="0" hangingPunct="1">
+              <a:lnSpc>
+                <a:spcPct val="90000"/>
+              </a:lnSpc>
+              <a:spcBef>
+                <a:spcPts val="500"/>
+              </a:spcBef>
+              <a:buFont typeface="Arial" panose="020B0604020202020204" pitchFamily="34" charset="0"/>
+              <a:buChar char="•"/>
+              <a:defRPr sz="2400" kern="1200">
+                <a:solidFill>
+                  <a:schemeClr val="tx1"/>
+                </a:solidFill>
+                <a:latin typeface="+mn-lt"/>
+                <a:ea typeface="+mn-ea"/>
+                <a:cs typeface="+mn-cs"/>
+              </a:defRPr>
+            </a:lvl2pPr>
+            <a:lvl3pPr marL="1143000" indent="-228600" algn="l" defTabSz="914400" rtl="0" eaLnBrk="1" latinLnBrk="0" hangingPunct="1">
+              <a:lnSpc>
+                <a:spcPct val="90000"/>
+              </a:lnSpc>
+              <a:spcBef>
+                <a:spcPts val="500"/>
+              </a:spcBef>
+              <a:buFont typeface="Arial" panose="020B0604020202020204" pitchFamily="34" charset="0"/>
+              <a:buChar char="•"/>
+              <a:defRPr sz="2000" kern="1200">
+                <a:solidFill>
+                  <a:schemeClr val="tx1"/>
+                </a:solidFill>
+                <a:latin typeface="+mn-lt"/>
+                <a:ea typeface="+mn-ea"/>
+                <a:cs typeface="+mn-cs"/>
+              </a:defRPr>
+            </a:lvl3pPr>
+            <a:lvl4pPr marL="1600200" indent="-228600" algn="l" defTabSz="914400" rtl="0" eaLnBrk="1" latinLnBrk="0" hangingPunct="1">
+              <a:lnSpc>
+                <a:spcPct val="90000"/>
+              </a:lnSpc>
+              <a:spcBef>
+                <a:spcPts val="500"/>
+              </a:spcBef>
+              <a:buFont typeface="Arial" panose="020B0604020202020204" pitchFamily="34" charset="0"/>
+              <a:buChar char="•"/>
+              <a:defRPr sz="1800" kern="1200">
+                <a:solidFill>
+                  <a:schemeClr val="tx1"/>
+                </a:solidFill>
+                <a:latin typeface="+mn-lt"/>
+                <a:ea typeface="+mn-ea"/>
+                <a:cs typeface="+mn-cs"/>
+              </a:defRPr>
+            </a:lvl4pPr>
+            <a:lvl5pPr marL="2057400" indent="-228600" algn="l" defTabSz="914400" rtl="0" eaLnBrk="1" latinLnBrk="0" hangingPunct="1">
+              <a:lnSpc>
+                <a:spcPct val="90000"/>
+              </a:lnSpc>
+              <a:spcBef>
+                <a:spcPts val="500"/>
+              </a:spcBef>
+              <a:buFont typeface="Arial" panose="020B0604020202020204" pitchFamily="34" charset="0"/>
+              <a:buChar char="•"/>
+              <a:defRPr sz="1800" kern="1200">
+                <a:solidFill>
+                  <a:schemeClr val="tx1"/>
+                </a:solidFill>
+                <a:latin typeface="+mn-lt"/>
+                <a:ea typeface="+mn-ea"/>
+                <a:cs typeface="+mn-cs"/>
+              </a:defRPr>
+            </a:lvl5pPr>
+            <a:lvl6pPr marL="2514600" indent="-228600" algn="l" defTabSz="914400" rtl="0" eaLnBrk="1" latinLnBrk="0" hangingPunct="1">
+              <a:lnSpc>
+                <a:spcPct val="90000"/>
+              </a:lnSpc>
+              <a:spcBef>
+                <a:spcPts val="500"/>
+              </a:spcBef>
+              <a:buFont typeface="Arial" panose="020B0604020202020204" pitchFamily="34" charset="0"/>
+              <a:buChar char="•"/>
+              <a:defRPr sz="1800" kern="1200">
+                <a:solidFill>
+                  <a:schemeClr val="tx1"/>
+                </a:solidFill>
+                <a:latin typeface="+mn-lt"/>
+                <a:ea typeface="+mn-ea"/>
+                <a:cs typeface="+mn-cs"/>
+              </a:defRPr>
+            </a:lvl6pPr>
+            <a:lvl7pPr marL="2971800" indent="-228600" algn="l" defTabSz="914400" rtl="0" eaLnBrk="1" latinLnBrk="0" hangingPunct="1">
+              <a:lnSpc>
+                <a:spcPct val="90000"/>
+              </a:lnSpc>
+              <a:spcBef>
+                <a:spcPts val="500"/>
+              </a:spcBef>
+              <a:buFont typeface="Arial" panose="020B0604020202020204" pitchFamily="34" charset="0"/>
+              <a:buChar char="•"/>
+              <a:defRPr sz="1800" kern="1200">
+                <a:solidFill>
+                  <a:schemeClr val="tx1"/>
+                </a:solidFill>
+                <a:latin typeface="+mn-lt"/>
+                <a:ea typeface="+mn-ea"/>
+                <a:cs typeface="+mn-cs"/>
+              </a:defRPr>
+            </a:lvl7pPr>
+            <a:lvl8pPr marL="3429000" indent="-228600" algn="l" defTabSz="914400" rtl="0" eaLnBrk="1" latinLnBrk="0" hangingPunct="1">
+              <a:lnSpc>
+                <a:spcPct val="90000"/>
+              </a:lnSpc>
+              <a:spcBef>
+                <a:spcPts val="500"/>
+              </a:spcBef>
+              <a:buFont typeface="Arial" panose="020B0604020202020204" pitchFamily="34" charset="0"/>
+              <a:buChar char="•"/>
+              <a:defRPr sz="1800" kern="1200">
+                <a:solidFill>
+                  <a:schemeClr val="tx1"/>
+                </a:solidFill>
+                <a:latin typeface="+mn-lt"/>
+                <a:ea typeface="+mn-ea"/>
+                <a:cs typeface="+mn-cs"/>
+              </a:defRPr>
+            </a:lvl8pPr>
+            <a:lvl9pPr marL="3886200" indent="-228600" algn="l" defTabSz="914400" rtl="0" eaLnBrk="1" latinLnBrk="0" hangingPunct="1">
+              <a:lnSpc>
+                <a:spcPct val="90000"/>
+              </a:lnSpc>
+              <a:spcBef>
+                <a:spcPts val="500"/>
+              </a:spcBef>
+              <a:buFont typeface="Arial" panose="020B0604020202020204" pitchFamily="34" charset="0"/>
+              <a:buChar char="•"/>
+              <a:defRPr sz="1800" kern="1200">
+                <a:solidFill>
+                  <a:schemeClr val="tx1"/>
+                </a:solidFill>
+                <a:latin typeface="+mn-lt"/>
+                <a:ea typeface="+mn-ea"/>
+                <a:cs typeface="+mn-cs"/>
+              </a:defRPr>
+            </a:lvl9pPr>
+          </a:lstStyle>
+          <a:p>
+            <a:pPr marL="0" indent="0">
+              <a:buFont typeface="Arial" panose="020B0604020202020204" pitchFamily="34" charset="0"/>
+              <a:buNone/>
+            </a:pPr>
+            <a:r>
+              <a:rPr lang="en-US" dirty="0">
                 <a:latin typeface="Courier New" panose="02070309020205020404" pitchFamily="49" charset="0"/>
                 <a:cs typeface="Courier New" panose="02070309020205020404" pitchFamily="49" charset="0"/>
               </a:rPr>
-              <a:t>json</a:t>
-            </a:r>
-            <a:endParaRPr lang="en-US" sz="2000" dirty="0">
-              <a:latin typeface="Courier New" panose="02070309020205020404" pitchFamily="49" charset="0"/>
-              <a:cs typeface="Courier New" panose="02070309020205020404" pitchFamily="49" charset="0"/>
-            </a:endParaRPr>
-          </a:p>
-          <a:p>
-            <a:pPr marL="0" indent="0">
-              <a:buFont typeface="Arial" panose="020B0604020202020204" pitchFamily="34" charset="0"/>
-              <a:buNone/>
-            </a:pPr>
-            <a:r>
-              <a:rPr lang="en-US" sz="2000" dirty="0">
-                <a:latin typeface="Courier New" panose="02070309020205020404" pitchFamily="49" charset="0"/>
-                <a:cs typeface="Courier New" panose="02070309020205020404" pitchFamily="49" charset="0"/>
-              </a:rPr>
-              <a:t>Content-Type: application/</a:t>
-            </a:r>
-            <a:r>
-              <a:rPr lang="en-US" sz="2000" dirty="0" err="1">
-                <a:latin typeface="Courier New" panose="02070309020205020404" pitchFamily="49" charset="0"/>
-                <a:cs typeface="Courier New" panose="02070309020205020404" pitchFamily="49" charset="0"/>
-              </a:rPr>
-              <a:t>json</a:t>
-            </a:r>
-            <a:endParaRPr lang="en-US" sz="2000" dirty="0">
-              <a:latin typeface="Courier New" panose="02070309020205020404" pitchFamily="49" charset="0"/>
-              <a:cs typeface="Courier New" panose="02070309020205020404" pitchFamily="49" charset="0"/>
-            </a:endParaRPr>
+              <a:t>Request Body (JSON)</a:t>
+            </a:r>
           </a:p>
         </p:txBody>
       </p:sp>
     </p:spTree>
     <p:extLst>
       <p:ext uri="{BB962C8B-B14F-4D97-AF65-F5344CB8AC3E}">
-        <p14:creationId xmlns:p14="http://schemas.microsoft.com/office/powerpoint/2010/main" val="1861412946"/>
+        <p14:creationId xmlns:p14="http://schemas.microsoft.com/office/powerpoint/2010/main" val="736681128"/>
       </p:ext>
     </p:extLst>
   </p:cSld>
@@ -3557,7 +4092,7 @@
           <p:cNvPr id="2" name="Title 1">
             <a:extLst>
               <a:ext uri="{FF2B5EF4-FFF2-40B4-BE49-F238E27FC236}">
-                <a16:creationId xmlns:a16="http://schemas.microsoft.com/office/drawing/2014/main" id="{BE3C75EF-8052-A413-4D1E-B39EB3E4ABCA}"/>
+                <a16:creationId xmlns:a16="http://schemas.microsoft.com/office/drawing/2014/main" id="{265C6778-E9E7-4839-FF30-55C0506F5116}"/>
               </a:ext>
             </a:extLst>
           </p:cNvPr>
@@ -3575,7 +4110,7 @@
           <a:p>
             <a:r>
               <a:rPr lang="en-US" dirty="0"/>
-              <a:t>Request Body</a:t>
+              <a:t>Request Line</a:t>
             </a:r>
           </a:p>
         </p:txBody>
@@ -3585,7 +4120,7 @@
           <p:cNvPr id="3" name="Content Placeholder 2">
             <a:extLst>
               <a:ext uri="{FF2B5EF4-FFF2-40B4-BE49-F238E27FC236}">
-                <a16:creationId xmlns:a16="http://schemas.microsoft.com/office/drawing/2014/main" id="{9AC4E139-1E7F-2145-EA9D-366494B50F65}"/>
+                <a16:creationId xmlns:a16="http://schemas.microsoft.com/office/drawing/2014/main" id="{7E7FCFD8-AAE2-6349-515B-2887255892EF}"/>
               </a:ext>
             </a:extLst>
           </p:cNvPr>
@@ -3599,22 +4134,473 @@
         <p:spPr>
           <a:xfrm>
             <a:off x="838200" y="1825625"/>
-            <a:ext cx="4675496" cy="4351338"/>
+            <a:ext cx="5658134" cy="603676"/>
           </a:xfrm>
         </p:spPr>
         <p:txBody>
           <a:bodyPr/>
           <a:lstStyle/>
           <a:p>
-            <a:pPr>
-              <a:spcBef>
-                <a:spcPts val="1800"/>
-              </a:spcBef>
+            <a:pPr marL="0" indent="0">
+              <a:buNone/>
             </a:pPr>
             <a:r>
               <a:rPr lang="en-US" dirty="0"/>
-              <a:t>Used for </a:t>
-            </a:r>
+              <a:t>VERB + URI + HTTP Version</a:t>
+            </a:r>
+          </a:p>
+        </p:txBody>
+      </p:sp>
+      <p:sp>
+        <p:nvSpPr>
+          <p:cNvPr id="4" name="Content Placeholder 2">
+            <a:extLst>
+              <a:ext uri="{FF2B5EF4-FFF2-40B4-BE49-F238E27FC236}">
+                <a16:creationId xmlns:a16="http://schemas.microsoft.com/office/drawing/2014/main" id="{91204C75-613E-784A-7BE6-007758A02E5D}"/>
+              </a:ext>
+            </a:extLst>
+          </p:cNvPr>
+          <p:cNvSpPr txBox="1">
+            <a:spLocks/>
+          </p:cNvSpPr>
+          <p:nvPr/>
+        </p:nvSpPr>
+        <p:spPr>
+          <a:xfrm>
+            <a:off x="838200" y="2591536"/>
+            <a:ext cx="5658134" cy="1147953"/>
+          </a:xfrm>
+          <a:prstGeom prst="rect">
+            <a:avLst/>
+          </a:prstGeom>
+        </p:spPr>
+        <p:txBody>
+          <a:bodyPr vert="horz" lIns="91440" tIns="45720" rIns="91440" bIns="45720" rtlCol="0">
+            <a:normAutofit/>
+          </a:bodyPr>
+          <a:lstStyle>
+            <a:lvl1pPr marL="228600" indent="-228600" algn="l" defTabSz="914400" rtl="0" eaLnBrk="1" latinLnBrk="0" hangingPunct="1">
+              <a:lnSpc>
+                <a:spcPct val="90000"/>
+              </a:lnSpc>
+              <a:spcBef>
+                <a:spcPts val="1000"/>
+              </a:spcBef>
+              <a:buFont typeface="Arial" panose="020B0604020202020204" pitchFamily="34" charset="0"/>
+              <a:buChar char="•"/>
+              <a:defRPr sz="2800" kern="1200">
+                <a:solidFill>
+                  <a:schemeClr val="tx1"/>
+                </a:solidFill>
+                <a:latin typeface="+mn-lt"/>
+                <a:ea typeface="+mn-ea"/>
+                <a:cs typeface="+mn-cs"/>
+              </a:defRPr>
+            </a:lvl1pPr>
+            <a:lvl2pPr marL="685800" indent="-228600" algn="l" defTabSz="914400" rtl="0" eaLnBrk="1" latinLnBrk="0" hangingPunct="1">
+              <a:lnSpc>
+                <a:spcPct val="90000"/>
+              </a:lnSpc>
+              <a:spcBef>
+                <a:spcPts val="500"/>
+              </a:spcBef>
+              <a:buFont typeface="Arial" panose="020B0604020202020204" pitchFamily="34" charset="0"/>
+              <a:buChar char="•"/>
+              <a:defRPr sz="2400" kern="1200">
+                <a:solidFill>
+                  <a:schemeClr val="tx1"/>
+                </a:solidFill>
+                <a:latin typeface="+mn-lt"/>
+                <a:ea typeface="+mn-ea"/>
+                <a:cs typeface="+mn-cs"/>
+              </a:defRPr>
+            </a:lvl2pPr>
+            <a:lvl3pPr marL="1143000" indent="-228600" algn="l" defTabSz="914400" rtl="0" eaLnBrk="1" latinLnBrk="0" hangingPunct="1">
+              <a:lnSpc>
+                <a:spcPct val="90000"/>
+              </a:lnSpc>
+              <a:spcBef>
+                <a:spcPts val="500"/>
+              </a:spcBef>
+              <a:buFont typeface="Arial" panose="020B0604020202020204" pitchFamily="34" charset="0"/>
+              <a:buChar char="•"/>
+              <a:defRPr sz="2000" kern="1200">
+                <a:solidFill>
+                  <a:schemeClr val="tx1"/>
+                </a:solidFill>
+                <a:latin typeface="+mn-lt"/>
+                <a:ea typeface="+mn-ea"/>
+                <a:cs typeface="+mn-cs"/>
+              </a:defRPr>
+            </a:lvl3pPr>
+            <a:lvl4pPr marL="1600200" indent="-228600" algn="l" defTabSz="914400" rtl="0" eaLnBrk="1" latinLnBrk="0" hangingPunct="1">
+              <a:lnSpc>
+                <a:spcPct val="90000"/>
+              </a:lnSpc>
+              <a:spcBef>
+                <a:spcPts val="500"/>
+              </a:spcBef>
+              <a:buFont typeface="Arial" panose="020B0604020202020204" pitchFamily="34" charset="0"/>
+              <a:buChar char="•"/>
+              <a:defRPr sz="1800" kern="1200">
+                <a:solidFill>
+                  <a:schemeClr val="tx1"/>
+                </a:solidFill>
+                <a:latin typeface="+mn-lt"/>
+                <a:ea typeface="+mn-ea"/>
+                <a:cs typeface="+mn-cs"/>
+              </a:defRPr>
+            </a:lvl4pPr>
+            <a:lvl5pPr marL="2057400" indent="-228600" algn="l" defTabSz="914400" rtl="0" eaLnBrk="1" latinLnBrk="0" hangingPunct="1">
+              <a:lnSpc>
+                <a:spcPct val="90000"/>
+              </a:lnSpc>
+              <a:spcBef>
+                <a:spcPts val="500"/>
+              </a:spcBef>
+              <a:buFont typeface="Arial" panose="020B0604020202020204" pitchFamily="34" charset="0"/>
+              <a:buChar char="•"/>
+              <a:defRPr sz="1800" kern="1200">
+                <a:solidFill>
+                  <a:schemeClr val="tx1"/>
+                </a:solidFill>
+                <a:latin typeface="+mn-lt"/>
+                <a:ea typeface="+mn-ea"/>
+                <a:cs typeface="+mn-cs"/>
+              </a:defRPr>
+            </a:lvl5pPr>
+            <a:lvl6pPr marL="2514600" indent="-228600" algn="l" defTabSz="914400" rtl="0" eaLnBrk="1" latinLnBrk="0" hangingPunct="1">
+              <a:lnSpc>
+                <a:spcPct val="90000"/>
+              </a:lnSpc>
+              <a:spcBef>
+                <a:spcPts val="500"/>
+              </a:spcBef>
+              <a:buFont typeface="Arial" panose="020B0604020202020204" pitchFamily="34" charset="0"/>
+              <a:buChar char="•"/>
+              <a:defRPr sz="1800" kern="1200">
+                <a:solidFill>
+                  <a:schemeClr val="tx1"/>
+                </a:solidFill>
+                <a:latin typeface="+mn-lt"/>
+                <a:ea typeface="+mn-ea"/>
+                <a:cs typeface="+mn-cs"/>
+              </a:defRPr>
+            </a:lvl6pPr>
+            <a:lvl7pPr marL="2971800" indent="-228600" algn="l" defTabSz="914400" rtl="0" eaLnBrk="1" latinLnBrk="0" hangingPunct="1">
+              <a:lnSpc>
+                <a:spcPct val="90000"/>
+              </a:lnSpc>
+              <a:spcBef>
+                <a:spcPts val="500"/>
+              </a:spcBef>
+              <a:buFont typeface="Arial" panose="020B0604020202020204" pitchFamily="34" charset="0"/>
+              <a:buChar char="•"/>
+              <a:defRPr sz="1800" kern="1200">
+                <a:solidFill>
+                  <a:schemeClr val="tx1"/>
+                </a:solidFill>
+                <a:latin typeface="+mn-lt"/>
+                <a:ea typeface="+mn-ea"/>
+                <a:cs typeface="+mn-cs"/>
+              </a:defRPr>
+            </a:lvl7pPr>
+            <a:lvl8pPr marL="3429000" indent="-228600" algn="l" defTabSz="914400" rtl="0" eaLnBrk="1" latinLnBrk="0" hangingPunct="1">
+              <a:lnSpc>
+                <a:spcPct val="90000"/>
+              </a:lnSpc>
+              <a:spcBef>
+                <a:spcPts val="500"/>
+              </a:spcBef>
+              <a:buFont typeface="Arial" panose="020B0604020202020204" pitchFamily="34" charset="0"/>
+              <a:buChar char="•"/>
+              <a:defRPr sz="1800" kern="1200">
+                <a:solidFill>
+                  <a:schemeClr val="tx1"/>
+                </a:solidFill>
+                <a:latin typeface="+mn-lt"/>
+                <a:ea typeface="+mn-ea"/>
+                <a:cs typeface="+mn-cs"/>
+              </a:defRPr>
+            </a:lvl8pPr>
+            <a:lvl9pPr marL="3886200" indent="-228600" algn="l" defTabSz="914400" rtl="0" eaLnBrk="1" latinLnBrk="0" hangingPunct="1">
+              <a:lnSpc>
+                <a:spcPct val="90000"/>
+              </a:lnSpc>
+              <a:spcBef>
+                <a:spcPts val="500"/>
+              </a:spcBef>
+              <a:buFont typeface="Arial" panose="020B0604020202020204" pitchFamily="34" charset="0"/>
+              <a:buChar char="•"/>
+              <a:defRPr sz="1800" kern="1200">
+                <a:solidFill>
+                  <a:schemeClr val="tx1"/>
+                </a:solidFill>
+                <a:latin typeface="+mn-lt"/>
+                <a:ea typeface="+mn-ea"/>
+                <a:cs typeface="+mn-cs"/>
+              </a:defRPr>
+            </a:lvl9pPr>
+          </a:lstStyle>
+          <a:p>
+            <a:pPr marL="0" indent="0">
+              <a:buFont typeface="Arial" panose="020B0604020202020204" pitchFamily="34" charset="0"/>
+              <a:buNone/>
+            </a:pPr>
+            <a:r>
+              <a:rPr lang="en-US" dirty="0">
+                <a:latin typeface="Courier New" panose="02070309020205020404" pitchFamily="49" charset="0"/>
+                <a:cs typeface="Courier New" panose="02070309020205020404" pitchFamily="49" charset="0"/>
+              </a:rPr>
+              <a:t>GET /</a:t>
+            </a:r>
+            <a:r>
+              <a:rPr lang="en-US" dirty="0" err="1">
+                <a:latin typeface="Courier New" panose="02070309020205020404" pitchFamily="49" charset="0"/>
+                <a:cs typeface="Courier New" panose="02070309020205020404" pitchFamily="49" charset="0"/>
+              </a:rPr>
+              <a:t>pet_store</a:t>
+            </a:r>
+            <a:r>
+              <a:rPr lang="en-US" dirty="0">
+                <a:latin typeface="Courier New" panose="02070309020205020404" pitchFamily="49" charset="0"/>
+                <a:cs typeface="Courier New" panose="02070309020205020404" pitchFamily="49" charset="0"/>
+              </a:rPr>
+              <a:t> HTTP/2.0</a:t>
+            </a:r>
+          </a:p>
+          <a:p>
+            <a:pPr marL="0" indent="0">
+              <a:buFont typeface="Arial" panose="020B0604020202020204" pitchFamily="34" charset="0"/>
+              <a:buNone/>
+            </a:pPr>
+            <a:r>
+              <a:rPr lang="en-US" dirty="0">
+                <a:latin typeface="Courier New" panose="02070309020205020404" pitchFamily="49" charset="0"/>
+                <a:cs typeface="Courier New" panose="02070309020205020404" pitchFamily="49" charset="0"/>
+              </a:rPr>
+              <a:t>POST /</a:t>
+            </a:r>
+            <a:r>
+              <a:rPr lang="en-US" dirty="0" err="1">
+                <a:latin typeface="Courier New" panose="02070309020205020404" pitchFamily="49" charset="0"/>
+                <a:cs typeface="Courier New" panose="02070309020205020404" pitchFamily="49" charset="0"/>
+              </a:rPr>
+              <a:t>pet_store</a:t>
+            </a:r>
+            <a:r>
+              <a:rPr lang="en-US" dirty="0">
+                <a:latin typeface="Courier New" panose="02070309020205020404" pitchFamily="49" charset="0"/>
+                <a:cs typeface="Courier New" panose="02070309020205020404" pitchFamily="49" charset="0"/>
+              </a:rPr>
+              <a:t> HTTP/2.0</a:t>
+            </a:r>
+          </a:p>
+        </p:txBody>
+      </p:sp>
+      <p:sp>
+        <p:nvSpPr>
+          <p:cNvPr id="5" name="Content Placeholder 2">
+            <a:extLst>
+              <a:ext uri="{FF2B5EF4-FFF2-40B4-BE49-F238E27FC236}">
+                <a16:creationId xmlns:a16="http://schemas.microsoft.com/office/drawing/2014/main" id="{F5400FB5-8C92-177D-1FAF-65038878976B}"/>
+              </a:ext>
+            </a:extLst>
+          </p:cNvPr>
+          <p:cNvSpPr txBox="1">
+            <a:spLocks/>
+          </p:cNvSpPr>
+          <p:nvPr/>
+        </p:nvSpPr>
+        <p:spPr>
+          <a:xfrm>
+            <a:off x="838200" y="3901723"/>
+            <a:ext cx="5658134" cy="2348951"/>
+          </a:xfrm>
+          <a:prstGeom prst="rect">
+            <a:avLst/>
+          </a:prstGeom>
+        </p:spPr>
+        <p:txBody>
+          <a:bodyPr vert="horz" lIns="91440" tIns="45720" rIns="91440" bIns="45720" rtlCol="0">
+            <a:normAutofit/>
+          </a:bodyPr>
+          <a:lstStyle>
+            <a:lvl1pPr marL="228600" indent="-228600" algn="l" defTabSz="914400" rtl="0" eaLnBrk="1" latinLnBrk="0" hangingPunct="1">
+              <a:lnSpc>
+                <a:spcPct val="90000"/>
+              </a:lnSpc>
+              <a:spcBef>
+                <a:spcPts val="1000"/>
+              </a:spcBef>
+              <a:buFont typeface="Arial" panose="020B0604020202020204" pitchFamily="34" charset="0"/>
+              <a:buChar char="•"/>
+              <a:defRPr sz="2800" kern="1200">
+                <a:solidFill>
+                  <a:schemeClr val="tx1"/>
+                </a:solidFill>
+                <a:latin typeface="+mn-lt"/>
+                <a:ea typeface="+mn-ea"/>
+                <a:cs typeface="+mn-cs"/>
+              </a:defRPr>
+            </a:lvl1pPr>
+            <a:lvl2pPr marL="685800" indent="-228600" algn="l" defTabSz="914400" rtl="0" eaLnBrk="1" latinLnBrk="0" hangingPunct="1">
+              <a:lnSpc>
+                <a:spcPct val="90000"/>
+              </a:lnSpc>
+              <a:spcBef>
+                <a:spcPts val="500"/>
+              </a:spcBef>
+              <a:buFont typeface="Arial" panose="020B0604020202020204" pitchFamily="34" charset="0"/>
+              <a:buChar char="•"/>
+              <a:defRPr sz="2400" kern="1200">
+                <a:solidFill>
+                  <a:schemeClr val="tx1"/>
+                </a:solidFill>
+                <a:latin typeface="+mn-lt"/>
+                <a:ea typeface="+mn-ea"/>
+                <a:cs typeface="+mn-cs"/>
+              </a:defRPr>
+            </a:lvl2pPr>
+            <a:lvl3pPr marL="1143000" indent="-228600" algn="l" defTabSz="914400" rtl="0" eaLnBrk="1" latinLnBrk="0" hangingPunct="1">
+              <a:lnSpc>
+                <a:spcPct val="90000"/>
+              </a:lnSpc>
+              <a:spcBef>
+                <a:spcPts val="500"/>
+              </a:spcBef>
+              <a:buFont typeface="Arial" panose="020B0604020202020204" pitchFamily="34" charset="0"/>
+              <a:buChar char="•"/>
+              <a:defRPr sz="2000" kern="1200">
+                <a:solidFill>
+                  <a:schemeClr val="tx1"/>
+                </a:solidFill>
+                <a:latin typeface="+mn-lt"/>
+                <a:ea typeface="+mn-ea"/>
+                <a:cs typeface="+mn-cs"/>
+              </a:defRPr>
+            </a:lvl3pPr>
+            <a:lvl4pPr marL="1600200" indent="-228600" algn="l" defTabSz="914400" rtl="0" eaLnBrk="1" latinLnBrk="0" hangingPunct="1">
+              <a:lnSpc>
+                <a:spcPct val="90000"/>
+              </a:lnSpc>
+              <a:spcBef>
+                <a:spcPts val="500"/>
+              </a:spcBef>
+              <a:buFont typeface="Arial" panose="020B0604020202020204" pitchFamily="34" charset="0"/>
+              <a:buChar char="•"/>
+              <a:defRPr sz="1800" kern="1200">
+                <a:solidFill>
+                  <a:schemeClr val="tx1"/>
+                </a:solidFill>
+                <a:latin typeface="+mn-lt"/>
+                <a:ea typeface="+mn-ea"/>
+                <a:cs typeface="+mn-cs"/>
+              </a:defRPr>
+            </a:lvl4pPr>
+            <a:lvl5pPr marL="2057400" indent="-228600" algn="l" defTabSz="914400" rtl="0" eaLnBrk="1" latinLnBrk="0" hangingPunct="1">
+              <a:lnSpc>
+                <a:spcPct val="90000"/>
+              </a:lnSpc>
+              <a:spcBef>
+                <a:spcPts val="500"/>
+              </a:spcBef>
+              <a:buFont typeface="Arial" panose="020B0604020202020204" pitchFamily="34" charset="0"/>
+              <a:buChar char="•"/>
+              <a:defRPr sz="1800" kern="1200">
+                <a:solidFill>
+                  <a:schemeClr val="tx1"/>
+                </a:solidFill>
+                <a:latin typeface="+mn-lt"/>
+                <a:ea typeface="+mn-ea"/>
+                <a:cs typeface="+mn-cs"/>
+              </a:defRPr>
+            </a:lvl5pPr>
+            <a:lvl6pPr marL="2514600" indent="-228600" algn="l" defTabSz="914400" rtl="0" eaLnBrk="1" latinLnBrk="0" hangingPunct="1">
+              <a:lnSpc>
+                <a:spcPct val="90000"/>
+              </a:lnSpc>
+              <a:spcBef>
+                <a:spcPts val="500"/>
+              </a:spcBef>
+              <a:buFont typeface="Arial" panose="020B0604020202020204" pitchFamily="34" charset="0"/>
+              <a:buChar char="•"/>
+              <a:defRPr sz="1800" kern="1200">
+                <a:solidFill>
+                  <a:schemeClr val="tx1"/>
+                </a:solidFill>
+                <a:latin typeface="+mn-lt"/>
+                <a:ea typeface="+mn-ea"/>
+                <a:cs typeface="+mn-cs"/>
+              </a:defRPr>
+            </a:lvl6pPr>
+            <a:lvl7pPr marL="2971800" indent="-228600" algn="l" defTabSz="914400" rtl="0" eaLnBrk="1" latinLnBrk="0" hangingPunct="1">
+              <a:lnSpc>
+                <a:spcPct val="90000"/>
+              </a:lnSpc>
+              <a:spcBef>
+                <a:spcPts val="500"/>
+              </a:spcBef>
+              <a:buFont typeface="Arial" panose="020B0604020202020204" pitchFamily="34" charset="0"/>
+              <a:buChar char="•"/>
+              <a:defRPr sz="1800" kern="1200">
+                <a:solidFill>
+                  <a:schemeClr val="tx1"/>
+                </a:solidFill>
+                <a:latin typeface="+mn-lt"/>
+                <a:ea typeface="+mn-ea"/>
+                <a:cs typeface="+mn-cs"/>
+              </a:defRPr>
+            </a:lvl7pPr>
+            <a:lvl8pPr marL="3429000" indent="-228600" algn="l" defTabSz="914400" rtl="0" eaLnBrk="1" latinLnBrk="0" hangingPunct="1">
+              <a:lnSpc>
+                <a:spcPct val="90000"/>
+              </a:lnSpc>
+              <a:spcBef>
+                <a:spcPts val="500"/>
+              </a:spcBef>
+              <a:buFont typeface="Arial" panose="020B0604020202020204" pitchFamily="34" charset="0"/>
+              <a:buChar char="•"/>
+              <a:defRPr sz="1800" kern="1200">
+                <a:solidFill>
+                  <a:schemeClr val="tx1"/>
+                </a:solidFill>
+                <a:latin typeface="+mn-lt"/>
+                <a:ea typeface="+mn-ea"/>
+                <a:cs typeface="+mn-cs"/>
+              </a:defRPr>
+            </a:lvl8pPr>
+            <a:lvl9pPr marL="3886200" indent="-228600" algn="l" defTabSz="914400" rtl="0" eaLnBrk="1" latinLnBrk="0" hangingPunct="1">
+              <a:lnSpc>
+                <a:spcPct val="90000"/>
+              </a:lnSpc>
+              <a:spcBef>
+                <a:spcPts val="500"/>
+              </a:spcBef>
+              <a:buFont typeface="Arial" panose="020B0604020202020204" pitchFamily="34" charset="0"/>
+              <a:buChar char="•"/>
+              <a:defRPr sz="1800" kern="1200">
+                <a:solidFill>
+                  <a:schemeClr val="tx1"/>
+                </a:solidFill>
+                <a:latin typeface="+mn-lt"/>
+                <a:ea typeface="+mn-ea"/>
+                <a:cs typeface="+mn-cs"/>
+              </a:defRPr>
+            </a:lvl9pPr>
+          </a:lstStyle>
+          <a:p>
+            <a:pPr marL="0" indent="0">
+              <a:buFont typeface="Arial" panose="020B0604020202020204" pitchFamily="34" charset="0"/>
+              <a:buNone/>
+            </a:pPr>
+            <a:r>
+              <a:rPr lang="en-US" dirty="0"/>
+              <a:t>Common HTTP Verbs (CRUD):</a:t>
+            </a:r>
+          </a:p>
+          <a:p>
+            <a:pPr lvl="1"/>
             <a:r>
               <a:rPr lang="en-US" dirty="0">
                 <a:solidFill>
@@ -3625,8 +4611,26 @@
             </a:r>
             <a:r>
               <a:rPr lang="en-US" dirty="0"/>
-              <a:t> (Create) and </a:t>
-            </a:r>
+              <a:t> (Create)</a:t>
+            </a:r>
+          </a:p>
+          <a:p>
+            <a:pPr lvl="1"/>
+            <a:r>
+              <a:rPr lang="en-US" dirty="0">
+                <a:solidFill>
+                  <a:srgbClr val="00B050"/>
+                </a:solidFill>
+              </a:rPr>
+              <a:t>GET</a:t>
+            </a:r>
+            <a:r>
+              <a:rPr lang="en-US" dirty="0"/>
+              <a:t> (Read)</a:t>
+            </a:r>
+          </a:p>
+          <a:p>
+            <a:pPr lvl="1"/>
             <a:r>
               <a:rPr lang="en-US" dirty="0">
                 <a:solidFill>
@@ -3641,41 +4645,18 @@
             </a:r>
           </a:p>
           <a:p>
-            <a:pPr>
-              <a:spcBef>
-                <a:spcPts val="1800"/>
-              </a:spcBef>
-            </a:pPr>
+            <a:pPr lvl="1"/>
+            <a:r>
+              <a:rPr lang="en-US" dirty="0">
+                <a:solidFill>
+                  <a:srgbClr val="FF0000"/>
+                </a:solidFill>
+              </a:rPr>
+              <a:t>DELETE</a:t>
+            </a:r>
             <a:r>
               <a:rPr lang="en-US" dirty="0"/>
-              <a:t>Written as valid </a:t>
-            </a:r>
-            <a:r>
-              <a:rPr lang="en-US" dirty="0">
-                <a:solidFill>
-                  <a:srgbClr val="00B050"/>
-                </a:solidFill>
-              </a:rPr>
-              <a:t>JSON</a:t>
-            </a:r>
-          </a:p>
-          <a:p>
-            <a:pPr>
-              <a:spcBef>
-                <a:spcPts val="1800"/>
-              </a:spcBef>
-            </a:pPr>
-            <a:r>
-              <a:rPr lang="en-US" dirty="0"/>
-              <a:t>Also called the request </a:t>
-            </a:r>
-            <a:r>
-              <a:rPr lang="en-US" dirty="0">
-                <a:solidFill>
-                  <a:srgbClr val="00B050"/>
-                </a:solidFill>
-              </a:rPr>
-              <a:t>payload</a:t>
+              <a:t> (Delete)</a:t>
             </a:r>
           </a:p>
         </p:txBody>
@@ -3683,7 +4664,7 @@
     </p:spTree>
     <p:extLst>
       <p:ext uri="{BB962C8B-B14F-4D97-AF65-F5344CB8AC3E}">
-        <p14:creationId xmlns:p14="http://schemas.microsoft.com/office/powerpoint/2010/main" val="2163235853"/>
+        <p14:creationId xmlns:p14="http://schemas.microsoft.com/office/powerpoint/2010/main" val="4086873436"/>
       </p:ext>
     </p:extLst>
   </p:cSld>
@@ -3727,7 +4708,7 @@
           <p:cNvPr id="2" name="Title 1">
             <a:extLst>
               <a:ext uri="{FF2B5EF4-FFF2-40B4-BE49-F238E27FC236}">
-                <a16:creationId xmlns:a16="http://schemas.microsoft.com/office/drawing/2014/main" id="{08FAE4F9-E8F6-D0C8-70D1-B65E40ECE94D}"/>
+                <a16:creationId xmlns:a16="http://schemas.microsoft.com/office/drawing/2014/main" id="{008F697C-DB89-1525-8E6F-383090B7AD7F}"/>
               </a:ext>
             </a:extLst>
           </p:cNvPr>
@@ -3745,7 +4726,7 @@
           <a:p>
             <a:r>
               <a:rPr lang="en-US" dirty="0"/>
-              <a:t>HTTP Response</a:t>
+              <a:t>Request Headers</a:t>
             </a:r>
           </a:p>
         </p:txBody>
@@ -3755,7 +4736,7 @@
           <p:cNvPr id="3" name="Content Placeholder 2">
             <a:extLst>
               <a:ext uri="{FF2B5EF4-FFF2-40B4-BE49-F238E27FC236}">
-                <a16:creationId xmlns:a16="http://schemas.microsoft.com/office/drawing/2014/main" id="{831C6A54-FC1C-4A1D-6B64-F57E7EAC1F9A}"/>
+                <a16:creationId xmlns:a16="http://schemas.microsoft.com/office/drawing/2014/main" id="{9193E892-2DB6-E2F1-527E-8DD57CD03E57}"/>
               </a:ext>
             </a:extLst>
           </p:cNvPr>
@@ -3769,37 +4750,29 @@
         <p:spPr>
           <a:xfrm>
             <a:off x="838200" y="1825625"/>
-            <a:ext cx="5548952" cy="576381"/>
+            <a:ext cx="5257800" cy="985814"/>
           </a:xfrm>
-          <a:ln>
-            <a:solidFill>
-              <a:srgbClr val="00B0F0"/>
-            </a:solidFill>
-          </a:ln>
         </p:spPr>
         <p:txBody>
-          <a:bodyPr anchor="ctr"/>
+          <a:bodyPr/>
           <a:lstStyle/>
           <a:p>
             <a:pPr marL="0" indent="0">
               <a:buNone/>
             </a:pPr>
             <a:r>
-              <a:rPr lang="en-US" dirty="0">
-                <a:latin typeface="Courier New" panose="02070309020205020404" pitchFamily="49" charset="0"/>
-                <a:cs typeface="Courier New" panose="02070309020205020404" pitchFamily="49" charset="0"/>
-              </a:rPr>
-              <a:t>Status Line</a:t>
-            </a:r>
-          </a:p>
-        </p:txBody>
-      </p:sp>
-      <p:sp>
-        <p:nvSpPr>
-          <p:cNvPr id="5" name="Content Placeholder 2">
+              <a:rPr lang="en-US" dirty="0"/>
+              <a:t>Describe the request and allowed response format(s)</a:t>
+            </a:r>
+          </a:p>
+        </p:txBody>
+      </p:sp>
+      <p:sp>
+        <p:nvSpPr>
+          <p:cNvPr id="4" name="Content Placeholder 2">
             <a:extLst>
               <a:ext uri="{FF2B5EF4-FFF2-40B4-BE49-F238E27FC236}">
-                <a16:creationId xmlns:a16="http://schemas.microsoft.com/office/drawing/2014/main" id="{FF8B02FD-884F-6150-B6AD-8FA16C67A331}"/>
+                <a16:creationId xmlns:a16="http://schemas.microsoft.com/office/drawing/2014/main" id="{5B60677A-97DD-C1CE-526A-0875CCBF0E27}"/>
               </a:ext>
             </a:extLst>
           </p:cNvPr>
@@ -3810,20 +4783,15 @@
         </p:nvSpPr>
         <p:spPr>
           <a:xfrm>
-            <a:off x="838200" y="2404134"/>
-            <a:ext cx="5548952" cy="576381"/>
+            <a:off x="838200" y="2946376"/>
+            <a:ext cx="5257800" cy="985814"/>
           </a:xfrm>
           <a:prstGeom prst="rect">
             <a:avLst/>
           </a:prstGeom>
-          <a:ln>
-            <a:solidFill>
-              <a:srgbClr val="00B0F0"/>
-            </a:solidFill>
-          </a:ln>
         </p:spPr>
         <p:txBody>
-          <a:bodyPr vert="horz" lIns="91440" tIns="45720" rIns="91440" bIns="45720" rtlCol="0" anchor="ctr">
+          <a:bodyPr vert="horz" lIns="91440" tIns="45720" rIns="91440" bIns="45720" rtlCol="0">
             <a:normAutofit/>
           </a:bodyPr>
           <a:lstStyle>
@@ -3996,230 +4964,54 @@
               <a:buNone/>
             </a:pPr>
             <a:r>
-              <a:rPr lang="en-US" dirty="0">
+              <a:rPr lang="en-US" sz="2000" dirty="0">
                 <a:latin typeface="Courier New" panose="02070309020205020404" pitchFamily="49" charset="0"/>
                 <a:cs typeface="Courier New" panose="02070309020205020404" pitchFamily="49" charset="0"/>
               </a:rPr>
-              <a:t>Response Headers</a:t>
-            </a:r>
-          </a:p>
-        </p:txBody>
-      </p:sp>
-      <p:sp>
-        <p:nvSpPr>
-          <p:cNvPr id="6" name="Content Placeholder 2">
-            <a:extLst>
-              <a:ext uri="{FF2B5EF4-FFF2-40B4-BE49-F238E27FC236}">
-                <a16:creationId xmlns:a16="http://schemas.microsoft.com/office/drawing/2014/main" id="{48F527DC-07B4-8F00-36F6-6A13B738D9D6}"/>
-              </a:ext>
-            </a:extLst>
-          </p:cNvPr>
-          <p:cNvSpPr txBox="1">
-            <a:spLocks/>
-          </p:cNvSpPr>
-          <p:nvPr/>
-        </p:nvSpPr>
-        <p:spPr>
-          <a:xfrm>
-            <a:off x="838200" y="2970220"/>
-            <a:ext cx="5548952" cy="576381"/>
-          </a:xfrm>
-          <a:prstGeom prst="rect">
-            <a:avLst/>
-          </a:prstGeom>
-          <a:ln>
-            <a:solidFill>
-              <a:srgbClr val="00B0F0"/>
-            </a:solidFill>
-          </a:ln>
-        </p:spPr>
-        <p:txBody>
-          <a:bodyPr vert="horz" lIns="91440" tIns="45720" rIns="91440" bIns="45720" rtlCol="0" anchor="ctr">
-            <a:normAutofit/>
-          </a:bodyPr>
-          <a:lstStyle>
-            <a:lvl1pPr marL="228600" indent="-228600" algn="l" defTabSz="914400" rtl="0" eaLnBrk="1" latinLnBrk="0" hangingPunct="1">
-              <a:lnSpc>
-                <a:spcPct val="90000"/>
-              </a:lnSpc>
-              <a:spcBef>
-                <a:spcPts val="1000"/>
-              </a:spcBef>
-              <a:buFont typeface="Arial" panose="020B0604020202020204" pitchFamily="34" charset="0"/>
-              <a:buChar char="•"/>
-              <a:defRPr sz="2800" kern="1200">
-                <a:solidFill>
-                  <a:schemeClr val="tx1"/>
-                </a:solidFill>
-                <a:latin typeface="+mn-lt"/>
-                <a:ea typeface="+mn-ea"/>
-                <a:cs typeface="+mn-cs"/>
-              </a:defRPr>
-            </a:lvl1pPr>
-            <a:lvl2pPr marL="685800" indent="-228600" algn="l" defTabSz="914400" rtl="0" eaLnBrk="1" latinLnBrk="0" hangingPunct="1">
-              <a:lnSpc>
-                <a:spcPct val="90000"/>
-              </a:lnSpc>
-              <a:spcBef>
-                <a:spcPts val="500"/>
-              </a:spcBef>
-              <a:buFont typeface="Arial" panose="020B0604020202020204" pitchFamily="34" charset="0"/>
-              <a:buChar char="•"/>
-              <a:defRPr sz="2400" kern="1200">
-                <a:solidFill>
-                  <a:schemeClr val="tx1"/>
-                </a:solidFill>
-                <a:latin typeface="+mn-lt"/>
-                <a:ea typeface="+mn-ea"/>
-                <a:cs typeface="+mn-cs"/>
-              </a:defRPr>
-            </a:lvl2pPr>
-            <a:lvl3pPr marL="1143000" indent="-228600" algn="l" defTabSz="914400" rtl="0" eaLnBrk="1" latinLnBrk="0" hangingPunct="1">
-              <a:lnSpc>
-                <a:spcPct val="90000"/>
-              </a:lnSpc>
-              <a:spcBef>
-                <a:spcPts val="500"/>
-              </a:spcBef>
-              <a:buFont typeface="Arial" panose="020B0604020202020204" pitchFamily="34" charset="0"/>
-              <a:buChar char="•"/>
-              <a:defRPr sz="2000" kern="1200">
-                <a:solidFill>
-                  <a:schemeClr val="tx1"/>
-                </a:solidFill>
-                <a:latin typeface="+mn-lt"/>
-                <a:ea typeface="+mn-ea"/>
-                <a:cs typeface="+mn-cs"/>
-              </a:defRPr>
-            </a:lvl3pPr>
-            <a:lvl4pPr marL="1600200" indent="-228600" algn="l" defTabSz="914400" rtl="0" eaLnBrk="1" latinLnBrk="0" hangingPunct="1">
-              <a:lnSpc>
-                <a:spcPct val="90000"/>
-              </a:lnSpc>
-              <a:spcBef>
-                <a:spcPts val="500"/>
-              </a:spcBef>
-              <a:buFont typeface="Arial" panose="020B0604020202020204" pitchFamily="34" charset="0"/>
-              <a:buChar char="•"/>
-              <a:defRPr sz="1800" kern="1200">
-                <a:solidFill>
-                  <a:schemeClr val="tx1"/>
-                </a:solidFill>
-                <a:latin typeface="+mn-lt"/>
-                <a:ea typeface="+mn-ea"/>
-                <a:cs typeface="+mn-cs"/>
-              </a:defRPr>
-            </a:lvl4pPr>
-            <a:lvl5pPr marL="2057400" indent="-228600" algn="l" defTabSz="914400" rtl="0" eaLnBrk="1" latinLnBrk="0" hangingPunct="1">
-              <a:lnSpc>
-                <a:spcPct val="90000"/>
-              </a:lnSpc>
-              <a:spcBef>
-                <a:spcPts val="500"/>
-              </a:spcBef>
-              <a:buFont typeface="Arial" panose="020B0604020202020204" pitchFamily="34" charset="0"/>
-              <a:buChar char="•"/>
-              <a:defRPr sz="1800" kern="1200">
-                <a:solidFill>
-                  <a:schemeClr val="tx1"/>
-                </a:solidFill>
-                <a:latin typeface="+mn-lt"/>
-                <a:ea typeface="+mn-ea"/>
-                <a:cs typeface="+mn-cs"/>
-              </a:defRPr>
-            </a:lvl5pPr>
-            <a:lvl6pPr marL="2514600" indent="-228600" algn="l" defTabSz="914400" rtl="0" eaLnBrk="1" latinLnBrk="0" hangingPunct="1">
-              <a:lnSpc>
-                <a:spcPct val="90000"/>
-              </a:lnSpc>
-              <a:spcBef>
-                <a:spcPts val="500"/>
-              </a:spcBef>
-              <a:buFont typeface="Arial" panose="020B0604020202020204" pitchFamily="34" charset="0"/>
-              <a:buChar char="•"/>
-              <a:defRPr sz="1800" kern="1200">
-                <a:solidFill>
-                  <a:schemeClr val="tx1"/>
-                </a:solidFill>
-                <a:latin typeface="+mn-lt"/>
-                <a:ea typeface="+mn-ea"/>
-                <a:cs typeface="+mn-cs"/>
-              </a:defRPr>
-            </a:lvl6pPr>
-            <a:lvl7pPr marL="2971800" indent="-228600" algn="l" defTabSz="914400" rtl="0" eaLnBrk="1" latinLnBrk="0" hangingPunct="1">
-              <a:lnSpc>
-                <a:spcPct val="90000"/>
-              </a:lnSpc>
-              <a:spcBef>
-                <a:spcPts val="500"/>
-              </a:spcBef>
-              <a:buFont typeface="Arial" panose="020B0604020202020204" pitchFamily="34" charset="0"/>
-              <a:buChar char="•"/>
-              <a:defRPr sz="1800" kern="1200">
-                <a:solidFill>
-                  <a:schemeClr val="tx1"/>
-                </a:solidFill>
-                <a:latin typeface="+mn-lt"/>
-                <a:ea typeface="+mn-ea"/>
-                <a:cs typeface="+mn-cs"/>
-              </a:defRPr>
-            </a:lvl7pPr>
-            <a:lvl8pPr marL="3429000" indent="-228600" algn="l" defTabSz="914400" rtl="0" eaLnBrk="1" latinLnBrk="0" hangingPunct="1">
-              <a:lnSpc>
-                <a:spcPct val="90000"/>
-              </a:lnSpc>
-              <a:spcBef>
-                <a:spcPts val="500"/>
-              </a:spcBef>
-              <a:buFont typeface="Arial" panose="020B0604020202020204" pitchFamily="34" charset="0"/>
-              <a:buChar char="•"/>
-              <a:defRPr sz="1800" kern="1200">
-                <a:solidFill>
-                  <a:schemeClr val="tx1"/>
-                </a:solidFill>
-                <a:latin typeface="+mn-lt"/>
-                <a:ea typeface="+mn-ea"/>
-                <a:cs typeface="+mn-cs"/>
-              </a:defRPr>
-            </a:lvl8pPr>
-            <a:lvl9pPr marL="3886200" indent="-228600" algn="l" defTabSz="914400" rtl="0" eaLnBrk="1" latinLnBrk="0" hangingPunct="1">
-              <a:lnSpc>
-                <a:spcPct val="90000"/>
-              </a:lnSpc>
-              <a:spcBef>
-                <a:spcPts val="500"/>
-              </a:spcBef>
-              <a:buFont typeface="Arial" panose="020B0604020202020204" pitchFamily="34" charset="0"/>
-              <a:buChar char="•"/>
-              <a:defRPr sz="1800" kern="1200">
-                <a:solidFill>
-                  <a:schemeClr val="tx1"/>
-                </a:solidFill>
-                <a:latin typeface="+mn-lt"/>
-                <a:ea typeface="+mn-ea"/>
-                <a:cs typeface="+mn-cs"/>
-              </a:defRPr>
-            </a:lvl9pPr>
-          </a:lstStyle>
-          <a:p>
-            <a:pPr marL="0" indent="0">
-              <a:buFont typeface="Arial" panose="020B0604020202020204" pitchFamily="34" charset="0"/>
-              <a:buNone/>
-            </a:pPr>
-            <a:r>
-              <a:rPr lang="en-US" dirty="0">
+              <a:t>Accept: application/</a:t>
+            </a:r>
+            <a:r>
+              <a:rPr lang="en-US" sz="2000" dirty="0" err="1">
                 <a:latin typeface="Courier New" panose="02070309020205020404" pitchFamily="49" charset="0"/>
                 <a:cs typeface="Courier New" panose="02070309020205020404" pitchFamily="49" charset="0"/>
               </a:rPr>
-              <a:t>Response Body (JSON)</a:t>
-            </a:r>
+              <a:t>json</a:t>
+            </a:r>
+            <a:endParaRPr lang="en-US" sz="2000" dirty="0">
+              <a:latin typeface="Courier New" panose="02070309020205020404" pitchFamily="49" charset="0"/>
+              <a:cs typeface="Courier New" panose="02070309020205020404" pitchFamily="49" charset="0"/>
+            </a:endParaRPr>
+          </a:p>
+          <a:p>
+            <a:pPr marL="0" indent="0">
+              <a:buFont typeface="Arial" panose="020B0604020202020204" pitchFamily="34" charset="0"/>
+              <a:buNone/>
+            </a:pPr>
+            <a:r>
+              <a:rPr lang="en-US" sz="2000" dirty="0">
+                <a:latin typeface="Courier New" panose="02070309020205020404" pitchFamily="49" charset="0"/>
+                <a:cs typeface="Courier New" panose="02070309020205020404" pitchFamily="49" charset="0"/>
+              </a:rPr>
+              <a:t>Content-Type: application/</a:t>
+            </a:r>
+            <a:r>
+              <a:rPr lang="en-US" sz="2000" dirty="0" err="1">
+                <a:latin typeface="Courier New" panose="02070309020205020404" pitchFamily="49" charset="0"/>
+                <a:cs typeface="Courier New" panose="02070309020205020404" pitchFamily="49" charset="0"/>
+              </a:rPr>
+              <a:t>json</a:t>
+            </a:r>
+            <a:endParaRPr lang="en-US" sz="2000" dirty="0">
+              <a:latin typeface="Courier New" panose="02070309020205020404" pitchFamily="49" charset="0"/>
+              <a:cs typeface="Courier New" panose="02070309020205020404" pitchFamily="49" charset="0"/>
+            </a:endParaRPr>
           </a:p>
         </p:txBody>
       </p:sp>
     </p:spTree>
     <p:extLst>
       <p:ext uri="{BB962C8B-B14F-4D97-AF65-F5344CB8AC3E}">
-        <p14:creationId xmlns:p14="http://schemas.microsoft.com/office/powerpoint/2010/main" val="1269406446"/>
+        <p14:creationId xmlns:p14="http://schemas.microsoft.com/office/powerpoint/2010/main" val="1861412946"/>
       </p:ext>
     </p:extLst>
   </p:cSld>
@@ -4263,7 +5055,7 @@
           <p:cNvPr id="2" name="Title 1">
             <a:extLst>
               <a:ext uri="{FF2B5EF4-FFF2-40B4-BE49-F238E27FC236}">
-                <a16:creationId xmlns:a16="http://schemas.microsoft.com/office/drawing/2014/main" id="{B424D872-B2DC-3668-52A0-26CB607C23BD}"/>
+                <a16:creationId xmlns:a16="http://schemas.microsoft.com/office/drawing/2014/main" id="{BE3C75EF-8052-A413-4D1E-B39EB3E4ABCA}"/>
               </a:ext>
             </a:extLst>
           </p:cNvPr>
@@ -4281,7 +5073,7 @@
           <a:p>
             <a:r>
               <a:rPr lang="en-US" dirty="0"/>
-              <a:t>Response status line</a:t>
+              <a:t>Request Body</a:t>
             </a:r>
           </a:p>
         </p:txBody>
@@ -4291,7 +5083,7 @@
           <p:cNvPr id="3" name="Content Placeholder 2">
             <a:extLst>
               <a:ext uri="{FF2B5EF4-FFF2-40B4-BE49-F238E27FC236}">
-                <a16:creationId xmlns:a16="http://schemas.microsoft.com/office/drawing/2014/main" id="{37CD8BEF-7865-5AD4-825D-4FDCC98D4B20}"/>
+                <a16:creationId xmlns:a16="http://schemas.microsoft.com/office/drawing/2014/main" id="{9AC4E139-1E7F-2145-EA9D-366494B50F65}"/>
               </a:ext>
             </a:extLst>
           </p:cNvPr>
@@ -4305,251 +5097,83 @@
         <p:spPr>
           <a:xfrm>
             <a:off x="838200" y="1825625"/>
-            <a:ext cx="5576248" cy="494494"/>
+            <a:ext cx="4675496" cy="4351338"/>
           </a:xfrm>
         </p:spPr>
         <p:txBody>
           <a:bodyPr/>
           <a:lstStyle/>
           <a:p>
-            <a:pPr marL="0" indent="0">
-              <a:buNone/>
+            <a:pPr>
+              <a:spcBef>
+                <a:spcPts val="1800"/>
+              </a:spcBef>
             </a:pPr>
             <a:r>
               <a:rPr lang="en-US" dirty="0"/>
-              <a:t>HTTP version + status code + reason</a:t>
-            </a:r>
-          </a:p>
-        </p:txBody>
-      </p:sp>
-      <p:sp>
-        <p:nvSpPr>
-          <p:cNvPr id="4" name="Content Placeholder 2">
-            <a:extLst>
-              <a:ext uri="{FF2B5EF4-FFF2-40B4-BE49-F238E27FC236}">
-                <a16:creationId xmlns:a16="http://schemas.microsoft.com/office/drawing/2014/main" id="{870EF374-146F-1DF0-6460-E7648DD481A2}"/>
-              </a:ext>
-            </a:extLst>
-          </p:cNvPr>
-          <p:cNvSpPr txBox="1">
-            <a:spLocks/>
-          </p:cNvSpPr>
-          <p:nvPr/>
-        </p:nvSpPr>
-        <p:spPr>
-          <a:xfrm>
-            <a:off x="838200" y="2455056"/>
-            <a:ext cx="5576248" cy="2082826"/>
-          </a:xfrm>
-          <a:prstGeom prst="rect">
-            <a:avLst/>
-          </a:prstGeom>
-        </p:spPr>
-        <p:txBody>
-          <a:bodyPr vert="horz" lIns="91440" tIns="45720" rIns="91440" bIns="45720" rtlCol="0" anchor="t">
-            <a:normAutofit/>
-          </a:bodyPr>
-          <a:lstStyle>
-            <a:lvl1pPr marL="228600" indent="-228600" algn="l" defTabSz="914400" rtl="0" eaLnBrk="1" latinLnBrk="0" hangingPunct="1">
-              <a:lnSpc>
-                <a:spcPct val="90000"/>
-              </a:lnSpc>
-              <a:spcBef>
-                <a:spcPts val="1000"/>
-              </a:spcBef>
-              <a:buFont typeface="Arial" panose="020B0604020202020204" pitchFamily="34" charset="0"/>
-              <a:buChar char="•"/>
-              <a:defRPr sz="2800" kern="1200">
-                <a:solidFill>
-                  <a:schemeClr val="tx1"/>
-                </a:solidFill>
-                <a:latin typeface="+mn-lt"/>
-                <a:ea typeface="+mn-ea"/>
-                <a:cs typeface="+mn-cs"/>
-              </a:defRPr>
-            </a:lvl1pPr>
-            <a:lvl2pPr marL="685800" indent="-228600" algn="l" defTabSz="914400" rtl="0" eaLnBrk="1" latinLnBrk="0" hangingPunct="1">
-              <a:lnSpc>
-                <a:spcPct val="90000"/>
-              </a:lnSpc>
-              <a:spcBef>
-                <a:spcPts val="500"/>
-              </a:spcBef>
-              <a:buFont typeface="Arial" panose="020B0604020202020204" pitchFamily="34" charset="0"/>
-              <a:buChar char="•"/>
-              <a:defRPr sz="2400" kern="1200">
-                <a:solidFill>
-                  <a:schemeClr val="tx1"/>
-                </a:solidFill>
-                <a:latin typeface="+mn-lt"/>
-                <a:ea typeface="+mn-ea"/>
-                <a:cs typeface="+mn-cs"/>
-              </a:defRPr>
-            </a:lvl2pPr>
-            <a:lvl3pPr marL="1143000" indent="-228600" algn="l" defTabSz="914400" rtl="0" eaLnBrk="1" latinLnBrk="0" hangingPunct="1">
-              <a:lnSpc>
-                <a:spcPct val="90000"/>
-              </a:lnSpc>
-              <a:spcBef>
-                <a:spcPts val="500"/>
-              </a:spcBef>
-              <a:buFont typeface="Arial" panose="020B0604020202020204" pitchFamily="34" charset="0"/>
-              <a:buChar char="•"/>
-              <a:defRPr sz="2000" kern="1200">
-                <a:solidFill>
-                  <a:schemeClr val="tx1"/>
-                </a:solidFill>
-                <a:latin typeface="+mn-lt"/>
-                <a:ea typeface="+mn-ea"/>
-                <a:cs typeface="+mn-cs"/>
-              </a:defRPr>
-            </a:lvl3pPr>
-            <a:lvl4pPr marL="1600200" indent="-228600" algn="l" defTabSz="914400" rtl="0" eaLnBrk="1" latinLnBrk="0" hangingPunct="1">
-              <a:lnSpc>
-                <a:spcPct val="90000"/>
-              </a:lnSpc>
-              <a:spcBef>
-                <a:spcPts val="500"/>
-              </a:spcBef>
-              <a:buFont typeface="Arial" panose="020B0604020202020204" pitchFamily="34" charset="0"/>
-              <a:buChar char="•"/>
-              <a:defRPr sz="1800" kern="1200">
-                <a:solidFill>
-                  <a:schemeClr val="tx1"/>
-                </a:solidFill>
-                <a:latin typeface="+mn-lt"/>
-                <a:ea typeface="+mn-ea"/>
-                <a:cs typeface="+mn-cs"/>
-              </a:defRPr>
-            </a:lvl4pPr>
-            <a:lvl5pPr marL="2057400" indent="-228600" algn="l" defTabSz="914400" rtl="0" eaLnBrk="1" latinLnBrk="0" hangingPunct="1">
-              <a:lnSpc>
-                <a:spcPct val="90000"/>
-              </a:lnSpc>
-              <a:spcBef>
-                <a:spcPts val="500"/>
-              </a:spcBef>
-              <a:buFont typeface="Arial" panose="020B0604020202020204" pitchFamily="34" charset="0"/>
-              <a:buChar char="•"/>
-              <a:defRPr sz="1800" kern="1200">
-                <a:solidFill>
-                  <a:schemeClr val="tx1"/>
-                </a:solidFill>
-                <a:latin typeface="+mn-lt"/>
-                <a:ea typeface="+mn-ea"/>
-                <a:cs typeface="+mn-cs"/>
-              </a:defRPr>
-            </a:lvl5pPr>
-            <a:lvl6pPr marL="2514600" indent="-228600" algn="l" defTabSz="914400" rtl="0" eaLnBrk="1" latinLnBrk="0" hangingPunct="1">
-              <a:lnSpc>
-                <a:spcPct val="90000"/>
-              </a:lnSpc>
-              <a:spcBef>
-                <a:spcPts val="500"/>
-              </a:spcBef>
-              <a:buFont typeface="Arial" panose="020B0604020202020204" pitchFamily="34" charset="0"/>
-              <a:buChar char="•"/>
-              <a:defRPr sz="1800" kern="1200">
-                <a:solidFill>
-                  <a:schemeClr val="tx1"/>
-                </a:solidFill>
-                <a:latin typeface="+mn-lt"/>
-                <a:ea typeface="+mn-ea"/>
-                <a:cs typeface="+mn-cs"/>
-              </a:defRPr>
-            </a:lvl6pPr>
-            <a:lvl7pPr marL="2971800" indent="-228600" algn="l" defTabSz="914400" rtl="0" eaLnBrk="1" latinLnBrk="0" hangingPunct="1">
-              <a:lnSpc>
-                <a:spcPct val="90000"/>
-              </a:lnSpc>
-              <a:spcBef>
-                <a:spcPts val="500"/>
-              </a:spcBef>
-              <a:buFont typeface="Arial" panose="020B0604020202020204" pitchFamily="34" charset="0"/>
-              <a:buChar char="•"/>
-              <a:defRPr sz="1800" kern="1200">
-                <a:solidFill>
-                  <a:schemeClr val="tx1"/>
-                </a:solidFill>
-                <a:latin typeface="+mn-lt"/>
-                <a:ea typeface="+mn-ea"/>
-                <a:cs typeface="+mn-cs"/>
-              </a:defRPr>
-            </a:lvl7pPr>
-            <a:lvl8pPr marL="3429000" indent="-228600" algn="l" defTabSz="914400" rtl="0" eaLnBrk="1" latinLnBrk="0" hangingPunct="1">
-              <a:lnSpc>
-                <a:spcPct val="90000"/>
-              </a:lnSpc>
-              <a:spcBef>
-                <a:spcPts val="500"/>
-              </a:spcBef>
-              <a:buFont typeface="Arial" panose="020B0604020202020204" pitchFamily="34" charset="0"/>
-              <a:buChar char="•"/>
-              <a:defRPr sz="1800" kern="1200">
-                <a:solidFill>
-                  <a:schemeClr val="tx1"/>
-                </a:solidFill>
-                <a:latin typeface="+mn-lt"/>
-                <a:ea typeface="+mn-ea"/>
-                <a:cs typeface="+mn-cs"/>
-              </a:defRPr>
-            </a:lvl8pPr>
-            <a:lvl9pPr marL="3886200" indent="-228600" algn="l" defTabSz="914400" rtl="0" eaLnBrk="1" latinLnBrk="0" hangingPunct="1">
-              <a:lnSpc>
-                <a:spcPct val="90000"/>
-              </a:lnSpc>
-              <a:spcBef>
-                <a:spcPts val="500"/>
-              </a:spcBef>
-              <a:buFont typeface="Arial" panose="020B0604020202020204" pitchFamily="34" charset="0"/>
-              <a:buChar char="•"/>
-              <a:defRPr sz="1800" kern="1200">
-                <a:solidFill>
-                  <a:schemeClr val="tx1"/>
-                </a:solidFill>
-                <a:latin typeface="+mn-lt"/>
-                <a:ea typeface="+mn-ea"/>
-                <a:cs typeface="+mn-cs"/>
-              </a:defRPr>
-            </a:lvl9pPr>
-          </a:lstStyle>
-          <a:p>
-            <a:pPr marL="0" indent="0">
-              <a:buFont typeface="Arial" panose="020B0604020202020204" pitchFamily="34" charset="0"/>
-              <a:buNone/>
+              <a:t>Used for </a:t>
+            </a:r>
+            <a:r>
+              <a:rPr lang="en-US" dirty="0">
+                <a:solidFill>
+                  <a:srgbClr val="00B0F0"/>
+                </a:solidFill>
+              </a:rPr>
+              <a:t>POST</a:t>
+            </a:r>
+            <a:r>
+              <a:rPr lang="en-US" dirty="0"/>
+              <a:t> (Create) and </a:t>
+            </a:r>
+            <a:r>
+              <a:rPr lang="en-US" dirty="0">
+                <a:solidFill>
+                  <a:srgbClr val="FFC000"/>
+                </a:solidFill>
+              </a:rPr>
+              <a:t>PUT</a:t>
+            </a:r>
+            <a:r>
+              <a:rPr lang="en-US" dirty="0"/>
+              <a:t> (Update)</a:t>
+            </a:r>
+          </a:p>
+          <a:p>
+            <a:pPr>
+              <a:spcBef>
+                <a:spcPts val="1800"/>
+              </a:spcBef>
             </a:pPr>
             <a:r>
+              <a:rPr lang="en-US" dirty="0"/>
+              <a:t>Written as valid </a:t>
+            </a:r>
+            <a:r>
               <a:rPr lang="en-US" dirty="0">
-                <a:latin typeface="Courier New" panose="02070309020205020404" pitchFamily="49" charset="0"/>
-                <a:cs typeface="Courier New" panose="02070309020205020404" pitchFamily="49" charset="0"/>
+                <a:solidFill>
+                  <a:srgbClr val="00B050"/>
+                </a:solidFill>
               </a:rPr>
-              <a:t>HTTP/2.0 200 OK</a:t>
-            </a:r>
-          </a:p>
-          <a:p>
-            <a:pPr marL="0" indent="0">
-              <a:buFont typeface="Arial" panose="020B0604020202020204" pitchFamily="34" charset="0"/>
-              <a:buNone/>
+              <a:t>JSON</a:t>
+            </a:r>
+          </a:p>
+          <a:p>
+            <a:pPr>
+              <a:spcBef>
+                <a:spcPts val="1800"/>
+              </a:spcBef>
             </a:pPr>
             <a:r>
+              <a:rPr lang="en-US" dirty="0"/>
+              <a:t>Also called the request </a:t>
+            </a:r>
+            <a:r>
               <a:rPr lang="en-US" dirty="0">
-                <a:latin typeface="Courier New" panose="02070309020205020404" pitchFamily="49" charset="0"/>
-                <a:cs typeface="Courier New" panose="02070309020205020404" pitchFamily="49" charset="0"/>
+                <a:solidFill>
+                  <a:srgbClr val="00B050"/>
+                </a:solidFill>
               </a:rPr>
-              <a:t>HTTP/2.0 404 Not Found</a:t>
-            </a:r>
-          </a:p>
-          <a:p>
-            <a:pPr marL="0" indent="0">
-              <a:buFont typeface="Arial" panose="020B0604020202020204" pitchFamily="34" charset="0"/>
-              <a:buNone/>
-            </a:pPr>
-            <a:r>
-              <a:rPr lang="en-US" dirty="0">
-                <a:latin typeface="Courier New" panose="02070309020205020404" pitchFamily="49" charset="0"/>
-                <a:cs typeface="Courier New" panose="02070309020205020404" pitchFamily="49" charset="0"/>
-              </a:rPr>
-              <a:t>HTTP/2.0 409 Conflict</a:t>
+              <a:t>payload</a:t>
             </a:r>
           </a:p>
         </p:txBody>
@@ -4557,7 +5181,7 @@
     </p:spTree>
     <p:extLst>
       <p:ext uri="{BB962C8B-B14F-4D97-AF65-F5344CB8AC3E}">
-        <p14:creationId xmlns:p14="http://schemas.microsoft.com/office/powerpoint/2010/main" val="1627706076"/>
+        <p14:creationId xmlns:p14="http://schemas.microsoft.com/office/powerpoint/2010/main" val="2163235853"/>
       </p:ext>
     </p:extLst>
   </p:cSld>
@@ -4601,6 +5225,918 @@
           <p:cNvPr id="2" name="Title 1">
             <a:extLst>
               <a:ext uri="{FF2B5EF4-FFF2-40B4-BE49-F238E27FC236}">
+                <a16:creationId xmlns:a16="http://schemas.microsoft.com/office/drawing/2014/main" id="{08FAE4F9-E8F6-D0C8-70D1-B65E40ECE94D}"/>
+              </a:ext>
+            </a:extLst>
+          </p:cNvPr>
+          <p:cNvSpPr>
+            <a:spLocks noGrp="1"/>
+          </p:cNvSpPr>
+          <p:nvPr>
+            <p:ph type="title"/>
+          </p:nvPr>
+        </p:nvSpPr>
+        <p:spPr/>
+        <p:txBody>
+          <a:bodyPr/>
+          <a:lstStyle/>
+          <a:p>
+            <a:r>
+              <a:rPr lang="en-US" dirty="0"/>
+              <a:t>HTTP Response</a:t>
+            </a:r>
+          </a:p>
+        </p:txBody>
+      </p:sp>
+      <p:sp>
+        <p:nvSpPr>
+          <p:cNvPr id="3" name="Content Placeholder 2">
+            <a:extLst>
+              <a:ext uri="{FF2B5EF4-FFF2-40B4-BE49-F238E27FC236}">
+                <a16:creationId xmlns:a16="http://schemas.microsoft.com/office/drawing/2014/main" id="{831C6A54-FC1C-4A1D-6B64-F57E7EAC1F9A}"/>
+              </a:ext>
+            </a:extLst>
+          </p:cNvPr>
+          <p:cNvSpPr>
+            <a:spLocks noGrp="1"/>
+          </p:cNvSpPr>
+          <p:nvPr>
+            <p:ph idx="1"/>
+          </p:nvPr>
+        </p:nvSpPr>
+        <p:spPr>
+          <a:xfrm>
+            <a:off x="838200" y="1825625"/>
+            <a:ext cx="5548952" cy="576381"/>
+          </a:xfrm>
+          <a:ln>
+            <a:solidFill>
+              <a:srgbClr val="00B0F0"/>
+            </a:solidFill>
+          </a:ln>
+        </p:spPr>
+        <p:txBody>
+          <a:bodyPr anchor="ctr"/>
+          <a:lstStyle/>
+          <a:p>
+            <a:pPr marL="0" indent="0">
+              <a:buNone/>
+            </a:pPr>
+            <a:r>
+              <a:rPr lang="en-US" dirty="0">
+                <a:latin typeface="Courier New" panose="02070309020205020404" pitchFamily="49" charset="0"/>
+                <a:cs typeface="Courier New" panose="02070309020205020404" pitchFamily="49" charset="0"/>
+              </a:rPr>
+              <a:t>Status Line</a:t>
+            </a:r>
+          </a:p>
+        </p:txBody>
+      </p:sp>
+      <p:sp>
+        <p:nvSpPr>
+          <p:cNvPr id="5" name="Content Placeholder 2">
+            <a:extLst>
+              <a:ext uri="{FF2B5EF4-FFF2-40B4-BE49-F238E27FC236}">
+                <a16:creationId xmlns:a16="http://schemas.microsoft.com/office/drawing/2014/main" id="{FF8B02FD-884F-6150-B6AD-8FA16C67A331}"/>
+              </a:ext>
+            </a:extLst>
+          </p:cNvPr>
+          <p:cNvSpPr txBox="1">
+            <a:spLocks/>
+          </p:cNvSpPr>
+          <p:nvPr/>
+        </p:nvSpPr>
+        <p:spPr>
+          <a:xfrm>
+            <a:off x="838200" y="2404134"/>
+            <a:ext cx="5548952" cy="576381"/>
+          </a:xfrm>
+          <a:prstGeom prst="rect">
+            <a:avLst/>
+          </a:prstGeom>
+          <a:ln>
+            <a:solidFill>
+              <a:srgbClr val="00B0F0"/>
+            </a:solidFill>
+          </a:ln>
+        </p:spPr>
+        <p:txBody>
+          <a:bodyPr vert="horz" lIns="91440" tIns="45720" rIns="91440" bIns="45720" rtlCol="0" anchor="ctr">
+            <a:normAutofit/>
+          </a:bodyPr>
+          <a:lstStyle>
+            <a:lvl1pPr marL="228600" indent="-228600" algn="l" defTabSz="914400" rtl="0" eaLnBrk="1" latinLnBrk="0" hangingPunct="1">
+              <a:lnSpc>
+                <a:spcPct val="90000"/>
+              </a:lnSpc>
+              <a:spcBef>
+                <a:spcPts val="1000"/>
+              </a:spcBef>
+              <a:buFont typeface="Arial" panose="020B0604020202020204" pitchFamily="34" charset="0"/>
+              <a:buChar char="•"/>
+              <a:defRPr sz="2800" kern="1200">
+                <a:solidFill>
+                  <a:schemeClr val="tx1"/>
+                </a:solidFill>
+                <a:latin typeface="+mn-lt"/>
+                <a:ea typeface="+mn-ea"/>
+                <a:cs typeface="+mn-cs"/>
+              </a:defRPr>
+            </a:lvl1pPr>
+            <a:lvl2pPr marL="685800" indent="-228600" algn="l" defTabSz="914400" rtl="0" eaLnBrk="1" latinLnBrk="0" hangingPunct="1">
+              <a:lnSpc>
+                <a:spcPct val="90000"/>
+              </a:lnSpc>
+              <a:spcBef>
+                <a:spcPts val="500"/>
+              </a:spcBef>
+              <a:buFont typeface="Arial" panose="020B0604020202020204" pitchFamily="34" charset="0"/>
+              <a:buChar char="•"/>
+              <a:defRPr sz="2400" kern="1200">
+                <a:solidFill>
+                  <a:schemeClr val="tx1"/>
+                </a:solidFill>
+                <a:latin typeface="+mn-lt"/>
+                <a:ea typeface="+mn-ea"/>
+                <a:cs typeface="+mn-cs"/>
+              </a:defRPr>
+            </a:lvl2pPr>
+            <a:lvl3pPr marL="1143000" indent="-228600" algn="l" defTabSz="914400" rtl="0" eaLnBrk="1" latinLnBrk="0" hangingPunct="1">
+              <a:lnSpc>
+                <a:spcPct val="90000"/>
+              </a:lnSpc>
+              <a:spcBef>
+                <a:spcPts val="500"/>
+              </a:spcBef>
+              <a:buFont typeface="Arial" panose="020B0604020202020204" pitchFamily="34" charset="0"/>
+              <a:buChar char="•"/>
+              <a:defRPr sz="2000" kern="1200">
+                <a:solidFill>
+                  <a:schemeClr val="tx1"/>
+                </a:solidFill>
+                <a:latin typeface="+mn-lt"/>
+                <a:ea typeface="+mn-ea"/>
+                <a:cs typeface="+mn-cs"/>
+              </a:defRPr>
+            </a:lvl3pPr>
+            <a:lvl4pPr marL="1600200" indent="-228600" algn="l" defTabSz="914400" rtl="0" eaLnBrk="1" latinLnBrk="0" hangingPunct="1">
+              <a:lnSpc>
+                <a:spcPct val="90000"/>
+              </a:lnSpc>
+              <a:spcBef>
+                <a:spcPts val="500"/>
+              </a:spcBef>
+              <a:buFont typeface="Arial" panose="020B0604020202020204" pitchFamily="34" charset="0"/>
+              <a:buChar char="•"/>
+              <a:defRPr sz="1800" kern="1200">
+                <a:solidFill>
+                  <a:schemeClr val="tx1"/>
+                </a:solidFill>
+                <a:latin typeface="+mn-lt"/>
+                <a:ea typeface="+mn-ea"/>
+                <a:cs typeface="+mn-cs"/>
+              </a:defRPr>
+            </a:lvl4pPr>
+            <a:lvl5pPr marL="2057400" indent="-228600" algn="l" defTabSz="914400" rtl="0" eaLnBrk="1" latinLnBrk="0" hangingPunct="1">
+              <a:lnSpc>
+                <a:spcPct val="90000"/>
+              </a:lnSpc>
+              <a:spcBef>
+                <a:spcPts val="500"/>
+              </a:spcBef>
+              <a:buFont typeface="Arial" panose="020B0604020202020204" pitchFamily="34" charset="0"/>
+              <a:buChar char="•"/>
+              <a:defRPr sz="1800" kern="1200">
+                <a:solidFill>
+                  <a:schemeClr val="tx1"/>
+                </a:solidFill>
+                <a:latin typeface="+mn-lt"/>
+                <a:ea typeface="+mn-ea"/>
+                <a:cs typeface="+mn-cs"/>
+              </a:defRPr>
+            </a:lvl5pPr>
+            <a:lvl6pPr marL="2514600" indent="-228600" algn="l" defTabSz="914400" rtl="0" eaLnBrk="1" latinLnBrk="0" hangingPunct="1">
+              <a:lnSpc>
+                <a:spcPct val="90000"/>
+              </a:lnSpc>
+              <a:spcBef>
+                <a:spcPts val="500"/>
+              </a:spcBef>
+              <a:buFont typeface="Arial" panose="020B0604020202020204" pitchFamily="34" charset="0"/>
+              <a:buChar char="•"/>
+              <a:defRPr sz="1800" kern="1200">
+                <a:solidFill>
+                  <a:schemeClr val="tx1"/>
+                </a:solidFill>
+                <a:latin typeface="+mn-lt"/>
+                <a:ea typeface="+mn-ea"/>
+                <a:cs typeface="+mn-cs"/>
+              </a:defRPr>
+            </a:lvl6pPr>
+            <a:lvl7pPr marL="2971800" indent="-228600" algn="l" defTabSz="914400" rtl="0" eaLnBrk="1" latinLnBrk="0" hangingPunct="1">
+              <a:lnSpc>
+                <a:spcPct val="90000"/>
+              </a:lnSpc>
+              <a:spcBef>
+                <a:spcPts val="500"/>
+              </a:spcBef>
+              <a:buFont typeface="Arial" panose="020B0604020202020204" pitchFamily="34" charset="0"/>
+              <a:buChar char="•"/>
+              <a:defRPr sz="1800" kern="1200">
+                <a:solidFill>
+                  <a:schemeClr val="tx1"/>
+                </a:solidFill>
+                <a:latin typeface="+mn-lt"/>
+                <a:ea typeface="+mn-ea"/>
+                <a:cs typeface="+mn-cs"/>
+              </a:defRPr>
+            </a:lvl7pPr>
+            <a:lvl8pPr marL="3429000" indent="-228600" algn="l" defTabSz="914400" rtl="0" eaLnBrk="1" latinLnBrk="0" hangingPunct="1">
+              <a:lnSpc>
+                <a:spcPct val="90000"/>
+              </a:lnSpc>
+              <a:spcBef>
+                <a:spcPts val="500"/>
+              </a:spcBef>
+              <a:buFont typeface="Arial" panose="020B0604020202020204" pitchFamily="34" charset="0"/>
+              <a:buChar char="•"/>
+              <a:defRPr sz="1800" kern="1200">
+                <a:solidFill>
+                  <a:schemeClr val="tx1"/>
+                </a:solidFill>
+                <a:latin typeface="+mn-lt"/>
+                <a:ea typeface="+mn-ea"/>
+                <a:cs typeface="+mn-cs"/>
+              </a:defRPr>
+            </a:lvl8pPr>
+            <a:lvl9pPr marL="3886200" indent="-228600" algn="l" defTabSz="914400" rtl="0" eaLnBrk="1" latinLnBrk="0" hangingPunct="1">
+              <a:lnSpc>
+                <a:spcPct val="90000"/>
+              </a:lnSpc>
+              <a:spcBef>
+                <a:spcPts val="500"/>
+              </a:spcBef>
+              <a:buFont typeface="Arial" panose="020B0604020202020204" pitchFamily="34" charset="0"/>
+              <a:buChar char="•"/>
+              <a:defRPr sz="1800" kern="1200">
+                <a:solidFill>
+                  <a:schemeClr val="tx1"/>
+                </a:solidFill>
+                <a:latin typeface="+mn-lt"/>
+                <a:ea typeface="+mn-ea"/>
+                <a:cs typeface="+mn-cs"/>
+              </a:defRPr>
+            </a:lvl9pPr>
+          </a:lstStyle>
+          <a:p>
+            <a:pPr marL="0" indent="0">
+              <a:buFont typeface="Arial" panose="020B0604020202020204" pitchFamily="34" charset="0"/>
+              <a:buNone/>
+            </a:pPr>
+            <a:r>
+              <a:rPr lang="en-US" dirty="0">
+                <a:latin typeface="Courier New" panose="02070309020205020404" pitchFamily="49" charset="0"/>
+                <a:cs typeface="Courier New" panose="02070309020205020404" pitchFamily="49" charset="0"/>
+              </a:rPr>
+              <a:t>Response Headers</a:t>
+            </a:r>
+          </a:p>
+        </p:txBody>
+      </p:sp>
+      <p:sp>
+        <p:nvSpPr>
+          <p:cNvPr id="6" name="Content Placeholder 2">
+            <a:extLst>
+              <a:ext uri="{FF2B5EF4-FFF2-40B4-BE49-F238E27FC236}">
+                <a16:creationId xmlns:a16="http://schemas.microsoft.com/office/drawing/2014/main" id="{48F527DC-07B4-8F00-36F6-6A13B738D9D6}"/>
+              </a:ext>
+            </a:extLst>
+          </p:cNvPr>
+          <p:cNvSpPr txBox="1">
+            <a:spLocks/>
+          </p:cNvSpPr>
+          <p:nvPr/>
+        </p:nvSpPr>
+        <p:spPr>
+          <a:xfrm>
+            <a:off x="838200" y="2970220"/>
+            <a:ext cx="5548952" cy="576381"/>
+          </a:xfrm>
+          <a:prstGeom prst="rect">
+            <a:avLst/>
+          </a:prstGeom>
+          <a:ln>
+            <a:solidFill>
+              <a:srgbClr val="00B0F0"/>
+            </a:solidFill>
+          </a:ln>
+        </p:spPr>
+        <p:txBody>
+          <a:bodyPr vert="horz" lIns="91440" tIns="45720" rIns="91440" bIns="45720" rtlCol="0" anchor="ctr">
+            <a:normAutofit/>
+          </a:bodyPr>
+          <a:lstStyle>
+            <a:lvl1pPr marL="228600" indent="-228600" algn="l" defTabSz="914400" rtl="0" eaLnBrk="1" latinLnBrk="0" hangingPunct="1">
+              <a:lnSpc>
+                <a:spcPct val="90000"/>
+              </a:lnSpc>
+              <a:spcBef>
+                <a:spcPts val="1000"/>
+              </a:spcBef>
+              <a:buFont typeface="Arial" panose="020B0604020202020204" pitchFamily="34" charset="0"/>
+              <a:buChar char="•"/>
+              <a:defRPr sz="2800" kern="1200">
+                <a:solidFill>
+                  <a:schemeClr val="tx1"/>
+                </a:solidFill>
+                <a:latin typeface="+mn-lt"/>
+                <a:ea typeface="+mn-ea"/>
+                <a:cs typeface="+mn-cs"/>
+              </a:defRPr>
+            </a:lvl1pPr>
+            <a:lvl2pPr marL="685800" indent="-228600" algn="l" defTabSz="914400" rtl="0" eaLnBrk="1" latinLnBrk="0" hangingPunct="1">
+              <a:lnSpc>
+                <a:spcPct val="90000"/>
+              </a:lnSpc>
+              <a:spcBef>
+                <a:spcPts val="500"/>
+              </a:spcBef>
+              <a:buFont typeface="Arial" panose="020B0604020202020204" pitchFamily="34" charset="0"/>
+              <a:buChar char="•"/>
+              <a:defRPr sz="2400" kern="1200">
+                <a:solidFill>
+                  <a:schemeClr val="tx1"/>
+                </a:solidFill>
+                <a:latin typeface="+mn-lt"/>
+                <a:ea typeface="+mn-ea"/>
+                <a:cs typeface="+mn-cs"/>
+              </a:defRPr>
+            </a:lvl2pPr>
+            <a:lvl3pPr marL="1143000" indent="-228600" algn="l" defTabSz="914400" rtl="0" eaLnBrk="1" latinLnBrk="0" hangingPunct="1">
+              <a:lnSpc>
+                <a:spcPct val="90000"/>
+              </a:lnSpc>
+              <a:spcBef>
+                <a:spcPts val="500"/>
+              </a:spcBef>
+              <a:buFont typeface="Arial" panose="020B0604020202020204" pitchFamily="34" charset="0"/>
+              <a:buChar char="•"/>
+              <a:defRPr sz="2000" kern="1200">
+                <a:solidFill>
+                  <a:schemeClr val="tx1"/>
+                </a:solidFill>
+                <a:latin typeface="+mn-lt"/>
+                <a:ea typeface="+mn-ea"/>
+                <a:cs typeface="+mn-cs"/>
+              </a:defRPr>
+            </a:lvl3pPr>
+            <a:lvl4pPr marL="1600200" indent="-228600" algn="l" defTabSz="914400" rtl="0" eaLnBrk="1" latinLnBrk="0" hangingPunct="1">
+              <a:lnSpc>
+                <a:spcPct val="90000"/>
+              </a:lnSpc>
+              <a:spcBef>
+                <a:spcPts val="500"/>
+              </a:spcBef>
+              <a:buFont typeface="Arial" panose="020B0604020202020204" pitchFamily="34" charset="0"/>
+              <a:buChar char="•"/>
+              <a:defRPr sz="1800" kern="1200">
+                <a:solidFill>
+                  <a:schemeClr val="tx1"/>
+                </a:solidFill>
+                <a:latin typeface="+mn-lt"/>
+                <a:ea typeface="+mn-ea"/>
+                <a:cs typeface="+mn-cs"/>
+              </a:defRPr>
+            </a:lvl4pPr>
+            <a:lvl5pPr marL="2057400" indent="-228600" algn="l" defTabSz="914400" rtl="0" eaLnBrk="1" latinLnBrk="0" hangingPunct="1">
+              <a:lnSpc>
+                <a:spcPct val="90000"/>
+              </a:lnSpc>
+              <a:spcBef>
+                <a:spcPts val="500"/>
+              </a:spcBef>
+              <a:buFont typeface="Arial" panose="020B0604020202020204" pitchFamily="34" charset="0"/>
+              <a:buChar char="•"/>
+              <a:defRPr sz="1800" kern="1200">
+                <a:solidFill>
+                  <a:schemeClr val="tx1"/>
+                </a:solidFill>
+                <a:latin typeface="+mn-lt"/>
+                <a:ea typeface="+mn-ea"/>
+                <a:cs typeface="+mn-cs"/>
+              </a:defRPr>
+            </a:lvl5pPr>
+            <a:lvl6pPr marL="2514600" indent="-228600" algn="l" defTabSz="914400" rtl="0" eaLnBrk="1" latinLnBrk="0" hangingPunct="1">
+              <a:lnSpc>
+                <a:spcPct val="90000"/>
+              </a:lnSpc>
+              <a:spcBef>
+                <a:spcPts val="500"/>
+              </a:spcBef>
+              <a:buFont typeface="Arial" panose="020B0604020202020204" pitchFamily="34" charset="0"/>
+              <a:buChar char="•"/>
+              <a:defRPr sz="1800" kern="1200">
+                <a:solidFill>
+                  <a:schemeClr val="tx1"/>
+                </a:solidFill>
+                <a:latin typeface="+mn-lt"/>
+                <a:ea typeface="+mn-ea"/>
+                <a:cs typeface="+mn-cs"/>
+              </a:defRPr>
+            </a:lvl6pPr>
+            <a:lvl7pPr marL="2971800" indent="-228600" algn="l" defTabSz="914400" rtl="0" eaLnBrk="1" latinLnBrk="0" hangingPunct="1">
+              <a:lnSpc>
+                <a:spcPct val="90000"/>
+              </a:lnSpc>
+              <a:spcBef>
+                <a:spcPts val="500"/>
+              </a:spcBef>
+              <a:buFont typeface="Arial" panose="020B0604020202020204" pitchFamily="34" charset="0"/>
+              <a:buChar char="•"/>
+              <a:defRPr sz="1800" kern="1200">
+                <a:solidFill>
+                  <a:schemeClr val="tx1"/>
+                </a:solidFill>
+                <a:latin typeface="+mn-lt"/>
+                <a:ea typeface="+mn-ea"/>
+                <a:cs typeface="+mn-cs"/>
+              </a:defRPr>
+            </a:lvl7pPr>
+            <a:lvl8pPr marL="3429000" indent="-228600" algn="l" defTabSz="914400" rtl="0" eaLnBrk="1" latinLnBrk="0" hangingPunct="1">
+              <a:lnSpc>
+                <a:spcPct val="90000"/>
+              </a:lnSpc>
+              <a:spcBef>
+                <a:spcPts val="500"/>
+              </a:spcBef>
+              <a:buFont typeface="Arial" panose="020B0604020202020204" pitchFamily="34" charset="0"/>
+              <a:buChar char="•"/>
+              <a:defRPr sz="1800" kern="1200">
+                <a:solidFill>
+                  <a:schemeClr val="tx1"/>
+                </a:solidFill>
+                <a:latin typeface="+mn-lt"/>
+                <a:ea typeface="+mn-ea"/>
+                <a:cs typeface="+mn-cs"/>
+              </a:defRPr>
+            </a:lvl8pPr>
+            <a:lvl9pPr marL="3886200" indent="-228600" algn="l" defTabSz="914400" rtl="0" eaLnBrk="1" latinLnBrk="0" hangingPunct="1">
+              <a:lnSpc>
+                <a:spcPct val="90000"/>
+              </a:lnSpc>
+              <a:spcBef>
+                <a:spcPts val="500"/>
+              </a:spcBef>
+              <a:buFont typeface="Arial" panose="020B0604020202020204" pitchFamily="34" charset="0"/>
+              <a:buChar char="•"/>
+              <a:defRPr sz="1800" kern="1200">
+                <a:solidFill>
+                  <a:schemeClr val="tx1"/>
+                </a:solidFill>
+                <a:latin typeface="+mn-lt"/>
+                <a:ea typeface="+mn-ea"/>
+                <a:cs typeface="+mn-cs"/>
+              </a:defRPr>
+            </a:lvl9pPr>
+          </a:lstStyle>
+          <a:p>
+            <a:pPr marL="0" indent="0">
+              <a:buFont typeface="Arial" panose="020B0604020202020204" pitchFamily="34" charset="0"/>
+              <a:buNone/>
+            </a:pPr>
+            <a:r>
+              <a:rPr lang="en-US" dirty="0">
+                <a:latin typeface="Courier New" panose="02070309020205020404" pitchFamily="49" charset="0"/>
+                <a:cs typeface="Courier New" panose="02070309020205020404" pitchFamily="49" charset="0"/>
+              </a:rPr>
+              <a:t>Response Body (JSON)</a:t>
+            </a:r>
+          </a:p>
+        </p:txBody>
+      </p:sp>
+    </p:spTree>
+    <p:extLst>
+      <p:ext uri="{BB962C8B-B14F-4D97-AF65-F5344CB8AC3E}">
+        <p14:creationId xmlns:p14="http://schemas.microsoft.com/office/powerpoint/2010/main" val="1269406446"/>
+      </p:ext>
+    </p:extLst>
+  </p:cSld>
+  <p:clrMapOvr>
+    <a:masterClrMapping/>
+  </p:clrMapOvr>
+  <mc:AlternateContent xmlns:mc="http://schemas.openxmlformats.org/markup-compatibility/2006" xmlns:p14="http://schemas.microsoft.com/office/powerpoint/2010/main">
+    <mc:Choice Requires="p14">
+      <p:transition spd="med" p14:dur="700">
+        <p:fade/>
+      </p:transition>
+    </mc:Choice>
+    <mc:Fallback xmlns="">
+      <p:transition spd="med">
+        <p:fade/>
+      </p:transition>
+    </mc:Fallback>
+  </mc:AlternateContent>
+</p:sld>
+</file>
+
+<file path=ppt/slides/slide15.xml><?xml version="1.0" encoding="utf-8"?>
+<p:sld xmlns:a="http://schemas.openxmlformats.org/drawingml/2006/main" xmlns:r="http://schemas.openxmlformats.org/officeDocument/2006/relationships" xmlns:p="http://schemas.openxmlformats.org/presentationml/2006/main">
+  <p:cSld>
+    <p:spTree>
+      <p:nvGrpSpPr>
+        <p:cNvPr id="1" name=""/>
+        <p:cNvGrpSpPr/>
+        <p:nvPr/>
+      </p:nvGrpSpPr>
+      <p:grpSpPr>
+        <a:xfrm>
+          <a:off x="0" y="0"/>
+          <a:ext cx="0" cy="0"/>
+          <a:chOff x="0" y="0"/>
+          <a:chExt cx="0" cy="0"/>
+        </a:xfrm>
+      </p:grpSpPr>
+      <p:sp>
+        <p:nvSpPr>
+          <p:cNvPr id="2" name="Title 1">
+            <a:extLst>
+              <a:ext uri="{FF2B5EF4-FFF2-40B4-BE49-F238E27FC236}">
+                <a16:creationId xmlns:a16="http://schemas.microsoft.com/office/drawing/2014/main" id="{B424D872-B2DC-3668-52A0-26CB607C23BD}"/>
+              </a:ext>
+            </a:extLst>
+          </p:cNvPr>
+          <p:cNvSpPr>
+            <a:spLocks noGrp="1"/>
+          </p:cNvSpPr>
+          <p:nvPr>
+            <p:ph type="title"/>
+          </p:nvPr>
+        </p:nvSpPr>
+        <p:spPr/>
+        <p:txBody>
+          <a:bodyPr/>
+          <a:lstStyle/>
+          <a:p>
+            <a:r>
+              <a:rPr lang="en-US" dirty="0"/>
+              <a:t>Response status line</a:t>
+            </a:r>
+          </a:p>
+        </p:txBody>
+      </p:sp>
+      <p:sp>
+        <p:nvSpPr>
+          <p:cNvPr id="3" name="Content Placeholder 2">
+            <a:extLst>
+              <a:ext uri="{FF2B5EF4-FFF2-40B4-BE49-F238E27FC236}">
+                <a16:creationId xmlns:a16="http://schemas.microsoft.com/office/drawing/2014/main" id="{37CD8BEF-7865-5AD4-825D-4FDCC98D4B20}"/>
+              </a:ext>
+            </a:extLst>
+          </p:cNvPr>
+          <p:cNvSpPr>
+            <a:spLocks noGrp="1"/>
+          </p:cNvSpPr>
+          <p:nvPr>
+            <p:ph idx="1"/>
+          </p:nvPr>
+        </p:nvSpPr>
+        <p:spPr>
+          <a:xfrm>
+            <a:off x="838200" y="1825625"/>
+            <a:ext cx="5576248" cy="494494"/>
+          </a:xfrm>
+        </p:spPr>
+        <p:txBody>
+          <a:bodyPr/>
+          <a:lstStyle/>
+          <a:p>
+            <a:pPr marL="0" indent="0">
+              <a:buNone/>
+            </a:pPr>
+            <a:r>
+              <a:rPr lang="en-US" dirty="0"/>
+              <a:t>HTTP version + status code + reason</a:t>
+            </a:r>
+          </a:p>
+        </p:txBody>
+      </p:sp>
+      <p:sp>
+        <p:nvSpPr>
+          <p:cNvPr id="4" name="Content Placeholder 2">
+            <a:extLst>
+              <a:ext uri="{FF2B5EF4-FFF2-40B4-BE49-F238E27FC236}">
+                <a16:creationId xmlns:a16="http://schemas.microsoft.com/office/drawing/2014/main" id="{870EF374-146F-1DF0-6460-E7648DD481A2}"/>
+              </a:ext>
+            </a:extLst>
+          </p:cNvPr>
+          <p:cNvSpPr txBox="1">
+            <a:spLocks/>
+          </p:cNvSpPr>
+          <p:nvPr/>
+        </p:nvSpPr>
+        <p:spPr>
+          <a:xfrm>
+            <a:off x="838200" y="2455056"/>
+            <a:ext cx="5576248" cy="2082826"/>
+          </a:xfrm>
+          <a:prstGeom prst="rect">
+            <a:avLst/>
+          </a:prstGeom>
+        </p:spPr>
+        <p:txBody>
+          <a:bodyPr vert="horz" lIns="91440" tIns="45720" rIns="91440" bIns="45720" rtlCol="0" anchor="t">
+            <a:normAutofit/>
+          </a:bodyPr>
+          <a:lstStyle>
+            <a:lvl1pPr marL="228600" indent="-228600" algn="l" defTabSz="914400" rtl="0" eaLnBrk="1" latinLnBrk="0" hangingPunct="1">
+              <a:lnSpc>
+                <a:spcPct val="90000"/>
+              </a:lnSpc>
+              <a:spcBef>
+                <a:spcPts val="1000"/>
+              </a:spcBef>
+              <a:buFont typeface="Arial" panose="020B0604020202020204" pitchFamily="34" charset="0"/>
+              <a:buChar char="•"/>
+              <a:defRPr sz="2800" kern="1200">
+                <a:solidFill>
+                  <a:schemeClr val="tx1"/>
+                </a:solidFill>
+                <a:latin typeface="+mn-lt"/>
+                <a:ea typeface="+mn-ea"/>
+                <a:cs typeface="+mn-cs"/>
+              </a:defRPr>
+            </a:lvl1pPr>
+            <a:lvl2pPr marL="685800" indent="-228600" algn="l" defTabSz="914400" rtl="0" eaLnBrk="1" latinLnBrk="0" hangingPunct="1">
+              <a:lnSpc>
+                <a:spcPct val="90000"/>
+              </a:lnSpc>
+              <a:spcBef>
+                <a:spcPts val="500"/>
+              </a:spcBef>
+              <a:buFont typeface="Arial" panose="020B0604020202020204" pitchFamily="34" charset="0"/>
+              <a:buChar char="•"/>
+              <a:defRPr sz="2400" kern="1200">
+                <a:solidFill>
+                  <a:schemeClr val="tx1"/>
+                </a:solidFill>
+                <a:latin typeface="+mn-lt"/>
+                <a:ea typeface="+mn-ea"/>
+                <a:cs typeface="+mn-cs"/>
+              </a:defRPr>
+            </a:lvl2pPr>
+            <a:lvl3pPr marL="1143000" indent="-228600" algn="l" defTabSz="914400" rtl="0" eaLnBrk="1" latinLnBrk="0" hangingPunct="1">
+              <a:lnSpc>
+                <a:spcPct val="90000"/>
+              </a:lnSpc>
+              <a:spcBef>
+                <a:spcPts val="500"/>
+              </a:spcBef>
+              <a:buFont typeface="Arial" panose="020B0604020202020204" pitchFamily="34" charset="0"/>
+              <a:buChar char="•"/>
+              <a:defRPr sz="2000" kern="1200">
+                <a:solidFill>
+                  <a:schemeClr val="tx1"/>
+                </a:solidFill>
+                <a:latin typeface="+mn-lt"/>
+                <a:ea typeface="+mn-ea"/>
+                <a:cs typeface="+mn-cs"/>
+              </a:defRPr>
+            </a:lvl3pPr>
+            <a:lvl4pPr marL="1600200" indent="-228600" algn="l" defTabSz="914400" rtl="0" eaLnBrk="1" latinLnBrk="0" hangingPunct="1">
+              <a:lnSpc>
+                <a:spcPct val="90000"/>
+              </a:lnSpc>
+              <a:spcBef>
+                <a:spcPts val="500"/>
+              </a:spcBef>
+              <a:buFont typeface="Arial" panose="020B0604020202020204" pitchFamily="34" charset="0"/>
+              <a:buChar char="•"/>
+              <a:defRPr sz="1800" kern="1200">
+                <a:solidFill>
+                  <a:schemeClr val="tx1"/>
+                </a:solidFill>
+                <a:latin typeface="+mn-lt"/>
+                <a:ea typeface="+mn-ea"/>
+                <a:cs typeface="+mn-cs"/>
+              </a:defRPr>
+            </a:lvl4pPr>
+            <a:lvl5pPr marL="2057400" indent="-228600" algn="l" defTabSz="914400" rtl="0" eaLnBrk="1" latinLnBrk="0" hangingPunct="1">
+              <a:lnSpc>
+                <a:spcPct val="90000"/>
+              </a:lnSpc>
+              <a:spcBef>
+                <a:spcPts val="500"/>
+              </a:spcBef>
+              <a:buFont typeface="Arial" panose="020B0604020202020204" pitchFamily="34" charset="0"/>
+              <a:buChar char="•"/>
+              <a:defRPr sz="1800" kern="1200">
+                <a:solidFill>
+                  <a:schemeClr val="tx1"/>
+                </a:solidFill>
+                <a:latin typeface="+mn-lt"/>
+                <a:ea typeface="+mn-ea"/>
+                <a:cs typeface="+mn-cs"/>
+              </a:defRPr>
+            </a:lvl5pPr>
+            <a:lvl6pPr marL="2514600" indent="-228600" algn="l" defTabSz="914400" rtl="0" eaLnBrk="1" latinLnBrk="0" hangingPunct="1">
+              <a:lnSpc>
+                <a:spcPct val="90000"/>
+              </a:lnSpc>
+              <a:spcBef>
+                <a:spcPts val="500"/>
+              </a:spcBef>
+              <a:buFont typeface="Arial" panose="020B0604020202020204" pitchFamily="34" charset="0"/>
+              <a:buChar char="•"/>
+              <a:defRPr sz="1800" kern="1200">
+                <a:solidFill>
+                  <a:schemeClr val="tx1"/>
+                </a:solidFill>
+                <a:latin typeface="+mn-lt"/>
+                <a:ea typeface="+mn-ea"/>
+                <a:cs typeface="+mn-cs"/>
+              </a:defRPr>
+            </a:lvl6pPr>
+            <a:lvl7pPr marL="2971800" indent="-228600" algn="l" defTabSz="914400" rtl="0" eaLnBrk="1" latinLnBrk="0" hangingPunct="1">
+              <a:lnSpc>
+                <a:spcPct val="90000"/>
+              </a:lnSpc>
+              <a:spcBef>
+                <a:spcPts val="500"/>
+              </a:spcBef>
+              <a:buFont typeface="Arial" panose="020B0604020202020204" pitchFamily="34" charset="0"/>
+              <a:buChar char="•"/>
+              <a:defRPr sz="1800" kern="1200">
+                <a:solidFill>
+                  <a:schemeClr val="tx1"/>
+                </a:solidFill>
+                <a:latin typeface="+mn-lt"/>
+                <a:ea typeface="+mn-ea"/>
+                <a:cs typeface="+mn-cs"/>
+              </a:defRPr>
+            </a:lvl7pPr>
+            <a:lvl8pPr marL="3429000" indent="-228600" algn="l" defTabSz="914400" rtl="0" eaLnBrk="1" latinLnBrk="0" hangingPunct="1">
+              <a:lnSpc>
+                <a:spcPct val="90000"/>
+              </a:lnSpc>
+              <a:spcBef>
+                <a:spcPts val="500"/>
+              </a:spcBef>
+              <a:buFont typeface="Arial" panose="020B0604020202020204" pitchFamily="34" charset="0"/>
+              <a:buChar char="•"/>
+              <a:defRPr sz="1800" kern="1200">
+                <a:solidFill>
+                  <a:schemeClr val="tx1"/>
+                </a:solidFill>
+                <a:latin typeface="+mn-lt"/>
+                <a:ea typeface="+mn-ea"/>
+                <a:cs typeface="+mn-cs"/>
+              </a:defRPr>
+            </a:lvl8pPr>
+            <a:lvl9pPr marL="3886200" indent="-228600" algn="l" defTabSz="914400" rtl="0" eaLnBrk="1" latinLnBrk="0" hangingPunct="1">
+              <a:lnSpc>
+                <a:spcPct val="90000"/>
+              </a:lnSpc>
+              <a:spcBef>
+                <a:spcPts val="500"/>
+              </a:spcBef>
+              <a:buFont typeface="Arial" panose="020B0604020202020204" pitchFamily="34" charset="0"/>
+              <a:buChar char="•"/>
+              <a:defRPr sz="1800" kern="1200">
+                <a:solidFill>
+                  <a:schemeClr val="tx1"/>
+                </a:solidFill>
+                <a:latin typeface="+mn-lt"/>
+                <a:ea typeface="+mn-ea"/>
+                <a:cs typeface="+mn-cs"/>
+              </a:defRPr>
+            </a:lvl9pPr>
+          </a:lstStyle>
+          <a:p>
+            <a:pPr marL="0" indent="0">
+              <a:buFont typeface="Arial" panose="020B0604020202020204" pitchFamily="34" charset="0"/>
+              <a:buNone/>
+            </a:pPr>
+            <a:r>
+              <a:rPr lang="en-US" dirty="0">
+                <a:latin typeface="Courier New" panose="02070309020205020404" pitchFamily="49" charset="0"/>
+                <a:cs typeface="Courier New" panose="02070309020205020404" pitchFamily="49" charset="0"/>
+              </a:rPr>
+              <a:t>HTTP/2.0 200 OK</a:t>
+            </a:r>
+          </a:p>
+          <a:p>
+            <a:pPr marL="0" indent="0">
+              <a:buFont typeface="Arial" panose="020B0604020202020204" pitchFamily="34" charset="0"/>
+              <a:buNone/>
+            </a:pPr>
+            <a:r>
+              <a:rPr lang="en-US" dirty="0">
+                <a:latin typeface="Courier New" panose="02070309020205020404" pitchFamily="49" charset="0"/>
+                <a:cs typeface="Courier New" panose="02070309020205020404" pitchFamily="49" charset="0"/>
+              </a:rPr>
+              <a:t>HTTP/2.0 404 Not Found</a:t>
+            </a:r>
+          </a:p>
+          <a:p>
+            <a:pPr marL="0" indent="0">
+              <a:buFont typeface="Arial" panose="020B0604020202020204" pitchFamily="34" charset="0"/>
+              <a:buNone/>
+            </a:pPr>
+            <a:r>
+              <a:rPr lang="en-US" dirty="0">
+                <a:latin typeface="Courier New" panose="02070309020205020404" pitchFamily="49" charset="0"/>
+                <a:cs typeface="Courier New" panose="02070309020205020404" pitchFamily="49" charset="0"/>
+              </a:rPr>
+              <a:t>HTTP/2.0 409 Conflict</a:t>
+            </a:r>
+          </a:p>
+        </p:txBody>
+      </p:sp>
+      <p:sp>
+        <p:nvSpPr>
+          <p:cNvPr id="6" name="TextBox 5">
+            <a:extLst>
+              <a:ext uri="{FF2B5EF4-FFF2-40B4-BE49-F238E27FC236}">
+                <a16:creationId xmlns:a16="http://schemas.microsoft.com/office/drawing/2014/main" id="{3F7E8CDC-99D3-8005-6C9C-11B6E1B405C8}"/>
+              </a:ext>
+            </a:extLst>
+          </p:cNvPr>
+          <p:cNvSpPr txBox="1"/>
+          <p:nvPr/>
+        </p:nvSpPr>
+        <p:spPr>
+          <a:xfrm>
+            <a:off x="838199" y="5780705"/>
+            <a:ext cx="7968343" cy="461665"/>
+          </a:xfrm>
+          <a:prstGeom prst="rect">
+            <a:avLst/>
+          </a:prstGeom>
+          <a:noFill/>
+        </p:spPr>
+        <p:txBody>
+          <a:bodyPr wrap="square">
+            <a:spAutoFit/>
+          </a:bodyPr>
+          <a:lstStyle/>
+          <a:p>
+            <a:r>
+              <a:rPr lang="en-US" sz="2400" dirty="0">
+                <a:hlinkClick r:id="rId2"/>
+              </a:rPr>
+              <a:t>https://en.wikipedia.org/wiki/List_of_HTTP_status_codes</a:t>
+            </a:r>
+            <a:endParaRPr lang="en-US" sz="2400" dirty="0"/>
+          </a:p>
+        </p:txBody>
+      </p:sp>
+    </p:spTree>
+    <p:extLst>
+      <p:ext uri="{BB962C8B-B14F-4D97-AF65-F5344CB8AC3E}">
+        <p14:creationId xmlns:p14="http://schemas.microsoft.com/office/powerpoint/2010/main" val="1627706076"/>
+      </p:ext>
+    </p:extLst>
+  </p:cSld>
+  <p:clrMapOvr>
+    <a:masterClrMapping/>
+  </p:clrMapOvr>
+  <mc:AlternateContent xmlns:mc="http://schemas.openxmlformats.org/markup-compatibility/2006" xmlns:p14="http://schemas.microsoft.com/office/powerpoint/2010/main">
+    <mc:Choice Requires="p14">
+      <p:transition spd="med" p14:dur="700">
+        <p:fade/>
+      </p:transition>
+    </mc:Choice>
+    <mc:Fallback xmlns="">
+      <p:transition spd="med">
+        <p:fade/>
+      </p:transition>
+    </mc:Fallback>
+  </mc:AlternateContent>
+</p:sld>
+</file>
+
+<file path=ppt/slides/slide16.xml><?xml version="1.0" encoding="utf-8"?>
+<p:sld xmlns:a="http://schemas.openxmlformats.org/drawingml/2006/main" xmlns:r="http://schemas.openxmlformats.org/officeDocument/2006/relationships" xmlns:p="http://schemas.openxmlformats.org/presentationml/2006/main">
+  <p:cSld>
+    <p:spTree>
+      <p:nvGrpSpPr>
+        <p:cNvPr id="1" name=""/>
+        <p:cNvGrpSpPr/>
+        <p:nvPr/>
+      </p:nvGrpSpPr>
+      <p:grpSpPr>
+        <a:xfrm>
+          <a:off x="0" y="0"/>
+          <a:ext cx="0" cy="0"/>
+          <a:chOff x="0" y="0"/>
+          <a:chExt cx="0" cy="0"/>
+        </a:xfrm>
+      </p:grpSpPr>
+      <p:sp>
+        <p:nvSpPr>
+          <p:cNvPr id="2" name="Title 1">
+            <a:extLst>
+              <a:ext uri="{FF2B5EF4-FFF2-40B4-BE49-F238E27FC236}">
                 <a16:creationId xmlns:a16="http://schemas.microsoft.com/office/drawing/2014/main" id="{591F7537-E567-B885-0517-623CD03CCCA8}"/>
               </a:ext>
             </a:extLst>
@@ -4741,7 +6277,435 @@
 </p:sld>
 </file>
 
-<file path=ppt/slides/slide15.xml><?xml version="1.0" encoding="utf-8"?>
+<file path=ppt/slides/slide17.xml><?xml version="1.0" encoding="utf-8"?>
+<p:sld xmlns:a="http://schemas.openxmlformats.org/drawingml/2006/main" xmlns:r="http://schemas.openxmlformats.org/officeDocument/2006/relationships" xmlns:p="http://schemas.openxmlformats.org/presentationml/2006/main">
+  <p:cSld>
+    <p:spTree>
+      <p:nvGrpSpPr>
+        <p:cNvPr id="1" name=""/>
+        <p:cNvGrpSpPr/>
+        <p:nvPr/>
+      </p:nvGrpSpPr>
+      <p:grpSpPr>
+        <a:xfrm>
+          <a:off x="0" y="0"/>
+          <a:ext cx="0" cy="0"/>
+          <a:chOff x="0" y="0"/>
+          <a:chExt cx="0" cy="0"/>
+        </a:xfrm>
+      </p:grpSpPr>
+      <p:sp>
+        <p:nvSpPr>
+          <p:cNvPr id="2" name="Title 1">
+            <a:extLst>
+              <a:ext uri="{FF2B5EF4-FFF2-40B4-BE49-F238E27FC236}">
+                <a16:creationId xmlns:a16="http://schemas.microsoft.com/office/drawing/2014/main" id="{5DAFC653-B163-D47A-EDCB-F6D77BC5D3ED}"/>
+              </a:ext>
+            </a:extLst>
+          </p:cNvPr>
+          <p:cNvSpPr>
+            <a:spLocks noGrp="1"/>
+          </p:cNvSpPr>
+          <p:nvPr>
+            <p:ph type="title"/>
+          </p:nvPr>
+        </p:nvSpPr>
+        <p:spPr>
+          <a:xfrm>
+            <a:off x="402771" y="224748"/>
+            <a:ext cx="10515600" cy="614589"/>
+          </a:xfrm>
+        </p:spPr>
+        <p:txBody>
+          <a:bodyPr>
+            <a:normAutofit fontScale="90000"/>
+          </a:bodyPr>
+          <a:lstStyle/>
+          <a:p>
+            <a:r>
+              <a:rPr lang="en-US" dirty="0"/>
+              <a:t>URI / URL?  </a:t>
+            </a:r>
+          </a:p>
+        </p:txBody>
+      </p:sp>
+      <p:sp>
+        <p:nvSpPr>
+          <p:cNvPr id="3" name="Content Placeholder 2">
+            <a:extLst>
+              <a:ext uri="{FF2B5EF4-FFF2-40B4-BE49-F238E27FC236}">
+                <a16:creationId xmlns:a16="http://schemas.microsoft.com/office/drawing/2014/main" id="{19FD912C-69BD-8E33-0CAD-7000A8D777D0}"/>
+              </a:ext>
+            </a:extLst>
+          </p:cNvPr>
+          <p:cNvSpPr>
+            <a:spLocks noGrp="1"/>
+          </p:cNvSpPr>
+          <p:nvPr>
+            <p:ph idx="1"/>
+          </p:nvPr>
+        </p:nvSpPr>
+        <p:spPr>
+          <a:xfrm>
+            <a:off x="119743" y="1023257"/>
+            <a:ext cx="11876314" cy="4995406"/>
+          </a:xfrm>
+        </p:spPr>
+        <p:txBody>
+          <a:bodyPr>
+            <a:normAutofit/>
+          </a:bodyPr>
+          <a:lstStyle/>
+          <a:p>
+            <a:r>
+              <a:rPr lang="en-US" dirty="0">
+                <a:solidFill>
+                  <a:srgbClr val="00B0F0"/>
+                </a:solidFill>
+              </a:rPr>
+              <a:t>URI (Uniform Resource identifier)</a:t>
+            </a:r>
+            <a:r>
+              <a:rPr lang="en-US" dirty="0"/>
+              <a:t> - Acts as a general identifier for a resource, not necessarily providing a way to access it directly. </a:t>
+            </a:r>
+          </a:p>
+          <a:p>
+            <a:r>
+              <a:rPr lang="en-US" dirty="0">
+                <a:solidFill>
+                  <a:srgbClr val="00B0F0"/>
+                </a:solidFill>
+              </a:rPr>
+              <a:t>URL (Uniform Resource Locator) </a:t>
+            </a:r>
+            <a:r>
+              <a:rPr lang="en-US" dirty="0"/>
+              <a:t>- Provides the complete address to locate and access a resource on the web. </a:t>
+            </a:r>
+          </a:p>
+          <a:p>
+            <a:endParaRPr lang="en-US" dirty="0"/>
+          </a:p>
+          <a:p>
+            <a:pPr marL="0" indent="0">
+              <a:buNone/>
+            </a:pPr>
+            <a:r>
+              <a:rPr lang="en-US" dirty="0"/>
+              <a:t>Example:</a:t>
+            </a:r>
+          </a:p>
+          <a:p>
+            <a:r>
+              <a:rPr lang="en-US" dirty="0"/>
+              <a:t>URI: “/users/123" - Identifies a user with ID 123 within the API</a:t>
+            </a:r>
+          </a:p>
+          <a:p>
+            <a:r>
+              <a:rPr lang="en-US" dirty="0"/>
+              <a:t>URL: "https://api.example.com/users/123" - The full address to access the user details with ID 123 on the web</a:t>
+            </a:r>
+          </a:p>
+        </p:txBody>
+      </p:sp>
+    </p:spTree>
+    <p:extLst>
+      <p:ext uri="{BB962C8B-B14F-4D97-AF65-F5344CB8AC3E}">
+        <p14:creationId xmlns:p14="http://schemas.microsoft.com/office/powerpoint/2010/main" val="3933635141"/>
+      </p:ext>
+    </p:extLst>
+  </p:cSld>
+  <p:clrMapOvr>
+    <a:masterClrMapping/>
+  </p:clrMapOvr>
+  <mc:AlternateContent xmlns:mc="http://schemas.openxmlformats.org/markup-compatibility/2006" xmlns:p14="http://schemas.microsoft.com/office/powerpoint/2010/main">
+    <mc:Choice Requires="p14">
+      <p:transition spd="med" p14:dur="700">
+        <p:fade/>
+      </p:transition>
+    </mc:Choice>
+    <mc:Fallback xmlns="">
+      <p:transition spd="med">
+        <p:fade/>
+      </p:transition>
+    </mc:Fallback>
+  </mc:AlternateContent>
+</p:sld>
+</file>
+
+<file path=ppt/slides/slide18.xml><?xml version="1.0" encoding="utf-8"?>
+<p:sld xmlns:a="http://schemas.openxmlformats.org/drawingml/2006/main" xmlns:r="http://schemas.openxmlformats.org/officeDocument/2006/relationships" xmlns:p="http://schemas.openxmlformats.org/presentationml/2006/main">
+  <p:cSld>
+    <p:spTree>
+      <p:nvGrpSpPr>
+        <p:cNvPr id="1" name="">
+          <a:extLst>
+            <a:ext uri="{FF2B5EF4-FFF2-40B4-BE49-F238E27FC236}">
+              <a16:creationId xmlns:a16="http://schemas.microsoft.com/office/drawing/2014/main" id="{1FB4068B-FF22-78A5-B5C4-1DB1E90FF1A3}"/>
+            </a:ext>
+          </a:extLst>
+        </p:cNvPr>
+        <p:cNvGrpSpPr/>
+        <p:nvPr/>
+      </p:nvGrpSpPr>
+      <p:grpSpPr>
+        <a:xfrm>
+          <a:off x="0" y="0"/>
+          <a:ext cx="0" cy="0"/>
+          <a:chOff x="0" y="0"/>
+          <a:chExt cx="0" cy="0"/>
+        </a:xfrm>
+      </p:grpSpPr>
+      <p:sp>
+        <p:nvSpPr>
+          <p:cNvPr id="2" name="Title 1">
+            <a:extLst>
+              <a:ext uri="{FF2B5EF4-FFF2-40B4-BE49-F238E27FC236}">
+                <a16:creationId xmlns:a16="http://schemas.microsoft.com/office/drawing/2014/main" id="{C2D7FE1A-967C-8583-10EB-159670AF00EB}"/>
+              </a:ext>
+            </a:extLst>
+          </p:cNvPr>
+          <p:cNvSpPr>
+            <a:spLocks noGrp="1"/>
+          </p:cNvSpPr>
+          <p:nvPr>
+            <p:ph type="title"/>
+          </p:nvPr>
+        </p:nvSpPr>
+        <p:spPr>
+          <a:xfrm>
+            <a:off x="272143" y="62366"/>
+            <a:ext cx="10515600" cy="808492"/>
+          </a:xfrm>
+        </p:spPr>
+        <p:txBody>
+          <a:bodyPr/>
+          <a:lstStyle/>
+          <a:p>
+            <a:r>
+              <a:rPr lang="en-US" dirty="0"/>
+              <a:t>A look at REST</a:t>
+            </a:r>
+          </a:p>
+        </p:txBody>
+      </p:sp>
+      <p:sp>
+        <p:nvSpPr>
+          <p:cNvPr id="3" name="Content Placeholder 2">
+            <a:extLst>
+              <a:ext uri="{FF2B5EF4-FFF2-40B4-BE49-F238E27FC236}">
+                <a16:creationId xmlns:a16="http://schemas.microsoft.com/office/drawing/2014/main" id="{203978FD-9548-B24B-1D36-D1562DF24734}"/>
+              </a:ext>
+            </a:extLst>
+          </p:cNvPr>
+          <p:cNvSpPr>
+            <a:spLocks noGrp="1"/>
+          </p:cNvSpPr>
+          <p:nvPr>
+            <p:ph idx="1"/>
+          </p:nvPr>
+        </p:nvSpPr>
+        <p:spPr>
+          <a:xfrm>
+            <a:off x="272143" y="870858"/>
+            <a:ext cx="11397343" cy="5421085"/>
+          </a:xfrm>
+        </p:spPr>
+        <p:txBody>
+          <a:bodyPr>
+            <a:normAutofit lnSpcReduction="10000"/>
+          </a:bodyPr>
+          <a:lstStyle/>
+          <a:p>
+            <a:r>
+              <a:rPr lang="en-US" dirty="0"/>
+              <a:t>REST is an </a:t>
+            </a:r>
+            <a:r>
+              <a:rPr lang="en-US" dirty="0">
+                <a:solidFill>
+                  <a:srgbClr val="00B050"/>
+                </a:solidFill>
+              </a:rPr>
+              <a:t>abbreviation</a:t>
+            </a:r>
+            <a:r>
+              <a:rPr lang="en-US" dirty="0"/>
+              <a:t> for Representational State Transfer</a:t>
+            </a:r>
+          </a:p>
+          <a:p>
+            <a:r>
+              <a:rPr lang="en-US" dirty="0">
+                <a:solidFill>
+                  <a:srgbClr val="00B0F0"/>
+                </a:solidFill>
+              </a:rPr>
+              <a:t>Data and functionality </a:t>
+            </a:r>
+            <a:r>
+              <a:rPr lang="en-US" dirty="0"/>
+              <a:t>are considered </a:t>
+            </a:r>
+            <a:r>
+              <a:rPr lang="en-US" dirty="0">
+                <a:solidFill>
+                  <a:srgbClr val="00B0F0"/>
+                </a:solidFill>
+              </a:rPr>
+              <a:t>resources</a:t>
+            </a:r>
+            <a:r>
+              <a:rPr lang="en-US" dirty="0"/>
+              <a:t> and are accessed using </a:t>
+            </a:r>
+            <a:r>
+              <a:rPr lang="en-US" dirty="0">
+                <a:solidFill>
+                  <a:srgbClr val="00B0F0"/>
+                </a:solidFill>
+              </a:rPr>
+              <a:t>Uniform Resource Identifiers (URIs)</a:t>
+            </a:r>
+          </a:p>
+          <a:p>
+            <a:r>
+              <a:rPr lang="en-US" dirty="0"/>
+              <a:t>The resources are acted upon by using a set of simple, well-defined operations</a:t>
+            </a:r>
+          </a:p>
+          <a:p>
+            <a:r>
+              <a:rPr lang="en-US" dirty="0"/>
+              <a:t>HTTP is the most used protocol</a:t>
+            </a:r>
+          </a:p>
+          <a:p>
+            <a:r>
+              <a:rPr lang="en-US" dirty="0"/>
+              <a:t>A </a:t>
+            </a:r>
+            <a:r>
+              <a:rPr lang="en-US" dirty="0">
+                <a:solidFill>
+                  <a:srgbClr val="00B0F0"/>
+                </a:solidFill>
+              </a:rPr>
+              <a:t>Web API </a:t>
+            </a:r>
+            <a:r>
+              <a:rPr lang="en-US" dirty="0"/>
+              <a:t>(or Web Service) </a:t>
+            </a:r>
+            <a:r>
+              <a:rPr lang="en-US" dirty="0">
+                <a:solidFill>
+                  <a:srgbClr val="00B0F0"/>
+                </a:solidFill>
+              </a:rPr>
+              <a:t>conforming to the REST </a:t>
+            </a:r>
+            <a:r>
+              <a:rPr lang="en-US" dirty="0"/>
+              <a:t>architectural style is called a </a:t>
+            </a:r>
+            <a:r>
+              <a:rPr lang="en-US" dirty="0">
+                <a:solidFill>
+                  <a:srgbClr val="00B0F0"/>
+                </a:solidFill>
+              </a:rPr>
+              <a:t>REST API </a:t>
+            </a:r>
+            <a:r>
+              <a:rPr lang="en-US" dirty="0"/>
+              <a:t>(or </a:t>
+            </a:r>
+            <a:r>
+              <a:rPr lang="en-US" dirty="0">
+                <a:solidFill>
+                  <a:srgbClr val="00B0F0"/>
+                </a:solidFill>
+              </a:rPr>
+              <a:t>RESTful API</a:t>
+            </a:r>
+            <a:r>
+              <a:rPr lang="en-US" dirty="0"/>
+              <a:t>)</a:t>
+            </a:r>
+          </a:p>
+          <a:p>
+            <a:r>
+              <a:rPr lang="en-US" dirty="0"/>
+              <a:t>REST defines a consistent and uniform interface for interactions between clients (front-ends) and servers (Back-ends)</a:t>
+            </a:r>
+          </a:p>
+          <a:p>
+            <a:pPr lvl="1"/>
+            <a:r>
+              <a:rPr lang="en-US" dirty="0"/>
+              <a:t>For example, the HTTP-based REST APIs make use of the </a:t>
+            </a:r>
+            <a:r>
+              <a:rPr lang="en-US" dirty="0">
+                <a:solidFill>
+                  <a:srgbClr val="00B0F0"/>
+                </a:solidFill>
+              </a:rPr>
+              <a:t>standard HTTP methods </a:t>
+            </a:r>
+            <a:r>
+              <a:rPr lang="en-US" dirty="0"/>
+              <a:t>(GET, POST, PUT, DELETE, etc.) and the </a:t>
+            </a:r>
+            <a:r>
+              <a:rPr lang="en-US" dirty="0">
+                <a:solidFill>
+                  <a:srgbClr val="00B0F0"/>
+                </a:solidFill>
+              </a:rPr>
+              <a:t>URIs </a:t>
+            </a:r>
+            <a:r>
+              <a:rPr lang="en-US" dirty="0"/>
+              <a:t>(Uniform Resource Identifiers) to identify resources</a:t>
+            </a:r>
+            <a:endParaRPr lang="en-US" dirty="0">
+              <a:solidFill>
+                <a:srgbClr val="00B0F0"/>
+              </a:solidFill>
+            </a:endParaRPr>
+          </a:p>
+        </p:txBody>
+      </p:sp>
+    </p:spTree>
+    <p:extLst>
+      <p:ext uri="{BB962C8B-B14F-4D97-AF65-F5344CB8AC3E}">
+        <p14:creationId xmlns:p14="http://schemas.microsoft.com/office/powerpoint/2010/main" val="279377804"/>
+      </p:ext>
+    </p:extLst>
+  </p:cSld>
+  <p:clrMapOvr>
+    <a:masterClrMapping/>
+  </p:clrMapOvr>
+  <mc:AlternateContent xmlns:mc="http://schemas.openxmlformats.org/markup-compatibility/2006">
+    <mc:Choice xmlns:p14="http://schemas.microsoft.com/office/powerpoint/2010/main" Requires="p14">
+      <p:transition spd="med" p14:dur="700">
+        <p:fade/>
+      </p:transition>
+    </mc:Choice>
+    <mc:Fallback>
+      <p:transition spd="med">
+        <p:fade/>
+      </p:transition>
+    </mc:Fallback>
+  </mc:AlternateContent>
+</p:sld>
+</file>
+
+<file path=ppt/slides/slide19.xml><?xml version="1.0" encoding="utf-8"?>
 <p:sld xmlns:a="http://schemas.openxmlformats.org/drawingml/2006/main" xmlns:r="http://schemas.openxmlformats.org/officeDocument/2006/relationships" xmlns:p="http://schemas.openxmlformats.org/presentationml/2006/main">
   <p:cSld>
     <p:spTree>
@@ -5666,7 +7630,7 @@
 </p:sld>
 </file>
 
-<file path=ppt/slides/slide16.xml><?xml version="1.0" encoding="utf-8"?>
+<file path=ppt/slides/slide2.xml><?xml version="1.0" encoding="utf-8"?>
 <p:sld xmlns:a="http://schemas.openxmlformats.org/drawingml/2006/main" xmlns:r="http://schemas.openxmlformats.org/officeDocument/2006/relationships" xmlns:p="http://schemas.openxmlformats.org/presentationml/2006/main">
   <p:cSld>
     <p:spTree>
@@ -5688,7 +7652,7 @@
           <p:cNvPr id="2" name="Title 1">
             <a:extLst>
               <a:ext uri="{FF2B5EF4-FFF2-40B4-BE49-F238E27FC236}">
-                <a16:creationId xmlns:a16="http://schemas.microsoft.com/office/drawing/2014/main" id="{5DAFC653-B163-D47A-EDCB-F6D77BC5D3ED}"/>
+                <a16:creationId xmlns:a16="http://schemas.microsoft.com/office/drawing/2014/main" id="{B50D4FB2-797D-1F89-213C-2BC3D5D7A1A4}"/>
               </a:ext>
             </a:extLst>
           </p:cNvPr>
@@ -5706,7 +7670,7 @@
           <a:p>
             <a:r>
               <a:rPr lang="en-US" dirty="0"/>
-              <a:t>The POST request</a:t>
+              <a:t>In this video...</a:t>
             </a:r>
           </a:p>
         </p:txBody>
@@ -5716,7 +7680,7 @@
           <p:cNvPr id="3" name="Content Placeholder 2">
             <a:extLst>
               <a:ext uri="{FF2B5EF4-FFF2-40B4-BE49-F238E27FC236}">
-                <a16:creationId xmlns:a16="http://schemas.microsoft.com/office/drawing/2014/main" id="{19FD912C-69BD-8E33-0CAD-7000A8D777D0}"/>
+                <a16:creationId xmlns:a16="http://schemas.microsoft.com/office/drawing/2014/main" id="{6BED9E62-9009-3181-868A-E31E64760A1D}"/>
               </a:ext>
             </a:extLst>
           </p:cNvPr>
@@ -5730,70 +7694,133 @@
         <p:spPr>
           <a:xfrm>
             <a:off x="838200" y="1825625"/>
-            <a:ext cx="10820400" cy="4193038"/>
+            <a:ext cx="10619232" cy="4351338"/>
           </a:xfrm>
         </p:spPr>
         <p:txBody>
           <a:bodyPr/>
           <a:lstStyle/>
           <a:p>
+            <a:pPr>
+              <a:spcBef>
+                <a:spcPts val="1800"/>
+              </a:spcBef>
+            </a:pPr>
             <a:r>
               <a:rPr lang="en-US" dirty="0"/>
-              <a:t>Use Advanced Rest Client (ARC) to send POST request with JSON payload to the service running in Eclipse:</a:t>
-            </a:r>
-            <a:br>
+              <a:t>Explain the </a:t>
+            </a:r>
+            <a:r>
+              <a:rPr lang="en-US" dirty="0">
+                <a:solidFill>
+                  <a:srgbClr val="00B0F0"/>
+                </a:solidFill>
+              </a:rPr>
+              <a:t>parts</a:t>
+            </a:r>
+            <a:r>
               <a:rPr lang="en-US" dirty="0"/>
-            </a:br>
-            <a:br>
+              <a:t> of a Spring Boot application</a:t>
+            </a:r>
+          </a:p>
+          <a:p>
+            <a:pPr>
+              <a:spcBef>
+                <a:spcPts val="1800"/>
+              </a:spcBef>
+            </a:pPr>
+            <a:r>
               <a:rPr lang="en-US" dirty="0"/>
-            </a:br>
-            <a:r>
-              <a:rPr lang="en-US" sz="2400" dirty="0">
+              <a:t>Code the classes needed to </a:t>
+            </a:r>
+            <a:r>
+              <a:rPr lang="en-US" dirty="0">
                 <a:solidFill>
                   <a:srgbClr val="00B050"/>
                 </a:solidFill>
-                <a:latin typeface="Courier New" panose="02070309020205020404" pitchFamily="49" charset="0"/>
-                <a:cs typeface="Courier New" panose="02070309020205020404" pitchFamily="49" charset="0"/>
               </a:rPr>
-              <a:t>http://localhost:8080/pet_store</a:t>
-            </a:r>
-          </a:p>
-          <a:p>
-            <a:pPr marL="0" indent="0">
-              <a:buNone/>
+              <a:t>perform</a:t>
+            </a:r>
+            <a:r>
+              <a:rPr lang="en-US" dirty="0"/>
+              <a:t> the "Create Contributor" operation</a:t>
+            </a:r>
+          </a:p>
+          <a:p>
+            <a:pPr>
+              <a:spcBef>
+                <a:spcPts val="1800"/>
+              </a:spcBef>
             </a:pPr>
-            <a:endParaRPr lang="en-US" sz="2400" dirty="0">
-              <a:solidFill>
-                <a:srgbClr val="00B050"/>
-              </a:solidFill>
-              <a:latin typeface="Courier New" panose="02070309020205020404" pitchFamily="49" charset="0"/>
-              <a:cs typeface="Courier New" panose="02070309020205020404" pitchFamily="49" charset="0"/>
-            </a:endParaRPr>
-          </a:p>
-          <a:p>
             <a:r>
               <a:rPr lang="en-US" dirty="0"/>
-              <a:t>A POST request returns status 201 (Created) if successful</a:t>
-            </a:r>
-          </a:p>
-          <a:p>
-            <a:pPr marL="0" indent="0">
-              <a:buNone/>
+              <a:t>Develop </a:t>
+            </a:r>
+            <a:r>
+              <a:rPr lang="en-US" dirty="0">
+                <a:solidFill>
+                  <a:srgbClr val="00B050"/>
+                </a:solidFill>
+              </a:rPr>
+              <a:t>JSON</a:t>
+            </a:r>
+            <a:r>
+              <a:rPr lang="en-US" dirty="0"/>
+              <a:t> that will be used to create a contributor</a:t>
+            </a:r>
+          </a:p>
+          <a:p>
+            <a:pPr>
+              <a:spcBef>
+                <a:spcPts val="1800"/>
+              </a:spcBef>
             </a:pPr>
-            <a:endParaRPr lang="en-US" sz="2400" dirty="0">
-              <a:solidFill>
-                <a:srgbClr val="00B050"/>
-              </a:solidFill>
-              <a:latin typeface="Courier New" panose="02070309020205020404" pitchFamily="49" charset="0"/>
-              <a:cs typeface="Courier New" panose="02070309020205020404" pitchFamily="49" charset="0"/>
-            </a:endParaRPr>
+            <a:r>
+              <a:rPr lang="en-US" dirty="0"/>
+              <a:t>Explain the HTTP </a:t>
+            </a:r>
+            <a:r>
+              <a:rPr lang="en-US" dirty="0">
+                <a:solidFill>
+                  <a:schemeClr val="accent4"/>
+                </a:solidFill>
+              </a:rPr>
+              <a:t>POST</a:t>
+            </a:r>
+            <a:r>
+              <a:rPr lang="en-US" dirty="0"/>
+              <a:t> method</a:t>
+            </a:r>
+          </a:p>
+          <a:p>
+            <a:pPr>
+              <a:spcBef>
+                <a:spcPts val="1800"/>
+              </a:spcBef>
+            </a:pPr>
+            <a:r>
+              <a:rPr lang="en-US" dirty="0"/>
+              <a:t>Add </a:t>
+            </a:r>
+            <a:r>
+              <a:rPr lang="en-US" dirty="0">
+                <a:solidFill>
+                  <a:srgbClr val="00B0F0"/>
+                </a:solidFill>
+              </a:rPr>
+              <a:t>transaction</a:t>
+            </a:r>
+            <a:r>
+              <a:rPr lang="en-US" dirty="0"/>
+              <a:t> management</a:t>
+            </a:r>
           </a:p>
         </p:txBody>
       </p:sp>
     </p:spTree>
     <p:extLst>
       <p:ext uri="{BB962C8B-B14F-4D97-AF65-F5344CB8AC3E}">
-        <p14:creationId xmlns:p14="http://schemas.microsoft.com/office/powerpoint/2010/main" val="3933635141"/>
+        <p14:creationId xmlns:p14="http://schemas.microsoft.com/office/powerpoint/2010/main" val="504848700"/>
       </p:ext>
     </p:extLst>
   </p:cSld>
@@ -5815,7 +7842,179 @@
 </p:sld>
 </file>
 
-<file path=ppt/slides/slide17.xml><?xml version="1.0" encoding="utf-8"?>
+<file path=ppt/slides/slide20.xml><?xml version="1.0" encoding="utf-8"?>
+<p:sld xmlns:a="http://schemas.openxmlformats.org/drawingml/2006/main" xmlns:r="http://schemas.openxmlformats.org/officeDocument/2006/relationships" xmlns:p="http://schemas.openxmlformats.org/presentationml/2006/main">
+  <p:cSld>
+    <p:spTree>
+      <p:nvGrpSpPr>
+        <p:cNvPr id="1" name="">
+          <a:extLst>
+            <a:ext uri="{FF2B5EF4-FFF2-40B4-BE49-F238E27FC236}">
+              <a16:creationId xmlns:a16="http://schemas.microsoft.com/office/drawing/2014/main" id="{9D9896E1-0E57-F8FA-1B21-D3A00143A72A}"/>
+            </a:ext>
+          </a:extLst>
+        </p:cNvPr>
+        <p:cNvGrpSpPr/>
+        <p:nvPr/>
+      </p:nvGrpSpPr>
+      <p:grpSpPr>
+        <a:xfrm>
+          <a:off x="0" y="0"/>
+          <a:ext cx="0" cy="0"/>
+          <a:chOff x="0" y="0"/>
+          <a:chExt cx="0" cy="0"/>
+        </a:xfrm>
+      </p:grpSpPr>
+      <p:sp>
+        <p:nvSpPr>
+          <p:cNvPr id="2" name="Title 1">
+            <a:extLst>
+              <a:ext uri="{FF2B5EF4-FFF2-40B4-BE49-F238E27FC236}">
+                <a16:creationId xmlns:a16="http://schemas.microsoft.com/office/drawing/2014/main" id="{3160A776-BD04-3952-54AC-B8998159DE9E}"/>
+              </a:ext>
+            </a:extLst>
+          </p:cNvPr>
+          <p:cNvSpPr>
+            <a:spLocks noGrp="1"/>
+          </p:cNvSpPr>
+          <p:nvPr>
+            <p:ph type="title"/>
+          </p:nvPr>
+        </p:nvSpPr>
+        <p:spPr/>
+        <p:txBody>
+          <a:bodyPr/>
+          <a:lstStyle/>
+          <a:p>
+            <a:r>
+              <a:rPr lang="en-US" dirty="0"/>
+              <a:t>The POST request</a:t>
+            </a:r>
+          </a:p>
+        </p:txBody>
+      </p:sp>
+      <p:sp>
+        <p:nvSpPr>
+          <p:cNvPr id="3" name="Content Placeholder 2">
+            <a:extLst>
+              <a:ext uri="{FF2B5EF4-FFF2-40B4-BE49-F238E27FC236}">
+                <a16:creationId xmlns:a16="http://schemas.microsoft.com/office/drawing/2014/main" id="{713C5257-43BC-C27E-1DCE-F9C7088CD300}"/>
+              </a:ext>
+            </a:extLst>
+          </p:cNvPr>
+          <p:cNvSpPr>
+            <a:spLocks noGrp="1"/>
+          </p:cNvSpPr>
+          <p:nvPr>
+            <p:ph idx="1"/>
+          </p:nvPr>
+        </p:nvSpPr>
+        <p:spPr>
+          <a:xfrm>
+            <a:off x="838200" y="1825625"/>
+            <a:ext cx="10820400" cy="4193038"/>
+          </a:xfrm>
+        </p:spPr>
+        <p:txBody>
+          <a:bodyPr/>
+          <a:lstStyle/>
+          <a:p>
+            <a:r>
+              <a:rPr lang="en-US" dirty="0"/>
+              <a:t>Use Advanced Rest Client (ARC) to send POST request with JSON payload to the service running in Eclipse:</a:t>
+            </a:r>
+            <a:br>
+              <a:rPr lang="en-US" dirty="0"/>
+            </a:br>
+            <a:endParaRPr lang="en-US" dirty="0"/>
+          </a:p>
+          <a:p>
+            <a:r>
+              <a:rPr lang="en-US" sz="2400" dirty="0">
+                <a:solidFill>
+                  <a:srgbClr val="00B050"/>
+                </a:solidFill>
+                <a:latin typeface="Courier New" panose="02070309020205020404" pitchFamily="49" charset="0"/>
+                <a:cs typeface="Courier New" panose="02070309020205020404" pitchFamily="49" charset="0"/>
+              </a:rPr>
+              <a:t>http://localhost:8080/</a:t>
+            </a:r>
+            <a:r>
+              <a:rPr lang="en-US" sz="2400">
+                <a:solidFill>
+                  <a:srgbClr val="00B050"/>
+                </a:solidFill>
+                <a:latin typeface="Courier New" panose="02070309020205020404" pitchFamily="49" charset="0"/>
+                <a:cs typeface="Courier New" panose="02070309020205020404" pitchFamily="49" charset="0"/>
+              </a:rPr>
+              <a:t>pet_park/</a:t>
+            </a:r>
+            <a:r>
+              <a:rPr lang="en-US" sz="2400" dirty="0">
+                <a:solidFill>
+                  <a:srgbClr val="00B050"/>
+                </a:solidFill>
+                <a:latin typeface="Courier New" panose="02070309020205020404" pitchFamily="49" charset="0"/>
+                <a:cs typeface="Courier New" panose="02070309020205020404" pitchFamily="49" charset="0"/>
+              </a:rPr>
+              <a:t>contributor</a:t>
+            </a:r>
+          </a:p>
+          <a:p>
+            <a:endParaRPr lang="en-US" sz="2400" dirty="0">
+              <a:solidFill>
+                <a:srgbClr val="00B050"/>
+              </a:solidFill>
+              <a:latin typeface="Courier New" panose="02070309020205020404" pitchFamily="49" charset="0"/>
+              <a:cs typeface="Courier New" panose="02070309020205020404" pitchFamily="49" charset="0"/>
+            </a:endParaRPr>
+          </a:p>
+          <a:p>
+            <a:r>
+              <a:rPr lang="en-US" dirty="0"/>
+              <a:t>A POST request returns status 201 (Created) if successful</a:t>
+            </a:r>
+          </a:p>
+          <a:p>
+            <a:pPr marL="0" indent="0">
+              <a:buNone/>
+            </a:pPr>
+            <a:endParaRPr lang="en-US" sz="2400" dirty="0">
+              <a:solidFill>
+                <a:srgbClr val="00B050"/>
+              </a:solidFill>
+              <a:latin typeface="Courier New" panose="02070309020205020404" pitchFamily="49" charset="0"/>
+              <a:cs typeface="Courier New" panose="02070309020205020404" pitchFamily="49" charset="0"/>
+            </a:endParaRPr>
+          </a:p>
+        </p:txBody>
+      </p:sp>
+    </p:spTree>
+    <p:extLst>
+      <p:ext uri="{BB962C8B-B14F-4D97-AF65-F5344CB8AC3E}">
+        <p14:creationId xmlns:p14="http://schemas.microsoft.com/office/powerpoint/2010/main" val="2340151987"/>
+      </p:ext>
+    </p:extLst>
+  </p:cSld>
+  <p:clrMapOvr>
+    <a:masterClrMapping/>
+  </p:clrMapOvr>
+  <mc:AlternateContent xmlns:mc="http://schemas.openxmlformats.org/markup-compatibility/2006">
+    <mc:Choice xmlns:p14="http://schemas.microsoft.com/office/powerpoint/2010/main" Requires="p14">
+      <p:transition spd="med" p14:dur="700">
+        <p:fade/>
+      </p:transition>
+    </mc:Choice>
+    <mc:Fallback>
+      <p:transition spd="med">
+        <p:fade/>
+      </p:transition>
+    </mc:Fallback>
+  </mc:AlternateContent>
+</p:sld>
+</file>
+
+<file path=ppt/slides/slide21.xml><?xml version="1.0" encoding="utf-8"?>
 <p:sld xmlns:a="http://schemas.openxmlformats.org/drawingml/2006/main" xmlns:r="http://schemas.openxmlformats.org/officeDocument/2006/relationships" xmlns:p="http://schemas.openxmlformats.org/presentationml/2006/main">
   <p:cSld>
     <p:spTree>
@@ -6011,7 +8210,7 @@
 </p:sld>
 </file>
 
-<file path=ppt/slides/slide18.xml><?xml version="1.0" encoding="utf-8"?>
+<file path=ppt/slides/slide22.xml><?xml version="1.0" encoding="utf-8"?>
 <p:sld xmlns:a="http://schemas.openxmlformats.org/drawingml/2006/main" xmlns:r="http://schemas.openxmlformats.org/officeDocument/2006/relationships" xmlns:p="http://schemas.openxmlformats.org/presentationml/2006/main">
   <p:cSld>
     <p:spTree>
@@ -6060,218 +8259,6 @@
     <p:extLst>
       <p:ext uri="{BB962C8B-B14F-4D97-AF65-F5344CB8AC3E}">
         <p14:creationId xmlns:p14="http://schemas.microsoft.com/office/powerpoint/2010/main" val="1776720768"/>
-      </p:ext>
-    </p:extLst>
-  </p:cSld>
-  <p:clrMapOvr>
-    <a:masterClrMapping/>
-  </p:clrMapOvr>
-  <mc:AlternateContent xmlns:mc="http://schemas.openxmlformats.org/markup-compatibility/2006" xmlns:p14="http://schemas.microsoft.com/office/powerpoint/2010/main">
-    <mc:Choice Requires="p14">
-      <p:transition spd="med" p14:dur="700">
-        <p:fade/>
-      </p:transition>
-    </mc:Choice>
-    <mc:Fallback xmlns="">
-      <p:transition spd="med">
-        <p:fade/>
-      </p:transition>
-    </mc:Fallback>
-  </mc:AlternateContent>
-</p:sld>
-</file>
-
-<file path=ppt/slides/slide2.xml><?xml version="1.0" encoding="utf-8"?>
-<p:sld xmlns:a="http://schemas.openxmlformats.org/drawingml/2006/main" xmlns:r="http://schemas.openxmlformats.org/officeDocument/2006/relationships" xmlns:p="http://schemas.openxmlformats.org/presentationml/2006/main">
-  <p:cSld>
-    <p:spTree>
-      <p:nvGrpSpPr>
-        <p:cNvPr id="1" name=""/>
-        <p:cNvGrpSpPr/>
-        <p:nvPr/>
-      </p:nvGrpSpPr>
-      <p:grpSpPr>
-        <a:xfrm>
-          <a:off x="0" y="0"/>
-          <a:ext cx="0" cy="0"/>
-          <a:chOff x="0" y="0"/>
-          <a:chExt cx="0" cy="0"/>
-        </a:xfrm>
-      </p:grpSpPr>
-      <p:sp>
-        <p:nvSpPr>
-          <p:cNvPr id="2" name="Title 1">
-            <a:extLst>
-              <a:ext uri="{FF2B5EF4-FFF2-40B4-BE49-F238E27FC236}">
-                <a16:creationId xmlns:a16="http://schemas.microsoft.com/office/drawing/2014/main" id="{B50D4FB2-797D-1F89-213C-2BC3D5D7A1A4}"/>
-              </a:ext>
-            </a:extLst>
-          </p:cNvPr>
-          <p:cNvSpPr>
-            <a:spLocks noGrp="1"/>
-          </p:cNvSpPr>
-          <p:nvPr>
-            <p:ph type="title"/>
-          </p:nvPr>
-        </p:nvSpPr>
-        <p:spPr/>
-        <p:txBody>
-          <a:bodyPr/>
-          <a:lstStyle/>
-          <a:p>
-            <a:r>
-              <a:rPr lang="en-US" dirty="0"/>
-              <a:t>In this video...</a:t>
-            </a:r>
-          </a:p>
-        </p:txBody>
-      </p:sp>
-      <p:sp>
-        <p:nvSpPr>
-          <p:cNvPr id="3" name="Content Placeholder 2">
-            <a:extLst>
-              <a:ext uri="{FF2B5EF4-FFF2-40B4-BE49-F238E27FC236}">
-                <a16:creationId xmlns:a16="http://schemas.microsoft.com/office/drawing/2014/main" id="{6BED9E62-9009-3181-868A-E31E64760A1D}"/>
-              </a:ext>
-            </a:extLst>
-          </p:cNvPr>
-          <p:cNvSpPr>
-            <a:spLocks noGrp="1"/>
-          </p:cNvSpPr>
-          <p:nvPr>
-            <p:ph idx="1"/>
-          </p:nvPr>
-        </p:nvSpPr>
-        <p:spPr>
-          <a:xfrm>
-            <a:off x="838200" y="1825625"/>
-            <a:ext cx="10619232" cy="4351338"/>
-          </a:xfrm>
-        </p:spPr>
-        <p:txBody>
-          <a:bodyPr/>
-          <a:lstStyle/>
-          <a:p>
-            <a:pPr>
-              <a:spcBef>
-                <a:spcPts val="1800"/>
-              </a:spcBef>
-            </a:pPr>
-            <a:r>
-              <a:rPr lang="en-US" dirty="0"/>
-              <a:t>Explain the </a:t>
-            </a:r>
-            <a:r>
-              <a:rPr lang="en-US" dirty="0">
-                <a:solidFill>
-                  <a:srgbClr val="00B0F0"/>
-                </a:solidFill>
-              </a:rPr>
-              <a:t>parts</a:t>
-            </a:r>
-            <a:r>
-              <a:rPr lang="en-US" dirty="0"/>
-              <a:t> of a Spring Boot application</a:t>
-            </a:r>
-          </a:p>
-          <a:p>
-            <a:pPr>
-              <a:spcBef>
-                <a:spcPts val="1800"/>
-              </a:spcBef>
-            </a:pPr>
-            <a:r>
-              <a:rPr lang="en-US" dirty="0"/>
-              <a:t>Code the classes needed to </a:t>
-            </a:r>
-            <a:r>
-              <a:rPr lang="en-US" dirty="0">
-                <a:solidFill>
-                  <a:srgbClr val="00B050"/>
-                </a:solidFill>
-              </a:rPr>
-              <a:t>perform</a:t>
-            </a:r>
-            <a:r>
-              <a:rPr lang="en-US" dirty="0"/>
-              <a:t> the "Create Contributor" operation</a:t>
-            </a:r>
-          </a:p>
-          <a:p>
-            <a:pPr>
-              <a:spcBef>
-                <a:spcPts val="1800"/>
-              </a:spcBef>
-            </a:pPr>
-            <a:r>
-              <a:rPr lang="en-US" dirty="0"/>
-              <a:t>Develop </a:t>
-            </a:r>
-            <a:r>
-              <a:rPr lang="en-US" dirty="0">
-                <a:solidFill>
-                  <a:srgbClr val="00B050"/>
-                </a:solidFill>
-              </a:rPr>
-              <a:t>JSON</a:t>
-            </a:r>
-            <a:r>
-              <a:rPr lang="en-US" dirty="0"/>
-              <a:t> that will be used to create a contributor</a:t>
-            </a:r>
-          </a:p>
-          <a:p>
-            <a:pPr>
-              <a:spcBef>
-                <a:spcPts val="1800"/>
-              </a:spcBef>
-            </a:pPr>
-            <a:r>
-              <a:rPr lang="en-US" dirty="0"/>
-              <a:t>Explain the HTTP </a:t>
-            </a:r>
-            <a:r>
-              <a:rPr lang="en-US" dirty="0">
-                <a:solidFill>
-                  <a:schemeClr val="accent4"/>
-                </a:solidFill>
-              </a:rPr>
-              <a:t>POST</a:t>
-            </a:r>
-            <a:r>
-              <a:rPr lang="en-US" dirty="0"/>
-              <a:t> method</a:t>
-            </a:r>
-          </a:p>
-          <a:p>
-            <a:pPr>
-              <a:spcBef>
-                <a:spcPts val="1800"/>
-              </a:spcBef>
-            </a:pPr>
-            <a:r>
-              <a:rPr lang="en-US" dirty="0"/>
-              <a:t>Add </a:t>
-            </a:r>
-            <a:r>
-              <a:rPr lang="en-US" dirty="0">
-                <a:solidFill>
-                  <a:srgbClr val="00B0F0"/>
-                </a:solidFill>
-              </a:rPr>
-              <a:t>transaction</a:t>
-            </a:r>
-            <a:r>
-              <a:rPr lang="en-US" dirty="0"/>
-              <a:t> management</a:t>
-            </a:r>
-          </a:p>
-        </p:txBody>
-      </p:sp>
-    </p:spTree>
-    <p:extLst>
-      <p:ext uri="{BB962C8B-B14F-4D97-AF65-F5344CB8AC3E}">
-        <p14:creationId xmlns:p14="http://schemas.microsoft.com/office/powerpoint/2010/main" val="504848700"/>
       </p:ext>
     </p:extLst>
   </p:cSld>
@@ -6326,24 +8313,133 @@
             <p:ph type="title"/>
           </p:nvPr>
         </p:nvSpPr>
-        <p:spPr/>
+        <p:spPr>
+          <a:xfrm>
+            <a:off x="130629" y="27668"/>
+            <a:ext cx="10515600" cy="843189"/>
+          </a:xfrm>
+        </p:spPr>
         <p:txBody>
           <a:bodyPr/>
           <a:lstStyle/>
           <a:p>
             <a:r>
               <a:rPr lang="en-US" dirty="0"/>
-              <a:t>The anatomy of a Spring Boot application</a:t>
-            </a:r>
-          </a:p>
-        </p:txBody>
-      </p:sp>
-      <p:sp>
-        <p:nvSpPr>
-          <p:cNvPr id="4" name="Rectangle: Rounded Corners 3">
+              <a:t>What is an API?</a:t>
+            </a:r>
+          </a:p>
+        </p:txBody>
+      </p:sp>
+      <p:pic>
+        <p:nvPicPr>
+          <p:cNvPr id="12" name="Picture 11">
             <a:extLst>
               <a:ext uri="{FF2B5EF4-FFF2-40B4-BE49-F238E27FC236}">
-                <a16:creationId xmlns:a16="http://schemas.microsoft.com/office/drawing/2014/main" id="{491B52E6-96B2-56CE-BED1-108813277112}"/>
+                <a16:creationId xmlns:a16="http://schemas.microsoft.com/office/drawing/2014/main" id="{4B0AC02B-6D2B-99D4-DD4D-138B62E7DE23}"/>
+              </a:ext>
+            </a:extLst>
+          </p:cNvPr>
+          <p:cNvPicPr>
+            <a:picLocks noChangeAspect="1"/>
+          </p:cNvPicPr>
+          <p:nvPr/>
+        </p:nvPicPr>
+        <p:blipFill>
+          <a:blip r:embed="rId2"/>
+          <a:stretch>
+            <a:fillRect/>
+          </a:stretch>
+        </p:blipFill>
+        <p:spPr>
+          <a:xfrm>
+            <a:off x="1318051" y="4499568"/>
+            <a:ext cx="8881550" cy="1697581"/>
+          </a:xfrm>
+          <a:prstGeom prst="rect">
+            <a:avLst/>
+          </a:prstGeom>
+        </p:spPr>
+      </p:pic>
+      <p:sp>
+        <p:nvSpPr>
+          <p:cNvPr id="13" name="Content Placeholder 2">
+            <a:extLst>
+              <a:ext uri="{FF2B5EF4-FFF2-40B4-BE49-F238E27FC236}">
+                <a16:creationId xmlns:a16="http://schemas.microsoft.com/office/drawing/2014/main" id="{EB7E535C-87FA-5FEC-04B2-9D6E97344EB6}"/>
+              </a:ext>
+            </a:extLst>
+          </p:cNvPr>
+          <p:cNvSpPr>
+            <a:spLocks noGrp="1"/>
+          </p:cNvSpPr>
+          <p:nvPr>
+            <p:ph idx="1"/>
+          </p:nvPr>
+        </p:nvSpPr>
+        <p:spPr>
+          <a:xfrm>
+            <a:off x="631372" y="1074511"/>
+            <a:ext cx="10619232" cy="2354489"/>
+          </a:xfrm>
+        </p:spPr>
+        <p:txBody>
+          <a:bodyPr>
+            <a:normAutofit lnSpcReduction="10000"/>
+          </a:bodyPr>
+          <a:lstStyle/>
+          <a:p>
+            <a:pPr>
+              <a:spcBef>
+                <a:spcPts val="1800"/>
+              </a:spcBef>
+            </a:pPr>
+            <a:r>
+              <a:rPr lang="en-US" dirty="0"/>
+              <a:t>An </a:t>
+            </a:r>
+            <a:r>
+              <a:rPr lang="en-US" dirty="0">
+                <a:solidFill>
+                  <a:srgbClr val="00B0F0"/>
+                </a:solidFill>
+              </a:rPr>
+              <a:t>API (Application Programming Interface) </a:t>
+            </a:r>
+            <a:r>
+              <a:rPr lang="en-US" dirty="0"/>
+              <a:t>is a set of rules that allows software applications to communicate with each other</a:t>
+            </a:r>
+          </a:p>
+          <a:p>
+            <a:pPr>
+              <a:spcBef>
+                <a:spcPts val="1800"/>
+              </a:spcBef>
+            </a:pPr>
+            <a:r>
+              <a:rPr lang="en-US" dirty="0"/>
+              <a:t>APIs are like messengers that deliver requests and responses between applications</a:t>
+            </a:r>
+          </a:p>
+          <a:p>
+            <a:pPr>
+              <a:spcBef>
+                <a:spcPts val="1800"/>
+              </a:spcBef>
+            </a:pPr>
+            <a:r>
+              <a:rPr lang="en-US" dirty="0"/>
+              <a:t>We’ll use Sprint Boot to build a Web-based API application</a:t>
+            </a:r>
+          </a:p>
+        </p:txBody>
+      </p:sp>
+      <p:sp>
+        <p:nvSpPr>
+          <p:cNvPr id="14" name="Rectangle 13">
+            <a:extLst>
+              <a:ext uri="{FF2B5EF4-FFF2-40B4-BE49-F238E27FC236}">
+                <a16:creationId xmlns:a16="http://schemas.microsoft.com/office/drawing/2014/main" id="{D6B103BF-F396-43EA-D148-58C29BB2B1C6}"/>
               </a:ext>
             </a:extLst>
           </p:cNvPr>
@@ -6352,22 +8448,30 @@
         </p:nvSpPr>
         <p:spPr>
           <a:xfrm>
-            <a:off x="960895" y="1859797"/>
-            <a:ext cx="1952786" cy="1325563"/>
+            <a:off x="5976257" y="3632653"/>
+            <a:ext cx="4778829" cy="2923725"/>
           </a:xfrm>
-          <a:prstGeom prst="roundRect">
+          <a:prstGeom prst="rect">
             <a:avLst/>
           </a:prstGeom>
+          <a:noFill/>
+          <a:ln w="38100">
+            <a:solidFill>
+              <a:srgbClr val="00B0F0"/>
+            </a:solidFill>
+          </a:ln>
         </p:spPr>
         <p:style>
-          <a:lnRef idx="3">
-            <a:schemeClr val="lt1"/>
+          <a:lnRef idx="2">
+            <a:schemeClr val="accent1">
+              <a:shade val="15000"/>
+            </a:schemeClr>
           </a:lnRef>
           <a:fillRef idx="1">
-            <a:schemeClr val="accent5"/>
+            <a:schemeClr val="accent1"/>
           </a:fillRef>
-          <a:effectRef idx="1">
-            <a:schemeClr val="accent5"/>
+          <a:effectRef idx="0">
+            <a:schemeClr val="accent1"/>
           </a:effectRef>
           <a:fontRef idx="minor">
             <a:schemeClr val="lt1"/>
@@ -6378,208 +8482,42 @@
           <a:lstStyle/>
           <a:p>
             <a:pPr algn="ctr"/>
-            <a:r>
-              <a:rPr lang="en-US" dirty="0"/>
-              <a:t>Controller (handles HTTP requests)</a:t>
-            </a:r>
-          </a:p>
-        </p:txBody>
-      </p:sp>
-      <p:sp>
-        <p:nvSpPr>
-          <p:cNvPr id="5" name="Rectangle: Rounded Corners 4">
+            <a:endParaRPr lang="en-US"/>
+          </a:p>
+        </p:txBody>
+      </p:sp>
+      <p:sp>
+        <p:nvSpPr>
+          <p:cNvPr id="15" name="TextBox 14">
             <a:extLst>
               <a:ext uri="{FF2B5EF4-FFF2-40B4-BE49-F238E27FC236}">
-                <a16:creationId xmlns:a16="http://schemas.microsoft.com/office/drawing/2014/main" id="{DF7FCA01-0565-E101-4C13-916E59967BBD}"/>
+                <a16:creationId xmlns:a16="http://schemas.microsoft.com/office/drawing/2014/main" id="{1B9281F6-1359-9393-B564-A4FD94AFCA2E}"/>
               </a:ext>
             </a:extLst>
           </p:cNvPr>
-          <p:cNvSpPr/>
+          <p:cNvSpPr txBox="1"/>
           <p:nvPr/>
         </p:nvSpPr>
         <p:spPr>
           <a:xfrm>
-            <a:off x="960895" y="3594693"/>
-            <a:ext cx="1952786" cy="1325563"/>
+            <a:off x="6573993" y="3945570"/>
+            <a:ext cx="3625608" cy="369332"/>
           </a:xfrm>
-          <a:prstGeom prst="roundRect">
+          <a:prstGeom prst="rect">
             <a:avLst/>
           </a:prstGeom>
+          <a:noFill/>
         </p:spPr>
-        <p:style>
-          <a:lnRef idx="2">
-            <a:schemeClr val="accent2">
-              <a:shade val="50000"/>
-            </a:schemeClr>
-          </a:lnRef>
-          <a:fillRef idx="1">
-            <a:schemeClr val="accent2"/>
-          </a:fillRef>
-          <a:effectRef idx="0">
-            <a:schemeClr val="accent2"/>
-          </a:effectRef>
-          <a:fontRef idx="minor">
-            <a:schemeClr val="lt1"/>
-          </a:fontRef>
-        </p:style>
-        <p:txBody>
-          <a:bodyPr rtlCol="0" anchor="ctr"/>
+        <p:txBody>
+          <a:bodyPr wrap="none" rtlCol="0">
+            <a:spAutoFit/>
+          </a:bodyPr>
           <a:lstStyle/>
           <a:p>
-            <a:pPr algn="ctr"/>
-            <a:r>
-              <a:rPr lang="en-US" dirty="0"/>
-              <a:t>Service (manages business logic)</a:t>
-            </a:r>
-          </a:p>
-        </p:txBody>
-      </p:sp>
-      <p:sp>
-        <p:nvSpPr>
-          <p:cNvPr id="6" name="Rectangle: Rounded Corners 5">
-            <a:extLst>
-              <a:ext uri="{FF2B5EF4-FFF2-40B4-BE49-F238E27FC236}">
-                <a16:creationId xmlns:a16="http://schemas.microsoft.com/office/drawing/2014/main" id="{5FBCE052-2B10-CEB8-2232-53B65F0F5ADF}"/>
-              </a:ext>
-            </a:extLst>
-          </p:cNvPr>
-          <p:cNvSpPr/>
-          <p:nvPr/>
-        </p:nvSpPr>
-        <p:spPr>
-          <a:xfrm>
-            <a:off x="960895" y="5329589"/>
-            <a:ext cx="1952786" cy="1325563"/>
-          </a:xfrm>
-          <a:prstGeom prst="roundRect">
-            <a:avLst/>
-          </a:prstGeom>
-        </p:spPr>
-        <p:style>
-          <a:lnRef idx="2">
-            <a:schemeClr val="accent6">
-              <a:shade val="50000"/>
-            </a:schemeClr>
-          </a:lnRef>
-          <a:fillRef idx="1">
-            <a:schemeClr val="accent6"/>
-          </a:fillRef>
-          <a:effectRef idx="0">
-            <a:schemeClr val="accent6"/>
-          </a:effectRef>
-          <a:fontRef idx="minor">
-            <a:schemeClr val="lt1"/>
-          </a:fontRef>
-        </p:style>
-        <p:txBody>
-          <a:bodyPr rtlCol="0" anchor="ctr"/>
-          <a:lstStyle/>
-          <a:p>
-            <a:pPr algn="ctr"/>
-            <a:r>
-              <a:rPr lang="en-US" dirty="0"/>
-              <a:t>DAO (interacts with database)</a:t>
-            </a:r>
-          </a:p>
-        </p:txBody>
-      </p:sp>
-      <p:sp>
-        <p:nvSpPr>
-          <p:cNvPr id="7" name="Arrow: Curved Left 6">
-            <a:extLst>
-              <a:ext uri="{FF2B5EF4-FFF2-40B4-BE49-F238E27FC236}">
-                <a16:creationId xmlns:a16="http://schemas.microsoft.com/office/drawing/2014/main" id="{594A189E-E31D-C7F7-EAF9-17BBE8D18B8F}"/>
-              </a:ext>
-            </a:extLst>
-          </p:cNvPr>
-          <p:cNvSpPr/>
-          <p:nvPr/>
-        </p:nvSpPr>
-        <p:spPr>
-          <a:xfrm>
-            <a:off x="2960178" y="2522578"/>
-            <a:ext cx="1472339" cy="1568975"/>
-          </a:xfrm>
-          <a:prstGeom prst="curvedLeftArrow">
-            <a:avLst/>
-          </a:prstGeom>
-        </p:spPr>
-        <p:style>
-          <a:lnRef idx="2">
-            <a:schemeClr val="accent5">
-              <a:shade val="50000"/>
-            </a:schemeClr>
-          </a:lnRef>
-          <a:fillRef idx="1">
-            <a:schemeClr val="accent5"/>
-          </a:fillRef>
-          <a:effectRef idx="0">
-            <a:schemeClr val="accent5"/>
-          </a:effectRef>
-          <a:fontRef idx="minor">
-            <a:schemeClr val="lt1"/>
-          </a:fontRef>
-        </p:style>
-        <p:txBody>
-          <a:bodyPr rtlCol="0" anchor="ctr"/>
-          <a:lstStyle/>
-          <a:p>
-            <a:pPr algn="ctr"/>
-            <a:endParaRPr lang="en-US">
-              <a:solidFill>
-                <a:schemeClr val="tx1"/>
-              </a:solidFill>
-            </a:endParaRPr>
-          </a:p>
-        </p:txBody>
-      </p:sp>
-      <p:sp>
-        <p:nvSpPr>
-          <p:cNvPr id="8" name="Arrow: Curved Left 7">
-            <a:extLst>
-              <a:ext uri="{FF2B5EF4-FFF2-40B4-BE49-F238E27FC236}">
-                <a16:creationId xmlns:a16="http://schemas.microsoft.com/office/drawing/2014/main" id="{2E974126-1AAA-D612-4BE5-9E86F66CF326}"/>
-              </a:ext>
-            </a:extLst>
-          </p:cNvPr>
-          <p:cNvSpPr/>
-          <p:nvPr/>
-        </p:nvSpPr>
-        <p:spPr>
-          <a:xfrm>
-            <a:off x="2960177" y="4389816"/>
-            <a:ext cx="1472339" cy="1568975"/>
-          </a:xfrm>
-          <a:prstGeom prst="curvedLeftArrow">
-            <a:avLst/>
-          </a:prstGeom>
-        </p:spPr>
-        <p:style>
-          <a:lnRef idx="2">
-            <a:schemeClr val="accent2">
-              <a:shade val="50000"/>
-            </a:schemeClr>
-          </a:lnRef>
-          <a:fillRef idx="1">
-            <a:schemeClr val="accent2"/>
-          </a:fillRef>
-          <a:effectRef idx="0">
-            <a:schemeClr val="accent2"/>
-          </a:effectRef>
-          <a:fontRef idx="minor">
-            <a:schemeClr val="lt1"/>
-          </a:fontRef>
-        </p:style>
-        <p:txBody>
-          <a:bodyPr rtlCol="0" anchor="ctr"/>
-          <a:lstStyle/>
-          <a:p>
-            <a:pPr algn="ctr"/>
-            <a:endParaRPr lang="en-US">
-              <a:solidFill>
-                <a:schemeClr val="tx1"/>
-              </a:solidFill>
-            </a:endParaRPr>
+            <a:r>
+              <a:rPr lang="en-US" b="1" dirty="0"/>
+              <a:t>Web-Based API Backend Application</a:t>
+            </a:r>
           </a:p>
         </p:txBody>
       </p:sp>
@@ -6613,7 +8551,13 @@
   <p:cSld>
     <p:spTree>
       <p:nvGrpSpPr>
-        <p:cNvPr id="1" name=""/>
+        <p:cNvPr id="1" name="">
+          <a:extLst>
+            <a:ext uri="{FF2B5EF4-FFF2-40B4-BE49-F238E27FC236}">
+              <a16:creationId xmlns:a16="http://schemas.microsoft.com/office/drawing/2014/main" id="{E7BAFD02-7FB0-B7FB-1ABF-67B312FFB71D}"/>
+            </a:ext>
+          </a:extLst>
+        </p:cNvPr>
         <p:cNvGrpSpPr/>
         <p:nvPr/>
       </p:nvGrpSpPr>
@@ -6630,7 +8574,7 @@
           <p:cNvPr id="2" name="Title 1">
             <a:extLst>
               <a:ext uri="{FF2B5EF4-FFF2-40B4-BE49-F238E27FC236}">
-                <a16:creationId xmlns:a16="http://schemas.microsoft.com/office/drawing/2014/main" id="{44494EC7-F30B-8DC7-C850-17BD8175BCBA}"/>
+                <a16:creationId xmlns:a16="http://schemas.microsoft.com/office/drawing/2014/main" id="{A6C36C61-4C6B-AFBE-51FA-D0F1D092EAC4}"/>
               </a:ext>
             </a:extLst>
           </p:cNvPr>
@@ -6658,7 +8602,7 @@
           <p:cNvPr id="4" name="Rectangle: Rounded Corners 3">
             <a:extLst>
               <a:ext uri="{FF2B5EF4-FFF2-40B4-BE49-F238E27FC236}">
-                <a16:creationId xmlns:a16="http://schemas.microsoft.com/office/drawing/2014/main" id="{491B52E6-96B2-56CE-BED1-108813277112}"/>
+                <a16:creationId xmlns:a16="http://schemas.microsoft.com/office/drawing/2014/main" id="{3F9FA4AB-1272-77EB-DD50-0BA7B0E10064}"/>
               </a:ext>
             </a:extLst>
           </p:cNvPr>
@@ -6667,7 +8611,7 @@
         </p:nvSpPr>
         <p:spPr>
           <a:xfrm>
-            <a:off x="2051758" y="1859797"/>
+            <a:off x="3257780" y="1697520"/>
             <a:ext cx="1952786" cy="1325563"/>
           </a:xfrm>
           <a:prstGeom prst="roundRect">
@@ -6694,8 +8638,12 @@
           <a:p>
             <a:pPr algn="ctr"/>
             <a:r>
+              <a:rPr lang="en-US" b="1" dirty="0"/>
+              <a:t>Controller </a:t>
+            </a:r>
+            <a:r>
               <a:rPr lang="en-US" dirty="0"/>
-              <a:t>Controller (class)</a:t>
+              <a:t>(handles HTTP requests)</a:t>
             </a:r>
           </a:p>
         </p:txBody>
@@ -6705,7 +8653,7 @@
           <p:cNvPr id="5" name="Rectangle: Rounded Corners 4">
             <a:extLst>
               <a:ext uri="{FF2B5EF4-FFF2-40B4-BE49-F238E27FC236}">
-                <a16:creationId xmlns:a16="http://schemas.microsoft.com/office/drawing/2014/main" id="{DF7FCA01-0565-E101-4C13-916E59967BBD}"/>
+                <a16:creationId xmlns:a16="http://schemas.microsoft.com/office/drawing/2014/main" id="{5D3D0DD8-8708-A836-EC7F-D8112B04106C}"/>
               </a:ext>
             </a:extLst>
           </p:cNvPr>
@@ -6714,7 +8662,7 @@
         </p:nvSpPr>
         <p:spPr>
           <a:xfrm>
-            <a:off x="2051758" y="3594693"/>
+            <a:off x="3257780" y="3432416"/>
             <a:ext cx="1952786" cy="1325563"/>
           </a:xfrm>
           <a:prstGeom prst="roundRect">
@@ -6743,8 +8691,12 @@
           <a:p>
             <a:pPr algn="ctr"/>
             <a:r>
+              <a:rPr lang="en-US" b="1" dirty="0"/>
+              <a:t>Service </a:t>
+            </a:r>
+            <a:r>
               <a:rPr lang="en-US" dirty="0"/>
-              <a:t>Service (class)</a:t>
+              <a:t>(manages business logic)</a:t>
             </a:r>
           </a:p>
         </p:txBody>
@@ -6754,7 +8706,7 @@
           <p:cNvPr id="6" name="Rectangle: Rounded Corners 5">
             <a:extLst>
               <a:ext uri="{FF2B5EF4-FFF2-40B4-BE49-F238E27FC236}">
-                <a16:creationId xmlns:a16="http://schemas.microsoft.com/office/drawing/2014/main" id="{5FBCE052-2B10-CEB8-2232-53B65F0F5ADF}"/>
+                <a16:creationId xmlns:a16="http://schemas.microsoft.com/office/drawing/2014/main" id="{6B607DA2-364A-25C7-0CB7-32A48DAEA457}"/>
               </a:ext>
             </a:extLst>
           </p:cNvPr>
@@ -6763,7 +8715,7 @@
         </p:nvSpPr>
         <p:spPr>
           <a:xfrm>
-            <a:off x="2051758" y="5329589"/>
+            <a:off x="3257780" y="5167312"/>
             <a:ext cx="1952786" cy="1325563"/>
           </a:xfrm>
           <a:prstGeom prst="roundRect">
@@ -6792,123 +8744,22 @@
           <a:p>
             <a:pPr algn="ctr"/>
             <a:r>
+              <a:rPr lang="en-US" b="1" dirty="0"/>
+              <a:t>DAO</a:t>
+            </a:r>
+            <a:r>
               <a:rPr lang="en-US" dirty="0"/>
-              <a:t>DAO (interface)</a:t>
-            </a:r>
-          </a:p>
-        </p:txBody>
-      </p:sp>
-      <p:sp>
-        <p:nvSpPr>
-          <p:cNvPr id="3" name="TextBox 2">
+              <a:t> (interacts with database)</a:t>
+            </a:r>
+          </a:p>
+        </p:txBody>
+      </p:sp>
+      <p:sp>
+        <p:nvSpPr>
+          <p:cNvPr id="7" name="Arrow: Curved Left 6">
             <a:extLst>
               <a:ext uri="{FF2B5EF4-FFF2-40B4-BE49-F238E27FC236}">
-                <a16:creationId xmlns:a16="http://schemas.microsoft.com/office/drawing/2014/main" id="{ABA455D0-D29D-1777-D4D5-8E89F8078A2C}"/>
-              </a:ext>
-            </a:extLst>
-          </p:cNvPr>
-          <p:cNvSpPr txBox="1"/>
-          <p:nvPr/>
-        </p:nvSpPr>
-        <p:spPr>
-          <a:xfrm>
-            <a:off x="4267200" y="2342510"/>
-            <a:ext cx="2213810" cy="369332"/>
-          </a:xfrm>
-          <a:prstGeom prst="rect">
-            <a:avLst/>
-          </a:prstGeom>
-          <a:noFill/>
-        </p:spPr>
-        <p:txBody>
-          <a:bodyPr wrap="square" rtlCol="0">
-            <a:spAutoFit/>
-          </a:bodyPr>
-          <a:lstStyle/>
-          <a:p>
-            <a:r>
-              <a:rPr lang="en-US" dirty="0"/>
-              <a:t>ParkController.java</a:t>
-            </a:r>
-          </a:p>
-        </p:txBody>
-      </p:sp>
-      <p:sp>
-        <p:nvSpPr>
-          <p:cNvPr id="9" name="TextBox 8">
-            <a:extLst>
-              <a:ext uri="{FF2B5EF4-FFF2-40B4-BE49-F238E27FC236}">
-                <a16:creationId xmlns:a16="http://schemas.microsoft.com/office/drawing/2014/main" id="{E61D4709-9FFE-7409-26CC-C002A693987C}"/>
-              </a:ext>
-            </a:extLst>
-          </p:cNvPr>
-          <p:cNvSpPr txBox="1"/>
-          <p:nvPr/>
-        </p:nvSpPr>
-        <p:spPr>
-          <a:xfrm>
-            <a:off x="4267200" y="4072808"/>
-            <a:ext cx="2213810" cy="369332"/>
-          </a:xfrm>
-          <a:prstGeom prst="rect">
-            <a:avLst/>
-          </a:prstGeom>
-          <a:noFill/>
-        </p:spPr>
-        <p:txBody>
-          <a:bodyPr wrap="square" rtlCol="0">
-            <a:spAutoFit/>
-          </a:bodyPr>
-          <a:lstStyle/>
-          <a:p>
-            <a:r>
-              <a:rPr lang="en-US" dirty="0"/>
-              <a:t>ParkService.java</a:t>
-            </a:r>
-          </a:p>
-        </p:txBody>
-      </p:sp>
-      <p:sp>
-        <p:nvSpPr>
-          <p:cNvPr id="10" name="TextBox 9">
-            <a:extLst>
-              <a:ext uri="{FF2B5EF4-FFF2-40B4-BE49-F238E27FC236}">
-                <a16:creationId xmlns:a16="http://schemas.microsoft.com/office/drawing/2014/main" id="{15975BF2-97EE-D965-BB86-635F943BCFAC}"/>
-              </a:ext>
-            </a:extLst>
-          </p:cNvPr>
-          <p:cNvSpPr txBox="1"/>
-          <p:nvPr/>
-        </p:nvSpPr>
-        <p:spPr>
-          <a:xfrm>
-            <a:off x="4267200" y="5803106"/>
-            <a:ext cx="2213810" cy="369332"/>
-          </a:xfrm>
-          <a:prstGeom prst="rect">
-            <a:avLst/>
-          </a:prstGeom>
-          <a:noFill/>
-        </p:spPr>
-        <p:txBody>
-          <a:bodyPr wrap="square" rtlCol="0">
-            <a:spAutoFit/>
-          </a:bodyPr>
-          <a:lstStyle/>
-          <a:p>
-            <a:r>
-              <a:rPr lang="en-US" dirty="0"/>
-              <a:t>ContributorDao.java</a:t>
-            </a:r>
-          </a:p>
-        </p:txBody>
-      </p:sp>
-      <p:sp>
-        <p:nvSpPr>
-          <p:cNvPr id="11" name="Arrow: Curved Right 10">
-            <a:extLst>
-              <a:ext uri="{FF2B5EF4-FFF2-40B4-BE49-F238E27FC236}">
-                <a16:creationId xmlns:a16="http://schemas.microsoft.com/office/drawing/2014/main" id="{3FD73245-E476-F748-3D21-4F7A7B7C3A7A}"/>
+                <a16:creationId xmlns:a16="http://schemas.microsoft.com/office/drawing/2014/main" id="{A9DB861B-817D-8066-D718-813C24FBC384}"/>
               </a:ext>
             </a:extLst>
           </p:cNvPr>
@@ -6917,10 +8768,10 @@
         </p:nvSpPr>
         <p:spPr>
           <a:xfrm>
-            <a:off x="1058777" y="2342510"/>
-            <a:ext cx="978568" cy="1730298"/>
+            <a:off x="5257063" y="2360301"/>
+            <a:ext cx="1472339" cy="1568975"/>
           </a:xfrm>
-          <a:prstGeom prst="curvedRightArrow">
+          <a:prstGeom prst="curvedLeftArrow">
             <a:avLst/>
           </a:prstGeom>
         </p:spPr>
@@ -6955,10 +8806,10 @@
       </p:sp>
       <p:sp>
         <p:nvSpPr>
-          <p:cNvPr id="12" name="Arrow: Curved Right 11">
+          <p:cNvPr id="8" name="Arrow: Curved Left 7">
             <a:extLst>
               <a:ext uri="{FF2B5EF4-FFF2-40B4-BE49-F238E27FC236}">
-                <a16:creationId xmlns:a16="http://schemas.microsoft.com/office/drawing/2014/main" id="{DEA76726-355F-B74B-025A-86B8454652C5}"/>
+                <a16:creationId xmlns:a16="http://schemas.microsoft.com/office/drawing/2014/main" id="{7762DC6C-2C13-6228-993B-B4B8B2543F1E}"/>
               </a:ext>
             </a:extLst>
           </p:cNvPr>
@@ -6967,10 +8818,10 @@
         </p:nvSpPr>
         <p:spPr>
           <a:xfrm>
-            <a:off x="1042735" y="4469322"/>
-            <a:ext cx="978568" cy="1730298"/>
+            <a:off x="5257062" y="4227539"/>
+            <a:ext cx="1472339" cy="1568975"/>
           </a:xfrm>
-          <a:prstGeom prst="curvedRightArrow">
+          <a:prstGeom prst="curvedLeftArrow">
             <a:avLst/>
           </a:prstGeom>
         </p:spPr>
@@ -7006,20 +8857,20 @@
     </p:spTree>
     <p:extLst>
       <p:ext uri="{BB962C8B-B14F-4D97-AF65-F5344CB8AC3E}">
-        <p14:creationId xmlns:p14="http://schemas.microsoft.com/office/powerpoint/2010/main" val="2591710189"/>
+        <p14:creationId xmlns:p14="http://schemas.microsoft.com/office/powerpoint/2010/main" val="386262031"/>
       </p:ext>
     </p:extLst>
   </p:cSld>
   <p:clrMapOvr>
     <a:masterClrMapping/>
   </p:clrMapOvr>
-  <mc:AlternateContent xmlns:mc="http://schemas.openxmlformats.org/markup-compatibility/2006" xmlns:p14="http://schemas.microsoft.com/office/powerpoint/2010/main">
-    <mc:Choice Requires="p14">
+  <mc:AlternateContent xmlns:mc="http://schemas.openxmlformats.org/markup-compatibility/2006">
+    <mc:Choice xmlns:p14="http://schemas.microsoft.com/office/powerpoint/2010/main" Requires="p14">
       <p:transition spd="med" p14:dur="700">
         <p:fade/>
       </p:transition>
     </mc:Choice>
-    <mc:Fallback xmlns="">
+    <mc:Fallback>
       <p:transition spd="med">
         <p:fade/>
       </p:transition>
@@ -7050,7 +8901,7 @@
           <p:cNvPr id="2" name="Title 1">
             <a:extLst>
               <a:ext uri="{FF2B5EF4-FFF2-40B4-BE49-F238E27FC236}">
-                <a16:creationId xmlns:a16="http://schemas.microsoft.com/office/drawing/2014/main" id="{C904242B-6A00-840E-B740-AF774A6ED7FD}"/>
+                <a16:creationId xmlns:a16="http://schemas.microsoft.com/office/drawing/2014/main" id="{44494EC7-F30B-8DC7-C850-17BD8175BCBA}"/>
               </a:ext>
             </a:extLst>
           </p:cNvPr>
@@ -7068,88 +8919,365 @@
           <a:p>
             <a:r>
               <a:rPr lang="en-US" dirty="0"/>
-              <a:t>Once the Java is created...</a:t>
-            </a:r>
-          </a:p>
-        </p:txBody>
-      </p:sp>
-      <p:sp>
-        <p:nvSpPr>
-          <p:cNvPr id="3" name="Content Placeholder 2">
+              <a:t>The anatomy of a Spring Boot application</a:t>
+            </a:r>
+          </a:p>
+        </p:txBody>
+      </p:sp>
+      <p:sp>
+        <p:nvSpPr>
+          <p:cNvPr id="4" name="Rectangle: Rounded Corners 3">
             <a:extLst>
               <a:ext uri="{FF2B5EF4-FFF2-40B4-BE49-F238E27FC236}">
-                <a16:creationId xmlns:a16="http://schemas.microsoft.com/office/drawing/2014/main" id="{6DFD14A4-F347-D84C-1E86-A1578F269208}"/>
+                <a16:creationId xmlns:a16="http://schemas.microsoft.com/office/drawing/2014/main" id="{491B52E6-96B2-56CE-BED1-108813277112}"/>
               </a:ext>
             </a:extLst>
           </p:cNvPr>
-          <p:cNvSpPr>
-            <a:spLocks noGrp="1"/>
-          </p:cNvSpPr>
-          <p:nvPr>
-            <p:ph idx="1"/>
-          </p:nvPr>
+          <p:cNvSpPr/>
+          <p:nvPr/>
         </p:nvSpPr>
         <p:spPr>
           <a:xfrm>
-            <a:off x="838200" y="1825625"/>
-            <a:ext cx="9942576" cy="4351338"/>
+            <a:off x="3336273" y="1805367"/>
+            <a:ext cx="1952786" cy="1325563"/>
           </a:xfrm>
+          <a:prstGeom prst="roundRect">
+            <a:avLst/>
+          </a:prstGeom>
         </p:spPr>
-        <p:txBody>
-          <a:bodyPr/>
+        <p:style>
+          <a:lnRef idx="3">
+            <a:schemeClr val="lt1"/>
+          </a:lnRef>
+          <a:fillRef idx="1">
+            <a:schemeClr val="accent5"/>
+          </a:fillRef>
+          <a:effectRef idx="1">
+            <a:schemeClr val="accent5"/>
+          </a:effectRef>
+          <a:fontRef idx="minor">
+            <a:schemeClr val="lt1"/>
+          </a:fontRef>
+        </p:style>
+        <p:txBody>
+          <a:bodyPr rtlCol="0" anchor="ctr"/>
           <a:lstStyle/>
           <a:p>
-            <a:pPr>
-              <a:spcBef>
-                <a:spcPts val="1800"/>
-              </a:spcBef>
-            </a:pPr>
+            <a:pPr algn="ctr"/>
             <a:r>
               <a:rPr lang="en-US" dirty="0"/>
-              <a:t>Use a </a:t>
-            </a:r>
-            <a:r>
-              <a:rPr lang="en-US" dirty="0">
-                <a:solidFill>
-                  <a:srgbClr val="00B050"/>
-                </a:solidFill>
-              </a:rPr>
-              <a:t>REST</a:t>
-            </a:r>
+              <a:t>Controller (class)</a:t>
+            </a:r>
+          </a:p>
+        </p:txBody>
+      </p:sp>
+      <p:sp>
+        <p:nvSpPr>
+          <p:cNvPr id="5" name="Rectangle: Rounded Corners 4">
+            <a:extLst>
+              <a:ext uri="{FF2B5EF4-FFF2-40B4-BE49-F238E27FC236}">
+                <a16:creationId xmlns:a16="http://schemas.microsoft.com/office/drawing/2014/main" id="{DF7FCA01-0565-E101-4C13-916E59967BBD}"/>
+              </a:ext>
+            </a:extLst>
+          </p:cNvPr>
+          <p:cNvSpPr/>
+          <p:nvPr/>
+        </p:nvSpPr>
+        <p:spPr>
+          <a:xfrm>
+            <a:off x="3336273" y="3540263"/>
+            <a:ext cx="1952786" cy="1325563"/>
+          </a:xfrm>
+          <a:prstGeom prst="roundRect">
+            <a:avLst/>
+          </a:prstGeom>
+        </p:spPr>
+        <p:style>
+          <a:lnRef idx="2">
+            <a:schemeClr val="accent2">
+              <a:shade val="50000"/>
+            </a:schemeClr>
+          </a:lnRef>
+          <a:fillRef idx="1">
+            <a:schemeClr val="accent2"/>
+          </a:fillRef>
+          <a:effectRef idx="0">
+            <a:schemeClr val="accent2"/>
+          </a:effectRef>
+          <a:fontRef idx="minor">
+            <a:schemeClr val="lt1"/>
+          </a:fontRef>
+        </p:style>
+        <p:txBody>
+          <a:bodyPr rtlCol="0" anchor="ctr"/>
+          <a:lstStyle/>
+          <a:p>
+            <a:pPr algn="ctr"/>
             <a:r>
               <a:rPr lang="en-US" dirty="0"/>
-              <a:t> client to send JSON to the running application</a:t>
-            </a:r>
-          </a:p>
-          <a:p>
-            <a:pPr>
-              <a:spcBef>
-                <a:spcPts val="1800"/>
-              </a:spcBef>
-            </a:pPr>
+              <a:t>Service (class)</a:t>
+            </a:r>
+          </a:p>
+        </p:txBody>
+      </p:sp>
+      <p:sp>
+        <p:nvSpPr>
+          <p:cNvPr id="6" name="Rectangle: Rounded Corners 5">
+            <a:extLst>
+              <a:ext uri="{FF2B5EF4-FFF2-40B4-BE49-F238E27FC236}">
+                <a16:creationId xmlns:a16="http://schemas.microsoft.com/office/drawing/2014/main" id="{5FBCE052-2B10-CEB8-2232-53B65F0F5ADF}"/>
+              </a:ext>
+            </a:extLst>
+          </p:cNvPr>
+          <p:cNvSpPr/>
+          <p:nvPr/>
+        </p:nvSpPr>
+        <p:spPr>
+          <a:xfrm>
+            <a:off x="3336273" y="5275159"/>
+            <a:ext cx="1952786" cy="1325563"/>
+          </a:xfrm>
+          <a:prstGeom prst="roundRect">
+            <a:avLst/>
+          </a:prstGeom>
+        </p:spPr>
+        <p:style>
+          <a:lnRef idx="2">
+            <a:schemeClr val="accent6">
+              <a:shade val="50000"/>
+            </a:schemeClr>
+          </a:lnRef>
+          <a:fillRef idx="1">
+            <a:schemeClr val="accent6"/>
+          </a:fillRef>
+          <a:effectRef idx="0">
+            <a:schemeClr val="accent6"/>
+          </a:effectRef>
+          <a:fontRef idx="minor">
+            <a:schemeClr val="lt1"/>
+          </a:fontRef>
+        </p:style>
+        <p:txBody>
+          <a:bodyPr rtlCol="0" anchor="ctr"/>
+          <a:lstStyle/>
+          <a:p>
+            <a:pPr algn="ctr"/>
             <a:r>
               <a:rPr lang="en-US" dirty="0"/>
-              <a:t>We will use Advanced REST Client (</a:t>
-            </a:r>
-            <a:r>
-              <a:rPr lang="en-US" dirty="0">
-                <a:solidFill>
-                  <a:srgbClr val="00B050"/>
-                </a:solidFill>
-              </a:rPr>
-              <a:t>ARC</a:t>
-            </a:r>
+              <a:t>DAO (interface)</a:t>
+            </a:r>
+          </a:p>
+        </p:txBody>
+      </p:sp>
+      <p:sp>
+        <p:nvSpPr>
+          <p:cNvPr id="3" name="TextBox 2">
+            <a:extLst>
+              <a:ext uri="{FF2B5EF4-FFF2-40B4-BE49-F238E27FC236}">
+                <a16:creationId xmlns:a16="http://schemas.microsoft.com/office/drawing/2014/main" id="{ABA455D0-D29D-1777-D4D5-8E89F8078A2C}"/>
+              </a:ext>
+            </a:extLst>
+          </p:cNvPr>
+          <p:cNvSpPr txBox="1"/>
+          <p:nvPr/>
+        </p:nvSpPr>
+        <p:spPr>
+          <a:xfrm>
+            <a:off x="5551715" y="2288080"/>
+            <a:ext cx="2213810" cy="369332"/>
+          </a:xfrm>
+          <a:prstGeom prst="rect">
+            <a:avLst/>
+          </a:prstGeom>
+          <a:noFill/>
+        </p:spPr>
+        <p:txBody>
+          <a:bodyPr wrap="square" rtlCol="0">
+            <a:spAutoFit/>
+          </a:bodyPr>
+          <a:lstStyle/>
+          <a:p>
             <a:r>
               <a:rPr lang="en-US" dirty="0"/>
-              <a:t>) from MuleSoft</a:t>
-            </a:r>
+              <a:t>ParkController.java</a:t>
+            </a:r>
+          </a:p>
+        </p:txBody>
+      </p:sp>
+      <p:sp>
+        <p:nvSpPr>
+          <p:cNvPr id="9" name="TextBox 8">
+            <a:extLst>
+              <a:ext uri="{FF2B5EF4-FFF2-40B4-BE49-F238E27FC236}">
+                <a16:creationId xmlns:a16="http://schemas.microsoft.com/office/drawing/2014/main" id="{E61D4709-9FFE-7409-26CC-C002A693987C}"/>
+              </a:ext>
+            </a:extLst>
+          </p:cNvPr>
+          <p:cNvSpPr txBox="1"/>
+          <p:nvPr/>
+        </p:nvSpPr>
+        <p:spPr>
+          <a:xfrm>
+            <a:off x="5551715" y="4018378"/>
+            <a:ext cx="2213810" cy="369332"/>
+          </a:xfrm>
+          <a:prstGeom prst="rect">
+            <a:avLst/>
+          </a:prstGeom>
+          <a:noFill/>
+        </p:spPr>
+        <p:txBody>
+          <a:bodyPr wrap="square" rtlCol="0">
+            <a:spAutoFit/>
+          </a:bodyPr>
+          <a:lstStyle/>
+          <a:p>
+            <a:r>
+              <a:rPr lang="en-US" dirty="0"/>
+              <a:t>ParkService.java</a:t>
+            </a:r>
+          </a:p>
+        </p:txBody>
+      </p:sp>
+      <p:sp>
+        <p:nvSpPr>
+          <p:cNvPr id="10" name="TextBox 9">
+            <a:extLst>
+              <a:ext uri="{FF2B5EF4-FFF2-40B4-BE49-F238E27FC236}">
+                <a16:creationId xmlns:a16="http://schemas.microsoft.com/office/drawing/2014/main" id="{15975BF2-97EE-D965-BB86-635F943BCFAC}"/>
+              </a:ext>
+            </a:extLst>
+          </p:cNvPr>
+          <p:cNvSpPr txBox="1"/>
+          <p:nvPr/>
+        </p:nvSpPr>
+        <p:spPr>
+          <a:xfrm>
+            <a:off x="5551715" y="5748676"/>
+            <a:ext cx="2213810" cy="369332"/>
+          </a:xfrm>
+          <a:prstGeom prst="rect">
+            <a:avLst/>
+          </a:prstGeom>
+          <a:noFill/>
+        </p:spPr>
+        <p:txBody>
+          <a:bodyPr wrap="square" rtlCol="0">
+            <a:spAutoFit/>
+          </a:bodyPr>
+          <a:lstStyle/>
+          <a:p>
+            <a:r>
+              <a:rPr lang="en-US" dirty="0"/>
+              <a:t>ContributorDao.java</a:t>
+            </a:r>
+          </a:p>
+        </p:txBody>
+      </p:sp>
+      <p:sp>
+        <p:nvSpPr>
+          <p:cNvPr id="11" name="Arrow: Curved Right 10">
+            <a:extLst>
+              <a:ext uri="{FF2B5EF4-FFF2-40B4-BE49-F238E27FC236}">
+                <a16:creationId xmlns:a16="http://schemas.microsoft.com/office/drawing/2014/main" id="{3FD73245-E476-F748-3D21-4F7A7B7C3A7A}"/>
+              </a:ext>
+            </a:extLst>
+          </p:cNvPr>
+          <p:cNvSpPr/>
+          <p:nvPr/>
+        </p:nvSpPr>
+        <p:spPr>
+          <a:xfrm>
+            <a:off x="2343292" y="2288080"/>
+            <a:ext cx="978568" cy="1730298"/>
+          </a:xfrm>
+          <a:prstGeom prst="curvedRightArrow">
+            <a:avLst/>
+          </a:prstGeom>
+        </p:spPr>
+        <p:style>
+          <a:lnRef idx="2">
+            <a:schemeClr val="accent5">
+              <a:shade val="50000"/>
+            </a:schemeClr>
+          </a:lnRef>
+          <a:fillRef idx="1">
+            <a:schemeClr val="accent5"/>
+          </a:fillRef>
+          <a:effectRef idx="0">
+            <a:schemeClr val="accent5"/>
+          </a:effectRef>
+          <a:fontRef idx="minor">
+            <a:schemeClr val="lt1"/>
+          </a:fontRef>
+        </p:style>
+        <p:txBody>
+          <a:bodyPr rtlCol="0" anchor="ctr"/>
+          <a:lstStyle/>
+          <a:p>
+            <a:pPr algn="ctr"/>
+            <a:endParaRPr lang="en-US">
+              <a:solidFill>
+                <a:schemeClr val="tx1"/>
+              </a:solidFill>
+            </a:endParaRPr>
+          </a:p>
+        </p:txBody>
+      </p:sp>
+      <p:sp>
+        <p:nvSpPr>
+          <p:cNvPr id="12" name="Arrow: Curved Right 11">
+            <a:extLst>
+              <a:ext uri="{FF2B5EF4-FFF2-40B4-BE49-F238E27FC236}">
+                <a16:creationId xmlns:a16="http://schemas.microsoft.com/office/drawing/2014/main" id="{DEA76726-355F-B74B-025A-86B8454652C5}"/>
+              </a:ext>
+            </a:extLst>
+          </p:cNvPr>
+          <p:cNvSpPr/>
+          <p:nvPr/>
+        </p:nvSpPr>
+        <p:spPr>
+          <a:xfrm>
+            <a:off x="2327250" y="4414892"/>
+            <a:ext cx="978568" cy="1730298"/>
+          </a:xfrm>
+          <a:prstGeom prst="curvedRightArrow">
+            <a:avLst/>
+          </a:prstGeom>
+        </p:spPr>
+        <p:style>
+          <a:lnRef idx="2">
+            <a:schemeClr val="accent2">
+              <a:shade val="50000"/>
+            </a:schemeClr>
+          </a:lnRef>
+          <a:fillRef idx="1">
+            <a:schemeClr val="accent2"/>
+          </a:fillRef>
+          <a:effectRef idx="0">
+            <a:schemeClr val="accent2"/>
+          </a:effectRef>
+          <a:fontRef idx="minor">
+            <a:schemeClr val="lt1"/>
+          </a:fontRef>
+        </p:style>
+        <p:txBody>
+          <a:bodyPr rtlCol="0" anchor="ctr"/>
+          <a:lstStyle/>
+          <a:p>
+            <a:pPr algn="ctr"/>
+            <a:endParaRPr lang="en-US">
+              <a:solidFill>
+                <a:schemeClr val="tx1"/>
+              </a:solidFill>
+            </a:endParaRPr>
           </a:p>
         </p:txBody>
       </p:sp>
     </p:spTree>
     <p:extLst>
       <p:ext uri="{BB962C8B-B14F-4D97-AF65-F5344CB8AC3E}">
-        <p14:creationId xmlns:p14="http://schemas.microsoft.com/office/powerpoint/2010/main" val="2000363218"/>
+        <p14:creationId xmlns:p14="http://schemas.microsoft.com/office/powerpoint/2010/main" val="2591710189"/>
       </p:ext>
     </p:extLst>
   </p:cSld>
@@ -7193,7 +9321,7 @@
           <p:cNvPr id="2" name="Title 1">
             <a:extLst>
               <a:ext uri="{FF2B5EF4-FFF2-40B4-BE49-F238E27FC236}">
-                <a16:creationId xmlns:a16="http://schemas.microsoft.com/office/drawing/2014/main" id="{F03B0BAD-1154-06C0-6CEC-C50EB492D6F6}"/>
+                <a16:creationId xmlns:a16="http://schemas.microsoft.com/office/drawing/2014/main" id="{C904242B-6A00-840E-B740-AF774A6ED7FD}"/>
               </a:ext>
             </a:extLst>
           </p:cNvPr>
@@ -7204,19 +9332,14 @@
             <p:ph type="title"/>
           </p:nvPr>
         </p:nvSpPr>
-        <p:spPr>
-          <a:xfrm>
-            <a:off x="838200" y="365126"/>
-            <a:ext cx="10515600" cy="860692"/>
-          </a:xfrm>
-        </p:spPr>
+        <p:spPr/>
         <p:txBody>
           <a:bodyPr/>
           <a:lstStyle/>
           <a:p>
             <a:r>
               <a:rPr lang="en-US" dirty="0"/>
-              <a:t>JSON vs. Java</a:t>
+              <a:t>Once the Java is created...</a:t>
             </a:r>
           </a:p>
         </p:txBody>
@@ -7226,7 +9349,7 @@
           <p:cNvPr id="3" name="Content Placeholder 2">
             <a:extLst>
               <a:ext uri="{FF2B5EF4-FFF2-40B4-BE49-F238E27FC236}">
-                <a16:creationId xmlns:a16="http://schemas.microsoft.com/office/drawing/2014/main" id="{238DB492-CA5D-B165-F469-7C7C485E8328}"/>
+                <a16:creationId xmlns:a16="http://schemas.microsoft.com/office/drawing/2014/main" id="{6DFD14A4-F347-D84C-1E86-A1578F269208}"/>
               </a:ext>
             </a:extLst>
           </p:cNvPr>
@@ -7239,1071 +9362,57 @@
         </p:nvSpPr>
         <p:spPr>
           <a:xfrm>
-            <a:off x="838200" y="1457481"/>
-            <a:ext cx="6380747" cy="484438"/>
+            <a:off x="838200" y="1825625"/>
+            <a:ext cx="9942576" cy="4351338"/>
           </a:xfrm>
         </p:spPr>
         <p:txBody>
           <a:bodyPr/>
           <a:lstStyle/>
           <a:p>
-            <a:pPr marL="0" indent="0">
-              <a:buNone/>
+            <a:pPr>
+              <a:spcBef>
+                <a:spcPts val="1800"/>
+              </a:spcBef>
             </a:pPr>
             <a:r>
               <a:rPr lang="en-US" dirty="0"/>
-              <a:t>Must look </a:t>
+              <a:t>Use a </a:t>
             </a:r>
             <a:r>
               <a:rPr lang="en-US" dirty="0">
                 <a:solidFill>
-                  <a:srgbClr val="00B0F0"/>
+                  <a:srgbClr val="00B050"/>
                 </a:solidFill>
               </a:rPr>
-              <a:t>exactly</a:t>
+              <a:t>REST</a:t>
             </a:r>
             <a:r>
               <a:rPr lang="en-US" dirty="0"/>
-              <a:t> like the receiving class</a:t>
-            </a:r>
-          </a:p>
-        </p:txBody>
-      </p:sp>
-      <p:sp>
-        <p:nvSpPr>
-          <p:cNvPr id="4" name="Content Placeholder 2">
-            <a:extLst>
-              <a:ext uri="{FF2B5EF4-FFF2-40B4-BE49-F238E27FC236}">
-                <a16:creationId xmlns:a16="http://schemas.microsoft.com/office/drawing/2014/main" id="{213EF9FE-5C12-0ED2-29C8-1C3C841DD1FC}"/>
-              </a:ext>
-            </a:extLst>
-          </p:cNvPr>
-          <p:cNvSpPr txBox="1">
-            <a:spLocks/>
-          </p:cNvSpPr>
-          <p:nvPr/>
-        </p:nvSpPr>
-        <p:spPr>
-          <a:xfrm>
-            <a:off x="838200" y="2659693"/>
-            <a:ext cx="6380747" cy="1280129"/>
-          </a:xfrm>
-          <a:prstGeom prst="rect">
-            <a:avLst/>
-          </a:prstGeom>
-        </p:spPr>
-        <p:txBody>
-          <a:bodyPr vert="horz" lIns="91440" tIns="45720" rIns="91440" bIns="45720" rtlCol="0">
-            <a:normAutofit/>
-          </a:bodyPr>
-          <a:lstStyle>
-            <a:lvl1pPr marL="228600" indent="-228600" algn="l" defTabSz="914400" rtl="0" eaLnBrk="1" latinLnBrk="0" hangingPunct="1">
-              <a:lnSpc>
-                <a:spcPct val="90000"/>
-              </a:lnSpc>
-              <a:spcBef>
-                <a:spcPts val="1000"/>
-              </a:spcBef>
-              <a:buFont typeface="Arial" panose="020B0604020202020204" pitchFamily="34" charset="0"/>
-              <a:buChar char="•"/>
-              <a:defRPr sz="2800" kern="1200">
-                <a:solidFill>
-                  <a:schemeClr val="tx1"/>
-                </a:solidFill>
-                <a:latin typeface="+mn-lt"/>
-                <a:ea typeface="+mn-ea"/>
-                <a:cs typeface="+mn-cs"/>
-              </a:defRPr>
-            </a:lvl1pPr>
-            <a:lvl2pPr marL="685800" indent="-228600" algn="l" defTabSz="914400" rtl="0" eaLnBrk="1" latinLnBrk="0" hangingPunct="1">
-              <a:lnSpc>
-                <a:spcPct val="90000"/>
-              </a:lnSpc>
-              <a:spcBef>
-                <a:spcPts val="500"/>
-              </a:spcBef>
-              <a:buFont typeface="Arial" panose="020B0604020202020204" pitchFamily="34" charset="0"/>
-              <a:buChar char="•"/>
-              <a:defRPr sz="2400" kern="1200">
-                <a:solidFill>
-                  <a:schemeClr val="tx1"/>
-                </a:solidFill>
-                <a:latin typeface="+mn-lt"/>
-                <a:ea typeface="+mn-ea"/>
-                <a:cs typeface="+mn-cs"/>
-              </a:defRPr>
-            </a:lvl2pPr>
-            <a:lvl3pPr marL="1143000" indent="-228600" algn="l" defTabSz="914400" rtl="0" eaLnBrk="1" latinLnBrk="0" hangingPunct="1">
-              <a:lnSpc>
-                <a:spcPct val="90000"/>
-              </a:lnSpc>
-              <a:spcBef>
-                <a:spcPts val="500"/>
-              </a:spcBef>
-              <a:buFont typeface="Arial" panose="020B0604020202020204" pitchFamily="34" charset="0"/>
-              <a:buChar char="•"/>
-              <a:defRPr sz="2000" kern="1200">
-                <a:solidFill>
-                  <a:schemeClr val="tx1"/>
-                </a:solidFill>
-                <a:latin typeface="+mn-lt"/>
-                <a:ea typeface="+mn-ea"/>
-                <a:cs typeface="+mn-cs"/>
-              </a:defRPr>
-            </a:lvl3pPr>
-            <a:lvl4pPr marL="1600200" indent="-228600" algn="l" defTabSz="914400" rtl="0" eaLnBrk="1" latinLnBrk="0" hangingPunct="1">
-              <a:lnSpc>
-                <a:spcPct val="90000"/>
-              </a:lnSpc>
-              <a:spcBef>
-                <a:spcPts val="500"/>
-              </a:spcBef>
-              <a:buFont typeface="Arial" panose="020B0604020202020204" pitchFamily="34" charset="0"/>
-              <a:buChar char="•"/>
-              <a:defRPr sz="1800" kern="1200">
-                <a:solidFill>
-                  <a:schemeClr val="tx1"/>
-                </a:solidFill>
-                <a:latin typeface="+mn-lt"/>
-                <a:ea typeface="+mn-ea"/>
-                <a:cs typeface="+mn-cs"/>
-              </a:defRPr>
-            </a:lvl4pPr>
-            <a:lvl5pPr marL="2057400" indent="-228600" algn="l" defTabSz="914400" rtl="0" eaLnBrk="1" latinLnBrk="0" hangingPunct="1">
-              <a:lnSpc>
-                <a:spcPct val="90000"/>
-              </a:lnSpc>
-              <a:spcBef>
-                <a:spcPts val="500"/>
-              </a:spcBef>
-              <a:buFont typeface="Arial" panose="020B0604020202020204" pitchFamily="34" charset="0"/>
-              <a:buChar char="•"/>
-              <a:defRPr sz="1800" kern="1200">
-                <a:solidFill>
-                  <a:schemeClr val="tx1"/>
-                </a:solidFill>
-                <a:latin typeface="+mn-lt"/>
-                <a:ea typeface="+mn-ea"/>
-                <a:cs typeface="+mn-cs"/>
-              </a:defRPr>
-            </a:lvl5pPr>
-            <a:lvl6pPr marL="2514600" indent="-228600" algn="l" defTabSz="914400" rtl="0" eaLnBrk="1" latinLnBrk="0" hangingPunct="1">
-              <a:lnSpc>
-                <a:spcPct val="90000"/>
-              </a:lnSpc>
-              <a:spcBef>
-                <a:spcPts val="500"/>
-              </a:spcBef>
-              <a:buFont typeface="Arial" panose="020B0604020202020204" pitchFamily="34" charset="0"/>
-              <a:buChar char="•"/>
-              <a:defRPr sz="1800" kern="1200">
-                <a:solidFill>
-                  <a:schemeClr val="tx1"/>
-                </a:solidFill>
-                <a:latin typeface="+mn-lt"/>
-                <a:ea typeface="+mn-ea"/>
-                <a:cs typeface="+mn-cs"/>
-              </a:defRPr>
-            </a:lvl6pPr>
-            <a:lvl7pPr marL="2971800" indent="-228600" algn="l" defTabSz="914400" rtl="0" eaLnBrk="1" latinLnBrk="0" hangingPunct="1">
-              <a:lnSpc>
-                <a:spcPct val="90000"/>
-              </a:lnSpc>
-              <a:spcBef>
-                <a:spcPts val="500"/>
-              </a:spcBef>
-              <a:buFont typeface="Arial" panose="020B0604020202020204" pitchFamily="34" charset="0"/>
-              <a:buChar char="•"/>
-              <a:defRPr sz="1800" kern="1200">
-                <a:solidFill>
-                  <a:schemeClr val="tx1"/>
-                </a:solidFill>
-                <a:latin typeface="+mn-lt"/>
-                <a:ea typeface="+mn-ea"/>
-                <a:cs typeface="+mn-cs"/>
-              </a:defRPr>
-            </a:lvl7pPr>
-            <a:lvl8pPr marL="3429000" indent="-228600" algn="l" defTabSz="914400" rtl="0" eaLnBrk="1" latinLnBrk="0" hangingPunct="1">
-              <a:lnSpc>
-                <a:spcPct val="90000"/>
-              </a:lnSpc>
-              <a:spcBef>
-                <a:spcPts val="500"/>
-              </a:spcBef>
-              <a:buFont typeface="Arial" panose="020B0604020202020204" pitchFamily="34" charset="0"/>
-              <a:buChar char="•"/>
-              <a:defRPr sz="1800" kern="1200">
-                <a:solidFill>
-                  <a:schemeClr val="tx1"/>
-                </a:solidFill>
-                <a:latin typeface="+mn-lt"/>
-                <a:ea typeface="+mn-ea"/>
-                <a:cs typeface="+mn-cs"/>
-              </a:defRPr>
-            </a:lvl8pPr>
-            <a:lvl9pPr marL="3886200" indent="-228600" algn="l" defTabSz="914400" rtl="0" eaLnBrk="1" latinLnBrk="0" hangingPunct="1">
-              <a:lnSpc>
-                <a:spcPct val="90000"/>
-              </a:lnSpc>
-              <a:spcBef>
-                <a:spcPts val="500"/>
-              </a:spcBef>
-              <a:buFont typeface="Arial" panose="020B0604020202020204" pitchFamily="34" charset="0"/>
-              <a:buChar char="•"/>
-              <a:defRPr sz="1800" kern="1200">
-                <a:solidFill>
-                  <a:schemeClr val="tx1"/>
-                </a:solidFill>
-                <a:latin typeface="+mn-lt"/>
-                <a:ea typeface="+mn-ea"/>
-                <a:cs typeface="+mn-cs"/>
-              </a:defRPr>
-            </a:lvl9pPr>
-          </a:lstStyle>
-          <a:p>
-            <a:pPr marL="0" indent="0" algn="l">
-              <a:spcBef>
-                <a:spcPts val="0"/>
-              </a:spcBef>
-              <a:buNone/>
+              <a:t> client to send JSON to the running application</a:t>
+            </a:r>
+          </a:p>
+          <a:p>
+            <a:pPr>
+              <a:spcBef>
+                <a:spcPts val="1800"/>
+              </a:spcBef>
             </a:pPr>
             <a:r>
-              <a:rPr lang="en-US" sz="1800" dirty="0">
-                <a:latin typeface="Courier New" panose="02070309020205020404" pitchFamily="49" charset="0"/>
+              <a:rPr lang="en-US" dirty="0"/>
+              <a:t>We will use Advanced REST Client (</a:t>
+            </a:r>
+            <a:r>
+              <a:rPr lang="en-US" dirty="0">
+                <a:solidFill>
+                  <a:srgbClr val="00B050"/>
+                </a:solidFill>
               </a:rPr>
-              <a:t>{</a:t>
-            </a:r>
-          </a:p>
-          <a:p>
-            <a:pPr marL="0" indent="0" algn="l">
-              <a:spcBef>
-                <a:spcPts val="0"/>
-              </a:spcBef>
-              <a:buNone/>
-            </a:pPr>
-            <a:r>
-              <a:rPr lang="en-US" sz="1800" dirty="0">
-                <a:latin typeface="Courier New" panose="02070309020205020404" pitchFamily="49" charset="0"/>
-              </a:rPr>
-              <a:t>  "</a:t>
-            </a:r>
-            <a:r>
-              <a:rPr lang="en-US" sz="1800" dirty="0" err="1">
-                <a:solidFill>
-                  <a:srgbClr val="FFC000"/>
-                </a:solidFill>
-                <a:latin typeface="Courier New" panose="02070309020205020404" pitchFamily="49" charset="0"/>
-              </a:rPr>
-              <a:t>contributorName</a:t>
-            </a:r>
-            <a:r>
-              <a:rPr lang="en-US" sz="1800" dirty="0">
-                <a:latin typeface="Courier New" panose="02070309020205020404" pitchFamily="49" charset="0"/>
-              </a:rPr>
-              <a:t>": "Sandy </a:t>
-            </a:r>
-            <a:r>
-              <a:rPr lang="en-US" sz="1800" dirty="0" err="1">
-                <a:latin typeface="Courier New" panose="02070309020205020404" pitchFamily="49" charset="0"/>
-              </a:rPr>
-              <a:t>Blotts</a:t>
-            </a:r>
-            <a:r>
-              <a:rPr lang="en-US" sz="1800" dirty="0">
-                <a:latin typeface="Courier New" panose="02070309020205020404" pitchFamily="49" charset="0"/>
-              </a:rPr>
-              <a:t>",</a:t>
-            </a:r>
-          </a:p>
-          <a:p>
-            <a:pPr marL="0" indent="0" algn="l">
-              <a:spcBef>
-                <a:spcPts val="0"/>
-              </a:spcBef>
-              <a:buNone/>
-            </a:pPr>
-            <a:r>
-              <a:rPr lang="en-US" sz="1800" dirty="0">
-                <a:latin typeface="Courier New" panose="02070309020205020404" pitchFamily="49" charset="0"/>
-              </a:rPr>
-              <a:t>  "</a:t>
-            </a:r>
-            <a:r>
-              <a:rPr lang="en-US" sz="1800" dirty="0" err="1">
-                <a:solidFill>
-                  <a:srgbClr val="FFFF00"/>
-                </a:solidFill>
-                <a:latin typeface="Courier New" panose="02070309020205020404" pitchFamily="49" charset="0"/>
-              </a:rPr>
-              <a:t>contributorEmail</a:t>
-            </a:r>
-            <a:r>
-              <a:rPr lang="en-US" sz="1800" dirty="0">
-                <a:latin typeface="Courier New" panose="02070309020205020404" pitchFamily="49" charset="0"/>
-              </a:rPr>
-              <a:t>": "sandy@blotts.r.us"</a:t>
-            </a:r>
-          </a:p>
-          <a:p>
-            <a:pPr marL="0" indent="0" algn="l">
-              <a:spcBef>
-                <a:spcPts val="0"/>
-              </a:spcBef>
-              <a:buNone/>
-            </a:pPr>
-            <a:r>
-              <a:rPr lang="en-US" sz="1800" dirty="0">
-                <a:latin typeface="Courier New" panose="02070309020205020404" pitchFamily="49" charset="0"/>
-              </a:rPr>
-              <a:t>}</a:t>
-            </a:r>
-            <a:endParaRPr lang="en-US" dirty="0">
-              <a:latin typeface="Courier New" panose="02070309020205020404" pitchFamily="49" charset="0"/>
-              <a:cs typeface="Courier New" panose="02070309020205020404" pitchFamily="49" charset="0"/>
-            </a:endParaRPr>
-          </a:p>
-        </p:txBody>
-      </p:sp>
-      <p:sp>
-        <p:nvSpPr>
-          <p:cNvPr id="5" name="Content Placeholder 2">
-            <a:extLst>
-              <a:ext uri="{FF2B5EF4-FFF2-40B4-BE49-F238E27FC236}">
-                <a16:creationId xmlns:a16="http://schemas.microsoft.com/office/drawing/2014/main" id="{785F58F2-0B12-CF13-3642-3335D796C8CB}"/>
-              </a:ext>
-            </a:extLst>
-          </p:cNvPr>
-          <p:cNvSpPr txBox="1">
-            <a:spLocks/>
-          </p:cNvSpPr>
-          <p:nvPr/>
-        </p:nvSpPr>
-        <p:spPr>
-          <a:xfrm>
-            <a:off x="838200" y="2173583"/>
-            <a:ext cx="1263555" cy="484438"/>
-          </a:xfrm>
-          <a:prstGeom prst="rect">
-            <a:avLst/>
-          </a:prstGeom>
-        </p:spPr>
-        <p:txBody>
-          <a:bodyPr vert="horz" lIns="91440" tIns="45720" rIns="91440" bIns="45720" rtlCol="0">
-            <a:normAutofit/>
-          </a:bodyPr>
-          <a:lstStyle>
-            <a:lvl1pPr marL="228600" indent="-228600" algn="l" defTabSz="914400" rtl="0" eaLnBrk="1" latinLnBrk="0" hangingPunct="1">
-              <a:lnSpc>
-                <a:spcPct val="90000"/>
-              </a:lnSpc>
-              <a:spcBef>
-                <a:spcPts val="1000"/>
-              </a:spcBef>
-              <a:buFont typeface="Arial" panose="020B0604020202020204" pitchFamily="34" charset="0"/>
-              <a:buChar char="•"/>
-              <a:defRPr sz="2800" kern="1200">
-                <a:solidFill>
-                  <a:schemeClr val="tx1"/>
-                </a:solidFill>
-                <a:latin typeface="+mn-lt"/>
-                <a:ea typeface="+mn-ea"/>
-                <a:cs typeface="+mn-cs"/>
-              </a:defRPr>
-            </a:lvl1pPr>
-            <a:lvl2pPr marL="685800" indent="-228600" algn="l" defTabSz="914400" rtl="0" eaLnBrk="1" latinLnBrk="0" hangingPunct="1">
-              <a:lnSpc>
-                <a:spcPct val="90000"/>
-              </a:lnSpc>
-              <a:spcBef>
-                <a:spcPts val="500"/>
-              </a:spcBef>
-              <a:buFont typeface="Arial" panose="020B0604020202020204" pitchFamily="34" charset="0"/>
-              <a:buChar char="•"/>
-              <a:defRPr sz="2400" kern="1200">
-                <a:solidFill>
-                  <a:schemeClr val="tx1"/>
-                </a:solidFill>
-                <a:latin typeface="+mn-lt"/>
-                <a:ea typeface="+mn-ea"/>
-                <a:cs typeface="+mn-cs"/>
-              </a:defRPr>
-            </a:lvl2pPr>
-            <a:lvl3pPr marL="1143000" indent="-228600" algn="l" defTabSz="914400" rtl="0" eaLnBrk="1" latinLnBrk="0" hangingPunct="1">
-              <a:lnSpc>
-                <a:spcPct val="90000"/>
-              </a:lnSpc>
-              <a:spcBef>
-                <a:spcPts val="500"/>
-              </a:spcBef>
-              <a:buFont typeface="Arial" panose="020B0604020202020204" pitchFamily="34" charset="0"/>
-              <a:buChar char="•"/>
-              <a:defRPr sz="2000" kern="1200">
-                <a:solidFill>
-                  <a:schemeClr val="tx1"/>
-                </a:solidFill>
-                <a:latin typeface="+mn-lt"/>
-                <a:ea typeface="+mn-ea"/>
-                <a:cs typeface="+mn-cs"/>
-              </a:defRPr>
-            </a:lvl3pPr>
-            <a:lvl4pPr marL="1600200" indent="-228600" algn="l" defTabSz="914400" rtl="0" eaLnBrk="1" latinLnBrk="0" hangingPunct="1">
-              <a:lnSpc>
-                <a:spcPct val="90000"/>
-              </a:lnSpc>
-              <a:spcBef>
-                <a:spcPts val="500"/>
-              </a:spcBef>
-              <a:buFont typeface="Arial" panose="020B0604020202020204" pitchFamily="34" charset="0"/>
-              <a:buChar char="•"/>
-              <a:defRPr sz="1800" kern="1200">
-                <a:solidFill>
-                  <a:schemeClr val="tx1"/>
-                </a:solidFill>
-                <a:latin typeface="+mn-lt"/>
-                <a:ea typeface="+mn-ea"/>
-                <a:cs typeface="+mn-cs"/>
-              </a:defRPr>
-            </a:lvl4pPr>
-            <a:lvl5pPr marL="2057400" indent="-228600" algn="l" defTabSz="914400" rtl="0" eaLnBrk="1" latinLnBrk="0" hangingPunct="1">
-              <a:lnSpc>
-                <a:spcPct val="90000"/>
-              </a:lnSpc>
-              <a:spcBef>
-                <a:spcPts val="500"/>
-              </a:spcBef>
-              <a:buFont typeface="Arial" panose="020B0604020202020204" pitchFamily="34" charset="0"/>
-              <a:buChar char="•"/>
-              <a:defRPr sz="1800" kern="1200">
-                <a:solidFill>
-                  <a:schemeClr val="tx1"/>
-                </a:solidFill>
-                <a:latin typeface="+mn-lt"/>
-                <a:ea typeface="+mn-ea"/>
-                <a:cs typeface="+mn-cs"/>
-              </a:defRPr>
-            </a:lvl5pPr>
-            <a:lvl6pPr marL="2514600" indent="-228600" algn="l" defTabSz="914400" rtl="0" eaLnBrk="1" latinLnBrk="0" hangingPunct="1">
-              <a:lnSpc>
-                <a:spcPct val="90000"/>
-              </a:lnSpc>
-              <a:spcBef>
-                <a:spcPts val="500"/>
-              </a:spcBef>
-              <a:buFont typeface="Arial" panose="020B0604020202020204" pitchFamily="34" charset="0"/>
-              <a:buChar char="•"/>
-              <a:defRPr sz="1800" kern="1200">
-                <a:solidFill>
-                  <a:schemeClr val="tx1"/>
-                </a:solidFill>
-                <a:latin typeface="+mn-lt"/>
-                <a:ea typeface="+mn-ea"/>
-                <a:cs typeface="+mn-cs"/>
-              </a:defRPr>
-            </a:lvl6pPr>
-            <a:lvl7pPr marL="2971800" indent="-228600" algn="l" defTabSz="914400" rtl="0" eaLnBrk="1" latinLnBrk="0" hangingPunct="1">
-              <a:lnSpc>
-                <a:spcPct val="90000"/>
-              </a:lnSpc>
-              <a:spcBef>
-                <a:spcPts val="500"/>
-              </a:spcBef>
-              <a:buFont typeface="Arial" panose="020B0604020202020204" pitchFamily="34" charset="0"/>
-              <a:buChar char="•"/>
-              <a:defRPr sz="1800" kern="1200">
-                <a:solidFill>
-                  <a:schemeClr val="tx1"/>
-                </a:solidFill>
-                <a:latin typeface="+mn-lt"/>
-                <a:ea typeface="+mn-ea"/>
-                <a:cs typeface="+mn-cs"/>
-              </a:defRPr>
-            </a:lvl7pPr>
-            <a:lvl8pPr marL="3429000" indent="-228600" algn="l" defTabSz="914400" rtl="0" eaLnBrk="1" latinLnBrk="0" hangingPunct="1">
-              <a:lnSpc>
-                <a:spcPct val="90000"/>
-              </a:lnSpc>
-              <a:spcBef>
-                <a:spcPts val="500"/>
-              </a:spcBef>
-              <a:buFont typeface="Arial" panose="020B0604020202020204" pitchFamily="34" charset="0"/>
-              <a:buChar char="•"/>
-              <a:defRPr sz="1800" kern="1200">
-                <a:solidFill>
-                  <a:schemeClr val="tx1"/>
-                </a:solidFill>
-                <a:latin typeface="+mn-lt"/>
-                <a:ea typeface="+mn-ea"/>
-                <a:cs typeface="+mn-cs"/>
-              </a:defRPr>
-            </a:lvl8pPr>
-            <a:lvl9pPr marL="3886200" indent="-228600" algn="l" defTabSz="914400" rtl="0" eaLnBrk="1" latinLnBrk="0" hangingPunct="1">
-              <a:lnSpc>
-                <a:spcPct val="90000"/>
-              </a:lnSpc>
-              <a:spcBef>
-                <a:spcPts val="500"/>
-              </a:spcBef>
-              <a:buFont typeface="Arial" panose="020B0604020202020204" pitchFamily="34" charset="0"/>
-              <a:buChar char="•"/>
-              <a:defRPr sz="1800" kern="1200">
-                <a:solidFill>
-                  <a:schemeClr val="tx1"/>
-                </a:solidFill>
-                <a:latin typeface="+mn-lt"/>
-                <a:ea typeface="+mn-ea"/>
-                <a:cs typeface="+mn-cs"/>
-              </a:defRPr>
-            </a:lvl9pPr>
-          </a:lstStyle>
-          <a:p>
-            <a:pPr marL="0" indent="0">
-              <a:buFont typeface="Arial" panose="020B0604020202020204" pitchFamily="34" charset="0"/>
-              <a:buNone/>
-            </a:pPr>
-            <a:r>
-              <a:rPr lang="en-US" dirty="0">
-                <a:solidFill>
-                  <a:srgbClr val="00B050"/>
-                </a:solidFill>
-              </a:rPr>
-              <a:t>JSON</a:t>
+              <a:t>ARC</a:t>
             </a:r>
             <a:r>
               <a:rPr lang="en-US" dirty="0"/>
-              <a:t>:</a:t>
-            </a:r>
-          </a:p>
-        </p:txBody>
-      </p:sp>
-      <p:sp>
-        <p:nvSpPr>
-          <p:cNvPr id="6" name="Content Placeholder 2">
-            <a:extLst>
-              <a:ext uri="{FF2B5EF4-FFF2-40B4-BE49-F238E27FC236}">
-                <a16:creationId xmlns:a16="http://schemas.microsoft.com/office/drawing/2014/main" id="{43A92AC2-3681-11D3-7F94-4A7F8F391705}"/>
-              </a:ext>
-            </a:extLst>
-          </p:cNvPr>
-          <p:cNvSpPr txBox="1">
-            <a:spLocks/>
-          </p:cNvSpPr>
-          <p:nvPr/>
-        </p:nvSpPr>
-        <p:spPr>
-          <a:xfrm>
-            <a:off x="879107" y="4996647"/>
-            <a:ext cx="6380747" cy="1571111"/>
-          </a:xfrm>
-          <a:prstGeom prst="rect">
-            <a:avLst/>
-          </a:prstGeom>
-        </p:spPr>
-        <p:txBody>
-          <a:bodyPr vert="horz" lIns="91440" tIns="45720" rIns="91440" bIns="45720" rtlCol="0">
-            <a:normAutofit/>
-          </a:bodyPr>
-          <a:lstStyle>
-            <a:lvl1pPr marL="228600" indent="-228600" algn="l" defTabSz="914400" rtl="0" eaLnBrk="1" latinLnBrk="0" hangingPunct="1">
-              <a:lnSpc>
-                <a:spcPct val="90000"/>
-              </a:lnSpc>
-              <a:spcBef>
-                <a:spcPts val="1000"/>
-              </a:spcBef>
-              <a:buFont typeface="Arial" panose="020B0604020202020204" pitchFamily="34" charset="0"/>
-              <a:buChar char="•"/>
-              <a:defRPr sz="2800" kern="1200">
-                <a:solidFill>
-                  <a:schemeClr val="tx1"/>
-                </a:solidFill>
-                <a:latin typeface="+mn-lt"/>
-                <a:ea typeface="+mn-ea"/>
-                <a:cs typeface="+mn-cs"/>
-              </a:defRPr>
-            </a:lvl1pPr>
-            <a:lvl2pPr marL="685800" indent="-228600" algn="l" defTabSz="914400" rtl="0" eaLnBrk="1" latinLnBrk="0" hangingPunct="1">
-              <a:lnSpc>
-                <a:spcPct val="90000"/>
-              </a:lnSpc>
-              <a:spcBef>
-                <a:spcPts val="500"/>
-              </a:spcBef>
-              <a:buFont typeface="Arial" panose="020B0604020202020204" pitchFamily="34" charset="0"/>
-              <a:buChar char="•"/>
-              <a:defRPr sz="2400" kern="1200">
-                <a:solidFill>
-                  <a:schemeClr val="tx1"/>
-                </a:solidFill>
-                <a:latin typeface="+mn-lt"/>
-                <a:ea typeface="+mn-ea"/>
-                <a:cs typeface="+mn-cs"/>
-              </a:defRPr>
-            </a:lvl2pPr>
-            <a:lvl3pPr marL="1143000" indent="-228600" algn="l" defTabSz="914400" rtl="0" eaLnBrk="1" latinLnBrk="0" hangingPunct="1">
-              <a:lnSpc>
-                <a:spcPct val="90000"/>
-              </a:lnSpc>
-              <a:spcBef>
-                <a:spcPts val="500"/>
-              </a:spcBef>
-              <a:buFont typeface="Arial" panose="020B0604020202020204" pitchFamily="34" charset="0"/>
-              <a:buChar char="•"/>
-              <a:defRPr sz="2000" kern="1200">
-                <a:solidFill>
-                  <a:schemeClr val="tx1"/>
-                </a:solidFill>
-                <a:latin typeface="+mn-lt"/>
-                <a:ea typeface="+mn-ea"/>
-                <a:cs typeface="+mn-cs"/>
-              </a:defRPr>
-            </a:lvl3pPr>
-            <a:lvl4pPr marL="1600200" indent="-228600" algn="l" defTabSz="914400" rtl="0" eaLnBrk="1" latinLnBrk="0" hangingPunct="1">
-              <a:lnSpc>
-                <a:spcPct val="90000"/>
-              </a:lnSpc>
-              <a:spcBef>
-                <a:spcPts val="500"/>
-              </a:spcBef>
-              <a:buFont typeface="Arial" panose="020B0604020202020204" pitchFamily="34" charset="0"/>
-              <a:buChar char="•"/>
-              <a:defRPr sz="1800" kern="1200">
-                <a:solidFill>
-                  <a:schemeClr val="tx1"/>
-                </a:solidFill>
-                <a:latin typeface="+mn-lt"/>
-                <a:ea typeface="+mn-ea"/>
-                <a:cs typeface="+mn-cs"/>
-              </a:defRPr>
-            </a:lvl4pPr>
-            <a:lvl5pPr marL="2057400" indent="-228600" algn="l" defTabSz="914400" rtl="0" eaLnBrk="1" latinLnBrk="0" hangingPunct="1">
-              <a:lnSpc>
-                <a:spcPct val="90000"/>
-              </a:lnSpc>
-              <a:spcBef>
-                <a:spcPts val="500"/>
-              </a:spcBef>
-              <a:buFont typeface="Arial" panose="020B0604020202020204" pitchFamily="34" charset="0"/>
-              <a:buChar char="•"/>
-              <a:defRPr sz="1800" kern="1200">
-                <a:solidFill>
-                  <a:schemeClr val="tx1"/>
-                </a:solidFill>
-                <a:latin typeface="+mn-lt"/>
-                <a:ea typeface="+mn-ea"/>
-                <a:cs typeface="+mn-cs"/>
-              </a:defRPr>
-            </a:lvl5pPr>
-            <a:lvl6pPr marL="2514600" indent="-228600" algn="l" defTabSz="914400" rtl="0" eaLnBrk="1" latinLnBrk="0" hangingPunct="1">
-              <a:lnSpc>
-                <a:spcPct val="90000"/>
-              </a:lnSpc>
-              <a:spcBef>
-                <a:spcPts val="500"/>
-              </a:spcBef>
-              <a:buFont typeface="Arial" panose="020B0604020202020204" pitchFamily="34" charset="0"/>
-              <a:buChar char="•"/>
-              <a:defRPr sz="1800" kern="1200">
-                <a:solidFill>
-                  <a:schemeClr val="tx1"/>
-                </a:solidFill>
-                <a:latin typeface="+mn-lt"/>
-                <a:ea typeface="+mn-ea"/>
-                <a:cs typeface="+mn-cs"/>
-              </a:defRPr>
-            </a:lvl6pPr>
-            <a:lvl7pPr marL="2971800" indent="-228600" algn="l" defTabSz="914400" rtl="0" eaLnBrk="1" latinLnBrk="0" hangingPunct="1">
-              <a:lnSpc>
-                <a:spcPct val="90000"/>
-              </a:lnSpc>
-              <a:spcBef>
-                <a:spcPts val="500"/>
-              </a:spcBef>
-              <a:buFont typeface="Arial" panose="020B0604020202020204" pitchFamily="34" charset="0"/>
-              <a:buChar char="•"/>
-              <a:defRPr sz="1800" kern="1200">
-                <a:solidFill>
-                  <a:schemeClr val="tx1"/>
-                </a:solidFill>
-                <a:latin typeface="+mn-lt"/>
-                <a:ea typeface="+mn-ea"/>
-                <a:cs typeface="+mn-cs"/>
-              </a:defRPr>
-            </a:lvl7pPr>
-            <a:lvl8pPr marL="3429000" indent="-228600" algn="l" defTabSz="914400" rtl="0" eaLnBrk="1" latinLnBrk="0" hangingPunct="1">
-              <a:lnSpc>
-                <a:spcPct val="90000"/>
-              </a:lnSpc>
-              <a:spcBef>
-                <a:spcPts val="500"/>
-              </a:spcBef>
-              <a:buFont typeface="Arial" panose="020B0604020202020204" pitchFamily="34" charset="0"/>
-              <a:buChar char="•"/>
-              <a:defRPr sz="1800" kern="1200">
-                <a:solidFill>
-                  <a:schemeClr val="tx1"/>
-                </a:solidFill>
-                <a:latin typeface="+mn-lt"/>
-                <a:ea typeface="+mn-ea"/>
-                <a:cs typeface="+mn-cs"/>
-              </a:defRPr>
-            </a:lvl8pPr>
-            <a:lvl9pPr marL="3886200" indent="-228600" algn="l" defTabSz="914400" rtl="0" eaLnBrk="1" latinLnBrk="0" hangingPunct="1">
-              <a:lnSpc>
-                <a:spcPct val="90000"/>
-              </a:lnSpc>
-              <a:spcBef>
-                <a:spcPts val="500"/>
-              </a:spcBef>
-              <a:buFont typeface="Arial" panose="020B0604020202020204" pitchFamily="34" charset="0"/>
-              <a:buChar char="•"/>
-              <a:defRPr sz="1800" kern="1200">
-                <a:solidFill>
-                  <a:schemeClr val="tx1"/>
-                </a:solidFill>
-                <a:latin typeface="+mn-lt"/>
-                <a:ea typeface="+mn-ea"/>
-                <a:cs typeface="+mn-cs"/>
-              </a:defRPr>
-            </a:lvl9pPr>
-          </a:lstStyle>
-          <a:p>
-            <a:pPr marL="0" indent="0" algn="l">
-              <a:spcBef>
-                <a:spcPts val="0"/>
-              </a:spcBef>
-              <a:buNone/>
-            </a:pPr>
-            <a:r>
-              <a:rPr lang="en-US" sz="1800" dirty="0">
-                <a:latin typeface="Courier New" panose="02070309020205020404" pitchFamily="49" charset="0"/>
-              </a:rPr>
-              <a:t>class </a:t>
-            </a:r>
-            <a:r>
-              <a:rPr lang="en-US" sz="1800" dirty="0" err="1">
-                <a:latin typeface="Courier New" panose="02070309020205020404" pitchFamily="49" charset="0"/>
-              </a:rPr>
-              <a:t>ContributorData</a:t>
-            </a:r>
-            <a:r>
-              <a:rPr lang="en-US" sz="1800" dirty="0">
-                <a:latin typeface="Courier New" panose="02070309020205020404" pitchFamily="49" charset="0"/>
-              </a:rPr>
-              <a:t> {</a:t>
-            </a:r>
-          </a:p>
-          <a:p>
-            <a:pPr marL="0" indent="0" algn="l">
-              <a:spcBef>
-                <a:spcPts val="0"/>
-              </a:spcBef>
-              <a:buNone/>
-            </a:pPr>
-            <a:r>
-              <a:rPr lang="en-US" sz="1800" dirty="0">
-                <a:latin typeface="Courier New" panose="02070309020205020404" pitchFamily="49" charset="0"/>
-              </a:rPr>
-              <a:t>  Long </a:t>
-            </a:r>
-            <a:r>
-              <a:rPr lang="en-US" sz="1800" dirty="0" err="1">
-                <a:latin typeface="Courier New" panose="02070309020205020404" pitchFamily="49" charset="0"/>
-              </a:rPr>
-              <a:t>contributorId</a:t>
-            </a:r>
-            <a:r>
-              <a:rPr lang="en-US" sz="1800" dirty="0">
-                <a:latin typeface="Courier New" panose="02070309020205020404" pitchFamily="49" charset="0"/>
-              </a:rPr>
-              <a:t>;</a:t>
-            </a:r>
-          </a:p>
-          <a:p>
-            <a:pPr marL="0" indent="0" algn="l">
-              <a:spcBef>
-                <a:spcPts val="0"/>
-              </a:spcBef>
-              <a:buNone/>
-            </a:pPr>
-            <a:r>
-              <a:rPr lang="en-US" sz="1800" dirty="0">
-                <a:latin typeface="Courier New" panose="02070309020205020404" pitchFamily="49" charset="0"/>
-              </a:rPr>
-              <a:t>  String </a:t>
-            </a:r>
-            <a:r>
-              <a:rPr lang="en-US" sz="1800" dirty="0" err="1">
-                <a:solidFill>
-                  <a:srgbClr val="FFC000"/>
-                </a:solidFill>
-                <a:latin typeface="Courier New" panose="02070309020205020404" pitchFamily="49" charset="0"/>
-              </a:rPr>
-              <a:t>contributorName</a:t>
-            </a:r>
-            <a:r>
-              <a:rPr lang="en-US" sz="1800" dirty="0">
-                <a:latin typeface="Courier New" panose="02070309020205020404" pitchFamily="49" charset="0"/>
-              </a:rPr>
-              <a:t>;</a:t>
-            </a:r>
-          </a:p>
-          <a:p>
-            <a:pPr marL="0" indent="0" algn="l">
-              <a:spcBef>
-                <a:spcPts val="0"/>
-              </a:spcBef>
-              <a:buNone/>
-            </a:pPr>
-            <a:r>
-              <a:rPr lang="en-US" sz="1800" dirty="0">
-                <a:latin typeface="Courier New" panose="02070309020205020404" pitchFamily="49" charset="0"/>
-              </a:rPr>
-              <a:t>  String </a:t>
-            </a:r>
-            <a:r>
-              <a:rPr lang="en-US" sz="1800" dirty="0" err="1">
-                <a:solidFill>
-                  <a:srgbClr val="FFFF00"/>
-                </a:solidFill>
-                <a:latin typeface="Courier New" panose="02070309020205020404" pitchFamily="49" charset="0"/>
-              </a:rPr>
-              <a:t>contributorEmail</a:t>
-            </a:r>
-            <a:r>
-              <a:rPr lang="en-US" sz="1800" dirty="0">
-                <a:latin typeface="Courier New" panose="02070309020205020404" pitchFamily="49" charset="0"/>
-              </a:rPr>
-              <a:t>;</a:t>
-            </a:r>
-          </a:p>
-          <a:p>
-            <a:pPr marL="0" indent="0" algn="l">
-              <a:spcBef>
-                <a:spcPts val="0"/>
-              </a:spcBef>
-              <a:buNone/>
-            </a:pPr>
-            <a:r>
-              <a:rPr lang="en-US" sz="1800" dirty="0">
-                <a:latin typeface="Courier New" panose="02070309020205020404" pitchFamily="49" charset="0"/>
-                <a:cs typeface="Courier New" panose="02070309020205020404" pitchFamily="49" charset="0"/>
-              </a:rPr>
-              <a:t>}</a:t>
-            </a:r>
-            <a:endParaRPr lang="en-US" dirty="0">
-              <a:latin typeface="Courier New" panose="02070309020205020404" pitchFamily="49" charset="0"/>
-              <a:cs typeface="Courier New" panose="02070309020205020404" pitchFamily="49" charset="0"/>
-            </a:endParaRPr>
-          </a:p>
-        </p:txBody>
-      </p:sp>
-      <p:sp>
-        <p:nvSpPr>
-          <p:cNvPr id="7" name="Content Placeholder 2">
-            <a:extLst>
-              <a:ext uri="{FF2B5EF4-FFF2-40B4-BE49-F238E27FC236}">
-                <a16:creationId xmlns:a16="http://schemas.microsoft.com/office/drawing/2014/main" id="{09BDA483-2751-A2F7-AF8F-FEF1577C576F}"/>
-              </a:ext>
-            </a:extLst>
-          </p:cNvPr>
-          <p:cNvSpPr txBox="1">
-            <a:spLocks/>
-          </p:cNvSpPr>
-          <p:nvPr/>
-        </p:nvSpPr>
-        <p:spPr>
-          <a:xfrm>
-            <a:off x="838200" y="4512209"/>
-            <a:ext cx="1263555" cy="484438"/>
-          </a:xfrm>
-          <a:prstGeom prst="rect">
-            <a:avLst/>
-          </a:prstGeom>
-        </p:spPr>
-        <p:txBody>
-          <a:bodyPr vert="horz" lIns="91440" tIns="45720" rIns="91440" bIns="45720" rtlCol="0">
-            <a:normAutofit/>
-          </a:bodyPr>
-          <a:lstStyle>
-            <a:lvl1pPr marL="228600" indent="-228600" algn="l" defTabSz="914400" rtl="0" eaLnBrk="1" latinLnBrk="0" hangingPunct="1">
-              <a:lnSpc>
-                <a:spcPct val="90000"/>
-              </a:lnSpc>
-              <a:spcBef>
-                <a:spcPts val="1000"/>
-              </a:spcBef>
-              <a:buFont typeface="Arial" panose="020B0604020202020204" pitchFamily="34" charset="0"/>
-              <a:buChar char="•"/>
-              <a:defRPr sz="2800" kern="1200">
-                <a:solidFill>
-                  <a:schemeClr val="tx1"/>
-                </a:solidFill>
-                <a:latin typeface="+mn-lt"/>
-                <a:ea typeface="+mn-ea"/>
-                <a:cs typeface="+mn-cs"/>
-              </a:defRPr>
-            </a:lvl1pPr>
-            <a:lvl2pPr marL="685800" indent="-228600" algn="l" defTabSz="914400" rtl="0" eaLnBrk="1" latinLnBrk="0" hangingPunct="1">
-              <a:lnSpc>
-                <a:spcPct val="90000"/>
-              </a:lnSpc>
-              <a:spcBef>
-                <a:spcPts val="500"/>
-              </a:spcBef>
-              <a:buFont typeface="Arial" panose="020B0604020202020204" pitchFamily="34" charset="0"/>
-              <a:buChar char="•"/>
-              <a:defRPr sz="2400" kern="1200">
-                <a:solidFill>
-                  <a:schemeClr val="tx1"/>
-                </a:solidFill>
-                <a:latin typeface="+mn-lt"/>
-                <a:ea typeface="+mn-ea"/>
-                <a:cs typeface="+mn-cs"/>
-              </a:defRPr>
-            </a:lvl2pPr>
-            <a:lvl3pPr marL="1143000" indent="-228600" algn="l" defTabSz="914400" rtl="0" eaLnBrk="1" latinLnBrk="0" hangingPunct="1">
-              <a:lnSpc>
-                <a:spcPct val="90000"/>
-              </a:lnSpc>
-              <a:spcBef>
-                <a:spcPts val="500"/>
-              </a:spcBef>
-              <a:buFont typeface="Arial" panose="020B0604020202020204" pitchFamily="34" charset="0"/>
-              <a:buChar char="•"/>
-              <a:defRPr sz="2000" kern="1200">
-                <a:solidFill>
-                  <a:schemeClr val="tx1"/>
-                </a:solidFill>
-                <a:latin typeface="+mn-lt"/>
-                <a:ea typeface="+mn-ea"/>
-                <a:cs typeface="+mn-cs"/>
-              </a:defRPr>
-            </a:lvl3pPr>
-            <a:lvl4pPr marL="1600200" indent="-228600" algn="l" defTabSz="914400" rtl="0" eaLnBrk="1" latinLnBrk="0" hangingPunct="1">
-              <a:lnSpc>
-                <a:spcPct val="90000"/>
-              </a:lnSpc>
-              <a:spcBef>
-                <a:spcPts val="500"/>
-              </a:spcBef>
-              <a:buFont typeface="Arial" panose="020B0604020202020204" pitchFamily="34" charset="0"/>
-              <a:buChar char="•"/>
-              <a:defRPr sz="1800" kern="1200">
-                <a:solidFill>
-                  <a:schemeClr val="tx1"/>
-                </a:solidFill>
-                <a:latin typeface="+mn-lt"/>
-                <a:ea typeface="+mn-ea"/>
-                <a:cs typeface="+mn-cs"/>
-              </a:defRPr>
-            </a:lvl4pPr>
-            <a:lvl5pPr marL="2057400" indent="-228600" algn="l" defTabSz="914400" rtl="0" eaLnBrk="1" latinLnBrk="0" hangingPunct="1">
-              <a:lnSpc>
-                <a:spcPct val="90000"/>
-              </a:lnSpc>
-              <a:spcBef>
-                <a:spcPts val="500"/>
-              </a:spcBef>
-              <a:buFont typeface="Arial" panose="020B0604020202020204" pitchFamily="34" charset="0"/>
-              <a:buChar char="•"/>
-              <a:defRPr sz="1800" kern="1200">
-                <a:solidFill>
-                  <a:schemeClr val="tx1"/>
-                </a:solidFill>
-                <a:latin typeface="+mn-lt"/>
-                <a:ea typeface="+mn-ea"/>
-                <a:cs typeface="+mn-cs"/>
-              </a:defRPr>
-            </a:lvl5pPr>
-            <a:lvl6pPr marL="2514600" indent="-228600" algn="l" defTabSz="914400" rtl="0" eaLnBrk="1" latinLnBrk="0" hangingPunct="1">
-              <a:lnSpc>
-                <a:spcPct val="90000"/>
-              </a:lnSpc>
-              <a:spcBef>
-                <a:spcPts val="500"/>
-              </a:spcBef>
-              <a:buFont typeface="Arial" panose="020B0604020202020204" pitchFamily="34" charset="0"/>
-              <a:buChar char="•"/>
-              <a:defRPr sz="1800" kern="1200">
-                <a:solidFill>
-                  <a:schemeClr val="tx1"/>
-                </a:solidFill>
-                <a:latin typeface="+mn-lt"/>
-                <a:ea typeface="+mn-ea"/>
-                <a:cs typeface="+mn-cs"/>
-              </a:defRPr>
-            </a:lvl6pPr>
-            <a:lvl7pPr marL="2971800" indent="-228600" algn="l" defTabSz="914400" rtl="0" eaLnBrk="1" latinLnBrk="0" hangingPunct="1">
-              <a:lnSpc>
-                <a:spcPct val="90000"/>
-              </a:lnSpc>
-              <a:spcBef>
-                <a:spcPts val="500"/>
-              </a:spcBef>
-              <a:buFont typeface="Arial" panose="020B0604020202020204" pitchFamily="34" charset="0"/>
-              <a:buChar char="•"/>
-              <a:defRPr sz="1800" kern="1200">
-                <a:solidFill>
-                  <a:schemeClr val="tx1"/>
-                </a:solidFill>
-                <a:latin typeface="+mn-lt"/>
-                <a:ea typeface="+mn-ea"/>
-                <a:cs typeface="+mn-cs"/>
-              </a:defRPr>
-            </a:lvl7pPr>
-            <a:lvl8pPr marL="3429000" indent="-228600" algn="l" defTabSz="914400" rtl="0" eaLnBrk="1" latinLnBrk="0" hangingPunct="1">
-              <a:lnSpc>
-                <a:spcPct val="90000"/>
-              </a:lnSpc>
-              <a:spcBef>
-                <a:spcPts val="500"/>
-              </a:spcBef>
-              <a:buFont typeface="Arial" panose="020B0604020202020204" pitchFamily="34" charset="0"/>
-              <a:buChar char="•"/>
-              <a:defRPr sz="1800" kern="1200">
-                <a:solidFill>
-                  <a:schemeClr val="tx1"/>
-                </a:solidFill>
-                <a:latin typeface="+mn-lt"/>
-                <a:ea typeface="+mn-ea"/>
-                <a:cs typeface="+mn-cs"/>
-              </a:defRPr>
-            </a:lvl8pPr>
-            <a:lvl9pPr marL="3886200" indent="-228600" algn="l" defTabSz="914400" rtl="0" eaLnBrk="1" latinLnBrk="0" hangingPunct="1">
-              <a:lnSpc>
-                <a:spcPct val="90000"/>
-              </a:lnSpc>
-              <a:spcBef>
-                <a:spcPts val="500"/>
-              </a:spcBef>
-              <a:buFont typeface="Arial" panose="020B0604020202020204" pitchFamily="34" charset="0"/>
-              <a:buChar char="•"/>
-              <a:defRPr sz="1800" kern="1200">
-                <a:solidFill>
-                  <a:schemeClr val="tx1"/>
-                </a:solidFill>
-                <a:latin typeface="+mn-lt"/>
-                <a:ea typeface="+mn-ea"/>
-                <a:cs typeface="+mn-cs"/>
-              </a:defRPr>
-            </a:lvl9pPr>
-          </a:lstStyle>
-          <a:p>
-            <a:pPr marL="0" indent="0">
-              <a:buFont typeface="Arial" panose="020B0604020202020204" pitchFamily="34" charset="0"/>
-              <a:buNone/>
-            </a:pPr>
-            <a:r>
-              <a:rPr lang="en-US" dirty="0">
-                <a:solidFill>
-                  <a:srgbClr val="00B050"/>
-                </a:solidFill>
-              </a:rPr>
-              <a:t>Java</a:t>
-            </a:r>
-            <a:r>
-              <a:rPr lang="en-US" dirty="0"/>
-              <a:t>:</a:t>
+              <a:t>) from MuleSoft</a:t>
             </a:r>
           </a:p>
         </p:txBody>
@@ -8311,7 +9420,7 @@
     </p:spTree>
     <p:extLst>
       <p:ext uri="{BB962C8B-B14F-4D97-AF65-F5344CB8AC3E}">
-        <p14:creationId xmlns:p14="http://schemas.microsoft.com/office/powerpoint/2010/main" val="2551476279"/>
+        <p14:creationId xmlns:p14="http://schemas.microsoft.com/office/powerpoint/2010/main" val="2000363218"/>
       </p:ext>
     </p:extLst>
   </p:cSld>
@@ -8338,7 +9447,13 @@
   <p:cSld>
     <p:spTree>
       <p:nvGrpSpPr>
-        <p:cNvPr id="1" name=""/>
+        <p:cNvPr id="1" name="">
+          <a:extLst>
+            <a:ext uri="{FF2B5EF4-FFF2-40B4-BE49-F238E27FC236}">
+              <a16:creationId xmlns:a16="http://schemas.microsoft.com/office/drawing/2014/main" id="{CD185F5F-A09B-19D0-10E5-B13D3096456A}"/>
+            </a:ext>
+          </a:extLst>
+        </p:cNvPr>
         <p:cNvGrpSpPr/>
         <p:nvPr/>
       </p:nvGrpSpPr>
@@ -8355,7 +9470,7 @@
           <p:cNvPr id="2" name="Title 1">
             <a:extLst>
               <a:ext uri="{FF2B5EF4-FFF2-40B4-BE49-F238E27FC236}">
-                <a16:creationId xmlns:a16="http://schemas.microsoft.com/office/drawing/2014/main" id="{E583AC9E-12F6-4735-062B-36AB4AD83789}"/>
+                <a16:creationId xmlns:a16="http://schemas.microsoft.com/office/drawing/2014/main" id="{F45D7C76-3BBC-9871-274B-C2EA49DCF81C}"/>
               </a:ext>
             </a:extLst>
           </p:cNvPr>
@@ -8366,14 +9481,19 @@
             <p:ph type="title"/>
           </p:nvPr>
         </p:nvSpPr>
-        <p:spPr/>
+        <p:spPr>
+          <a:xfrm>
+            <a:off x="272143" y="62366"/>
+            <a:ext cx="10515600" cy="808492"/>
+          </a:xfrm>
+        </p:spPr>
         <p:txBody>
           <a:bodyPr/>
           <a:lstStyle/>
           <a:p>
             <a:r>
               <a:rPr lang="en-US" dirty="0"/>
-              <a:t>A look at HTTP</a:t>
+              <a:t>A look at JSON</a:t>
             </a:r>
           </a:p>
         </p:txBody>
@@ -8383,7 +9503,7 @@
           <p:cNvPr id="3" name="Content Placeholder 2">
             <a:extLst>
               <a:ext uri="{FF2B5EF4-FFF2-40B4-BE49-F238E27FC236}">
-                <a16:creationId xmlns:a16="http://schemas.microsoft.com/office/drawing/2014/main" id="{782396CD-FB00-B049-33DB-67EBFFF23581}"/>
+                <a16:creationId xmlns:a16="http://schemas.microsoft.com/office/drawing/2014/main" id="{CCC25DE9-2F6C-ACA1-B2FA-98A7A9C14002}"/>
               </a:ext>
             </a:extLst>
           </p:cNvPr>
@@ -8396,73 +9516,584 @@
         </p:nvSpPr>
         <p:spPr>
           <a:xfrm>
-            <a:off x="838200" y="1825625"/>
-            <a:ext cx="10655808" cy="2712508"/>
+            <a:off x="272143" y="870858"/>
+            <a:ext cx="11647714" cy="5421085"/>
           </a:xfrm>
         </p:spPr>
         <p:txBody>
-          <a:bodyPr/>
+          <a:bodyPr>
+            <a:normAutofit/>
+          </a:bodyPr>
           <a:lstStyle/>
           <a:p>
+            <a:pPr marL="0" indent="0">
+              <a:buNone/>
+            </a:pPr>
+            <a:r>
+              <a:rPr lang="en-US" dirty="0">
+                <a:solidFill>
+                  <a:srgbClr val="00B0F0"/>
+                </a:solidFill>
+              </a:rPr>
+              <a:t>JSON (JavaScript Object Notation) </a:t>
+            </a:r>
             <a:r>
               <a:rPr lang="en-US" dirty="0"/>
-              <a:t>HTTP is an </a:t>
+              <a:t>is a standard, human-readable </a:t>
             </a:r>
             <a:r>
               <a:rPr lang="en-US" dirty="0">
                 <a:solidFill>
+                  <a:srgbClr val="00B0F0"/>
+                </a:solidFill>
+              </a:rPr>
+              <a:t>format for storing and exchanging data</a:t>
+            </a:r>
+            <a:r>
+              <a:rPr lang="en-US" dirty="0"/>
+              <a:t>. It's commonly used in web applications and APIs. </a:t>
+            </a:r>
+          </a:p>
+          <a:p>
+            <a:r>
+              <a:rPr lang="en-US" sz="2400" dirty="0"/>
+              <a:t>JSON is made up of key-value pairs</a:t>
+            </a:r>
+          </a:p>
+          <a:p>
+            <a:r>
+              <a:rPr lang="en-US" sz="2400" dirty="0"/>
+              <a:t>Keys are strings in quotation marks</a:t>
+            </a:r>
+          </a:p>
+          <a:p>
+            <a:r>
+              <a:rPr lang="en-US" sz="2400" dirty="0"/>
+              <a:t>Values can be strings, numbers, arrays, objects, or the literals false, true, and null</a:t>
+            </a:r>
+          </a:p>
+          <a:p>
+            <a:r>
+              <a:rPr lang="en-US" sz="2400" dirty="0"/>
+              <a:t>Key-value pairs are separated by commas</a:t>
+            </a:r>
+          </a:p>
+          <a:p>
+            <a:r>
+              <a:rPr lang="en-US" sz="2400" dirty="0"/>
+              <a:t>An object begins with a left brace and ends with a right brace</a:t>
+            </a:r>
+          </a:p>
+          <a:p>
+            <a:r>
+              <a:rPr lang="en-US" sz="2400" dirty="0"/>
+              <a:t>An array begins with a left bracket and ends with a right bracket</a:t>
+            </a:r>
+          </a:p>
+        </p:txBody>
+      </p:sp>
+      <p:sp>
+        <p:nvSpPr>
+          <p:cNvPr id="4" name="Content Placeholder 2">
+            <a:extLst>
+              <a:ext uri="{FF2B5EF4-FFF2-40B4-BE49-F238E27FC236}">
+                <a16:creationId xmlns:a16="http://schemas.microsoft.com/office/drawing/2014/main" id="{213EF9FE-5C12-0ED2-29C8-1C3C841DD1FC}"/>
+              </a:ext>
+            </a:extLst>
+          </p:cNvPr>
+          <p:cNvSpPr txBox="1">
+            <a:spLocks/>
+          </p:cNvSpPr>
+          <p:nvPr/>
+        </p:nvSpPr>
+        <p:spPr>
+          <a:xfrm>
+            <a:off x="2024743" y="5174293"/>
+            <a:ext cx="6380747" cy="1280129"/>
+          </a:xfrm>
+          <a:prstGeom prst="rect">
+            <a:avLst/>
+          </a:prstGeom>
+        </p:spPr>
+        <p:txBody>
+          <a:bodyPr vert="horz" lIns="91440" tIns="45720" rIns="91440" bIns="45720" rtlCol="0">
+            <a:normAutofit/>
+          </a:bodyPr>
+          <a:lstStyle>
+            <a:lvl1pPr marL="228600" indent="-228600" algn="l" defTabSz="914400" rtl="0" eaLnBrk="1" latinLnBrk="0" hangingPunct="1">
+              <a:lnSpc>
+                <a:spcPct val="90000"/>
+              </a:lnSpc>
+              <a:spcBef>
+                <a:spcPts val="1000"/>
+              </a:spcBef>
+              <a:buFont typeface="Arial" panose="020B0604020202020204" pitchFamily="34" charset="0"/>
+              <a:buChar char="•"/>
+              <a:defRPr sz="2800" kern="1200">
+                <a:solidFill>
+                  <a:schemeClr val="tx1"/>
+                </a:solidFill>
+                <a:latin typeface="+mn-lt"/>
+                <a:ea typeface="+mn-ea"/>
+                <a:cs typeface="+mn-cs"/>
+              </a:defRPr>
+            </a:lvl1pPr>
+            <a:lvl2pPr marL="685800" indent="-228600" algn="l" defTabSz="914400" rtl="0" eaLnBrk="1" latinLnBrk="0" hangingPunct="1">
+              <a:lnSpc>
+                <a:spcPct val="90000"/>
+              </a:lnSpc>
+              <a:spcBef>
+                <a:spcPts val="500"/>
+              </a:spcBef>
+              <a:buFont typeface="Arial" panose="020B0604020202020204" pitchFamily="34" charset="0"/>
+              <a:buChar char="•"/>
+              <a:defRPr sz="2400" kern="1200">
+                <a:solidFill>
+                  <a:schemeClr val="tx1"/>
+                </a:solidFill>
+                <a:latin typeface="+mn-lt"/>
+                <a:ea typeface="+mn-ea"/>
+                <a:cs typeface="+mn-cs"/>
+              </a:defRPr>
+            </a:lvl2pPr>
+            <a:lvl3pPr marL="1143000" indent="-228600" algn="l" defTabSz="914400" rtl="0" eaLnBrk="1" latinLnBrk="0" hangingPunct="1">
+              <a:lnSpc>
+                <a:spcPct val="90000"/>
+              </a:lnSpc>
+              <a:spcBef>
+                <a:spcPts val="500"/>
+              </a:spcBef>
+              <a:buFont typeface="Arial" panose="020B0604020202020204" pitchFamily="34" charset="0"/>
+              <a:buChar char="•"/>
+              <a:defRPr sz="2000" kern="1200">
+                <a:solidFill>
+                  <a:schemeClr val="tx1"/>
+                </a:solidFill>
+                <a:latin typeface="+mn-lt"/>
+                <a:ea typeface="+mn-ea"/>
+                <a:cs typeface="+mn-cs"/>
+              </a:defRPr>
+            </a:lvl3pPr>
+            <a:lvl4pPr marL="1600200" indent="-228600" algn="l" defTabSz="914400" rtl="0" eaLnBrk="1" latinLnBrk="0" hangingPunct="1">
+              <a:lnSpc>
+                <a:spcPct val="90000"/>
+              </a:lnSpc>
+              <a:spcBef>
+                <a:spcPts val="500"/>
+              </a:spcBef>
+              <a:buFont typeface="Arial" panose="020B0604020202020204" pitchFamily="34" charset="0"/>
+              <a:buChar char="•"/>
+              <a:defRPr sz="1800" kern="1200">
+                <a:solidFill>
+                  <a:schemeClr val="tx1"/>
+                </a:solidFill>
+                <a:latin typeface="+mn-lt"/>
+                <a:ea typeface="+mn-ea"/>
+                <a:cs typeface="+mn-cs"/>
+              </a:defRPr>
+            </a:lvl4pPr>
+            <a:lvl5pPr marL="2057400" indent="-228600" algn="l" defTabSz="914400" rtl="0" eaLnBrk="1" latinLnBrk="0" hangingPunct="1">
+              <a:lnSpc>
+                <a:spcPct val="90000"/>
+              </a:lnSpc>
+              <a:spcBef>
+                <a:spcPts val="500"/>
+              </a:spcBef>
+              <a:buFont typeface="Arial" panose="020B0604020202020204" pitchFamily="34" charset="0"/>
+              <a:buChar char="•"/>
+              <a:defRPr sz="1800" kern="1200">
+                <a:solidFill>
+                  <a:schemeClr val="tx1"/>
+                </a:solidFill>
+                <a:latin typeface="+mn-lt"/>
+                <a:ea typeface="+mn-ea"/>
+                <a:cs typeface="+mn-cs"/>
+              </a:defRPr>
+            </a:lvl5pPr>
+            <a:lvl6pPr marL="2514600" indent="-228600" algn="l" defTabSz="914400" rtl="0" eaLnBrk="1" latinLnBrk="0" hangingPunct="1">
+              <a:lnSpc>
+                <a:spcPct val="90000"/>
+              </a:lnSpc>
+              <a:spcBef>
+                <a:spcPts val="500"/>
+              </a:spcBef>
+              <a:buFont typeface="Arial" panose="020B0604020202020204" pitchFamily="34" charset="0"/>
+              <a:buChar char="•"/>
+              <a:defRPr sz="1800" kern="1200">
+                <a:solidFill>
+                  <a:schemeClr val="tx1"/>
+                </a:solidFill>
+                <a:latin typeface="+mn-lt"/>
+                <a:ea typeface="+mn-ea"/>
+                <a:cs typeface="+mn-cs"/>
+              </a:defRPr>
+            </a:lvl6pPr>
+            <a:lvl7pPr marL="2971800" indent="-228600" algn="l" defTabSz="914400" rtl="0" eaLnBrk="1" latinLnBrk="0" hangingPunct="1">
+              <a:lnSpc>
+                <a:spcPct val="90000"/>
+              </a:lnSpc>
+              <a:spcBef>
+                <a:spcPts val="500"/>
+              </a:spcBef>
+              <a:buFont typeface="Arial" panose="020B0604020202020204" pitchFamily="34" charset="0"/>
+              <a:buChar char="•"/>
+              <a:defRPr sz="1800" kern="1200">
+                <a:solidFill>
+                  <a:schemeClr val="tx1"/>
+                </a:solidFill>
+                <a:latin typeface="+mn-lt"/>
+                <a:ea typeface="+mn-ea"/>
+                <a:cs typeface="+mn-cs"/>
+              </a:defRPr>
+            </a:lvl7pPr>
+            <a:lvl8pPr marL="3429000" indent="-228600" algn="l" defTabSz="914400" rtl="0" eaLnBrk="1" latinLnBrk="0" hangingPunct="1">
+              <a:lnSpc>
+                <a:spcPct val="90000"/>
+              </a:lnSpc>
+              <a:spcBef>
+                <a:spcPts val="500"/>
+              </a:spcBef>
+              <a:buFont typeface="Arial" panose="020B0604020202020204" pitchFamily="34" charset="0"/>
+              <a:buChar char="•"/>
+              <a:defRPr sz="1800" kern="1200">
+                <a:solidFill>
+                  <a:schemeClr val="tx1"/>
+                </a:solidFill>
+                <a:latin typeface="+mn-lt"/>
+                <a:ea typeface="+mn-ea"/>
+                <a:cs typeface="+mn-cs"/>
+              </a:defRPr>
+            </a:lvl8pPr>
+            <a:lvl9pPr marL="3886200" indent="-228600" algn="l" defTabSz="914400" rtl="0" eaLnBrk="1" latinLnBrk="0" hangingPunct="1">
+              <a:lnSpc>
+                <a:spcPct val="90000"/>
+              </a:lnSpc>
+              <a:spcBef>
+                <a:spcPts val="500"/>
+              </a:spcBef>
+              <a:buFont typeface="Arial" panose="020B0604020202020204" pitchFamily="34" charset="0"/>
+              <a:buChar char="•"/>
+              <a:defRPr sz="1800" kern="1200">
+                <a:solidFill>
+                  <a:schemeClr val="tx1"/>
+                </a:solidFill>
+                <a:latin typeface="+mn-lt"/>
+                <a:ea typeface="+mn-ea"/>
+                <a:cs typeface="+mn-cs"/>
+              </a:defRPr>
+            </a:lvl9pPr>
+          </a:lstStyle>
+          <a:p>
+            <a:pPr marL="0" indent="0" algn="l">
+              <a:spcBef>
+                <a:spcPts val="0"/>
+              </a:spcBef>
+              <a:buNone/>
+            </a:pPr>
+            <a:r>
+              <a:rPr lang="en-US" sz="1800" dirty="0">
+                <a:latin typeface="Courier New" panose="02070309020205020404" pitchFamily="49" charset="0"/>
+              </a:rPr>
+              <a:t>{</a:t>
+            </a:r>
+          </a:p>
+          <a:p>
+            <a:pPr marL="0" indent="0" algn="l">
+              <a:spcBef>
+                <a:spcPts val="0"/>
+              </a:spcBef>
+              <a:buNone/>
+            </a:pPr>
+            <a:r>
+              <a:rPr lang="en-US" sz="1800" dirty="0">
+                <a:latin typeface="Courier New" panose="02070309020205020404" pitchFamily="49" charset="0"/>
+              </a:rPr>
+              <a:t>  "</a:t>
+            </a:r>
+            <a:r>
+              <a:rPr lang="en-US" sz="1800" dirty="0" err="1">
+                <a:solidFill>
+                  <a:srgbClr val="FFC000"/>
+                </a:solidFill>
+                <a:latin typeface="Courier New" panose="02070309020205020404" pitchFamily="49" charset="0"/>
+              </a:rPr>
+              <a:t>contributorName</a:t>
+            </a:r>
+            <a:r>
+              <a:rPr lang="en-US" sz="1800" dirty="0">
+                <a:latin typeface="Courier New" panose="02070309020205020404" pitchFamily="49" charset="0"/>
+              </a:rPr>
+              <a:t>": "Sandy </a:t>
+            </a:r>
+            <a:r>
+              <a:rPr lang="en-US" sz="1800" dirty="0" err="1">
+                <a:latin typeface="Courier New" panose="02070309020205020404" pitchFamily="49" charset="0"/>
+              </a:rPr>
+              <a:t>Blotts</a:t>
+            </a:r>
+            <a:r>
+              <a:rPr lang="en-US" sz="1800" dirty="0">
+                <a:latin typeface="Courier New" panose="02070309020205020404" pitchFamily="49" charset="0"/>
+              </a:rPr>
+              <a:t>",</a:t>
+            </a:r>
+          </a:p>
+          <a:p>
+            <a:pPr marL="0" indent="0" algn="l">
+              <a:spcBef>
+                <a:spcPts val="0"/>
+              </a:spcBef>
+              <a:buNone/>
+            </a:pPr>
+            <a:r>
+              <a:rPr lang="en-US" sz="1800" dirty="0">
+                <a:latin typeface="Courier New" panose="02070309020205020404" pitchFamily="49" charset="0"/>
+              </a:rPr>
+              <a:t>  "</a:t>
+            </a:r>
+            <a:r>
+              <a:rPr lang="en-US" sz="1800" dirty="0" err="1">
+                <a:solidFill>
+                  <a:srgbClr val="FFFF00"/>
+                </a:solidFill>
+                <a:latin typeface="Courier New" panose="02070309020205020404" pitchFamily="49" charset="0"/>
+              </a:rPr>
+              <a:t>contributorEmail</a:t>
+            </a:r>
+            <a:r>
+              <a:rPr lang="en-US" sz="1800" dirty="0">
+                <a:latin typeface="Courier New" panose="02070309020205020404" pitchFamily="49" charset="0"/>
+              </a:rPr>
+              <a:t>": "sandy@blotts.r.us"</a:t>
+            </a:r>
+          </a:p>
+          <a:p>
+            <a:pPr marL="0" indent="0" algn="l">
+              <a:spcBef>
+                <a:spcPts val="0"/>
+              </a:spcBef>
+              <a:buNone/>
+            </a:pPr>
+            <a:r>
+              <a:rPr lang="en-US" sz="1800" dirty="0">
+                <a:latin typeface="Courier New" panose="02070309020205020404" pitchFamily="49" charset="0"/>
+              </a:rPr>
+              <a:t>}</a:t>
+            </a:r>
+            <a:endParaRPr lang="en-US" dirty="0">
+              <a:latin typeface="Courier New" panose="02070309020205020404" pitchFamily="49" charset="0"/>
+              <a:cs typeface="Courier New" panose="02070309020205020404" pitchFamily="49" charset="0"/>
+            </a:endParaRPr>
+          </a:p>
+        </p:txBody>
+      </p:sp>
+      <p:sp>
+        <p:nvSpPr>
+          <p:cNvPr id="5" name="Content Placeholder 2">
+            <a:extLst>
+              <a:ext uri="{FF2B5EF4-FFF2-40B4-BE49-F238E27FC236}">
+                <a16:creationId xmlns:a16="http://schemas.microsoft.com/office/drawing/2014/main" id="{785F58F2-0B12-CF13-3642-3335D796C8CB}"/>
+              </a:ext>
+            </a:extLst>
+          </p:cNvPr>
+          <p:cNvSpPr txBox="1">
+            <a:spLocks/>
+          </p:cNvSpPr>
+          <p:nvPr/>
+        </p:nvSpPr>
+        <p:spPr>
+          <a:xfrm>
+            <a:off x="2024743" y="4688183"/>
+            <a:ext cx="1263555" cy="484438"/>
+          </a:xfrm>
+          <a:prstGeom prst="rect">
+            <a:avLst/>
+          </a:prstGeom>
+        </p:spPr>
+        <p:txBody>
+          <a:bodyPr vert="horz" lIns="91440" tIns="45720" rIns="91440" bIns="45720" rtlCol="0">
+            <a:normAutofit/>
+          </a:bodyPr>
+          <a:lstStyle>
+            <a:lvl1pPr marL="228600" indent="-228600" algn="l" defTabSz="914400" rtl="0" eaLnBrk="1" latinLnBrk="0" hangingPunct="1">
+              <a:lnSpc>
+                <a:spcPct val="90000"/>
+              </a:lnSpc>
+              <a:spcBef>
+                <a:spcPts val="1000"/>
+              </a:spcBef>
+              <a:buFont typeface="Arial" panose="020B0604020202020204" pitchFamily="34" charset="0"/>
+              <a:buChar char="•"/>
+              <a:defRPr sz="2800" kern="1200">
+                <a:solidFill>
+                  <a:schemeClr val="tx1"/>
+                </a:solidFill>
+                <a:latin typeface="+mn-lt"/>
+                <a:ea typeface="+mn-ea"/>
+                <a:cs typeface="+mn-cs"/>
+              </a:defRPr>
+            </a:lvl1pPr>
+            <a:lvl2pPr marL="685800" indent="-228600" algn="l" defTabSz="914400" rtl="0" eaLnBrk="1" latinLnBrk="0" hangingPunct="1">
+              <a:lnSpc>
+                <a:spcPct val="90000"/>
+              </a:lnSpc>
+              <a:spcBef>
+                <a:spcPts val="500"/>
+              </a:spcBef>
+              <a:buFont typeface="Arial" panose="020B0604020202020204" pitchFamily="34" charset="0"/>
+              <a:buChar char="•"/>
+              <a:defRPr sz="2400" kern="1200">
+                <a:solidFill>
+                  <a:schemeClr val="tx1"/>
+                </a:solidFill>
+                <a:latin typeface="+mn-lt"/>
+                <a:ea typeface="+mn-ea"/>
+                <a:cs typeface="+mn-cs"/>
+              </a:defRPr>
+            </a:lvl2pPr>
+            <a:lvl3pPr marL="1143000" indent="-228600" algn="l" defTabSz="914400" rtl="0" eaLnBrk="1" latinLnBrk="0" hangingPunct="1">
+              <a:lnSpc>
+                <a:spcPct val="90000"/>
+              </a:lnSpc>
+              <a:spcBef>
+                <a:spcPts val="500"/>
+              </a:spcBef>
+              <a:buFont typeface="Arial" panose="020B0604020202020204" pitchFamily="34" charset="0"/>
+              <a:buChar char="•"/>
+              <a:defRPr sz="2000" kern="1200">
+                <a:solidFill>
+                  <a:schemeClr val="tx1"/>
+                </a:solidFill>
+                <a:latin typeface="+mn-lt"/>
+                <a:ea typeface="+mn-ea"/>
+                <a:cs typeface="+mn-cs"/>
+              </a:defRPr>
+            </a:lvl3pPr>
+            <a:lvl4pPr marL="1600200" indent="-228600" algn="l" defTabSz="914400" rtl="0" eaLnBrk="1" latinLnBrk="0" hangingPunct="1">
+              <a:lnSpc>
+                <a:spcPct val="90000"/>
+              </a:lnSpc>
+              <a:spcBef>
+                <a:spcPts val="500"/>
+              </a:spcBef>
+              <a:buFont typeface="Arial" panose="020B0604020202020204" pitchFamily="34" charset="0"/>
+              <a:buChar char="•"/>
+              <a:defRPr sz="1800" kern="1200">
+                <a:solidFill>
+                  <a:schemeClr val="tx1"/>
+                </a:solidFill>
+                <a:latin typeface="+mn-lt"/>
+                <a:ea typeface="+mn-ea"/>
+                <a:cs typeface="+mn-cs"/>
+              </a:defRPr>
+            </a:lvl4pPr>
+            <a:lvl5pPr marL="2057400" indent="-228600" algn="l" defTabSz="914400" rtl="0" eaLnBrk="1" latinLnBrk="0" hangingPunct="1">
+              <a:lnSpc>
+                <a:spcPct val="90000"/>
+              </a:lnSpc>
+              <a:spcBef>
+                <a:spcPts val="500"/>
+              </a:spcBef>
+              <a:buFont typeface="Arial" panose="020B0604020202020204" pitchFamily="34" charset="0"/>
+              <a:buChar char="•"/>
+              <a:defRPr sz="1800" kern="1200">
+                <a:solidFill>
+                  <a:schemeClr val="tx1"/>
+                </a:solidFill>
+                <a:latin typeface="+mn-lt"/>
+                <a:ea typeface="+mn-ea"/>
+                <a:cs typeface="+mn-cs"/>
+              </a:defRPr>
+            </a:lvl5pPr>
+            <a:lvl6pPr marL="2514600" indent="-228600" algn="l" defTabSz="914400" rtl="0" eaLnBrk="1" latinLnBrk="0" hangingPunct="1">
+              <a:lnSpc>
+                <a:spcPct val="90000"/>
+              </a:lnSpc>
+              <a:spcBef>
+                <a:spcPts val="500"/>
+              </a:spcBef>
+              <a:buFont typeface="Arial" panose="020B0604020202020204" pitchFamily="34" charset="0"/>
+              <a:buChar char="•"/>
+              <a:defRPr sz="1800" kern="1200">
+                <a:solidFill>
+                  <a:schemeClr val="tx1"/>
+                </a:solidFill>
+                <a:latin typeface="+mn-lt"/>
+                <a:ea typeface="+mn-ea"/>
+                <a:cs typeface="+mn-cs"/>
+              </a:defRPr>
+            </a:lvl6pPr>
+            <a:lvl7pPr marL="2971800" indent="-228600" algn="l" defTabSz="914400" rtl="0" eaLnBrk="1" latinLnBrk="0" hangingPunct="1">
+              <a:lnSpc>
+                <a:spcPct val="90000"/>
+              </a:lnSpc>
+              <a:spcBef>
+                <a:spcPts val="500"/>
+              </a:spcBef>
+              <a:buFont typeface="Arial" panose="020B0604020202020204" pitchFamily="34" charset="0"/>
+              <a:buChar char="•"/>
+              <a:defRPr sz="1800" kern="1200">
+                <a:solidFill>
+                  <a:schemeClr val="tx1"/>
+                </a:solidFill>
+                <a:latin typeface="+mn-lt"/>
+                <a:ea typeface="+mn-ea"/>
+                <a:cs typeface="+mn-cs"/>
+              </a:defRPr>
+            </a:lvl7pPr>
+            <a:lvl8pPr marL="3429000" indent="-228600" algn="l" defTabSz="914400" rtl="0" eaLnBrk="1" latinLnBrk="0" hangingPunct="1">
+              <a:lnSpc>
+                <a:spcPct val="90000"/>
+              </a:lnSpc>
+              <a:spcBef>
+                <a:spcPts val="500"/>
+              </a:spcBef>
+              <a:buFont typeface="Arial" panose="020B0604020202020204" pitchFamily="34" charset="0"/>
+              <a:buChar char="•"/>
+              <a:defRPr sz="1800" kern="1200">
+                <a:solidFill>
+                  <a:schemeClr val="tx1"/>
+                </a:solidFill>
+                <a:latin typeface="+mn-lt"/>
+                <a:ea typeface="+mn-ea"/>
+                <a:cs typeface="+mn-cs"/>
+              </a:defRPr>
+            </a:lvl8pPr>
+            <a:lvl9pPr marL="3886200" indent="-228600" algn="l" defTabSz="914400" rtl="0" eaLnBrk="1" latinLnBrk="0" hangingPunct="1">
+              <a:lnSpc>
+                <a:spcPct val="90000"/>
+              </a:lnSpc>
+              <a:spcBef>
+                <a:spcPts val="500"/>
+              </a:spcBef>
+              <a:buFont typeface="Arial" panose="020B0604020202020204" pitchFamily="34" charset="0"/>
+              <a:buChar char="•"/>
+              <a:defRPr sz="1800" kern="1200">
+                <a:solidFill>
+                  <a:schemeClr val="tx1"/>
+                </a:solidFill>
+                <a:latin typeface="+mn-lt"/>
+                <a:ea typeface="+mn-ea"/>
+                <a:cs typeface="+mn-cs"/>
+              </a:defRPr>
+            </a:lvl9pPr>
+          </a:lstStyle>
+          <a:p>
+            <a:pPr marL="0" indent="0">
+              <a:buFont typeface="Arial" panose="020B0604020202020204" pitchFamily="34" charset="0"/>
+              <a:buNone/>
+            </a:pPr>
+            <a:r>
+              <a:rPr lang="en-US" dirty="0">
+                <a:solidFill>
                   <a:srgbClr val="00B050"/>
                 </a:solidFill>
               </a:rPr>
-              <a:t>abbreviation</a:t>
+              <a:t>JSON</a:t>
             </a:r>
             <a:r>
               <a:rPr lang="en-US" dirty="0"/>
-              <a:t> for Hypertext Transport Protocol</a:t>
-            </a:r>
-          </a:p>
-          <a:p>
-            <a:r>
-              <a:rPr lang="en-US" dirty="0"/>
-              <a:t>HTTP is just </a:t>
-            </a:r>
-            <a:r>
-              <a:rPr lang="en-US" dirty="0">
-                <a:solidFill>
-                  <a:srgbClr val="00B050"/>
-                </a:solidFill>
-              </a:rPr>
-              <a:t>text</a:t>
-            </a:r>
-            <a:r>
-              <a:rPr lang="en-US" dirty="0"/>
-              <a:t> sent over the Internet</a:t>
-            </a:r>
-          </a:p>
-          <a:p>
-            <a:r>
-              <a:rPr lang="en-US" dirty="0"/>
-              <a:t>HTTP consists of a </a:t>
-            </a:r>
-            <a:r>
-              <a:rPr lang="en-US" dirty="0">
-                <a:solidFill>
-                  <a:srgbClr val="00B0F0"/>
-                </a:solidFill>
-              </a:rPr>
-              <a:t>request</a:t>
-            </a:r>
-            <a:r>
-              <a:rPr lang="en-US" dirty="0"/>
-              <a:t> and a </a:t>
-            </a:r>
-            <a:r>
-              <a:rPr lang="en-US" dirty="0">
-                <a:solidFill>
-                  <a:srgbClr val="00B0F0"/>
-                </a:solidFill>
-              </a:rPr>
-              <a:t>response</a:t>
+              <a:t>:</a:t>
             </a:r>
           </a:p>
         </p:txBody>
@@ -8470,20 +10101,20 @@
     </p:spTree>
     <p:extLst>
       <p:ext uri="{BB962C8B-B14F-4D97-AF65-F5344CB8AC3E}">
-        <p14:creationId xmlns:p14="http://schemas.microsoft.com/office/powerpoint/2010/main" val="35612208"/>
+        <p14:creationId xmlns:p14="http://schemas.microsoft.com/office/powerpoint/2010/main" val="4011978701"/>
       </p:ext>
     </p:extLst>
   </p:cSld>
   <p:clrMapOvr>
     <a:masterClrMapping/>
   </p:clrMapOvr>
-  <mc:AlternateContent xmlns:mc="http://schemas.openxmlformats.org/markup-compatibility/2006" xmlns:p14="http://schemas.microsoft.com/office/powerpoint/2010/main">
-    <mc:Choice Requires="p14">
+  <mc:AlternateContent xmlns:mc="http://schemas.openxmlformats.org/markup-compatibility/2006">
+    <mc:Choice xmlns:p14="http://schemas.microsoft.com/office/powerpoint/2010/main" Requires="p14">
       <p:transition spd="med" p14:dur="700">
         <p:fade/>
       </p:transition>
     </mc:Choice>
-    <mc:Fallback xmlns="">
+    <mc:Fallback>
       <p:transition spd="med">
         <p:fade/>
       </p:transition>
@@ -8514,7 +10145,7 @@
           <p:cNvPr id="2" name="Title 1">
             <a:extLst>
               <a:ext uri="{FF2B5EF4-FFF2-40B4-BE49-F238E27FC236}">
-                <a16:creationId xmlns:a16="http://schemas.microsoft.com/office/drawing/2014/main" id="{08FAE4F9-E8F6-D0C8-70D1-B65E40ECE94D}"/>
+                <a16:creationId xmlns:a16="http://schemas.microsoft.com/office/drawing/2014/main" id="{F03B0BAD-1154-06C0-6CEC-C50EB492D6F6}"/>
               </a:ext>
             </a:extLst>
           </p:cNvPr>
@@ -8525,14 +10156,19 @@
             <p:ph type="title"/>
           </p:nvPr>
         </p:nvSpPr>
-        <p:spPr/>
+        <p:spPr>
+          <a:xfrm>
+            <a:off x="838200" y="365126"/>
+            <a:ext cx="10515600" cy="860692"/>
+          </a:xfrm>
+        </p:spPr>
         <p:txBody>
           <a:bodyPr/>
           <a:lstStyle/>
           <a:p>
             <a:r>
               <a:rPr lang="en-US" dirty="0"/>
-              <a:t>HTTP Request</a:t>
+              <a:t>JSON vs. Java</a:t>
             </a:r>
           </a:p>
         </p:txBody>
@@ -8542,7 +10178,7 @@
           <p:cNvPr id="3" name="Content Placeholder 2">
             <a:extLst>
               <a:ext uri="{FF2B5EF4-FFF2-40B4-BE49-F238E27FC236}">
-                <a16:creationId xmlns:a16="http://schemas.microsoft.com/office/drawing/2014/main" id="{831C6A54-FC1C-4A1D-6B64-F57E7EAC1F9A}"/>
+                <a16:creationId xmlns:a16="http://schemas.microsoft.com/office/drawing/2014/main" id="{238DB492-CA5D-B165-F469-7C7C485E8328}"/>
               </a:ext>
             </a:extLst>
           </p:cNvPr>
@@ -8555,38 +10191,42 @@
         </p:nvSpPr>
         <p:spPr>
           <a:xfrm>
-            <a:off x="838200" y="1825625"/>
-            <a:ext cx="5548952" cy="576381"/>
+            <a:off x="838200" y="1457481"/>
+            <a:ext cx="6380747" cy="484438"/>
           </a:xfrm>
-          <a:ln>
-            <a:solidFill>
-              <a:srgbClr val="00B0F0"/>
-            </a:solidFill>
-          </a:ln>
         </p:spPr>
         <p:txBody>
-          <a:bodyPr anchor="ctr"/>
+          <a:bodyPr/>
           <a:lstStyle/>
           <a:p>
             <a:pPr marL="0" indent="0">
               <a:buNone/>
             </a:pPr>
             <a:r>
+              <a:rPr lang="en-US" dirty="0"/>
+              <a:t>Must look </a:t>
+            </a:r>
+            <a:r>
               <a:rPr lang="en-US" dirty="0">
-                <a:latin typeface="Courier New" panose="02070309020205020404" pitchFamily="49" charset="0"/>
-                <a:cs typeface="Courier New" panose="02070309020205020404" pitchFamily="49" charset="0"/>
+                <a:solidFill>
+                  <a:srgbClr val="00B0F0"/>
+                </a:solidFill>
               </a:rPr>
-              <a:t>Request Line</a:t>
-            </a:r>
-          </a:p>
-        </p:txBody>
-      </p:sp>
-      <p:sp>
-        <p:nvSpPr>
-          <p:cNvPr id="5" name="Content Placeholder 2">
+              <a:t>exactly</a:t>
+            </a:r>
+            <a:r>
+              <a:rPr lang="en-US" dirty="0"/>
+              <a:t> like the receiving class</a:t>
+            </a:r>
+          </a:p>
+        </p:txBody>
+      </p:sp>
+      <p:sp>
+        <p:nvSpPr>
+          <p:cNvPr id="6" name="Content Placeholder 2">
             <a:extLst>
               <a:ext uri="{FF2B5EF4-FFF2-40B4-BE49-F238E27FC236}">
-                <a16:creationId xmlns:a16="http://schemas.microsoft.com/office/drawing/2014/main" id="{FF8B02FD-884F-6150-B6AD-8FA16C67A331}"/>
+                <a16:creationId xmlns:a16="http://schemas.microsoft.com/office/drawing/2014/main" id="{43A92AC2-3681-11D3-7F94-4A7F8F391705}"/>
               </a:ext>
             </a:extLst>
           </p:cNvPr>
@@ -8597,20 +10237,15 @@
         </p:nvSpPr>
         <p:spPr>
           <a:xfrm>
-            <a:off x="838200" y="2404134"/>
-            <a:ext cx="5548952" cy="576381"/>
+            <a:off x="879107" y="4996647"/>
+            <a:ext cx="6380747" cy="1571111"/>
           </a:xfrm>
           <a:prstGeom prst="rect">
             <a:avLst/>
           </a:prstGeom>
-          <a:ln>
-            <a:solidFill>
-              <a:srgbClr val="00B0F0"/>
-            </a:solidFill>
-          </a:ln>
         </p:spPr>
         <p:txBody>
-          <a:bodyPr vert="horz" lIns="91440" tIns="45720" rIns="91440" bIns="45720" rtlCol="0" anchor="ctr">
+          <a:bodyPr vert="horz" lIns="91440" tIns="45720" rIns="91440" bIns="45720" rtlCol="0">
             <a:normAutofit/>
           </a:bodyPr>
           <a:lstStyle>
@@ -8778,26 +10413,142 @@
             </a:lvl9pPr>
           </a:lstStyle>
           <a:p>
-            <a:pPr marL="0" indent="0">
-              <a:buFont typeface="Arial" panose="020B0604020202020204" pitchFamily="34" charset="0"/>
+            <a:pPr marL="0" indent="0" algn="l">
+              <a:spcBef>
+                <a:spcPts val="0"/>
+              </a:spcBef>
               <a:buNone/>
             </a:pPr>
             <a:r>
-              <a:rPr lang="en-US" dirty="0">
+              <a:rPr lang="en-US" sz="1800" dirty="0">
+                <a:latin typeface="Courier New" panose="02070309020205020404" pitchFamily="49" charset="0"/>
+              </a:rPr>
+              <a:t>class </a:t>
+            </a:r>
+            <a:r>
+              <a:rPr lang="en-US" sz="1800" dirty="0" err="1">
+                <a:latin typeface="Courier New" panose="02070309020205020404" pitchFamily="49" charset="0"/>
+              </a:rPr>
+              <a:t>ContributorData</a:t>
+            </a:r>
+            <a:r>
+              <a:rPr lang="en-US" sz="1800" dirty="0">
+                <a:latin typeface="Courier New" panose="02070309020205020404" pitchFamily="49" charset="0"/>
+              </a:rPr>
+              <a:t> {</a:t>
+            </a:r>
+          </a:p>
+          <a:p>
+            <a:pPr marL="0" indent="0" algn="l">
+              <a:spcBef>
+                <a:spcPts val="0"/>
+              </a:spcBef>
+              <a:buNone/>
+            </a:pPr>
+            <a:r>
+              <a:rPr lang="en-US" sz="1800" dirty="0">
+                <a:latin typeface="Courier New" panose="02070309020205020404" pitchFamily="49" charset="0"/>
+              </a:rPr>
+              <a:t>  Long </a:t>
+            </a:r>
+            <a:r>
+              <a:rPr lang="en-US" sz="1800" dirty="0" err="1">
+                <a:latin typeface="Courier New" panose="02070309020205020404" pitchFamily="49" charset="0"/>
+              </a:rPr>
+              <a:t>contributorId</a:t>
+            </a:r>
+            <a:r>
+              <a:rPr lang="en-US" sz="1800" dirty="0">
+                <a:latin typeface="Courier New" panose="02070309020205020404" pitchFamily="49" charset="0"/>
+              </a:rPr>
+              <a:t>;</a:t>
+            </a:r>
+          </a:p>
+          <a:p>
+            <a:pPr marL="0" indent="0" algn="l">
+              <a:spcBef>
+                <a:spcPts val="0"/>
+              </a:spcBef>
+              <a:buNone/>
+            </a:pPr>
+            <a:r>
+              <a:rPr lang="en-US" sz="1800" dirty="0">
+                <a:latin typeface="Courier New" panose="02070309020205020404" pitchFamily="49" charset="0"/>
+              </a:rPr>
+              <a:t>  String </a:t>
+            </a:r>
+            <a:r>
+              <a:rPr lang="en-US" sz="1800" dirty="0" err="1">
+                <a:solidFill>
+                  <a:srgbClr val="FFC000"/>
+                </a:solidFill>
+                <a:latin typeface="Courier New" panose="02070309020205020404" pitchFamily="49" charset="0"/>
+              </a:rPr>
+              <a:t>contributorName</a:t>
+            </a:r>
+            <a:r>
+              <a:rPr lang="en-US" sz="1800" dirty="0">
+                <a:latin typeface="Courier New" panose="02070309020205020404" pitchFamily="49" charset="0"/>
+              </a:rPr>
+              <a:t>;</a:t>
+            </a:r>
+          </a:p>
+          <a:p>
+            <a:pPr marL="0" indent="0" algn="l">
+              <a:spcBef>
+                <a:spcPts val="0"/>
+              </a:spcBef>
+              <a:buNone/>
+            </a:pPr>
+            <a:r>
+              <a:rPr lang="en-US" sz="1800" dirty="0">
+                <a:latin typeface="Courier New" panose="02070309020205020404" pitchFamily="49" charset="0"/>
+              </a:rPr>
+              <a:t>  String </a:t>
+            </a:r>
+            <a:r>
+              <a:rPr lang="en-US" sz="1800" dirty="0" err="1">
+                <a:solidFill>
+                  <a:srgbClr val="FFFF00"/>
+                </a:solidFill>
+                <a:latin typeface="Courier New" panose="02070309020205020404" pitchFamily="49" charset="0"/>
+              </a:rPr>
+              <a:t>contributorEmail</a:t>
+            </a:r>
+            <a:r>
+              <a:rPr lang="en-US" sz="1800" dirty="0">
+                <a:latin typeface="Courier New" panose="02070309020205020404" pitchFamily="49" charset="0"/>
+              </a:rPr>
+              <a:t>;</a:t>
+            </a:r>
+          </a:p>
+          <a:p>
+            <a:pPr marL="0" indent="0" algn="l">
+              <a:spcBef>
+                <a:spcPts val="0"/>
+              </a:spcBef>
+              <a:buNone/>
+            </a:pPr>
+            <a:r>
+              <a:rPr lang="en-US" sz="1800" dirty="0">
                 <a:latin typeface="Courier New" panose="02070309020205020404" pitchFamily="49" charset="0"/>
                 <a:cs typeface="Courier New" panose="02070309020205020404" pitchFamily="49" charset="0"/>
               </a:rPr>
-              <a:t>Request Headers</a:t>
-            </a:r>
-          </a:p>
-        </p:txBody>
-      </p:sp>
-      <p:sp>
-        <p:nvSpPr>
-          <p:cNvPr id="6" name="Content Placeholder 2">
+              <a:t>}</a:t>
+            </a:r>
+            <a:endParaRPr lang="en-US" dirty="0">
+              <a:latin typeface="Courier New" panose="02070309020205020404" pitchFamily="49" charset="0"/>
+              <a:cs typeface="Courier New" panose="02070309020205020404" pitchFamily="49" charset="0"/>
+            </a:endParaRPr>
+          </a:p>
+        </p:txBody>
+      </p:sp>
+      <p:sp>
+        <p:nvSpPr>
+          <p:cNvPr id="7" name="Content Placeholder 2">
             <a:extLst>
               <a:ext uri="{FF2B5EF4-FFF2-40B4-BE49-F238E27FC236}">
-                <a16:creationId xmlns:a16="http://schemas.microsoft.com/office/drawing/2014/main" id="{48F527DC-07B4-8F00-36F6-6A13B738D9D6}"/>
+                <a16:creationId xmlns:a16="http://schemas.microsoft.com/office/drawing/2014/main" id="{09BDA483-2751-A2F7-AF8F-FEF1577C576F}"/>
               </a:ext>
             </a:extLst>
           </p:cNvPr>
@@ -8808,20 +10559,15 @@
         </p:nvSpPr>
         <p:spPr>
           <a:xfrm>
-            <a:off x="838200" y="2970220"/>
-            <a:ext cx="5548952" cy="576381"/>
+            <a:off x="838200" y="4512209"/>
+            <a:ext cx="1263555" cy="484438"/>
           </a:xfrm>
           <a:prstGeom prst="rect">
             <a:avLst/>
           </a:prstGeom>
-          <a:ln>
-            <a:solidFill>
-              <a:srgbClr val="00B0F0"/>
-            </a:solidFill>
-          </a:ln>
         </p:spPr>
         <p:txBody>
-          <a:bodyPr vert="horz" lIns="91440" tIns="45720" rIns="91440" bIns="45720" rtlCol="0" anchor="ctr">
+          <a:bodyPr vert="horz" lIns="91440" tIns="45720" rIns="91440" bIns="45720" rtlCol="0">
             <a:normAutofit/>
           </a:bodyPr>
           <a:lstStyle>
@@ -8995,10 +10741,521 @@
             </a:pPr>
             <a:r>
               <a:rPr lang="en-US" dirty="0">
+                <a:solidFill>
+                  <a:srgbClr val="00B050"/>
+                </a:solidFill>
+              </a:rPr>
+              <a:t>Java</a:t>
+            </a:r>
+            <a:r>
+              <a:rPr lang="en-US" dirty="0"/>
+              <a:t>:</a:t>
+            </a:r>
+          </a:p>
+        </p:txBody>
+      </p:sp>
+      <p:sp>
+        <p:nvSpPr>
+          <p:cNvPr id="8" name="Content Placeholder 2">
+            <a:extLst>
+              <a:ext uri="{FF2B5EF4-FFF2-40B4-BE49-F238E27FC236}">
+                <a16:creationId xmlns:a16="http://schemas.microsoft.com/office/drawing/2014/main" id="{17A50201-CA19-0C15-E2EC-1497D83D6C40}"/>
+              </a:ext>
+            </a:extLst>
+          </p:cNvPr>
+          <p:cNvSpPr txBox="1">
+            <a:spLocks/>
+          </p:cNvSpPr>
+          <p:nvPr/>
+        </p:nvSpPr>
+        <p:spPr>
+          <a:xfrm>
+            <a:off x="838200" y="3000417"/>
+            <a:ext cx="6380747" cy="1280129"/>
+          </a:xfrm>
+          <a:prstGeom prst="rect">
+            <a:avLst/>
+          </a:prstGeom>
+        </p:spPr>
+        <p:txBody>
+          <a:bodyPr vert="horz" lIns="91440" tIns="45720" rIns="91440" bIns="45720" rtlCol="0">
+            <a:normAutofit/>
+          </a:bodyPr>
+          <a:lstStyle>
+            <a:lvl1pPr marL="228600" indent="-228600" algn="l" defTabSz="914400" rtl="0" eaLnBrk="1" latinLnBrk="0" hangingPunct="1">
+              <a:lnSpc>
+                <a:spcPct val="90000"/>
+              </a:lnSpc>
+              <a:spcBef>
+                <a:spcPts val="1000"/>
+              </a:spcBef>
+              <a:buFont typeface="Arial" panose="020B0604020202020204" pitchFamily="34" charset="0"/>
+              <a:buChar char="•"/>
+              <a:defRPr sz="2800" kern="1200">
+                <a:solidFill>
+                  <a:schemeClr val="tx1"/>
+                </a:solidFill>
+                <a:latin typeface="+mn-lt"/>
+                <a:ea typeface="+mn-ea"/>
+                <a:cs typeface="+mn-cs"/>
+              </a:defRPr>
+            </a:lvl1pPr>
+            <a:lvl2pPr marL="685800" indent="-228600" algn="l" defTabSz="914400" rtl="0" eaLnBrk="1" latinLnBrk="0" hangingPunct="1">
+              <a:lnSpc>
+                <a:spcPct val="90000"/>
+              </a:lnSpc>
+              <a:spcBef>
+                <a:spcPts val="500"/>
+              </a:spcBef>
+              <a:buFont typeface="Arial" panose="020B0604020202020204" pitchFamily="34" charset="0"/>
+              <a:buChar char="•"/>
+              <a:defRPr sz="2400" kern="1200">
+                <a:solidFill>
+                  <a:schemeClr val="tx1"/>
+                </a:solidFill>
+                <a:latin typeface="+mn-lt"/>
+                <a:ea typeface="+mn-ea"/>
+                <a:cs typeface="+mn-cs"/>
+              </a:defRPr>
+            </a:lvl2pPr>
+            <a:lvl3pPr marL="1143000" indent="-228600" algn="l" defTabSz="914400" rtl="0" eaLnBrk="1" latinLnBrk="0" hangingPunct="1">
+              <a:lnSpc>
+                <a:spcPct val="90000"/>
+              </a:lnSpc>
+              <a:spcBef>
+                <a:spcPts val="500"/>
+              </a:spcBef>
+              <a:buFont typeface="Arial" panose="020B0604020202020204" pitchFamily="34" charset="0"/>
+              <a:buChar char="•"/>
+              <a:defRPr sz="2000" kern="1200">
+                <a:solidFill>
+                  <a:schemeClr val="tx1"/>
+                </a:solidFill>
+                <a:latin typeface="+mn-lt"/>
+                <a:ea typeface="+mn-ea"/>
+                <a:cs typeface="+mn-cs"/>
+              </a:defRPr>
+            </a:lvl3pPr>
+            <a:lvl4pPr marL="1600200" indent="-228600" algn="l" defTabSz="914400" rtl="0" eaLnBrk="1" latinLnBrk="0" hangingPunct="1">
+              <a:lnSpc>
+                <a:spcPct val="90000"/>
+              </a:lnSpc>
+              <a:spcBef>
+                <a:spcPts val="500"/>
+              </a:spcBef>
+              <a:buFont typeface="Arial" panose="020B0604020202020204" pitchFamily="34" charset="0"/>
+              <a:buChar char="•"/>
+              <a:defRPr sz="1800" kern="1200">
+                <a:solidFill>
+                  <a:schemeClr val="tx1"/>
+                </a:solidFill>
+                <a:latin typeface="+mn-lt"/>
+                <a:ea typeface="+mn-ea"/>
+                <a:cs typeface="+mn-cs"/>
+              </a:defRPr>
+            </a:lvl4pPr>
+            <a:lvl5pPr marL="2057400" indent="-228600" algn="l" defTabSz="914400" rtl="0" eaLnBrk="1" latinLnBrk="0" hangingPunct="1">
+              <a:lnSpc>
+                <a:spcPct val="90000"/>
+              </a:lnSpc>
+              <a:spcBef>
+                <a:spcPts val="500"/>
+              </a:spcBef>
+              <a:buFont typeface="Arial" panose="020B0604020202020204" pitchFamily="34" charset="0"/>
+              <a:buChar char="•"/>
+              <a:defRPr sz="1800" kern="1200">
+                <a:solidFill>
+                  <a:schemeClr val="tx1"/>
+                </a:solidFill>
+                <a:latin typeface="+mn-lt"/>
+                <a:ea typeface="+mn-ea"/>
+                <a:cs typeface="+mn-cs"/>
+              </a:defRPr>
+            </a:lvl5pPr>
+            <a:lvl6pPr marL="2514600" indent="-228600" algn="l" defTabSz="914400" rtl="0" eaLnBrk="1" latinLnBrk="0" hangingPunct="1">
+              <a:lnSpc>
+                <a:spcPct val="90000"/>
+              </a:lnSpc>
+              <a:spcBef>
+                <a:spcPts val="500"/>
+              </a:spcBef>
+              <a:buFont typeface="Arial" panose="020B0604020202020204" pitchFamily="34" charset="0"/>
+              <a:buChar char="•"/>
+              <a:defRPr sz="1800" kern="1200">
+                <a:solidFill>
+                  <a:schemeClr val="tx1"/>
+                </a:solidFill>
+                <a:latin typeface="+mn-lt"/>
+                <a:ea typeface="+mn-ea"/>
+                <a:cs typeface="+mn-cs"/>
+              </a:defRPr>
+            </a:lvl6pPr>
+            <a:lvl7pPr marL="2971800" indent="-228600" algn="l" defTabSz="914400" rtl="0" eaLnBrk="1" latinLnBrk="0" hangingPunct="1">
+              <a:lnSpc>
+                <a:spcPct val="90000"/>
+              </a:lnSpc>
+              <a:spcBef>
+                <a:spcPts val="500"/>
+              </a:spcBef>
+              <a:buFont typeface="Arial" panose="020B0604020202020204" pitchFamily="34" charset="0"/>
+              <a:buChar char="•"/>
+              <a:defRPr sz="1800" kern="1200">
+                <a:solidFill>
+                  <a:schemeClr val="tx1"/>
+                </a:solidFill>
+                <a:latin typeface="+mn-lt"/>
+                <a:ea typeface="+mn-ea"/>
+                <a:cs typeface="+mn-cs"/>
+              </a:defRPr>
+            </a:lvl7pPr>
+            <a:lvl8pPr marL="3429000" indent="-228600" algn="l" defTabSz="914400" rtl="0" eaLnBrk="1" latinLnBrk="0" hangingPunct="1">
+              <a:lnSpc>
+                <a:spcPct val="90000"/>
+              </a:lnSpc>
+              <a:spcBef>
+                <a:spcPts val="500"/>
+              </a:spcBef>
+              <a:buFont typeface="Arial" panose="020B0604020202020204" pitchFamily="34" charset="0"/>
+              <a:buChar char="•"/>
+              <a:defRPr sz="1800" kern="1200">
+                <a:solidFill>
+                  <a:schemeClr val="tx1"/>
+                </a:solidFill>
+                <a:latin typeface="+mn-lt"/>
+                <a:ea typeface="+mn-ea"/>
+                <a:cs typeface="+mn-cs"/>
+              </a:defRPr>
+            </a:lvl8pPr>
+            <a:lvl9pPr marL="3886200" indent="-228600" algn="l" defTabSz="914400" rtl="0" eaLnBrk="1" latinLnBrk="0" hangingPunct="1">
+              <a:lnSpc>
+                <a:spcPct val="90000"/>
+              </a:lnSpc>
+              <a:spcBef>
+                <a:spcPts val="500"/>
+              </a:spcBef>
+              <a:buFont typeface="Arial" panose="020B0604020202020204" pitchFamily="34" charset="0"/>
+              <a:buChar char="•"/>
+              <a:defRPr sz="1800" kern="1200">
+                <a:solidFill>
+                  <a:schemeClr val="tx1"/>
+                </a:solidFill>
+                <a:latin typeface="+mn-lt"/>
+                <a:ea typeface="+mn-ea"/>
+                <a:cs typeface="+mn-cs"/>
+              </a:defRPr>
+            </a:lvl9pPr>
+          </a:lstStyle>
+          <a:p>
+            <a:pPr marL="0" indent="0" algn="l">
+              <a:spcBef>
+                <a:spcPts val="0"/>
+              </a:spcBef>
+              <a:buNone/>
+            </a:pPr>
+            <a:r>
+              <a:rPr lang="en-US" sz="1800" dirty="0">
                 <a:latin typeface="Courier New" panose="02070309020205020404" pitchFamily="49" charset="0"/>
-                <a:cs typeface="Courier New" panose="02070309020205020404" pitchFamily="49" charset="0"/>
               </a:rPr>
-              <a:t>Request Body (JSON)</a:t>
+              <a:t>{</a:t>
+            </a:r>
+          </a:p>
+          <a:p>
+            <a:pPr marL="0" indent="0" algn="l">
+              <a:spcBef>
+                <a:spcPts val="0"/>
+              </a:spcBef>
+              <a:buNone/>
+            </a:pPr>
+            <a:r>
+              <a:rPr lang="en-US" sz="1800" dirty="0">
+                <a:latin typeface="Courier New" panose="02070309020205020404" pitchFamily="49" charset="0"/>
+              </a:rPr>
+              <a:t>  "</a:t>
+            </a:r>
+            <a:r>
+              <a:rPr lang="en-US" sz="1800" dirty="0" err="1">
+                <a:solidFill>
+                  <a:srgbClr val="FFC000"/>
+                </a:solidFill>
+                <a:latin typeface="Courier New" panose="02070309020205020404" pitchFamily="49" charset="0"/>
+              </a:rPr>
+              <a:t>contributorName</a:t>
+            </a:r>
+            <a:r>
+              <a:rPr lang="en-US" sz="1800" dirty="0">
+                <a:latin typeface="Courier New" panose="02070309020205020404" pitchFamily="49" charset="0"/>
+              </a:rPr>
+              <a:t>": "Sandy </a:t>
+            </a:r>
+            <a:r>
+              <a:rPr lang="en-US" sz="1800" dirty="0" err="1">
+                <a:latin typeface="Courier New" panose="02070309020205020404" pitchFamily="49" charset="0"/>
+              </a:rPr>
+              <a:t>Blotts</a:t>
+            </a:r>
+            <a:r>
+              <a:rPr lang="en-US" sz="1800" dirty="0">
+                <a:latin typeface="Courier New" panose="02070309020205020404" pitchFamily="49" charset="0"/>
+              </a:rPr>
+              <a:t>",</a:t>
+            </a:r>
+          </a:p>
+          <a:p>
+            <a:pPr marL="0" indent="0" algn="l">
+              <a:spcBef>
+                <a:spcPts val="0"/>
+              </a:spcBef>
+              <a:buNone/>
+            </a:pPr>
+            <a:r>
+              <a:rPr lang="en-US" sz="1800" dirty="0">
+                <a:latin typeface="Courier New" panose="02070309020205020404" pitchFamily="49" charset="0"/>
+              </a:rPr>
+              <a:t>  "</a:t>
+            </a:r>
+            <a:r>
+              <a:rPr lang="en-US" sz="1800" dirty="0" err="1">
+                <a:solidFill>
+                  <a:srgbClr val="FFFF00"/>
+                </a:solidFill>
+                <a:latin typeface="Courier New" panose="02070309020205020404" pitchFamily="49" charset="0"/>
+              </a:rPr>
+              <a:t>contributorEmail</a:t>
+            </a:r>
+            <a:r>
+              <a:rPr lang="en-US" sz="1800" dirty="0">
+                <a:latin typeface="Courier New" panose="02070309020205020404" pitchFamily="49" charset="0"/>
+              </a:rPr>
+              <a:t>": "sandy@blotts.r.us"</a:t>
+            </a:r>
+          </a:p>
+          <a:p>
+            <a:pPr marL="0" indent="0" algn="l">
+              <a:spcBef>
+                <a:spcPts val="0"/>
+              </a:spcBef>
+              <a:buNone/>
+            </a:pPr>
+            <a:r>
+              <a:rPr lang="en-US" sz="1800" dirty="0">
+                <a:latin typeface="Courier New" panose="02070309020205020404" pitchFamily="49" charset="0"/>
+              </a:rPr>
+              <a:t>}</a:t>
+            </a:r>
+            <a:endParaRPr lang="en-US" dirty="0">
+              <a:latin typeface="Courier New" panose="02070309020205020404" pitchFamily="49" charset="0"/>
+              <a:cs typeface="Courier New" panose="02070309020205020404" pitchFamily="49" charset="0"/>
+            </a:endParaRPr>
+          </a:p>
+        </p:txBody>
+      </p:sp>
+      <p:sp>
+        <p:nvSpPr>
+          <p:cNvPr id="9" name="Content Placeholder 2">
+            <a:extLst>
+              <a:ext uri="{FF2B5EF4-FFF2-40B4-BE49-F238E27FC236}">
+                <a16:creationId xmlns:a16="http://schemas.microsoft.com/office/drawing/2014/main" id="{B86D0513-2614-5DBE-6947-2527C6F708DB}"/>
+              </a:ext>
+            </a:extLst>
+          </p:cNvPr>
+          <p:cNvSpPr txBox="1">
+            <a:spLocks/>
+          </p:cNvSpPr>
+          <p:nvPr/>
+        </p:nvSpPr>
+        <p:spPr>
+          <a:xfrm>
+            <a:off x="838200" y="2514307"/>
+            <a:ext cx="1263555" cy="484438"/>
+          </a:xfrm>
+          <a:prstGeom prst="rect">
+            <a:avLst/>
+          </a:prstGeom>
+        </p:spPr>
+        <p:txBody>
+          <a:bodyPr vert="horz" lIns="91440" tIns="45720" rIns="91440" bIns="45720" rtlCol="0">
+            <a:normAutofit/>
+          </a:bodyPr>
+          <a:lstStyle>
+            <a:lvl1pPr marL="228600" indent="-228600" algn="l" defTabSz="914400" rtl="0" eaLnBrk="1" latinLnBrk="0" hangingPunct="1">
+              <a:lnSpc>
+                <a:spcPct val="90000"/>
+              </a:lnSpc>
+              <a:spcBef>
+                <a:spcPts val="1000"/>
+              </a:spcBef>
+              <a:buFont typeface="Arial" panose="020B0604020202020204" pitchFamily="34" charset="0"/>
+              <a:buChar char="•"/>
+              <a:defRPr sz="2800" kern="1200">
+                <a:solidFill>
+                  <a:schemeClr val="tx1"/>
+                </a:solidFill>
+                <a:latin typeface="+mn-lt"/>
+                <a:ea typeface="+mn-ea"/>
+                <a:cs typeface="+mn-cs"/>
+              </a:defRPr>
+            </a:lvl1pPr>
+            <a:lvl2pPr marL="685800" indent="-228600" algn="l" defTabSz="914400" rtl="0" eaLnBrk="1" latinLnBrk="0" hangingPunct="1">
+              <a:lnSpc>
+                <a:spcPct val="90000"/>
+              </a:lnSpc>
+              <a:spcBef>
+                <a:spcPts val="500"/>
+              </a:spcBef>
+              <a:buFont typeface="Arial" panose="020B0604020202020204" pitchFamily="34" charset="0"/>
+              <a:buChar char="•"/>
+              <a:defRPr sz="2400" kern="1200">
+                <a:solidFill>
+                  <a:schemeClr val="tx1"/>
+                </a:solidFill>
+                <a:latin typeface="+mn-lt"/>
+                <a:ea typeface="+mn-ea"/>
+                <a:cs typeface="+mn-cs"/>
+              </a:defRPr>
+            </a:lvl2pPr>
+            <a:lvl3pPr marL="1143000" indent="-228600" algn="l" defTabSz="914400" rtl="0" eaLnBrk="1" latinLnBrk="0" hangingPunct="1">
+              <a:lnSpc>
+                <a:spcPct val="90000"/>
+              </a:lnSpc>
+              <a:spcBef>
+                <a:spcPts val="500"/>
+              </a:spcBef>
+              <a:buFont typeface="Arial" panose="020B0604020202020204" pitchFamily="34" charset="0"/>
+              <a:buChar char="•"/>
+              <a:defRPr sz="2000" kern="1200">
+                <a:solidFill>
+                  <a:schemeClr val="tx1"/>
+                </a:solidFill>
+                <a:latin typeface="+mn-lt"/>
+                <a:ea typeface="+mn-ea"/>
+                <a:cs typeface="+mn-cs"/>
+              </a:defRPr>
+            </a:lvl3pPr>
+            <a:lvl4pPr marL="1600200" indent="-228600" algn="l" defTabSz="914400" rtl="0" eaLnBrk="1" latinLnBrk="0" hangingPunct="1">
+              <a:lnSpc>
+                <a:spcPct val="90000"/>
+              </a:lnSpc>
+              <a:spcBef>
+                <a:spcPts val="500"/>
+              </a:spcBef>
+              <a:buFont typeface="Arial" panose="020B0604020202020204" pitchFamily="34" charset="0"/>
+              <a:buChar char="•"/>
+              <a:defRPr sz="1800" kern="1200">
+                <a:solidFill>
+                  <a:schemeClr val="tx1"/>
+                </a:solidFill>
+                <a:latin typeface="+mn-lt"/>
+                <a:ea typeface="+mn-ea"/>
+                <a:cs typeface="+mn-cs"/>
+              </a:defRPr>
+            </a:lvl4pPr>
+            <a:lvl5pPr marL="2057400" indent="-228600" algn="l" defTabSz="914400" rtl="0" eaLnBrk="1" latinLnBrk="0" hangingPunct="1">
+              <a:lnSpc>
+                <a:spcPct val="90000"/>
+              </a:lnSpc>
+              <a:spcBef>
+                <a:spcPts val="500"/>
+              </a:spcBef>
+              <a:buFont typeface="Arial" panose="020B0604020202020204" pitchFamily="34" charset="0"/>
+              <a:buChar char="•"/>
+              <a:defRPr sz="1800" kern="1200">
+                <a:solidFill>
+                  <a:schemeClr val="tx1"/>
+                </a:solidFill>
+                <a:latin typeface="+mn-lt"/>
+                <a:ea typeface="+mn-ea"/>
+                <a:cs typeface="+mn-cs"/>
+              </a:defRPr>
+            </a:lvl5pPr>
+            <a:lvl6pPr marL="2514600" indent="-228600" algn="l" defTabSz="914400" rtl="0" eaLnBrk="1" latinLnBrk="0" hangingPunct="1">
+              <a:lnSpc>
+                <a:spcPct val="90000"/>
+              </a:lnSpc>
+              <a:spcBef>
+                <a:spcPts val="500"/>
+              </a:spcBef>
+              <a:buFont typeface="Arial" panose="020B0604020202020204" pitchFamily="34" charset="0"/>
+              <a:buChar char="•"/>
+              <a:defRPr sz="1800" kern="1200">
+                <a:solidFill>
+                  <a:schemeClr val="tx1"/>
+                </a:solidFill>
+                <a:latin typeface="+mn-lt"/>
+                <a:ea typeface="+mn-ea"/>
+                <a:cs typeface="+mn-cs"/>
+              </a:defRPr>
+            </a:lvl6pPr>
+            <a:lvl7pPr marL="2971800" indent="-228600" algn="l" defTabSz="914400" rtl="0" eaLnBrk="1" latinLnBrk="0" hangingPunct="1">
+              <a:lnSpc>
+                <a:spcPct val="90000"/>
+              </a:lnSpc>
+              <a:spcBef>
+                <a:spcPts val="500"/>
+              </a:spcBef>
+              <a:buFont typeface="Arial" panose="020B0604020202020204" pitchFamily="34" charset="0"/>
+              <a:buChar char="•"/>
+              <a:defRPr sz="1800" kern="1200">
+                <a:solidFill>
+                  <a:schemeClr val="tx1"/>
+                </a:solidFill>
+                <a:latin typeface="+mn-lt"/>
+                <a:ea typeface="+mn-ea"/>
+                <a:cs typeface="+mn-cs"/>
+              </a:defRPr>
+            </a:lvl7pPr>
+            <a:lvl8pPr marL="3429000" indent="-228600" algn="l" defTabSz="914400" rtl="0" eaLnBrk="1" latinLnBrk="0" hangingPunct="1">
+              <a:lnSpc>
+                <a:spcPct val="90000"/>
+              </a:lnSpc>
+              <a:spcBef>
+                <a:spcPts val="500"/>
+              </a:spcBef>
+              <a:buFont typeface="Arial" panose="020B0604020202020204" pitchFamily="34" charset="0"/>
+              <a:buChar char="•"/>
+              <a:defRPr sz="1800" kern="1200">
+                <a:solidFill>
+                  <a:schemeClr val="tx1"/>
+                </a:solidFill>
+                <a:latin typeface="+mn-lt"/>
+                <a:ea typeface="+mn-ea"/>
+                <a:cs typeface="+mn-cs"/>
+              </a:defRPr>
+            </a:lvl8pPr>
+            <a:lvl9pPr marL="3886200" indent="-228600" algn="l" defTabSz="914400" rtl="0" eaLnBrk="1" latinLnBrk="0" hangingPunct="1">
+              <a:lnSpc>
+                <a:spcPct val="90000"/>
+              </a:lnSpc>
+              <a:spcBef>
+                <a:spcPts val="500"/>
+              </a:spcBef>
+              <a:buFont typeface="Arial" panose="020B0604020202020204" pitchFamily="34" charset="0"/>
+              <a:buChar char="•"/>
+              <a:defRPr sz="1800" kern="1200">
+                <a:solidFill>
+                  <a:schemeClr val="tx1"/>
+                </a:solidFill>
+                <a:latin typeface="+mn-lt"/>
+                <a:ea typeface="+mn-ea"/>
+                <a:cs typeface="+mn-cs"/>
+              </a:defRPr>
+            </a:lvl9pPr>
+          </a:lstStyle>
+          <a:p>
+            <a:pPr marL="0" indent="0">
+              <a:buFont typeface="Arial" panose="020B0604020202020204" pitchFamily="34" charset="0"/>
+              <a:buNone/>
+            </a:pPr>
+            <a:r>
+              <a:rPr lang="en-US" dirty="0">
+                <a:solidFill>
+                  <a:srgbClr val="00B050"/>
+                </a:solidFill>
+              </a:rPr>
+              <a:t>JSON</a:t>
+            </a:r>
+            <a:r>
+              <a:rPr lang="en-US" dirty="0"/>
+              <a:t>:</a:t>
             </a:r>
           </a:p>
         </p:txBody>
@@ -9006,7 +11263,7 @@
     </p:spTree>
     <p:extLst>
       <p:ext uri="{BB962C8B-B14F-4D97-AF65-F5344CB8AC3E}">
-        <p14:creationId xmlns:p14="http://schemas.microsoft.com/office/powerpoint/2010/main" val="736681128"/>
+        <p14:creationId xmlns:p14="http://schemas.microsoft.com/office/powerpoint/2010/main" val="2551476279"/>
       </p:ext>
     </p:extLst>
   </p:cSld>
@@ -9050,7 +11307,7 @@
           <p:cNvPr id="2" name="Title 1">
             <a:extLst>
               <a:ext uri="{FF2B5EF4-FFF2-40B4-BE49-F238E27FC236}">
-                <a16:creationId xmlns:a16="http://schemas.microsoft.com/office/drawing/2014/main" id="{265C6778-E9E7-4839-FF30-55C0506F5116}"/>
+                <a16:creationId xmlns:a16="http://schemas.microsoft.com/office/drawing/2014/main" id="{E583AC9E-12F6-4735-062B-36AB4AD83789}"/>
               </a:ext>
             </a:extLst>
           </p:cNvPr>
@@ -9068,7 +11325,7 @@
           <a:p>
             <a:r>
               <a:rPr lang="en-US" dirty="0"/>
-              <a:t>Request Line</a:t>
+              <a:t>A look at HTTP</a:t>
             </a:r>
           </a:p>
         </p:txBody>
@@ -9078,7 +11335,7 @@
           <p:cNvPr id="3" name="Content Placeholder 2">
             <a:extLst>
               <a:ext uri="{FF2B5EF4-FFF2-40B4-BE49-F238E27FC236}">
-                <a16:creationId xmlns:a16="http://schemas.microsoft.com/office/drawing/2014/main" id="{7E7FCFD8-AAE2-6349-515B-2887255892EF}"/>
+                <a16:creationId xmlns:a16="http://schemas.microsoft.com/office/drawing/2014/main" id="{782396CD-FB00-B049-33DB-67EBFFF23581}"/>
               </a:ext>
             </a:extLst>
           </p:cNvPr>
@@ -9092,537 +11349,110 @@
         <p:spPr>
           <a:xfrm>
             <a:off x="838200" y="1825625"/>
-            <a:ext cx="5658134" cy="603676"/>
+            <a:ext cx="10655808" cy="2712508"/>
           </a:xfrm>
         </p:spPr>
         <p:txBody>
           <a:bodyPr/>
           <a:lstStyle/>
           <a:p>
-            <a:pPr marL="0" indent="0">
-              <a:buNone/>
-            </a:pPr>
             <a:r>
               <a:rPr lang="en-US" dirty="0"/>
-              <a:t>VERB + URI + HTTP Version</a:t>
-            </a:r>
-          </a:p>
-        </p:txBody>
-      </p:sp>
-      <p:sp>
-        <p:nvSpPr>
-          <p:cNvPr id="4" name="Content Placeholder 2">
+              <a:t>HTTP is an </a:t>
+            </a:r>
+            <a:r>
+              <a:rPr lang="en-US" dirty="0">
+                <a:solidFill>
+                  <a:srgbClr val="00B050"/>
+                </a:solidFill>
+              </a:rPr>
+              <a:t>abbreviation</a:t>
+            </a:r>
+            <a:r>
+              <a:rPr lang="en-US" dirty="0"/>
+              <a:t> for Hypertext Transport Protocol</a:t>
+            </a:r>
+          </a:p>
+          <a:p>
+            <a:r>
+              <a:rPr lang="en-US" dirty="0"/>
+              <a:t>HTTP is just </a:t>
+            </a:r>
+            <a:r>
+              <a:rPr lang="en-US" dirty="0">
+                <a:solidFill>
+                  <a:srgbClr val="00B050"/>
+                </a:solidFill>
+              </a:rPr>
+              <a:t>text</a:t>
+            </a:r>
+            <a:r>
+              <a:rPr lang="en-US" dirty="0"/>
+              <a:t> sent over the Internet</a:t>
+            </a:r>
+          </a:p>
+          <a:p>
+            <a:r>
+              <a:rPr lang="en-US" dirty="0"/>
+              <a:t>HTTP consists of a </a:t>
+            </a:r>
+            <a:r>
+              <a:rPr lang="en-US" dirty="0">
+                <a:solidFill>
+                  <a:srgbClr val="00B0F0"/>
+                </a:solidFill>
+              </a:rPr>
+              <a:t>request</a:t>
+            </a:r>
+            <a:r>
+              <a:rPr lang="en-US" dirty="0"/>
+              <a:t> and a </a:t>
+            </a:r>
+            <a:r>
+              <a:rPr lang="en-US" dirty="0">
+                <a:solidFill>
+                  <a:srgbClr val="00B0F0"/>
+                </a:solidFill>
+              </a:rPr>
+              <a:t>response</a:t>
+            </a:r>
+          </a:p>
+        </p:txBody>
+      </p:sp>
+      <p:pic>
+        <p:nvPicPr>
+          <p:cNvPr id="6" name="Picture 5">
             <a:extLst>
               <a:ext uri="{FF2B5EF4-FFF2-40B4-BE49-F238E27FC236}">
-                <a16:creationId xmlns:a16="http://schemas.microsoft.com/office/drawing/2014/main" id="{91204C75-613E-784A-7BE6-007758A02E5D}"/>
+                <a16:creationId xmlns:a16="http://schemas.microsoft.com/office/drawing/2014/main" id="{B76BDB38-02F8-A771-3ED2-F9AA7894E03B}"/>
               </a:ext>
             </a:extLst>
           </p:cNvPr>
-          <p:cNvSpPr txBox="1">
-            <a:spLocks/>
-          </p:cNvSpPr>
+          <p:cNvPicPr>
+            <a:picLocks noChangeAspect="1"/>
+          </p:cNvPicPr>
           <p:nvPr/>
-        </p:nvSpPr>
+        </p:nvPicPr>
+        <p:blipFill>
+          <a:blip r:embed="rId2"/>
+          <a:stretch>
+            <a:fillRect/>
+          </a:stretch>
+        </p:blipFill>
         <p:spPr>
           <a:xfrm>
-            <a:off x="838200" y="2591536"/>
-            <a:ext cx="5658134" cy="1147953"/>
+            <a:off x="2745652" y="3806879"/>
+            <a:ext cx="6036608" cy="2136720"/>
           </a:xfrm>
           <a:prstGeom prst="rect">
             <a:avLst/>
           </a:prstGeom>
         </p:spPr>
-        <p:txBody>
-          <a:bodyPr vert="horz" lIns="91440" tIns="45720" rIns="91440" bIns="45720" rtlCol="0">
-            <a:normAutofit/>
-          </a:bodyPr>
-          <a:lstStyle>
-            <a:lvl1pPr marL="228600" indent="-228600" algn="l" defTabSz="914400" rtl="0" eaLnBrk="1" latinLnBrk="0" hangingPunct="1">
-              <a:lnSpc>
-                <a:spcPct val="90000"/>
-              </a:lnSpc>
-              <a:spcBef>
-                <a:spcPts val="1000"/>
-              </a:spcBef>
-              <a:buFont typeface="Arial" panose="020B0604020202020204" pitchFamily="34" charset="0"/>
-              <a:buChar char="•"/>
-              <a:defRPr sz="2800" kern="1200">
-                <a:solidFill>
-                  <a:schemeClr val="tx1"/>
-                </a:solidFill>
-                <a:latin typeface="+mn-lt"/>
-                <a:ea typeface="+mn-ea"/>
-                <a:cs typeface="+mn-cs"/>
-              </a:defRPr>
-            </a:lvl1pPr>
-            <a:lvl2pPr marL="685800" indent="-228600" algn="l" defTabSz="914400" rtl="0" eaLnBrk="1" latinLnBrk="0" hangingPunct="1">
-              <a:lnSpc>
-                <a:spcPct val="90000"/>
-              </a:lnSpc>
-              <a:spcBef>
-                <a:spcPts val="500"/>
-              </a:spcBef>
-              <a:buFont typeface="Arial" panose="020B0604020202020204" pitchFamily="34" charset="0"/>
-              <a:buChar char="•"/>
-              <a:defRPr sz="2400" kern="1200">
-                <a:solidFill>
-                  <a:schemeClr val="tx1"/>
-                </a:solidFill>
-                <a:latin typeface="+mn-lt"/>
-                <a:ea typeface="+mn-ea"/>
-                <a:cs typeface="+mn-cs"/>
-              </a:defRPr>
-            </a:lvl2pPr>
-            <a:lvl3pPr marL="1143000" indent="-228600" algn="l" defTabSz="914400" rtl="0" eaLnBrk="1" latinLnBrk="0" hangingPunct="1">
-              <a:lnSpc>
-                <a:spcPct val="90000"/>
-              </a:lnSpc>
-              <a:spcBef>
-                <a:spcPts val="500"/>
-              </a:spcBef>
-              <a:buFont typeface="Arial" panose="020B0604020202020204" pitchFamily="34" charset="0"/>
-              <a:buChar char="•"/>
-              <a:defRPr sz="2000" kern="1200">
-                <a:solidFill>
-                  <a:schemeClr val="tx1"/>
-                </a:solidFill>
-                <a:latin typeface="+mn-lt"/>
-                <a:ea typeface="+mn-ea"/>
-                <a:cs typeface="+mn-cs"/>
-              </a:defRPr>
-            </a:lvl3pPr>
-            <a:lvl4pPr marL="1600200" indent="-228600" algn="l" defTabSz="914400" rtl="0" eaLnBrk="1" latinLnBrk="0" hangingPunct="1">
-              <a:lnSpc>
-                <a:spcPct val="90000"/>
-              </a:lnSpc>
-              <a:spcBef>
-                <a:spcPts val="500"/>
-              </a:spcBef>
-              <a:buFont typeface="Arial" panose="020B0604020202020204" pitchFamily="34" charset="0"/>
-              <a:buChar char="•"/>
-              <a:defRPr sz="1800" kern="1200">
-                <a:solidFill>
-                  <a:schemeClr val="tx1"/>
-                </a:solidFill>
-                <a:latin typeface="+mn-lt"/>
-                <a:ea typeface="+mn-ea"/>
-                <a:cs typeface="+mn-cs"/>
-              </a:defRPr>
-            </a:lvl4pPr>
-            <a:lvl5pPr marL="2057400" indent="-228600" algn="l" defTabSz="914400" rtl="0" eaLnBrk="1" latinLnBrk="0" hangingPunct="1">
-              <a:lnSpc>
-                <a:spcPct val="90000"/>
-              </a:lnSpc>
-              <a:spcBef>
-                <a:spcPts val="500"/>
-              </a:spcBef>
-              <a:buFont typeface="Arial" panose="020B0604020202020204" pitchFamily="34" charset="0"/>
-              <a:buChar char="•"/>
-              <a:defRPr sz="1800" kern="1200">
-                <a:solidFill>
-                  <a:schemeClr val="tx1"/>
-                </a:solidFill>
-                <a:latin typeface="+mn-lt"/>
-                <a:ea typeface="+mn-ea"/>
-                <a:cs typeface="+mn-cs"/>
-              </a:defRPr>
-            </a:lvl5pPr>
-            <a:lvl6pPr marL="2514600" indent="-228600" algn="l" defTabSz="914400" rtl="0" eaLnBrk="1" latinLnBrk="0" hangingPunct="1">
-              <a:lnSpc>
-                <a:spcPct val="90000"/>
-              </a:lnSpc>
-              <a:spcBef>
-                <a:spcPts val="500"/>
-              </a:spcBef>
-              <a:buFont typeface="Arial" panose="020B0604020202020204" pitchFamily="34" charset="0"/>
-              <a:buChar char="•"/>
-              <a:defRPr sz="1800" kern="1200">
-                <a:solidFill>
-                  <a:schemeClr val="tx1"/>
-                </a:solidFill>
-                <a:latin typeface="+mn-lt"/>
-                <a:ea typeface="+mn-ea"/>
-                <a:cs typeface="+mn-cs"/>
-              </a:defRPr>
-            </a:lvl6pPr>
-            <a:lvl7pPr marL="2971800" indent="-228600" algn="l" defTabSz="914400" rtl="0" eaLnBrk="1" latinLnBrk="0" hangingPunct="1">
-              <a:lnSpc>
-                <a:spcPct val="90000"/>
-              </a:lnSpc>
-              <a:spcBef>
-                <a:spcPts val="500"/>
-              </a:spcBef>
-              <a:buFont typeface="Arial" panose="020B0604020202020204" pitchFamily="34" charset="0"/>
-              <a:buChar char="•"/>
-              <a:defRPr sz="1800" kern="1200">
-                <a:solidFill>
-                  <a:schemeClr val="tx1"/>
-                </a:solidFill>
-                <a:latin typeface="+mn-lt"/>
-                <a:ea typeface="+mn-ea"/>
-                <a:cs typeface="+mn-cs"/>
-              </a:defRPr>
-            </a:lvl7pPr>
-            <a:lvl8pPr marL="3429000" indent="-228600" algn="l" defTabSz="914400" rtl="0" eaLnBrk="1" latinLnBrk="0" hangingPunct="1">
-              <a:lnSpc>
-                <a:spcPct val="90000"/>
-              </a:lnSpc>
-              <a:spcBef>
-                <a:spcPts val="500"/>
-              </a:spcBef>
-              <a:buFont typeface="Arial" panose="020B0604020202020204" pitchFamily="34" charset="0"/>
-              <a:buChar char="•"/>
-              <a:defRPr sz="1800" kern="1200">
-                <a:solidFill>
-                  <a:schemeClr val="tx1"/>
-                </a:solidFill>
-                <a:latin typeface="+mn-lt"/>
-                <a:ea typeface="+mn-ea"/>
-                <a:cs typeface="+mn-cs"/>
-              </a:defRPr>
-            </a:lvl8pPr>
-            <a:lvl9pPr marL="3886200" indent="-228600" algn="l" defTabSz="914400" rtl="0" eaLnBrk="1" latinLnBrk="0" hangingPunct="1">
-              <a:lnSpc>
-                <a:spcPct val="90000"/>
-              </a:lnSpc>
-              <a:spcBef>
-                <a:spcPts val="500"/>
-              </a:spcBef>
-              <a:buFont typeface="Arial" panose="020B0604020202020204" pitchFamily="34" charset="0"/>
-              <a:buChar char="•"/>
-              <a:defRPr sz="1800" kern="1200">
-                <a:solidFill>
-                  <a:schemeClr val="tx1"/>
-                </a:solidFill>
-                <a:latin typeface="+mn-lt"/>
-                <a:ea typeface="+mn-ea"/>
-                <a:cs typeface="+mn-cs"/>
-              </a:defRPr>
-            </a:lvl9pPr>
-          </a:lstStyle>
-          <a:p>
-            <a:pPr marL="0" indent="0">
-              <a:buFont typeface="Arial" panose="020B0604020202020204" pitchFamily="34" charset="0"/>
-              <a:buNone/>
-            </a:pPr>
-            <a:r>
-              <a:rPr lang="en-US" dirty="0">
-                <a:latin typeface="Courier New" panose="02070309020205020404" pitchFamily="49" charset="0"/>
-                <a:cs typeface="Courier New" panose="02070309020205020404" pitchFamily="49" charset="0"/>
-              </a:rPr>
-              <a:t>GET /</a:t>
-            </a:r>
-            <a:r>
-              <a:rPr lang="en-US" dirty="0" err="1">
-                <a:latin typeface="Courier New" panose="02070309020205020404" pitchFamily="49" charset="0"/>
-                <a:cs typeface="Courier New" panose="02070309020205020404" pitchFamily="49" charset="0"/>
-              </a:rPr>
-              <a:t>pet_store</a:t>
-            </a:r>
-            <a:r>
-              <a:rPr lang="en-US" dirty="0">
-                <a:latin typeface="Courier New" panose="02070309020205020404" pitchFamily="49" charset="0"/>
-                <a:cs typeface="Courier New" panose="02070309020205020404" pitchFamily="49" charset="0"/>
-              </a:rPr>
-              <a:t> HTTP/2.0</a:t>
-            </a:r>
-          </a:p>
-          <a:p>
-            <a:pPr marL="0" indent="0">
-              <a:buFont typeface="Arial" panose="020B0604020202020204" pitchFamily="34" charset="0"/>
-              <a:buNone/>
-            </a:pPr>
-            <a:r>
-              <a:rPr lang="en-US" dirty="0">
-                <a:latin typeface="Courier New" panose="02070309020205020404" pitchFamily="49" charset="0"/>
-                <a:cs typeface="Courier New" panose="02070309020205020404" pitchFamily="49" charset="0"/>
-              </a:rPr>
-              <a:t>POST /</a:t>
-            </a:r>
-            <a:r>
-              <a:rPr lang="en-US" dirty="0" err="1">
-                <a:latin typeface="Courier New" panose="02070309020205020404" pitchFamily="49" charset="0"/>
-                <a:cs typeface="Courier New" panose="02070309020205020404" pitchFamily="49" charset="0"/>
-              </a:rPr>
-              <a:t>pet_store</a:t>
-            </a:r>
-            <a:r>
-              <a:rPr lang="en-US" dirty="0">
-                <a:latin typeface="Courier New" panose="02070309020205020404" pitchFamily="49" charset="0"/>
-                <a:cs typeface="Courier New" panose="02070309020205020404" pitchFamily="49" charset="0"/>
-              </a:rPr>
-              <a:t> HTTP/2.0</a:t>
-            </a:r>
-          </a:p>
-        </p:txBody>
-      </p:sp>
-      <p:sp>
-        <p:nvSpPr>
-          <p:cNvPr id="5" name="Content Placeholder 2">
-            <a:extLst>
-              <a:ext uri="{FF2B5EF4-FFF2-40B4-BE49-F238E27FC236}">
-                <a16:creationId xmlns:a16="http://schemas.microsoft.com/office/drawing/2014/main" id="{F5400FB5-8C92-177D-1FAF-65038878976B}"/>
-              </a:ext>
-            </a:extLst>
-          </p:cNvPr>
-          <p:cNvSpPr txBox="1">
-            <a:spLocks/>
-          </p:cNvSpPr>
-          <p:nvPr/>
-        </p:nvSpPr>
-        <p:spPr>
-          <a:xfrm>
-            <a:off x="838200" y="3901723"/>
-            <a:ext cx="5658134" cy="2348951"/>
-          </a:xfrm>
-          <a:prstGeom prst="rect">
-            <a:avLst/>
-          </a:prstGeom>
-        </p:spPr>
-        <p:txBody>
-          <a:bodyPr vert="horz" lIns="91440" tIns="45720" rIns="91440" bIns="45720" rtlCol="0">
-            <a:normAutofit/>
-          </a:bodyPr>
-          <a:lstStyle>
-            <a:lvl1pPr marL="228600" indent="-228600" algn="l" defTabSz="914400" rtl="0" eaLnBrk="1" latinLnBrk="0" hangingPunct="1">
-              <a:lnSpc>
-                <a:spcPct val="90000"/>
-              </a:lnSpc>
-              <a:spcBef>
-                <a:spcPts val="1000"/>
-              </a:spcBef>
-              <a:buFont typeface="Arial" panose="020B0604020202020204" pitchFamily="34" charset="0"/>
-              <a:buChar char="•"/>
-              <a:defRPr sz="2800" kern="1200">
-                <a:solidFill>
-                  <a:schemeClr val="tx1"/>
-                </a:solidFill>
-                <a:latin typeface="+mn-lt"/>
-                <a:ea typeface="+mn-ea"/>
-                <a:cs typeface="+mn-cs"/>
-              </a:defRPr>
-            </a:lvl1pPr>
-            <a:lvl2pPr marL="685800" indent="-228600" algn="l" defTabSz="914400" rtl="0" eaLnBrk="1" latinLnBrk="0" hangingPunct="1">
-              <a:lnSpc>
-                <a:spcPct val="90000"/>
-              </a:lnSpc>
-              <a:spcBef>
-                <a:spcPts val="500"/>
-              </a:spcBef>
-              <a:buFont typeface="Arial" panose="020B0604020202020204" pitchFamily="34" charset="0"/>
-              <a:buChar char="•"/>
-              <a:defRPr sz="2400" kern="1200">
-                <a:solidFill>
-                  <a:schemeClr val="tx1"/>
-                </a:solidFill>
-                <a:latin typeface="+mn-lt"/>
-                <a:ea typeface="+mn-ea"/>
-                <a:cs typeface="+mn-cs"/>
-              </a:defRPr>
-            </a:lvl2pPr>
-            <a:lvl3pPr marL="1143000" indent="-228600" algn="l" defTabSz="914400" rtl="0" eaLnBrk="1" latinLnBrk="0" hangingPunct="1">
-              <a:lnSpc>
-                <a:spcPct val="90000"/>
-              </a:lnSpc>
-              <a:spcBef>
-                <a:spcPts val="500"/>
-              </a:spcBef>
-              <a:buFont typeface="Arial" panose="020B0604020202020204" pitchFamily="34" charset="0"/>
-              <a:buChar char="•"/>
-              <a:defRPr sz="2000" kern="1200">
-                <a:solidFill>
-                  <a:schemeClr val="tx1"/>
-                </a:solidFill>
-                <a:latin typeface="+mn-lt"/>
-                <a:ea typeface="+mn-ea"/>
-                <a:cs typeface="+mn-cs"/>
-              </a:defRPr>
-            </a:lvl3pPr>
-            <a:lvl4pPr marL="1600200" indent="-228600" algn="l" defTabSz="914400" rtl="0" eaLnBrk="1" latinLnBrk="0" hangingPunct="1">
-              <a:lnSpc>
-                <a:spcPct val="90000"/>
-              </a:lnSpc>
-              <a:spcBef>
-                <a:spcPts val="500"/>
-              </a:spcBef>
-              <a:buFont typeface="Arial" panose="020B0604020202020204" pitchFamily="34" charset="0"/>
-              <a:buChar char="•"/>
-              <a:defRPr sz="1800" kern="1200">
-                <a:solidFill>
-                  <a:schemeClr val="tx1"/>
-                </a:solidFill>
-                <a:latin typeface="+mn-lt"/>
-                <a:ea typeface="+mn-ea"/>
-                <a:cs typeface="+mn-cs"/>
-              </a:defRPr>
-            </a:lvl4pPr>
-            <a:lvl5pPr marL="2057400" indent="-228600" algn="l" defTabSz="914400" rtl="0" eaLnBrk="1" latinLnBrk="0" hangingPunct="1">
-              <a:lnSpc>
-                <a:spcPct val="90000"/>
-              </a:lnSpc>
-              <a:spcBef>
-                <a:spcPts val="500"/>
-              </a:spcBef>
-              <a:buFont typeface="Arial" panose="020B0604020202020204" pitchFamily="34" charset="0"/>
-              <a:buChar char="•"/>
-              <a:defRPr sz="1800" kern="1200">
-                <a:solidFill>
-                  <a:schemeClr val="tx1"/>
-                </a:solidFill>
-                <a:latin typeface="+mn-lt"/>
-                <a:ea typeface="+mn-ea"/>
-                <a:cs typeface="+mn-cs"/>
-              </a:defRPr>
-            </a:lvl5pPr>
-            <a:lvl6pPr marL="2514600" indent="-228600" algn="l" defTabSz="914400" rtl="0" eaLnBrk="1" latinLnBrk="0" hangingPunct="1">
-              <a:lnSpc>
-                <a:spcPct val="90000"/>
-              </a:lnSpc>
-              <a:spcBef>
-                <a:spcPts val="500"/>
-              </a:spcBef>
-              <a:buFont typeface="Arial" panose="020B0604020202020204" pitchFamily="34" charset="0"/>
-              <a:buChar char="•"/>
-              <a:defRPr sz="1800" kern="1200">
-                <a:solidFill>
-                  <a:schemeClr val="tx1"/>
-                </a:solidFill>
-                <a:latin typeface="+mn-lt"/>
-                <a:ea typeface="+mn-ea"/>
-                <a:cs typeface="+mn-cs"/>
-              </a:defRPr>
-            </a:lvl6pPr>
-            <a:lvl7pPr marL="2971800" indent="-228600" algn="l" defTabSz="914400" rtl="0" eaLnBrk="1" latinLnBrk="0" hangingPunct="1">
-              <a:lnSpc>
-                <a:spcPct val="90000"/>
-              </a:lnSpc>
-              <a:spcBef>
-                <a:spcPts val="500"/>
-              </a:spcBef>
-              <a:buFont typeface="Arial" panose="020B0604020202020204" pitchFamily="34" charset="0"/>
-              <a:buChar char="•"/>
-              <a:defRPr sz="1800" kern="1200">
-                <a:solidFill>
-                  <a:schemeClr val="tx1"/>
-                </a:solidFill>
-                <a:latin typeface="+mn-lt"/>
-                <a:ea typeface="+mn-ea"/>
-                <a:cs typeface="+mn-cs"/>
-              </a:defRPr>
-            </a:lvl7pPr>
-            <a:lvl8pPr marL="3429000" indent="-228600" algn="l" defTabSz="914400" rtl="0" eaLnBrk="1" latinLnBrk="0" hangingPunct="1">
-              <a:lnSpc>
-                <a:spcPct val="90000"/>
-              </a:lnSpc>
-              <a:spcBef>
-                <a:spcPts val="500"/>
-              </a:spcBef>
-              <a:buFont typeface="Arial" panose="020B0604020202020204" pitchFamily="34" charset="0"/>
-              <a:buChar char="•"/>
-              <a:defRPr sz="1800" kern="1200">
-                <a:solidFill>
-                  <a:schemeClr val="tx1"/>
-                </a:solidFill>
-                <a:latin typeface="+mn-lt"/>
-                <a:ea typeface="+mn-ea"/>
-                <a:cs typeface="+mn-cs"/>
-              </a:defRPr>
-            </a:lvl8pPr>
-            <a:lvl9pPr marL="3886200" indent="-228600" algn="l" defTabSz="914400" rtl="0" eaLnBrk="1" latinLnBrk="0" hangingPunct="1">
-              <a:lnSpc>
-                <a:spcPct val="90000"/>
-              </a:lnSpc>
-              <a:spcBef>
-                <a:spcPts val="500"/>
-              </a:spcBef>
-              <a:buFont typeface="Arial" panose="020B0604020202020204" pitchFamily="34" charset="0"/>
-              <a:buChar char="•"/>
-              <a:defRPr sz="1800" kern="1200">
-                <a:solidFill>
-                  <a:schemeClr val="tx1"/>
-                </a:solidFill>
-                <a:latin typeface="+mn-lt"/>
-                <a:ea typeface="+mn-ea"/>
-                <a:cs typeface="+mn-cs"/>
-              </a:defRPr>
-            </a:lvl9pPr>
-          </a:lstStyle>
-          <a:p>
-            <a:pPr marL="0" indent="0">
-              <a:buFont typeface="Arial" panose="020B0604020202020204" pitchFamily="34" charset="0"/>
-              <a:buNone/>
-            </a:pPr>
-            <a:r>
-              <a:rPr lang="en-US" dirty="0"/>
-              <a:t>Common HTTP Verbs (CRUD):</a:t>
-            </a:r>
-          </a:p>
-          <a:p>
-            <a:pPr lvl="1"/>
-            <a:r>
-              <a:rPr lang="en-US" dirty="0">
-                <a:solidFill>
-                  <a:srgbClr val="00B0F0"/>
-                </a:solidFill>
-              </a:rPr>
-              <a:t>POST</a:t>
-            </a:r>
-            <a:r>
-              <a:rPr lang="en-US" dirty="0"/>
-              <a:t> (Create)</a:t>
-            </a:r>
-          </a:p>
-          <a:p>
-            <a:pPr lvl="1"/>
-            <a:r>
-              <a:rPr lang="en-US" dirty="0">
-                <a:solidFill>
-                  <a:srgbClr val="00B050"/>
-                </a:solidFill>
-              </a:rPr>
-              <a:t>GET</a:t>
-            </a:r>
-            <a:r>
-              <a:rPr lang="en-US" dirty="0"/>
-              <a:t> (Read)</a:t>
-            </a:r>
-          </a:p>
-          <a:p>
-            <a:pPr lvl="1"/>
-            <a:r>
-              <a:rPr lang="en-US" dirty="0">
-                <a:solidFill>
-                  <a:srgbClr val="FFC000"/>
-                </a:solidFill>
-              </a:rPr>
-              <a:t>PUT</a:t>
-            </a:r>
-            <a:r>
-              <a:rPr lang="en-US" dirty="0"/>
-              <a:t> (Update)</a:t>
-            </a:r>
-          </a:p>
-          <a:p>
-            <a:pPr lvl="1"/>
-            <a:r>
-              <a:rPr lang="en-US" dirty="0">
-                <a:solidFill>
-                  <a:srgbClr val="FF0000"/>
-                </a:solidFill>
-              </a:rPr>
-              <a:t>DELETE</a:t>
-            </a:r>
-            <a:r>
-              <a:rPr lang="en-US" dirty="0"/>
-              <a:t> (Delete)</a:t>
-            </a:r>
-          </a:p>
-        </p:txBody>
-      </p:sp>
+      </p:pic>
     </p:spTree>
     <p:extLst>
       <p:ext uri="{BB962C8B-B14F-4D97-AF65-F5344CB8AC3E}">
-        <p14:creationId xmlns:p14="http://schemas.microsoft.com/office/powerpoint/2010/main" val="4086873436"/>
+        <p14:creationId xmlns:p14="http://schemas.microsoft.com/office/powerpoint/2010/main" val="35612208"/>
       </p:ext>
     </p:extLst>
   </p:cSld>
